--- a/git.pptx
+++ b/git.pptx
@@ -5,29 +5,32 @@
     <p:sldMasterId id="2147483648" r:id="rId1"/>
   </p:sldMasterIdLst>
   <p:notesMasterIdLst>
-    <p:notesMasterId r:id="rId22"/>
+    <p:notesMasterId r:id="rId25"/>
   </p:notesMasterIdLst>
   <p:sldIdLst>
     <p:sldId id="256" r:id="rId2"/>
     <p:sldId id="271" r:id="rId3"/>
-    <p:sldId id="257" r:id="rId4"/>
-    <p:sldId id="273" r:id="rId5"/>
-    <p:sldId id="261" r:id="rId6"/>
-    <p:sldId id="267" r:id="rId7"/>
-    <p:sldId id="258" r:id="rId8"/>
-    <p:sldId id="264" r:id="rId9"/>
-    <p:sldId id="274" r:id="rId10"/>
-    <p:sldId id="275" r:id="rId11"/>
-    <p:sldId id="259" r:id="rId12"/>
-    <p:sldId id="262" r:id="rId13"/>
-    <p:sldId id="263" r:id="rId14"/>
-    <p:sldId id="265" r:id="rId15"/>
-    <p:sldId id="269" r:id="rId16"/>
-    <p:sldId id="266" r:id="rId17"/>
-    <p:sldId id="270" r:id="rId18"/>
-    <p:sldId id="272" r:id="rId19"/>
-    <p:sldId id="268" r:id="rId20"/>
-    <p:sldId id="260" r:id="rId21"/>
+    <p:sldId id="277" r:id="rId4"/>
+    <p:sldId id="257" r:id="rId5"/>
+    <p:sldId id="273" r:id="rId6"/>
+    <p:sldId id="261" r:id="rId7"/>
+    <p:sldId id="267" r:id="rId8"/>
+    <p:sldId id="258" r:id="rId9"/>
+    <p:sldId id="264" r:id="rId10"/>
+    <p:sldId id="274" r:id="rId11"/>
+    <p:sldId id="276" r:id="rId12"/>
+    <p:sldId id="278" r:id="rId13"/>
+    <p:sldId id="275" r:id="rId14"/>
+    <p:sldId id="259" r:id="rId15"/>
+    <p:sldId id="262" r:id="rId16"/>
+    <p:sldId id="263" r:id="rId17"/>
+    <p:sldId id="265" r:id="rId18"/>
+    <p:sldId id="269" r:id="rId19"/>
+    <p:sldId id="266" r:id="rId20"/>
+    <p:sldId id="270" r:id="rId21"/>
+    <p:sldId id="272" r:id="rId22"/>
+    <p:sldId id="268" r:id="rId23"/>
+    <p:sldId id="260" r:id="rId24"/>
   </p:sldIdLst>
   <p:sldSz cx="12192000" cy="6858000"/>
   <p:notesSz cx="6858000" cy="9144000"/>
@@ -559,7 +562,11 @@
           <a:bodyPr/>
           <a:lstStyle/>
           <a:p>
-            <a:endParaRPr kumimoji="1" lang="ja-JP" altLang="en-US" dirty="0"/>
+            <a:r>
+              <a:rPr kumimoji="1" lang="ja-JP" altLang="en-US" dirty="0"/>
+              <a:t>ステージングはステージに置く、インデックスに置く、ステージングに置くなど様々な表現をされる</a:t>
+            </a:r>
+            <a:endParaRPr kumimoji="1" lang="en-US" altLang="ja-JP" dirty="0"/>
           </a:p>
         </p:txBody>
       </p:sp>
@@ -580,7 +587,7 @@
           <a:p>
             <a:fld id="{E690B67D-0EEB-420D-B242-C4B71FCC5D18}" type="slidenum">
               <a:rPr kumimoji="1" lang="ja-JP" altLang="en-US" smtClean="0"/>
-              <a:t>4</a:t>
+              <a:t>5</a:t>
             </a:fld>
             <a:endParaRPr kumimoji="1" lang="ja-JP" altLang="en-US"/>
           </a:p>
@@ -664,7 +671,7 @@
           <a:p>
             <a:fld id="{E690B67D-0EEB-420D-B242-C4B71FCC5D18}" type="slidenum">
               <a:rPr kumimoji="1" lang="ja-JP" altLang="en-US" smtClean="0"/>
-              <a:t>5</a:t>
+              <a:t>6</a:t>
             </a:fld>
             <a:endParaRPr kumimoji="1" lang="ja-JP" altLang="en-US"/>
           </a:p>
@@ -795,7 +802,7 @@
           <a:p>
             <a:fld id="{E690B67D-0EEB-420D-B242-C4B71FCC5D18}" type="slidenum">
               <a:rPr kumimoji="1" lang="ja-JP" altLang="en-US" smtClean="0"/>
-              <a:t>6</a:t>
+              <a:t>7</a:t>
             </a:fld>
             <a:endParaRPr kumimoji="1" lang="ja-JP" altLang="en-US"/>
           </a:p>
@@ -858,6 +865,17 @@
           <a:bodyPr/>
           <a:lstStyle/>
           <a:p>
+            <a:r>
+              <a:rPr kumimoji="1" lang="en-US" altLang="ja-JP" dirty="0"/>
+              <a:t>git status –s </a:t>
+            </a:r>
+            <a:r>
+              <a:rPr kumimoji="1" lang="ja-JP" altLang="en-US" dirty="0"/>
+              <a:t>でそれぞれ３つの区分情報を消して表示させることができる</a:t>
+            </a:r>
+            <a:endParaRPr kumimoji="1" lang="en-US" altLang="ja-JP" dirty="0"/>
+          </a:p>
+          <a:p>
             <a:endParaRPr kumimoji="1" lang="ja-JP" altLang="en-US" dirty="0"/>
           </a:p>
         </p:txBody>
@@ -879,7 +897,7 @@
           <a:p>
             <a:fld id="{E690B67D-0EEB-420D-B242-C4B71FCC5D18}" type="slidenum">
               <a:rPr kumimoji="1" lang="ja-JP" altLang="en-US" smtClean="0"/>
-              <a:t>17</a:t>
+              <a:t>11</a:t>
             </a:fld>
             <a:endParaRPr kumimoji="1" lang="ja-JP" altLang="en-US"/>
           </a:p>
@@ -888,7 +906,7 @@
     </p:spTree>
     <p:extLst>
       <p:ext uri="{BB962C8B-B14F-4D97-AF65-F5344CB8AC3E}">
-        <p14:creationId xmlns:p14="http://schemas.microsoft.com/office/powerpoint/2010/main" val="3560921937"/>
+        <p14:creationId xmlns:p14="http://schemas.microsoft.com/office/powerpoint/2010/main" val="3448712264"/>
       </p:ext>
     </p:extLst>
   </p:cSld>
@@ -942,6 +960,89 @@
           <a:bodyPr/>
           <a:lstStyle/>
           <a:p>
+            <a:r>
+              <a:rPr lang="en-US" altLang="ja-JP" dirty="0"/>
+              <a:t>HEAD</a:t>
+            </a:r>
+            <a:r>
+              <a:rPr lang="ja-JP" altLang="en-US" dirty="0"/>
+              <a:t>は現在のコミットハッシュを意味している。</a:t>
+            </a:r>
+            <a:r>
+              <a:rPr lang="en-US" altLang="ja-JP" dirty="0"/>
+              <a:t>HEAD^</a:t>
+            </a:r>
+            <a:r>
+              <a:rPr lang="ja-JP" altLang="en-US" dirty="0"/>
+              <a:t>は一つ前のコミットハッシュ。</a:t>
+            </a:r>
+            <a:endParaRPr lang="en-US" altLang="ja-JP" dirty="0"/>
+          </a:p>
+          <a:p>
+            <a:r>
+              <a:rPr lang="en-US" altLang="ja-JP" dirty="0"/>
+              <a:t>HEAD^^^</a:t>
+            </a:r>
+            <a:r>
+              <a:rPr lang="ja-JP" altLang="en-US" b="0" i="0" dirty="0">
+                <a:solidFill>
+                  <a:srgbClr val="333333"/>
+                </a:solidFill>
+                <a:effectLst/>
+                <a:latin typeface="-apple-system"/>
+              </a:rPr>
+              <a:t>と</a:t>
+            </a:r>
+            <a:r>
+              <a:rPr lang="en-US" altLang="ja-JP" dirty="0"/>
+              <a:t>HEAD~3</a:t>
+            </a:r>
+            <a:r>
+              <a:rPr lang="ja-JP" altLang="en-US" b="0" i="0" dirty="0">
+                <a:solidFill>
+                  <a:srgbClr val="333333"/>
+                </a:solidFill>
+                <a:effectLst/>
+                <a:latin typeface="-apple-system"/>
+              </a:rPr>
+              <a:t>と</a:t>
+            </a:r>
+            <a:r>
+              <a:rPr lang="en-US" altLang="ja-JP" dirty="0"/>
+              <a:t>HEAD~~~</a:t>
+            </a:r>
+            <a:r>
+              <a:rPr lang="ja-JP" altLang="en-US" b="0" i="0" dirty="0">
+                <a:solidFill>
+                  <a:srgbClr val="333333"/>
+                </a:solidFill>
+                <a:effectLst/>
+                <a:latin typeface="-apple-system"/>
+              </a:rPr>
+              <a:t>と</a:t>
+            </a:r>
+            <a:r>
+              <a:rPr lang="en-US" altLang="ja-JP" dirty="0"/>
+              <a:t>HEAD~{3}</a:t>
+            </a:r>
+            <a:r>
+              <a:rPr lang="ja-JP" altLang="en-US" b="0" i="0" dirty="0">
+                <a:solidFill>
+                  <a:srgbClr val="333333"/>
+                </a:solidFill>
+                <a:effectLst/>
+                <a:latin typeface="-apple-system"/>
+              </a:rPr>
+              <a:t>と</a:t>
+            </a:r>
+            <a:r>
+              <a:rPr lang="en-US" altLang="ja-JP" dirty="0"/>
+              <a:t>@^^^</a:t>
+            </a:r>
+            <a:r>
+              <a:rPr lang="ja-JP" altLang="en-US" dirty="0"/>
+              <a:t>は同じ意味。</a:t>
+            </a:r>
             <a:endParaRPr kumimoji="1" lang="ja-JP" altLang="en-US" dirty="0"/>
           </a:p>
         </p:txBody>
@@ -963,7 +1064,175 @@
           <a:p>
             <a:fld id="{E690B67D-0EEB-420D-B242-C4B71FCC5D18}" type="slidenum">
               <a:rPr kumimoji="1" lang="ja-JP" altLang="en-US" smtClean="0"/>
-              <a:t>18</a:t>
+              <a:t>12</a:t>
+            </a:fld>
+            <a:endParaRPr kumimoji="1" lang="ja-JP" altLang="en-US"/>
+          </a:p>
+        </p:txBody>
+      </p:sp>
+    </p:spTree>
+    <p:extLst>
+      <p:ext uri="{BB962C8B-B14F-4D97-AF65-F5344CB8AC3E}">
+        <p14:creationId xmlns:p14="http://schemas.microsoft.com/office/powerpoint/2010/main" val="2799828277"/>
+      </p:ext>
+    </p:extLst>
+  </p:cSld>
+  <p:clrMapOvr>
+    <a:masterClrMapping/>
+  </p:clrMapOvr>
+</p:notes>
+</file>
+
+<file path=ppt/notesSlides/notesSlide6.xml><?xml version="1.0" encoding="utf-8"?>
+<p:notes xmlns:a="http://schemas.openxmlformats.org/drawingml/2006/main" xmlns:r="http://schemas.openxmlformats.org/officeDocument/2006/relationships" xmlns:p="http://schemas.openxmlformats.org/presentationml/2006/main">
+  <p:cSld>
+    <p:spTree>
+      <p:nvGrpSpPr>
+        <p:cNvPr id="1" name=""/>
+        <p:cNvGrpSpPr/>
+        <p:nvPr/>
+      </p:nvGrpSpPr>
+      <p:grpSpPr>
+        <a:xfrm>
+          <a:off x="0" y="0"/>
+          <a:ext cx="0" cy="0"/>
+          <a:chOff x="0" y="0"/>
+          <a:chExt cx="0" cy="0"/>
+        </a:xfrm>
+      </p:grpSpPr>
+      <p:sp>
+        <p:nvSpPr>
+          <p:cNvPr id="2" name="スライド イメージ プレースホルダー 1"/>
+          <p:cNvSpPr>
+            <a:spLocks noGrp="1" noRot="1" noChangeAspect="1"/>
+          </p:cNvSpPr>
+          <p:nvPr>
+            <p:ph type="sldImg"/>
+          </p:nvPr>
+        </p:nvSpPr>
+        <p:spPr/>
+      </p:sp>
+      <p:sp>
+        <p:nvSpPr>
+          <p:cNvPr id="3" name="ノート プレースホルダー 2"/>
+          <p:cNvSpPr>
+            <a:spLocks noGrp="1"/>
+          </p:cNvSpPr>
+          <p:nvPr>
+            <p:ph type="body" idx="1"/>
+          </p:nvPr>
+        </p:nvSpPr>
+        <p:spPr/>
+        <p:txBody>
+          <a:bodyPr/>
+          <a:lstStyle/>
+          <a:p>
+            <a:endParaRPr kumimoji="1" lang="ja-JP" altLang="en-US" dirty="0"/>
+          </a:p>
+        </p:txBody>
+      </p:sp>
+      <p:sp>
+        <p:nvSpPr>
+          <p:cNvPr id="4" name="スライド番号プレースホルダー 3"/>
+          <p:cNvSpPr>
+            <a:spLocks noGrp="1"/>
+          </p:cNvSpPr>
+          <p:nvPr>
+            <p:ph type="sldNum" sz="quarter" idx="5"/>
+          </p:nvPr>
+        </p:nvSpPr>
+        <p:spPr/>
+        <p:txBody>
+          <a:bodyPr/>
+          <a:lstStyle/>
+          <a:p>
+            <a:fld id="{E690B67D-0EEB-420D-B242-C4B71FCC5D18}" type="slidenum">
+              <a:rPr kumimoji="1" lang="ja-JP" altLang="en-US" smtClean="0"/>
+              <a:t>20</a:t>
+            </a:fld>
+            <a:endParaRPr kumimoji="1" lang="ja-JP" altLang="en-US"/>
+          </a:p>
+        </p:txBody>
+      </p:sp>
+    </p:spTree>
+    <p:extLst>
+      <p:ext uri="{BB962C8B-B14F-4D97-AF65-F5344CB8AC3E}">
+        <p14:creationId xmlns:p14="http://schemas.microsoft.com/office/powerpoint/2010/main" val="3560921937"/>
+      </p:ext>
+    </p:extLst>
+  </p:cSld>
+  <p:clrMapOvr>
+    <a:masterClrMapping/>
+  </p:clrMapOvr>
+</p:notes>
+</file>
+
+<file path=ppt/notesSlides/notesSlide7.xml><?xml version="1.0" encoding="utf-8"?>
+<p:notes xmlns:a="http://schemas.openxmlformats.org/drawingml/2006/main" xmlns:r="http://schemas.openxmlformats.org/officeDocument/2006/relationships" xmlns:p="http://schemas.openxmlformats.org/presentationml/2006/main">
+  <p:cSld>
+    <p:spTree>
+      <p:nvGrpSpPr>
+        <p:cNvPr id="1" name=""/>
+        <p:cNvGrpSpPr/>
+        <p:nvPr/>
+      </p:nvGrpSpPr>
+      <p:grpSpPr>
+        <a:xfrm>
+          <a:off x="0" y="0"/>
+          <a:ext cx="0" cy="0"/>
+          <a:chOff x="0" y="0"/>
+          <a:chExt cx="0" cy="0"/>
+        </a:xfrm>
+      </p:grpSpPr>
+      <p:sp>
+        <p:nvSpPr>
+          <p:cNvPr id="2" name="スライド イメージ プレースホルダー 1"/>
+          <p:cNvSpPr>
+            <a:spLocks noGrp="1" noRot="1" noChangeAspect="1"/>
+          </p:cNvSpPr>
+          <p:nvPr>
+            <p:ph type="sldImg"/>
+          </p:nvPr>
+        </p:nvSpPr>
+        <p:spPr/>
+      </p:sp>
+      <p:sp>
+        <p:nvSpPr>
+          <p:cNvPr id="3" name="ノート プレースホルダー 2"/>
+          <p:cNvSpPr>
+            <a:spLocks noGrp="1"/>
+          </p:cNvSpPr>
+          <p:nvPr>
+            <p:ph type="body" idx="1"/>
+          </p:nvPr>
+        </p:nvSpPr>
+        <p:spPr/>
+        <p:txBody>
+          <a:bodyPr/>
+          <a:lstStyle/>
+          <a:p>
+            <a:endParaRPr kumimoji="1" lang="ja-JP" altLang="en-US" dirty="0"/>
+          </a:p>
+        </p:txBody>
+      </p:sp>
+      <p:sp>
+        <p:nvSpPr>
+          <p:cNvPr id="4" name="スライド番号プレースホルダー 3"/>
+          <p:cNvSpPr>
+            <a:spLocks noGrp="1"/>
+          </p:cNvSpPr>
+          <p:nvPr>
+            <p:ph type="sldNum" sz="quarter" idx="5"/>
+          </p:nvPr>
+        </p:nvSpPr>
+        <p:spPr/>
+        <p:txBody>
+          <a:bodyPr/>
+          <a:lstStyle/>
+          <a:p>
+            <a:fld id="{E690B67D-0EEB-420D-B242-C4B71FCC5D18}" type="slidenum">
+              <a:rPr kumimoji="1" lang="ja-JP" altLang="en-US" smtClean="0"/>
+              <a:t>21</a:t>
             </a:fld>
             <a:endParaRPr kumimoji="1" lang="ja-JP" altLang="en-US"/>
           </a:p>
@@ -4554,6 +4823,1407 @@
       </p:grpSpPr>
       <p:sp>
         <p:nvSpPr>
+          <p:cNvPr id="2" name="正方形/長方形 1">
+            <a:extLst>
+              <a:ext uri="{FF2B5EF4-FFF2-40B4-BE49-F238E27FC236}">
+                <a16:creationId xmlns:a16="http://schemas.microsoft.com/office/drawing/2014/main" id="{BCB341EC-3E4A-42F3-AFFE-E86454C0D177}"/>
+              </a:ext>
+            </a:extLst>
+          </p:cNvPr>
+          <p:cNvSpPr/>
+          <p:nvPr/>
+        </p:nvSpPr>
+        <p:spPr>
+          <a:xfrm>
+            <a:off x="558884" y="346273"/>
+            <a:ext cx="11469807" cy="6186309"/>
+          </a:xfrm>
+          <a:prstGeom prst="rect">
+            <a:avLst/>
+          </a:prstGeom>
+          <a:noFill/>
+        </p:spPr>
+        <p:txBody>
+          <a:bodyPr wrap="none" lIns="91440" tIns="45720" rIns="91440" bIns="45720">
+            <a:spAutoFit/>
+          </a:bodyPr>
+          <a:lstStyle/>
+          <a:p>
+            <a:r>
+              <a:rPr lang="ja-JP" altLang="en-US" sz="4400" b="1" dirty="0">
+                <a:ln w="0"/>
+                <a:effectLst>
+                  <a:outerShdw blurRad="38100" dist="19050" dir="2700000" algn="tl" rotWithShape="0">
+                    <a:schemeClr val="dk1">
+                      <a:alpha val="40000"/>
+                    </a:schemeClr>
+                  </a:outerShdw>
+                </a:effectLst>
+              </a:rPr>
+              <a:t>ステージングのしかた</a:t>
+            </a:r>
+          </a:p>
+          <a:p>
+            <a:r>
+              <a:rPr lang="ja-JP" altLang="en-US" sz="4400" dirty="0">
+                <a:ln w="0"/>
+                <a:effectLst>
+                  <a:outerShdw blurRad="38100" dist="19050" dir="2700000" algn="tl" rotWithShape="0">
+                    <a:schemeClr val="dk1">
+                      <a:alpha val="40000"/>
+                    </a:schemeClr>
+                  </a:outerShdw>
+                </a:effectLst>
+              </a:rPr>
+              <a:t>リポジトリ内のファイルに対して</a:t>
+            </a:r>
+            <a:endParaRPr lang="en-US" altLang="ja-JP" sz="4400" dirty="0">
+              <a:ln w="0"/>
+              <a:effectLst>
+                <a:outerShdw blurRad="38100" dist="19050" dir="2700000" algn="tl" rotWithShape="0">
+                  <a:schemeClr val="dk1">
+                    <a:alpha val="40000"/>
+                  </a:schemeClr>
+                </a:outerShdw>
+              </a:effectLst>
+            </a:endParaRPr>
+          </a:p>
+          <a:p>
+            <a:r>
+              <a:rPr lang="en-US" altLang="ja-JP" sz="4400" dirty="0">
+                <a:ln w="0"/>
+                <a:solidFill>
+                  <a:schemeClr val="bg1"/>
+                </a:solidFill>
+                <a:effectLst>
+                  <a:outerShdw blurRad="38100" dist="19050" dir="2700000" algn="tl" rotWithShape="0">
+                    <a:schemeClr val="dk1">
+                      <a:alpha val="40000"/>
+                    </a:schemeClr>
+                  </a:outerShdw>
+                </a:effectLst>
+                <a:highlight>
+                  <a:srgbClr val="000000"/>
+                </a:highlight>
+              </a:rPr>
+              <a:t>$ git add </a:t>
+            </a:r>
+            <a:r>
+              <a:rPr lang="ja-JP" altLang="en-US" sz="4400" dirty="0">
+                <a:ln w="0"/>
+                <a:solidFill>
+                  <a:schemeClr val="bg1"/>
+                </a:solidFill>
+                <a:effectLst>
+                  <a:outerShdw blurRad="38100" dist="19050" dir="2700000" algn="tl" rotWithShape="0">
+                    <a:schemeClr val="dk1">
+                      <a:alpha val="40000"/>
+                    </a:schemeClr>
+                  </a:outerShdw>
+                </a:effectLst>
+                <a:highlight>
+                  <a:srgbClr val="000000"/>
+                </a:highlight>
+              </a:rPr>
+              <a:t>ファイル名</a:t>
+            </a:r>
+            <a:endParaRPr lang="en-US" altLang="ja-JP" sz="4400" dirty="0">
+              <a:ln w="0"/>
+              <a:solidFill>
+                <a:schemeClr val="bg1"/>
+              </a:solidFill>
+              <a:effectLst>
+                <a:outerShdw blurRad="38100" dist="19050" dir="2700000" algn="tl" rotWithShape="0">
+                  <a:schemeClr val="dk1">
+                    <a:alpha val="40000"/>
+                  </a:schemeClr>
+                </a:outerShdw>
+              </a:effectLst>
+              <a:highlight>
+                <a:srgbClr val="000000"/>
+              </a:highlight>
+            </a:endParaRPr>
+          </a:p>
+          <a:p>
+            <a:r>
+              <a:rPr lang="ja-JP" altLang="en-US" sz="4400" b="0" cap="none" spc="0" dirty="0">
+                <a:ln w="0"/>
+                <a:solidFill>
+                  <a:schemeClr val="tx1"/>
+                </a:solidFill>
+                <a:effectLst>
+                  <a:outerShdw blurRad="38100" dist="19050" dir="2700000" algn="tl" rotWithShape="0">
+                    <a:schemeClr val="dk1">
+                      <a:alpha val="40000"/>
+                    </a:schemeClr>
+                  </a:outerShdw>
+                </a:effectLst>
+              </a:rPr>
+              <a:t>と打ち込む。全てに対して行うなら</a:t>
+            </a:r>
+            <a:endParaRPr lang="en-US" altLang="ja-JP" sz="4400" b="0" cap="none" spc="0" dirty="0">
+              <a:ln w="0"/>
+              <a:solidFill>
+                <a:schemeClr val="tx1"/>
+              </a:solidFill>
+              <a:effectLst>
+                <a:outerShdw blurRad="38100" dist="19050" dir="2700000" algn="tl" rotWithShape="0">
+                  <a:schemeClr val="dk1">
+                    <a:alpha val="40000"/>
+                  </a:schemeClr>
+                </a:outerShdw>
+              </a:effectLst>
+            </a:endParaRPr>
+          </a:p>
+          <a:p>
+            <a:r>
+              <a:rPr lang="en-US" altLang="ja-JP" sz="4400" dirty="0">
+                <a:ln w="0"/>
+                <a:solidFill>
+                  <a:schemeClr val="bg1"/>
+                </a:solidFill>
+                <a:effectLst>
+                  <a:outerShdw blurRad="38100" dist="19050" dir="2700000" algn="tl" rotWithShape="0">
+                    <a:schemeClr val="dk1">
+                      <a:alpha val="40000"/>
+                    </a:schemeClr>
+                  </a:outerShdw>
+                </a:effectLst>
+                <a:highlight>
+                  <a:srgbClr val="000000"/>
+                </a:highlight>
+              </a:rPr>
+              <a:t>$ git add .</a:t>
+            </a:r>
+          </a:p>
+          <a:p>
+            <a:r>
+              <a:rPr lang="ja-JP" altLang="en-US" sz="4400" dirty="0">
+                <a:ln w="0"/>
+                <a:effectLst>
+                  <a:outerShdw blurRad="38100" dist="19050" dir="2700000" algn="tl" rotWithShape="0">
+                    <a:schemeClr val="dk1">
+                      <a:alpha val="40000"/>
+                    </a:schemeClr>
+                  </a:outerShdw>
+                </a:effectLst>
+              </a:rPr>
+              <a:t>で行える。管理対象外に戻す操作は</a:t>
+            </a:r>
+            <a:endParaRPr lang="en-US" altLang="ja-JP" sz="4400" dirty="0">
+              <a:ln w="0"/>
+              <a:effectLst>
+                <a:outerShdw blurRad="38100" dist="19050" dir="2700000" algn="tl" rotWithShape="0">
+                  <a:schemeClr val="dk1">
+                    <a:alpha val="40000"/>
+                  </a:schemeClr>
+                </a:outerShdw>
+              </a:effectLst>
+            </a:endParaRPr>
+          </a:p>
+          <a:p>
+            <a:r>
+              <a:rPr lang="en-US" altLang="ja-JP" sz="4400" b="0" cap="none" spc="0" dirty="0">
+                <a:ln w="0"/>
+                <a:solidFill>
+                  <a:schemeClr val="bg1"/>
+                </a:solidFill>
+                <a:effectLst>
+                  <a:outerShdw blurRad="38100" dist="19050" dir="2700000" algn="tl" rotWithShape="0">
+                    <a:schemeClr val="dk1">
+                      <a:alpha val="40000"/>
+                    </a:schemeClr>
+                  </a:outerShdw>
+                </a:effectLst>
+                <a:highlight>
+                  <a:srgbClr val="000000"/>
+                </a:highlight>
+              </a:rPr>
+              <a:t>$ git reset </a:t>
+            </a:r>
+            <a:r>
+              <a:rPr lang="ja-JP" altLang="en-US" sz="4400" b="0" cap="none" spc="0" dirty="0">
+                <a:ln w="0"/>
+                <a:solidFill>
+                  <a:schemeClr val="bg1"/>
+                </a:solidFill>
+                <a:effectLst>
+                  <a:outerShdw blurRad="38100" dist="19050" dir="2700000" algn="tl" rotWithShape="0">
+                    <a:schemeClr val="dk1">
+                      <a:alpha val="40000"/>
+                    </a:schemeClr>
+                  </a:outerShdw>
+                </a:effectLst>
+                <a:highlight>
+                  <a:srgbClr val="000000"/>
+                </a:highlight>
+              </a:rPr>
+              <a:t>ファイル名</a:t>
+            </a:r>
+            <a:endParaRPr lang="en-US" altLang="ja-JP" sz="4400" b="0" cap="none" spc="0" dirty="0">
+              <a:ln w="0"/>
+              <a:solidFill>
+                <a:schemeClr val="bg1"/>
+              </a:solidFill>
+              <a:effectLst>
+                <a:outerShdw blurRad="38100" dist="19050" dir="2700000" algn="tl" rotWithShape="0">
+                  <a:schemeClr val="dk1">
+                    <a:alpha val="40000"/>
+                  </a:schemeClr>
+                </a:outerShdw>
+              </a:effectLst>
+              <a:highlight>
+                <a:srgbClr val="000000"/>
+              </a:highlight>
+            </a:endParaRPr>
+          </a:p>
+          <a:p>
+            <a:r>
+              <a:rPr lang="ja-JP" altLang="en-US" sz="4400" dirty="0">
+                <a:ln w="0"/>
+                <a:effectLst>
+                  <a:outerShdw blurRad="38100" dist="19050" dir="2700000" algn="tl" rotWithShape="0">
+                    <a:schemeClr val="dk1">
+                      <a:alpha val="40000"/>
+                    </a:schemeClr>
+                  </a:outerShdw>
+                </a:effectLst>
+              </a:rPr>
+              <a:t>とすれば可能</a:t>
+            </a:r>
+            <a:r>
+              <a:rPr lang="en-US" altLang="ja-JP" sz="4400" dirty="0">
+                <a:ln w="0"/>
+                <a:effectLst>
+                  <a:outerShdw blurRad="38100" dist="19050" dir="2700000" algn="tl" rotWithShape="0">
+                    <a:schemeClr val="dk1">
+                      <a:alpha val="40000"/>
+                    </a:schemeClr>
+                  </a:outerShdw>
+                </a:effectLst>
+              </a:rPr>
+              <a:t>(</a:t>
+            </a:r>
+            <a:r>
+              <a:rPr lang="ja-JP" altLang="en-US" sz="4400" dirty="0">
+                <a:ln w="0"/>
+                <a:effectLst>
+                  <a:outerShdw blurRad="38100" dist="19050" dir="2700000" algn="tl" rotWithShape="0">
+                    <a:schemeClr val="dk1">
+                      <a:alpha val="40000"/>
+                    </a:schemeClr>
+                  </a:outerShdw>
+                </a:effectLst>
+              </a:rPr>
+              <a:t>コミット前のみ</a:t>
+            </a:r>
+            <a:r>
+              <a:rPr lang="en-US" altLang="ja-JP" sz="4400" dirty="0">
+                <a:ln w="0"/>
+                <a:effectLst>
+                  <a:outerShdw blurRad="38100" dist="19050" dir="2700000" algn="tl" rotWithShape="0">
+                    <a:schemeClr val="dk1">
+                      <a:alpha val="40000"/>
+                    </a:schemeClr>
+                  </a:outerShdw>
+                </a:effectLst>
+              </a:rPr>
+              <a:t>)</a:t>
+            </a:r>
+          </a:p>
+          <a:p>
+            <a:r>
+              <a:rPr lang="ja-JP" altLang="en-US" sz="4400" b="0" cap="none" spc="0" dirty="0">
+                <a:ln w="0"/>
+                <a:effectLst>
+                  <a:outerShdw blurRad="38100" dist="19050" dir="2700000" algn="tl" rotWithShape="0">
+                    <a:schemeClr val="dk1">
+                      <a:alpha val="40000"/>
+                    </a:schemeClr>
+                  </a:outerShdw>
+                </a:effectLst>
+              </a:rPr>
+              <a:t>ステージング前はワーキングスペースという</a:t>
+            </a:r>
+          </a:p>
+        </p:txBody>
+      </p:sp>
+      <p:sp>
+        <p:nvSpPr>
+          <p:cNvPr id="15" name="四角形: メモ 14">
+            <a:extLst>
+              <a:ext uri="{FF2B5EF4-FFF2-40B4-BE49-F238E27FC236}">
+                <a16:creationId xmlns:a16="http://schemas.microsoft.com/office/drawing/2014/main" id="{DC51B2B3-4E18-4472-A359-7ECE94767C90}"/>
+              </a:ext>
+            </a:extLst>
+          </p:cNvPr>
+          <p:cNvSpPr/>
+          <p:nvPr/>
+        </p:nvSpPr>
+        <p:spPr>
+          <a:xfrm>
+            <a:off x="9530251" y="346273"/>
+            <a:ext cx="723457" cy="923234"/>
+          </a:xfrm>
+          <a:prstGeom prst="foldedCorner">
+            <a:avLst/>
+          </a:prstGeom>
+          <a:solidFill>
+            <a:schemeClr val="bg1">
+              <a:lumMod val="75000"/>
+              <a:alpha val="22000"/>
+            </a:schemeClr>
+          </a:solidFill>
+          <a:ln w="38100">
+            <a:prstDash val="sysDash"/>
+          </a:ln>
+        </p:spPr>
+        <p:style>
+          <a:lnRef idx="2">
+            <a:schemeClr val="dk1"/>
+          </a:lnRef>
+          <a:fillRef idx="1">
+            <a:schemeClr val="lt1"/>
+          </a:fillRef>
+          <a:effectRef idx="0">
+            <a:schemeClr val="dk1"/>
+          </a:effectRef>
+          <a:fontRef idx="minor">
+            <a:schemeClr val="dk1"/>
+          </a:fontRef>
+        </p:style>
+        <p:txBody>
+          <a:bodyPr rtlCol="0" anchor="ctr"/>
+          <a:lstStyle/>
+          <a:p>
+            <a:pPr algn="ctr"/>
+            <a:r>
+              <a:rPr kumimoji="1" lang="en-US" altLang="ja-JP" dirty="0"/>
+              <a:t>Data</a:t>
+            </a:r>
+          </a:p>
+        </p:txBody>
+      </p:sp>
+      <p:sp>
+        <p:nvSpPr>
+          <p:cNvPr id="21" name="四角形: メモ 20">
+            <a:extLst>
+              <a:ext uri="{FF2B5EF4-FFF2-40B4-BE49-F238E27FC236}">
+                <a16:creationId xmlns:a16="http://schemas.microsoft.com/office/drawing/2014/main" id="{A0BE1722-466F-4971-B047-4969A61F9BB9}"/>
+              </a:ext>
+            </a:extLst>
+          </p:cNvPr>
+          <p:cNvSpPr/>
+          <p:nvPr/>
+        </p:nvSpPr>
+        <p:spPr>
+          <a:xfrm>
+            <a:off x="11096090" y="346273"/>
+            <a:ext cx="723457" cy="923234"/>
+          </a:xfrm>
+          <a:prstGeom prst="foldedCorner">
+            <a:avLst/>
+          </a:prstGeom>
+        </p:spPr>
+        <p:style>
+          <a:lnRef idx="1">
+            <a:schemeClr val="accent3"/>
+          </a:lnRef>
+          <a:fillRef idx="2">
+            <a:schemeClr val="accent3"/>
+          </a:fillRef>
+          <a:effectRef idx="1">
+            <a:schemeClr val="accent3"/>
+          </a:effectRef>
+          <a:fontRef idx="minor">
+            <a:schemeClr val="dk1"/>
+          </a:fontRef>
+        </p:style>
+        <p:txBody>
+          <a:bodyPr rtlCol="0" anchor="ctr"/>
+          <a:lstStyle/>
+          <a:p>
+            <a:pPr algn="ctr"/>
+            <a:r>
+              <a:rPr kumimoji="1" lang="en-US" altLang="ja-JP" dirty="0"/>
+              <a:t>Data</a:t>
+            </a:r>
+          </a:p>
+        </p:txBody>
+      </p:sp>
+      <p:sp>
+        <p:nvSpPr>
+          <p:cNvPr id="22" name="矢印: ストライプ 21">
+            <a:extLst>
+              <a:ext uri="{FF2B5EF4-FFF2-40B4-BE49-F238E27FC236}">
+                <a16:creationId xmlns:a16="http://schemas.microsoft.com/office/drawing/2014/main" id="{28732F11-8802-4687-86CA-59412142ACA6}"/>
+              </a:ext>
+            </a:extLst>
+          </p:cNvPr>
+          <p:cNvSpPr/>
+          <p:nvPr/>
+        </p:nvSpPr>
+        <p:spPr>
+          <a:xfrm>
+            <a:off x="10429283" y="634337"/>
+            <a:ext cx="491232" cy="347105"/>
+          </a:xfrm>
+          <a:prstGeom prst="stripedRightArrow">
+            <a:avLst/>
+          </a:prstGeom>
+        </p:spPr>
+        <p:style>
+          <a:lnRef idx="2">
+            <a:schemeClr val="accent1">
+              <a:shade val="50000"/>
+            </a:schemeClr>
+          </a:lnRef>
+          <a:fillRef idx="1">
+            <a:schemeClr val="accent1"/>
+          </a:fillRef>
+          <a:effectRef idx="0">
+            <a:schemeClr val="accent1"/>
+          </a:effectRef>
+          <a:fontRef idx="minor">
+            <a:schemeClr val="lt1"/>
+          </a:fontRef>
+        </p:style>
+        <p:txBody>
+          <a:bodyPr rtlCol="0" anchor="ctr"/>
+          <a:lstStyle/>
+          <a:p>
+            <a:pPr algn="ctr"/>
+            <a:endParaRPr kumimoji="1" lang="ja-JP" altLang="en-US"/>
+          </a:p>
+        </p:txBody>
+      </p:sp>
+    </p:spTree>
+    <p:extLst>
+      <p:ext uri="{BB962C8B-B14F-4D97-AF65-F5344CB8AC3E}">
+        <p14:creationId xmlns:p14="http://schemas.microsoft.com/office/powerpoint/2010/main" val="402270005"/>
+      </p:ext>
+    </p:extLst>
+  </p:cSld>
+  <p:clrMapOvr>
+    <a:masterClrMapping/>
+  </p:clrMapOvr>
+</p:sld>
+</file>
+
+<file path=ppt/slides/slide11.xml><?xml version="1.0" encoding="utf-8"?>
+<p:sld xmlns:a="http://schemas.openxmlformats.org/drawingml/2006/main" xmlns:r="http://schemas.openxmlformats.org/officeDocument/2006/relationships" xmlns:p="http://schemas.openxmlformats.org/presentationml/2006/main">
+  <p:cSld>
+    <p:spTree>
+      <p:nvGrpSpPr>
+        <p:cNvPr id="1" name=""/>
+        <p:cNvGrpSpPr/>
+        <p:nvPr/>
+      </p:nvGrpSpPr>
+      <p:grpSpPr>
+        <a:xfrm>
+          <a:off x="0" y="0"/>
+          <a:ext cx="0" cy="0"/>
+          <a:chOff x="0" y="0"/>
+          <a:chExt cx="0" cy="0"/>
+        </a:xfrm>
+      </p:grpSpPr>
+      <p:sp>
+        <p:nvSpPr>
+          <p:cNvPr id="2" name="正方形/長方形 1">
+            <a:extLst>
+              <a:ext uri="{FF2B5EF4-FFF2-40B4-BE49-F238E27FC236}">
+                <a16:creationId xmlns:a16="http://schemas.microsoft.com/office/drawing/2014/main" id="{BCB341EC-3E4A-42F3-AFFE-E86454C0D177}"/>
+              </a:ext>
+            </a:extLst>
+          </p:cNvPr>
+          <p:cNvSpPr/>
+          <p:nvPr/>
+        </p:nvSpPr>
+        <p:spPr>
+          <a:xfrm>
+            <a:off x="558884" y="346273"/>
+            <a:ext cx="11315918" cy="6186309"/>
+          </a:xfrm>
+          <a:prstGeom prst="rect">
+            <a:avLst/>
+          </a:prstGeom>
+          <a:noFill/>
+        </p:spPr>
+        <p:txBody>
+          <a:bodyPr wrap="none" lIns="91440" tIns="45720" rIns="91440" bIns="45720">
+            <a:spAutoFit/>
+          </a:bodyPr>
+          <a:lstStyle/>
+          <a:p>
+            <a:r>
+              <a:rPr lang="ja-JP" altLang="en-US" sz="4400" b="1" dirty="0">
+                <a:ln w="0"/>
+                <a:effectLst>
+                  <a:outerShdw blurRad="38100" dist="19050" dir="2700000" algn="tl" rotWithShape="0">
+                    <a:schemeClr val="dk1">
+                      <a:alpha val="40000"/>
+                    </a:schemeClr>
+                  </a:outerShdw>
+                </a:effectLst>
+              </a:rPr>
+              <a:t>コミットのしかた</a:t>
+            </a:r>
+          </a:p>
+          <a:p>
+            <a:r>
+              <a:rPr lang="ja-JP" altLang="en-US" sz="4400" dirty="0">
+                <a:ln w="0"/>
+                <a:effectLst>
+                  <a:outerShdw blurRad="38100" dist="19050" dir="2700000" algn="tl" rotWithShape="0">
+                    <a:schemeClr val="dk1">
+                      <a:alpha val="40000"/>
+                    </a:schemeClr>
+                  </a:outerShdw>
+                </a:effectLst>
+              </a:rPr>
+              <a:t>ステージングされたファイルに対し</a:t>
+            </a:r>
+            <a:endParaRPr lang="en-US" altLang="ja-JP" sz="4400" dirty="0">
+              <a:ln w="0"/>
+              <a:effectLst>
+                <a:outerShdw blurRad="38100" dist="19050" dir="2700000" algn="tl" rotWithShape="0">
+                  <a:schemeClr val="dk1">
+                    <a:alpha val="40000"/>
+                  </a:schemeClr>
+                </a:outerShdw>
+              </a:effectLst>
+            </a:endParaRPr>
+          </a:p>
+          <a:p>
+            <a:r>
+              <a:rPr lang="en-US" altLang="ja-JP" sz="4400" dirty="0">
+                <a:ln w="0"/>
+                <a:solidFill>
+                  <a:schemeClr val="bg1"/>
+                </a:solidFill>
+                <a:effectLst>
+                  <a:outerShdw blurRad="38100" dist="19050" dir="2700000" algn="tl" rotWithShape="0">
+                    <a:schemeClr val="dk1">
+                      <a:alpha val="40000"/>
+                    </a:schemeClr>
+                  </a:outerShdw>
+                </a:effectLst>
+                <a:highlight>
+                  <a:srgbClr val="000000"/>
+                </a:highlight>
+              </a:rPr>
+              <a:t>$ git commit –m “</a:t>
+            </a:r>
+            <a:r>
+              <a:rPr lang="ja-JP" altLang="en-US" sz="4400" dirty="0">
+                <a:ln w="0"/>
+                <a:solidFill>
+                  <a:schemeClr val="bg1"/>
+                </a:solidFill>
+                <a:effectLst>
+                  <a:outerShdw blurRad="38100" dist="19050" dir="2700000" algn="tl" rotWithShape="0">
+                    <a:schemeClr val="dk1">
+                      <a:alpha val="40000"/>
+                    </a:schemeClr>
+                  </a:outerShdw>
+                </a:effectLst>
+                <a:highlight>
+                  <a:srgbClr val="000000"/>
+                </a:highlight>
+              </a:rPr>
+              <a:t>コミットメッセージ</a:t>
+            </a:r>
+            <a:r>
+              <a:rPr lang="en-US" altLang="ja-JP" sz="4400" dirty="0">
+                <a:ln w="0"/>
+                <a:solidFill>
+                  <a:schemeClr val="bg1"/>
+                </a:solidFill>
+                <a:effectLst>
+                  <a:outerShdw blurRad="38100" dist="19050" dir="2700000" algn="tl" rotWithShape="0">
+                    <a:schemeClr val="dk1">
+                      <a:alpha val="40000"/>
+                    </a:schemeClr>
+                  </a:outerShdw>
+                </a:effectLst>
+                <a:highlight>
+                  <a:srgbClr val="000000"/>
+                </a:highlight>
+              </a:rPr>
+              <a:t>”</a:t>
+            </a:r>
+          </a:p>
+          <a:p>
+            <a:r>
+              <a:rPr lang="ja-JP" altLang="en-US" sz="4400" b="0" cap="none" spc="0" dirty="0">
+                <a:ln w="0"/>
+                <a:solidFill>
+                  <a:schemeClr val="tx1"/>
+                </a:solidFill>
+                <a:effectLst>
+                  <a:outerShdw blurRad="38100" dist="19050" dir="2700000" algn="tl" rotWithShape="0">
+                    <a:schemeClr val="dk1">
+                      <a:alpha val="40000"/>
+                    </a:schemeClr>
+                  </a:outerShdw>
+                </a:effectLst>
+              </a:rPr>
+              <a:t>と打ち込む。また</a:t>
+            </a:r>
+            <a:endParaRPr lang="en-US" altLang="ja-JP" sz="4400" dirty="0">
+              <a:ln w="0"/>
+              <a:effectLst>
+                <a:outerShdw blurRad="38100" dist="19050" dir="2700000" algn="tl" rotWithShape="0">
+                  <a:schemeClr val="dk1">
+                    <a:alpha val="40000"/>
+                  </a:schemeClr>
+                </a:outerShdw>
+              </a:effectLst>
+            </a:endParaRPr>
+          </a:p>
+          <a:p>
+            <a:r>
+              <a:rPr lang="en-US" altLang="ja-JP" sz="4400" dirty="0">
+                <a:ln w="0"/>
+                <a:solidFill>
+                  <a:schemeClr val="bg1"/>
+                </a:solidFill>
+                <a:effectLst>
+                  <a:outerShdw blurRad="38100" dist="19050" dir="2700000" algn="tl" rotWithShape="0">
+                    <a:schemeClr val="dk1">
+                      <a:alpha val="40000"/>
+                    </a:schemeClr>
+                  </a:outerShdw>
+                </a:effectLst>
+                <a:highlight>
+                  <a:srgbClr val="000000"/>
+                </a:highlight>
+              </a:rPr>
+              <a:t>$ git status</a:t>
+            </a:r>
+          </a:p>
+          <a:p>
+            <a:r>
+              <a:rPr lang="ja-JP" altLang="en-US" sz="4400" dirty="0">
+                <a:ln w="0"/>
+                <a:effectLst>
+                  <a:outerShdw blurRad="38100" dist="19050" dir="2700000" algn="tl" rotWithShape="0">
+                    <a:schemeClr val="dk1">
+                      <a:alpha val="40000"/>
+                    </a:schemeClr>
+                  </a:outerShdw>
+                </a:effectLst>
+              </a:rPr>
+              <a:t>でと行うことで以下が全て表示される。</a:t>
+            </a:r>
+            <a:endParaRPr lang="en-US" altLang="ja-JP" sz="4400" dirty="0">
+              <a:ln w="0"/>
+              <a:effectLst>
+                <a:outerShdw blurRad="38100" dist="19050" dir="2700000" algn="tl" rotWithShape="0">
+                  <a:schemeClr val="dk1">
+                    <a:alpha val="40000"/>
+                  </a:schemeClr>
+                </a:outerShdw>
+              </a:effectLst>
+            </a:endParaRPr>
+          </a:p>
+          <a:p>
+            <a:r>
+              <a:rPr lang="ja-JP" altLang="en-US" sz="4400" dirty="0">
+                <a:ln w="0"/>
+                <a:effectLst>
+                  <a:outerShdw blurRad="38100" dist="19050" dir="2700000" algn="tl" rotWithShape="0">
+                    <a:schemeClr val="dk1">
+                      <a:alpha val="40000"/>
+                    </a:schemeClr>
+                  </a:outerShdw>
+                </a:effectLst>
+              </a:rPr>
+              <a:t>・</a:t>
+            </a:r>
+            <a:r>
+              <a:rPr lang="en-US" altLang="ja-JP" sz="4400" dirty="0">
+                <a:ln w="0"/>
+                <a:effectLst>
+                  <a:outerShdw blurRad="38100" dist="19050" dir="2700000" algn="tl" rotWithShape="0">
+                    <a:schemeClr val="dk1">
+                      <a:alpha val="40000"/>
+                    </a:schemeClr>
+                  </a:outerShdw>
+                </a:effectLst>
+              </a:rPr>
+              <a:t>add</a:t>
+            </a:r>
+            <a:r>
+              <a:rPr lang="ja-JP" altLang="en-US" sz="4400" dirty="0">
+                <a:ln w="0"/>
+                <a:effectLst>
+                  <a:outerShdw blurRad="38100" dist="19050" dir="2700000" algn="tl" rotWithShape="0">
+                    <a:schemeClr val="dk1">
+                      <a:alpha val="40000"/>
+                    </a:schemeClr>
+                  </a:outerShdw>
+                </a:effectLst>
+              </a:rPr>
+              <a:t>されているが</a:t>
+            </a:r>
+            <a:r>
+              <a:rPr lang="en-US" altLang="ja-JP" sz="4400" dirty="0">
+                <a:ln w="0"/>
+                <a:effectLst>
+                  <a:outerShdw blurRad="38100" dist="19050" dir="2700000" algn="tl" rotWithShape="0">
+                    <a:schemeClr val="dk1">
+                      <a:alpha val="40000"/>
+                    </a:schemeClr>
+                  </a:outerShdw>
+                </a:effectLst>
+              </a:rPr>
+              <a:t>commit</a:t>
+            </a:r>
+            <a:r>
+              <a:rPr lang="ja-JP" altLang="en-US" sz="4400" dirty="0">
+                <a:ln w="0"/>
+                <a:effectLst>
+                  <a:outerShdw blurRad="38100" dist="19050" dir="2700000" algn="tl" rotWithShape="0">
+                    <a:schemeClr val="dk1">
+                      <a:alpha val="40000"/>
+                    </a:schemeClr>
+                  </a:outerShdw>
+                </a:effectLst>
+              </a:rPr>
+              <a:t>されていない</a:t>
+            </a:r>
+            <a:endParaRPr lang="en-US" altLang="ja-JP" sz="4400" dirty="0">
+              <a:ln w="0"/>
+              <a:effectLst>
+                <a:outerShdw blurRad="38100" dist="19050" dir="2700000" algn="tl" rotWithShape="0">
+                  <a:schemeClr val="dk1">
+                    <a:alpha val="40000"/>
+                  </a:schemeClr>
+                </a:outerShdw>
+              </a:effectLst>
+            </a:endParaRPr>
+          </a:p>
+          <a:p>
+            <a:r>
+              <a:rPr lang="ja-JP" altLang="en-US" sz="4400" dirty="0">
+                <a:ln w="0"/>
+                <a:effectLst>
+                  <a:outerShdw blurRad="38100" dist="19050" dir="2700000" algn="tl" rotWithShape="0">
+                    <a:schemeClr val="dk1">
+                      <a:alpha val="40000"/>
+                    </a:schemeClr>
+                  </a:outerShdw>
+                </a:effectLst>
+              </a:rPr>
+              <a:t>・編集、変更、削除されたが</a:t>
+            </a:r>
+            <a:r>
+              <a:rPr lang="en-US" altLang="ja-JP" sz="4400" dirty="0">
+                <a:ln w="0"/>
+                <a:effectLst>
+                  <a:outerShdw blurRad="38100" dist="19050" dir="2700000" algn="tl" rotWithShape="0">
+                    <a:schemeClr val="dk1">
+                      <a:alpha val="40000"/>
+                    </a:schemeClr>
+                  </a:outerShdw>
+                </a:effectLst>
+              </a:rPr>
+              <a:t>add	</a:t>
+            </a:r>
+            <a:r>
+              <a:rPr lang="ja-JP" altLang="en-US" sz="4400" dirty="0">
+                <a:ln w="0"/>
+                <a:effectLst>
+                  <a:outerShdw blurRad="38100" dist="19050" dir="2700000" algn="tl" rotWithShape="0">
+                    <a:schemeClr val="dk1">
+                      <a:alpha val="40000"/>
+                    </a:schemeClr>
+                  </a:outerShdw>
+                </a:effectLst>
+              </a:rPr>
+              <a:t>されてない</a:t>
+            </a:r>
+            <a:endParaRPr lang="en-US" altLang="ja-JP" sz="4400" dirty="0">
+              <a:ln w="0"/>
+              <a:effectLst>
+                <a:outerShdw blurRad="38100" dist="19050" dir="2700000" algn="tl" rotWithShape="0">
+                  <a:schemeClr val="dk1">
+                    <a:alpha val="40000"/>
+                  </a:schemeClr>
+                </a:outerShdw>
+              </a:effectLst>
+            </a:endParaRPr>
+          </a:p>
+          <a:p>
+            <a:r>
+              <a:rPr lang="ja-JP" altLang="en-US" sz="4400" dirty="0">
+                <a:ln w="0"/>
+                <a:effectLst>
+                  <a:outerShdw blurRad="38100" dist="19050" dir="2700000" algn="tl" rotWithShape="0">
+                    <a:schemeClr val="dk1">
+                      <a:alpha val="40000"/>
+                    </a:schemeClr>
+                  </a:outerShdw>
+                </a:effectLst>
+              </a:rPr>
+              <a:t>・</a:t>
+            </a:r>
+            <a:r>
+              <a:rPr lang="en-US" altLang="ja-JP" sz="4400" dirty="0">
+                <a:ln w="0"/>
+                <a:effectLst>
+                  <a:outerShdw blurRad="38100" dist="19050" dir="2700000" algn="tl" rotWithShape="0">
+                    <a:schemeClr val="dk1">
+                      <a:alpha val="40000"/>
+                    </a:schemeClr>
+                  </a:outerShdw>
+                </a:effectLst>
+              </a:rPr>
+              <a:t>git</a:t>
+            </a:r>
+            <a:r>
+              <a:rPr lang="ja-JP" altLang="en-US" sz="4400" dirty="0">
+                <a:ln w="0"/>
+                <a:effectLst>
+                  <a:outerShdw blurRad="38100" dist="19050" dir="2700000" algn="tl" rotWithShape="0">
+                    <a:schemeClr val="dk1">
+                      <a:alpha val="40000"/>
+                    </a:schemeClr>
+                  </a:outerShdw>
+                </a:effectLst>
+              </a:rPr>
+              <a:t>に管理されてないかつ非対象外もの</a:t>
+            </a:r>
+            <a:endParaRPr lang="en-US" altLang="ja-JP" sz="4400" dirty="0">
+              <a:ln w="0"/>
+              <a:effectLst>
+                <a:outerShdw blurRad="38100" dist="19050" dir="2700000" algn="tl" rotWithShape="0">
+                  <a:schemeClr val="dk1">
+                    <a:alpha val="40000"/>
+                  </a:schemeClr>
+                </a:outerShdw>
+              </a:effectLst>
+            </a:endParaRPr>
+          </a:p>
+        </p:txBody>
+      </p:sp>
+      <p:sp>
+        <p:nvSpPr>
+          <p:cNvPr id="21" name="四角形: メモ 20">
+            <a:extLst>
+              <a:ext uri="{FF2B5EF4-FFF2-40B4-BE49-F238E27FC236}">
+                <a16:creationId xmlns:a16="http://schemas.microsoft.com/office/drawing/2014/main" id="{A0BE1722-466F-4971-B047-4969A61F9BB9}"/>
+              </a:ext>
+            </a:extLst>
+          </p:cNvPr>
+          <p:cNvSpPr/>
+          <p:nvPr/>
+        </p:nvSpPr>
+        <p:spPr>
+          <a:xfrm>
+            <a:off x="9692478" y="367130"/>
+            <a:ext cx="723457" cy="923234"/>
+          </a:xfrm>
+          <a:prstGeom prst="foldedCorner">
+            <a:avLst/>
+          </a:prstGeom>
+        </p:spPr>
+        <p:style>
+          <a:lnRef idx="1">
+            <a:schemeClr val="accent3"/>
+          </a:lnRef>
+          <a:fillRef idx="2">
+            <a:schemeClr val="accent3"/>
+          </a:fillRef>
+          <a:effectRef idx="1">
+            <a:schemeClr val="accent3"/>
+          </a:effectRef>
+          <a:fontRef idx="minor">
+            <a:schemeClr val="dk1"/>
+          </a:fontRef>
+        </p:style>
+        <p:txBody>
+          <a:bodyPr rtlCol="0" anchor="ctr"/>
+          <a:lstStyle/>
+          <a:p>
+            <a:pPr algn="ctr"/>
+            <a:r>
+              <a:rPr kumimoji="1" lang="en-US" altLang="ja-JP" dirty="0"/>
+              <a:t>Data</a:t>
+            </a:r>
+          </a:p>
+        </p:txBody>
+      </p:sp>
+      <p:sp>
+        <p:nvSpPr>
+          <p:cNvPr id="8" name="矢印: ストライプ 7">
+            <a:extLst>
+              <a:ext uri="{FF2B5EF4-FFF2-40B4-BE49-F238E27FC236}">
+                <a16:creationId xmlns:a16="http://schemas.microsoft.com/office/drawing/2014/main" id="{AC799619-C640-43E3-A239-5D352B2962F0}"/>
+              </a:ext>
+            </a:extLst>
+          </p:cNvPr>
+          <p:cNvSpPr/>
+          <p:nvPr/>
+        </p:nvSpPr>
+        <p:spPr>
+          <a:xfrm>
+            <a:off x="10563883" y="655194"/>
+            <a:ext cx="491232" cy="347105"/>
+          </a:xfrm>
+          <a:prstGeom prst="stripedRightArrow">
+            <a:avLst/>
+          </a:prstGeom>
+        </p:spPr>
+        <p:style>
+          <a:lnRef idx="2">
+            <a:schemeClr val="accent1">
+              <a:shade val="50000"/>
+            </a:schemeClr>
+          </a:lnRef>
+          <a:fillRef idx="1">
+            <a:schemeClr val="accent1"/>
+          </a:fillRef>
+          <a:effectRef idx="0">
+            <a:schemeClr val="accent1"/>
+          </a:effectRef>
+          <a:fontRef idx="minor">
+            <a:schemeClr val="lt1"/>
+          </a:fontRef>
+        </p:style>
+        <p:txBody>
+          <a:bodyPr rtlCol="0" anchor="ctr"/>
+          <a:lstStyle/>
+          <a:p>
+            <a:pPr algn="ctr"/>
+            <a:endParaRPr kumimoji="1" lang="ja-JP" altLang="en-US"/>
+          </a:p>
+        </p:txBody>
+      </p:sp>
+      <p:sp>
+        <p:nvSpPr>
+          <p:cNvPr id="9" name="円柱 8">
+            <a:extLst>
+              <a:ext uri="{FF2B5EF4-FFF2-40B4-BE49-F238E27FC236}">
+                <a16:creationId xmlns:a16="http://schemas.microsoft.com/office/drawing/2014/main" id="{139519AD-EDAA-4FA7-8000-B2DBCFFE0CA6}"/>
+              </a:ext>
+            </a:extLst>
+          </p:cNvPr>
+          <p:cNvSpPr/>
+          <p:nvPr/>
+        </p:nvSpPr>
+        <p:spPr>
+          <a:xfrm>
+            <a:off x="11235061" y="346273"/>
+            <a:ext cx="796109" cy="923233"/>
+          </a:xfrm>
+          <a:prstGeom prst="can">
+            <a:avLst>
+              <a:gd name="adj" fmla="val 22181"/>
+            </a:avLst>
+          </a:prstGeom>
+          <a:ln>
+            <a:solidFill>
+              <a:srgbClr val="5B9BD5"/>
+            </a:solidFill>
+          </a:ln>
+        </p:spPr>
+        <p:style>
+          <a:lnRef idx="2">
+            <a:schemeClr val="accent1"/>
+          </a:lnRef>
+          <a:fillRef idx="1">
+            <a:schemeClr val="lt1"/>
+          </a:fillRef>
+          <a:effectRef idx="0">
+            <a:schemeClr val="accent1"/>
+          </a:effectRef>
+          <a:fontRef idx="minor">
+            <a:schemeClr val="dk1"/>
+          </a:fontRef>
+        </p:style>
+        <p:txBody>
+          <a:bodyPr rtlCol="0" anchor="ctr"/>
+          <a:lstStyle/>
+          <a:p>
+            <a:pPr algn="ctr"/>
+            <a:r>
+              <a:rPr kumimoji="1" lang="en-US" altLang="ja-JP" sz="2800" dirty="0">
+                <a:latin typeface="ＭＳ Ｐ明朝" panose="02020600040205080304" pitchFamily="18" charset="-128"/>
+                <a:ea typeface="ＭＳ Ｐ明朝" panose="02020600040205080304" pitchFamily="18" charset="-128"/>
+              </a:rPr>
+              <a:t>.git</a:t>
+            </a:r>
+            <a:endParaRPr kumimoji="1" lang="ja-JP" altLang="en-US" sz="1100" dirty="0">
+              <a:latin typeface="ＭＳ Ｐ明朝" panose="02020600040205080304" pitchFamily="18" charset="-128"/>
+              <a:ea typeface="ＭＳ Ｐ明朝" panose="02020600040205080304" pitchFamily="18" charset="-128"/>
+            </a:endParaRPr>
+          </a:p>
+        </p:txBody>
+      </p:sp>
+    </p:spTree>
+    <p:extLst>
+      <p:ext uri="{BB962C8B-B14F-4D97-AF65-F5344CB8AC3E}">
+        <p14:creationId xmlns:p14="http://schemas.microsoft.com/office/powerpoint/2010/main" val="1205466093"/>
+      </p:ext>
+    </p:extLst>
+  </p:cSld>
+  <p:clrMapOvr>
+    <a:masterClrMapping/>
+  </p:clrMapOvr>
+</p:sld>
+</file>
+
+<file path=ppt/slides/slide12.xml><?xml version="1.0" encoding="utf-8"?>
+<p:sld xmlns:a="http://schemas.openxmlformats.org/drawingml/2006/main" xmlns:r="http://schemas.openxmlformats.org/officeDocument/2006/relationships" xmlns:p="http://schemas.openxmlformats.org/presentationml/2006/main">
+  <p:cSld>
+    <p:spTree>
+      <p:nvGrpSpPr>
+        <p:cNvPr id="1" name=""/>
+        <p:cNvGrpSpPr/>
+        <p:nvPr/>
+      </p:nvGrpSpPr>
+      <p:grpSpPr>
+        <a:xfrm>
+          <a:off x="0" y="0"/>
+          <a:ext cx="0" cy="0"/>
+          <a:chOff x="0" y="0"/>
+          <a:chExt cx="0" cy="0"/>
+        </a:xfrm>
+      </p:grpSpPr>
+      <p:sp>
+        <p:nvSpPr>
+          <p:cNvPr id="2" name="正方形/長方形 1">
+            <a:extLst>
+              <a:ext uri="{FF2B5EF4-FFF2-40B4-BE49-F238E27FC236}">
+                <a16:creationId xmlns:a16="http://schemas.microsoft.com/office/drawing/2014/main" id="{BCB341EC-3E4A-42F3-AFFE-E86454C0D177}"/>
+              </a:ext>
+            </a:extLst>
+          </p:cNvPr>
+          <p:cNvSpPr/>
+          <p:nvPr/>
+        </p:nvSpPr>
+        <p:spPr>
+          <a:xfrm>
+            <a:off x="558884" y="346273"/>
+            <a:ext cx="11469807" cy="5509200"/>
+          </a:xfrm>
+          <a:prstGeom prst="rect">
+            <a:avLst/>
+          </a:prstGeom>
+          <a:noFill/>
+        </p:spPr>
+        <p:txBody>
+          <a:bodyPr wrap="none" lIns="91440" tIns="45720" rIns="91440" bIns="45720">
+            <a:spAutoFit/>
+          </a:bodyPr>
+          <a:lstStyle/>
+          <a:p>
+            <a:r>
+              <a:rPr lang="ja-JP" altLang="en-US" sz="4400" b="1" dirty="0">
+                <a:ln w="0"/>
+                <a:effectLst>
+                  <a:outerShdw blurRad="38100" dist="19050" dir="2700000" algn="tl" rotWithShape="0">
+                    <a:schemeClr val="dk1">
+                      <a:alpha val="40000"/>
+                    </a:schemeClr>
+                  </a:outerShdw>
+                </a:effectLst>
+              </a:rPr>
+              <a:t>コミットしたら戻せない！　けど</a:t>
+            </a:r>
+            <a:endParaRPr lang="en-US" altLang="ja-JP" sz="4400" b="1" dirty="0">
+              <a:ln w="0"/>
+              <a:effectLst>
+                <a:outerShdw blurRad="38100" dist="19050" dir="2700000" algn="tl" rotWithShape="0">
+                  <a:schemeClr val="dk1">
+                    <a:alpha val="40000"/>
+                  </a:schemeClr>
+                </a:outerShdw>
+              </a:effectLst>
+            </a:endParaRPr>
+          </a:p>
+          <a:p>
+            <a:endParaRPr lang="en-US" altLang="ja-JP" sz="4400" b="1" dirty="0">
+              <a:ln w="0"/>
+              <a:effectLst>
+                <a:outerShdw blurRad="38100" dist="19050" dir="2700000" algn="tl" rotWithShape="0">
+                  <a:schemeClr val="dk1">
+                    <a:alpha val="40000"/>
+                  </a:schemeClr>
+                </a:outerShdw>
+              </a:effectLst>
+            </a:endParaRPr>
+          </a:p>
+          <a:p>
+            <a:r>
+              <a:rPr lang="ja-JP" altLang="en-US" sz="4400" b="1" dirty="0">
+                <a:ln w="0"/>
+                <a:effectLst>
+                  <a:outerShdw blurRad="38100" dist="19050" dir="2700000" algn="tl" rotWithShape="0">
+                    <a:schemeClr val="dk1">
+                      <a:alpha val="40000"/>
+                    </a:schemeClr>
+                  </a:outerShdw>
+                </a:effectLst>
+              </a:rPr>
+              <a:t>コミットしたらコミットハッシュが出るので</a:t>
+            </a:r>
+            <a:endParaRPr lang="en-US" altLang="ja-JP" sz="4400" b="1" dirty="0">
+              <a:ln w="0"/>
+              <a:effectLst>
+                <a:outerShdw blurRad="38100" dist="19050" dir="2700000" algn="tl" rotWithShape="0">
+                  <a:schemeClr val="dk1">
+                    <a:alpha val="40000"/>
+                  </a:schemeClr>
+                </a:outerShdw>
+              </a:effectLst>
+            </a:endParaRPr>
+          </a:p>
+          <a:p>
+            <a:r>
+              <a:rPr lang="ja-JP" altLang="en-US" sz="4400" b="1" dirty="0">
+                <a:ln w="0"/>
+                <a:effectLst>
+                  <a:outerShdw blurRad="38100" dist="19050" dir="2700000" algn="tl" rotWithShape="0">
+                    <a:schemeClr val="dk1">
+                      <a:alpha val="40000"/>
+                    </a:schemeClr>
+                  </a:outerShdw>
+                </a:effectLst>
+              </a:rPr>
+              <a:t>それをもとにその状態にすることができる。</a:t>
+            </a:r>
+          </a:p>
+          <a:p>
+            <a:r>
+              <a:rPr lang="en-US" altLang="ja-JP" sz="4400" dirty="0">
+                <a:ln w="0"/>
+                <a:solidFill>
+                  <a:schemeClr val="bg1"/>
+                </a:solidFill>
+                <a:effectLst>
+                  <a:outerShdw blurRad="38100" dist="19050" dir="2700000" algn="tl" rotWithShape="0">
+                    <a:schemeClr val="dk1">
+                      <a:alpha val="40000"/>
+                    </a:schemeClr>
+                  </a:outerShdw>
+                </a:effectLst>
+                <a:highlight>
+                  <a:srgbClr val="000000"/>
+                </a:highlight>
+              </a:rPr>
+              <a:t>$ git reset HEAD~  </a:t>
+            </a:r>
+            <a:endParaRPr lang="en-US" altLang="ja-JP" sz="4400" b="0" cap="none" spc="0" dirty="0">
+              <a:ln w="0"/>
+              <a:solidFill>
+                <a:schemeClr val="tx1"/>
+              </a:solidFill>
+              <a:effectLst>
+                <a:outerShdw blurRad="38100" dist="19050" dir="2700000" algn="tl" rotWithShape="0">
+                  <a:schemeClr val="dk1">
+                    <a:alpha val="40000"/>
+                  </a:schemeClr>
+                </a:outerShdw>
+              </a:effectLst>
+            </a:endParaRPr>
+          </a:p>
+          <a:p>
+            <a:r>
+              <a:rPr lang="ja-JP" altLang="en-US" sz="4400" b="0" cap="none" spc="0" dirty="0">
+                <a:ln w="0"/>
+                <a:solidFill>
+                  <a:schemeClr val="tx1"/>
+                </a:solidFill>
+                <a:effectLst>
+                  <a:outerShdw blurRad="38100" dist="19050" dir="2700000" algn="tl" rotWithShape="0">
+                    <a:schemeClr val="dk1">
+                      <a:alpha val="40000"/>
+                    </a:schemeClr>
+                  </a:outerShdw>
+                </a:effectLst>
+              </a:rPr>
+              <a:t>と打ち込む。</a:t>
+            </a:r>
+            <a:r>
+              <a:rPr lang="en-US" altLang="ja-JP" sz="4400" b="0" cap="none" spc="0" dirty="0">
+                <a:ln w="0"/>
+                <a:solidFill>
+                  <a:schemeClr val="tx1"/>
+                </a:solidFill>
+                <a:effectLst>
+                  <a:outerShdw blurRad="38100" dist="19050" dir="2700000" algn="tl" rotWithShape="0">
+                    <a:schemeClr val="dk1">
+                      <a:alpha val="40000"/>
+                    </a:schemeClr>
+                  </a:outerShdw>
+                </a:effectLst>
+              </a:rPr>
+              <a:t>(HEAD~</a:t>
+            </a:r>
+            <a:r>
+              <a:rPr lang="ja-JP" altLang="en-US" sz="4400" b="0" cap="none" spc="0" dirty="0">
+                <a:ln w="0"/>
+                <a:solidFill>
+                  <a:schemeClr val="tx1"/>
+                </a:solidFill>
+                <a:effectLst>
+                  <a:outerShdw blurRad="38100" dist="19050" dir="2700000" algn="tl" rotWithShape="0">
+                    <a:schemeClr val="dk1">
+                      <a:alpha val="40000"/>
+                    </a:schemeClr>
+                  </a:outerShdw>
+                </a:effectLst>
+              </a:rPr>
+              <a:t>はハッシュ値でも可</a:t>
+            </a:r>
+            <a:r>
+              <a:rPr lang="en-US" altLang="ja-JP" sz="4400" b="0" cap="none" spc="0" dirty="0">
+                <a:ln w="0"/>
+                <a:solidFill>
+                  <a:schemeClr val="tx1"/>
+                </a:solidFill>
+                <a:effectLst>
+                  <a:outerShdw blurRad="38100" dist="19050" dir="2700000" algn="tl" rotWithShape="0">
+                    <a:schemeClr val="dk1">
+                      <a:alpha val="40000"/>
+                    </a:schemeClr>
+                  </a:outerShdw>
+                </a:effectLst>
+              </a:rPr>
+              <a:t>)</a:t>
+            </a:r>
+            <a:endParaRPr lang="en-US" altLang="ja-JP" sz="4400" dirty="0">
+              <a:ln w="0"/>
+              <a:effectLst>
+                <a:outerShdw blurRad="38100" dist="19050" dir="2700000" algn="tl" rotWithShape="0">
+                  <a:schemeClr val="dk1">
+                    <a:alpha val="40000"/>
+                  </a:schemeClr>
+                </a:outerShdw>
+              </a:effectLst>
+            </a:endParaRPr>
+          </a:p>
+          <a:p>
+            <a:r>
+              <a:rPr lang="en-US" altLang="ja-JP" sz="4400" dirty="0">
+                <a:ln w="0"/>
+                <a:solidFill>
+                  <a:schemeClr val="bg1"/>
+                </a:solidFill>
+                <a:effectLst>
+                  <a:outerShdw blurRad="38100" dist="19050" dir="2700000" algn="tl" rotWithShape="0">
+                    <a:schemeClr val="dk1">
+                      <a:alpha val="40000"/>
+                    </a:schemeClr>
+                  </a:outerShdw>
+                </a:effectLst>
+                <a:highlight>
+                  <a:srgbClr val="000000"/>
+                </a:highlight>
+              </a:rPr>
+              <a:t>$ git commit –amend “</a:t>
+            </a:r>
+            <a:r>
+              <a:rPr lang="ja-JP" altLang="en-US" sz="4400" dirty="0">
+                <a:ln w="0"/>
+                <a:solidFill>
+                  <a:schemeClr val="bg1"/>
+                </a:solidFill>
+                <a:effectLst>
+                  <a:outerShdw blurRad="38100" dist="19050" dir="2700000" algn="tl" rotWithShape="0">
+                    <a:schemeClr val="dk1">
+                      <a:alpha val="40000"/>
+                    </a:schemeClr>
+                  </a:outerShdw>
+                </a:effectLst>
+                <a:highlight>
+                  <a:srgbClr val="000000"/>
+                </a:highlight>
+              </a:rPr>
+              <a:t>コミットメッセージ</a:t>
+            </a:r>
+            <a:r>
+              <a:rPr lang="en-US" altLang="ja-JP" sz="4400" dirty="0">
+                <a:ln w="0"/>
+                <a:solidFill>
+                  <a:schemeClr val="bg1"/>
+                </a:solidFill>
+                <a:effectLst>
+                  <a:outerShdw blurRad="38100" dist="19050" dir="2700000" algn="tl" rotWithShape="0">
+                    <a:schemeClr val="dk1">
+                      <a:alpha val="40000"/>
+                    </a:schemeClr>
+                  </a:outerShdw>
+                </a:effectLst>
+                <a:highlight>
+                  <a:srgbClr val="000000"/>
+                </a:highlight>
+              </a:rPr>
+              <a:t>”</a:t>
+            </a:r>
+          </a:p>
+          <a:p>
+            <a:r>
+              <a:rPr lang="ja-JP" altLang="en-US" sz="4400" dirty="0">
+                <a:ln w="0"/>
+                <a:effectLst>
+                  <a:outerShdw blurRad="38100" dist="19050" dir="2700000" algn="tl" rotWithShape="0">
+                    <a:schemeClr val="dk1">
+                      <a:alpha val="40000"/>
+                    </a:schemeClr>
+                  </a:outerShdw>
+                </a:effectLst>
+              </a:rPr>
+              <a:t>で直前のコミットを上書きできる</a:t>
+            </a:r>
+            <a:endParaRPr lang="en-US" altLang="ja-JP" sz="4400" dirty="0">
+              <a:ln w="0"/>
+              <a:effectLst>
+                <a:outerShdw blurRad="38100" dist="19050" dir="2700000" algn="tl" rotWithShape="0">
+                  <a:schemeClr val="dk1">
+                    <a:alpha val="40000"/>
+                  </a:schemeClr>
+                </a:outerShdw>
+              </a:effectLst>
+            </a:endParaRPr>
+          </a:p>
+        </p:txBody>
+      </p:sp>
+    </p:spTree>
+    <p:extLst>
+      <p:ext uri="{BB962C8B-B14F-4D97-AF65-F5344CB8AC3E}">
+        <p14:creationId xmlns:p14="http://schemas.microsoft.com/office/powerpoint/2010/main" val="2140107602"/>
+      </p:ext>
+    </p:extLst>
+  </p:cSld>
+  <p:clrMapOvr>
+    <a:masterClrMapping/>
+  </p:clrMapOvr>
+</p:sld>
+</file>
+
+<file path=ppt/slides/slide13.xml><?xml version="1.0" encoding="utf-8"?>
+<p:sld xmlns:a="http://schemas.openxmlformats.org/drawingml/2006/main" xmlns:r="http://schemas.openxmlformats.org/officeDocument/2006/relationships" xmlns:p="http://schemas.openxmlformats.org/presentationml/2006/main">
+  <p:cSld>
+    <p:spTree>
+      <p:nvGrpSpPr>
+        <p:cNvPr id="1" name=""/>
+        <p:cNvGrpSpPr/>
+        <p:nvPr/>
+      </p:nvGrpSpPr>
+      <p:grpSpPr>
+        <a:xfrm>
+          <a:off x="0" y="0"/>
+          <a:ext cx="0" cy="0"/>
+          <a:chOff x="0" y="0"/>
+          <a:chExt cx="0" cy="0"/>
+        </a:xfrm>
+      </p:grpSpPr>
+      <p:sp>
+        <p:nvSpPr>
           <p:cNvPr id="4" name="タイトル 1">
             <a:extLst>
               <a:ext uri="{FF2B5EF4-FFF2-40B4-BE49-F238E27FC236}">
@@ -4622,7 +6292,7 @@
 </p:sld>
 </file>
 
-<file path=ppt/slides/slide11.xml><?xml version="1.0" encoding="utf-8"?>
+<file path=ppt/slides/slide14.xml><?xml version="1.0" encoding="utf-8"?>
 <p:sld xmlns:a="http://schemas.openxmlformats.org/drawingml/2006/main" xmlns:r="http://schemas.openxmlformats.org/officeDocument/2006/relationships" xmlns:p="http://schemas.openxmlformats.org/presentationml/2006/main">
   <p:cSld>
     <p:spTree>
@@ -6796,7 +8466,7 @@
 </p:sld>
 </file>
 
-<file path=ppt/slides/slide12.xml><?xml version="1.0" encoding="utf-8"?>
+<file path=ppt/slides/slide15.xml><?xml version="1.0" encoding="utf-8"?>
 <p:sld xmlns:a="http://schemas.openxmlformats.org/drawingml/2006/main" xmlns:r="http://schemas.openxmlformats.org/officeDocument/2006/relationships" xmlns:p="http://schemas.openxmlformats.org/presentationml/2006/main">
   <p:cSld>
     <p:spTree>
@@ -7160,7 +8830,7 @@
 </p:sld>
 </file>
 
-<file path=ppt/slides/slide13.xml><?xml version="1.0" encoding="utf-8"?>
+<file path=ppt/slides/slide16.xml><?xml version="1.0" encoding="utf-8"?>
 <p:sld xmlns:a="http://schemas.openxmlformats.org/drawingml/2006/main" xmlns:r="http://schemas.openxmlformats.org/officeDocument/2006/relationships" xmlns:p="http://schemas.openxmlformats.org/presentationml/2006/main">
   <p:cSld>
     <p:spTree>
@@ -8823,7 +10493,7 @@
 </p:sld>
 </file>
 
-<file path=ppt/slides/slide14.xml><?xml version="1.0" encoding="utf-8"?>
+<file path=ppt/slides/slide17.xml><?xml version="1.0" encoding="utf-8"?>
 <p:sld xmlns:a="http://schemas.openxmlformats.org/drawingml/2006/main" xmlns:r="http://schemas.openxmlformats.org/officeDocument/2006/relationships" xmlns:p="http://schemas.openxmlformats.org/presentationml/2006/main">
   <p:cSld>
     <p:spTree>
@@ -10855,7 +12525,7 @@
 </p:sld>
 </file>
 
-<file path=ppt/slides/slide15.xml><?xml version="1.0" encoding="utf-8"?>
+<file path=ppt/slides/slide18.xml><?xml version="1.0" encoding="utf-8"?>
 <p:sld xmlns:a="http://schemas.openxmlformats.org/drawingml/2006/main" xmlns:r="http://schemas.openxmlformats.org/officeDocument/2006/relationships" xmlns:p="http://schemas.openxmlformats.org/presentationml/2006/main">
   <p:cSld>
     <p:spTree>
@@ -11213,7 +12883,7 @@
 </p:sld>
 </file>
 
-<file path=ppt/slides/slide16.xml><?xml version="1.0" encoding="utf-8"?>
+<file path=ppt/slides/slide19.xml><?xml version="1.0" encoding="utf-8"?>
 <p:sld xmlns:a="http://schemas.openxmlformats.org/drawingml/2006/main" xmlns:r="http://schemas.openxmlformats.org/officeDocument/2006/relationships" xmlns:p="http://schemas.openxmlformats.org/presentationml/2006/main">
   <p:cSld>
     <p:spTree>
@@ -11296,7 +12966,249 @@
 </p:sld>
 </file>
 
-<file path=ppt/slides/slide17.xml><?xml version="1.0" encoding="utf-8"?>
+<file path=ppt/slides/slide2.xml><?xml version="1.0" encoding="utf-8"?>
+<p:sld xmlns:a="http://schemas.openxmlformats.org/drawingml/2006/main" xmlns:r="http://schemas.openxmlformats.org/officeDocument/2006/relationships" xmlns:p="http://schemas.openxmlformats.org/presentationml/2006/main">
+  <p:cSld>
+    <p:spTree>
+      <p:nvGrpSpPr>
+        <p:cNvPr id="1" name=""/>
+        <p:cNvGrpSpPr/>
+        <p:nvPr/>
+      </p:nvGrpSpPr>
+      <p:grpSpPr>
+        <a:xfrm>
+          <a:off x="0" y="0"/>
+          <a:ext cx="0" cy="0"/>
+          <a:chOff x="0" y="0"/>
+          <a:chExt cx="0" cy="0"/>
+        </a:xfrm>
+      </p:grpSpPr>
+      <p:sp>
+        <p:nvSpPr>
+          <p:cNvPr id="2" name="タイトル 1">
+            <a:extLst>
+              <a:ext uri="{FF2B5EF4-FFF2-40B4-BE49-F238E27FC236}">
+                <a16:creationId xmlns:a16="http://schemas.microsoft.com/office/drawing/2014/main" id="{CAEE8ACE-9429-4287-BD97-21D83511B467}"/>
+              </a:ext>
+            </a:extLst>
+          </p:cNvPr>
+          <p:cNvSpPr>
+            <a:spLocks noGrp="1"/>
+          </p:cNvSpPr>
+          <p:nvPr>
+            <p:ph type="ctrTitle"/>
+          </p:nvPr>
+        </p:nvSpPr>
+        <p:spPr>
+          <a:xfrm>
+            <a:off x="529701" y="360123"/>
+            <a:ext cx="1876147" cy="998161"/>
+          </a:xfrm>
+        </p:spPr>
+        <p:txBody>
+          <a:bodyPr/>
+          <a:lstStyle/>
+          <a:p>
+            <a:r>
+              <a:rPr kumimoji="1" lang="ja-JP" altLang="en-US" b="1" dirty="0"/>
+              <a:t>目次</a:t>
+            </a:r>
+          </a:p>
+        </p:txBody>
+      </p:sp>
+      <p:sp>
+        <p:nvSpPr>
+          <p:cNvPr id="3" name="タイトル 1">
+            <a:extLst>
+              <a:ext uri="{FF2B5EF4-FFF2-40B4-BE49-F238E27FC236}">
+                <a16:creationId xmlns:a16="http://schemas.microsoft.com/office/drawing/2014/main" id="{FF633CD8-3612-4D90-91A8-F87361D36C87}"/>
+              </a:ext>
+            </a:extLst>
+          </p:cNvPr>
+          <p:cNvSpPr txBox="1">
+            <a:spLocks/>
+          </p:cNvSpPr>
+          <p:nvPr/>
+        </p:nvSpPr>
+        <p:spPr>
+          <a:xfrm>
+            <a:off x="-378781" y="1789428"/>
+            <a:ext cx="9687881" cy="1140203"/>
+          </a:xfrm>
+          <a:prstGeom prst="rect">
+            <a:avLst/>
+          </a:prstGeom>
+        </p:spPr>
+        <p:txBody>
+          <a:bodyPr vert="horz" lIns="91440" tIns="45720" rIns="91440" bIns="45720" rtlCol="0" anchor="b">
+            <a:normAutofit/>
+          </a:bodyPr>
+          <a:lstStyle>
+            <a:lvl1pPr algn="ctr" defTabSz="914400" rtl="0" eaLnBrk="1" latinLnBrk="0" hangingPunct="1">
+              <a:lnSpc>
+                <a:spcPct val="90000"/>
+              </a:lnSpc>
+              <a:spcBef>
+                <a:spcPct val="0"/>
+              </a:spcBef>
+              <a:buNone/>
+              <a:defRPr kumimoji="1" sz="6000" kern="1200">
+                <a:solidFill>
+                  <a:schemeClr val="tx1"/>
+                </a:solidFill>
+                <a:latin typeface="+mj-lt"/>
+                <a:ea typeface="+mj-ea"/>
+                <a:cs typeface="+mj-cs"/>
+              </a:defRPr>
+            </a:lvl1pPr>
+          </a:lstStyle>
+          <a:p>
+            <a:r>
+              <a:rPr lang="ja-JP" altLang="en-US" dirty="0"/>
+              <a:t>・</a:t>
+            </a:r>
+            <a:r>
+              <a:rPr lang="en-US" altLang="ja-JP" dirty="0"/>
+              <a:t>Git</a:t>
+            </a:r>
+            <a:r>
+              <a:rPr lang="ja-JP" altLang="en-US" dirty="0"/>
+              <a:t>の基本操作</a:t>
+            </a:r>
+            <a:r>
+              <a:rPr lang="en-US" altLang="ja-JP" dirty="0"/>
+              <a:t>1,2,3</a:t>
+            </a:r>
+          </a:p>
+        </p:txBody>
+      </p:sp>
+      <p:sp>
+        <p:nvSpPr>
+          <p:cNvPr id="4" name="タイトル 1">
+            <a:extLst>
+              <a:ext uri="{FF2B5EF4-FFF2-40B4-BE49-F238E27FC236}">
+                <a16:creationId xmlns:a16="http://schemas.microsoft.com/office/drawing/2014/main" id="{597F529B-FA97-4ACA-83C5-0032B3175EAA}"/>
+              </a:ext>
+            </a:extLst>
+          </p:cNvPr>
+          <p:cNvSpPr txBox="1">
+            <a:spLocks/>
+          </p:cNvSpPr>
+          <p:nvPr/>
+        </p:nvSpPr>
+        <p:spPr>
+          <a:xfrm>
+            <a:off x="840419" y="3360775"/>
+            <a:ext cx="4077810" cy="1140203"/>
+          </a:xfrm>
+          <a:prstGeom prst="rect">
+            <a:avLst/>
+          </a:prstGeom>
+        </p:spPr>
+        <p:txBody>
+          <a:bodyPr vert="horz" lIns="91440" tIns="45720" rIns="91440" bIns="45720" rtlCol="0" anchor="b">
+            <a:normAutofit/>
+          </a:bodyPr>
+          <a:lstStyle>
+            <a:lvl1pPr algn="ctr" defTabSz="914400" rtl="0" eaLnBrk="1" latinLnBrk="0" hangingPunct="1">
+              <a:lnSpc>
+                <a:spcPct val="90000"/>
+              </a:lnSpc>
+              <a:spcBef>
+                <a:spcPct val="0"/>
+              </a:spcBef>
+              <a:buNone/>
+              <a:defRPr kumimoji="1" sz="6000" kern="1200">
+                <a:solidFill>
+                  <a:schemeClr val="tx1"/>
+                </a:solidFill>
+                <a:latin typeface="+mj-lt"/>
+                <a:ea typeface="+mj-ea"/>
+                <a:cs typeface="+mj-cs"/>
+              </a:defRPr>
+            </a:lvl1pPr>
+          </a:lstStyle>
+          <a:p>
+            <a:r>
+              <a:rPr lang="ja-JP" altLang="en-US" dirty="0"/>
+              <a:t>・ブランチ</a:t>
+            </a:r>
+          </a:p>
+        </p:txBody>
+      </p:sp>
+      <p:sp>
+        <p:nvSpPr>
+          <p:cNvPr id="5" name="タイトル 1">
+            <a:extLst>
+              <a:ext uri="{FF2B5EF4-FFF2-40B4-BE49-F238E27FC236}">
+                <a16:creationId xmlns:a16="http://schemas.microsoft.com/office/drawing/2014/main" id="{72E39F60-9970-460B-BA2C-E521F5D15069}"/>
+              </a:ext>
+            </a:extLst>
+          </p:cNvPr>
+          <p:cNvSpPr txBox="1">
+            <a:spLocks/>
+          </p:cNvSpPr>
+          <p:nvPr/>
+        </p:nvSpPr>
+        <p:spPr>
+          <a:xfrm>
+            <a:off x="281126" y="4932122"/>
+            <a:ext cx="4077810" cy="1140203"/>
+          </a:xfrm>
+          <a:prstGeom prst="rect">
+            <a:avLst/>
+          </a:prstGeom>
+        </p:spPr>
+        <p:txBody>
+          <a:bodyPr vert="horz" lIns="91440" tIns="45720" rIns="91440" bIns="45720" rtlCol="0" anchor="b">
+            <a:normAutofit/>
+          </a:bodyPr>
+          <a:lstStyle>
+            <a:lvl1pPr algn="ctr" defTabSz="914400" rtl="0" eaLnBrk="1" latinLnBrk="0" hangingPunct="1">
+              <a:lnSpc>
+                <a:spcPct val="90000"/>
+              </a:lnSpc>
+              <a:spcBef>
+                <a:spcPct val="0"/>
+              </a:spcBef>
+              <a:buNone/>
+              <a:defRPr kumimoji="1" sz="6000" kern="1200">
+                <a:solidFill>
+                  <a:schemeClr val="tx1"/>
+                </a:solidFill>
+                <a:latin typeface="+mj-lt"/>
+                <a:ea typeface="+mj-ea"/>
+                <a:cs typeface="+mj-cs"/>
+              </a:defRPr>
+            </a:lvl1pPr>
+          </a:lstStyle>
+          <a:p>
+            <a:r>
+              <a:rPr lang="ja-JP" altLang="en-US" dirty="0"/>
+              <a:t>・</a:t>
+            </a:r>
+            <a:r>
+              <a:rPr lang="en-US" altLang="ja-JP" dirty="0" err="1"/>
+              <a:t>github</a:t>
+            </a:r>
+            <a:endParaRPr lang="ja-JP" altLang="en-US" dirty="0"/>
+          </a:p>
+        </p:txBody>
+      </p:sp>
+    </p:spTree>
+    <p:extLst>
+      <p:ext uri="{BB962C8B-B14F-4D97-AF65-F5344CB8AC3E}">
+        <p14:creationId xmlns:p14="http://schemas.microsoft.com/office/powerpoint/2010/main" val="1466437024"/>
+      </p:ext>
+    </p:extLst>
+  </p:cSld>
+  <p:clrMapOvr>
+    <a:masterClrMapping/>
+  </p:clrMapOvr>
+</p:sld>
+</file>
+
+<file path=ppt/slides/slide20.xml><?xml version="1.0" encoding="utf-8"?>
 <p:sld xmlns:a="http://schemas.openxmlformats.org/drawingml/2006/main" xmlns:r="http://schemas.openxmlformats.org/officeDocument/2006/relationships" xmlns:p="http://schemas.openxmlformats.org/presentationml/2006/main">
   <p:cSld>
     <p:spTree>
@@ -12550,7 +14462,7 @@
 </p:sld>
 </file>
 
-<file path=ppt/slides/slide18.xml><?xml version="1.0" encoding="utf-8"?>
+<file path=ppt/slides/slide21.xml><?xml version="1.0" encoding="utf-8"?>
 <p:sld xmlns:a="http://schemas.openxmlformats.org/drawingml/2006/main" xmlns:r="http://schemas.openxmlformats.org/officeDocument/2006/relationships" xmlns:p="http://schemas.openxmlformats.org/presentationml/2006/main">
   <p:cSld>
     <p:spTree>
@@ -13230,7 +15142,10 @@
           <a:lstStyle/>
           <a:p>
             <a:pPr algn="ctr"/>
-            <a:endParaRPr kumimoji="1" lang="ja-JP" altLang="en-US"/>
+            <a:r>
+              <a:rPr kumimoji="1" lang="ja-JP" altLang="en-US" dirty="0"/>
+              <a:t>？</a:t>
+            </a:r>
           </a:p>
         </p:txBody>
       </p:sp>
@@ -14408,7 +16323,7 @@
 </p:sld>
 </file>
 
-<file path=ppt/slides/slide19.xml><?xml version="1.0" encoding="utf-8"?>
+<file path=ppt/slides/slide22.xml><?xml version="1.0" encoding="utf-8"?>
 <p:sld xmlns:a="http://schemas.openxmlformats.org/drawingml/2006/main" xmlns:r="http://schemas.openxmlformats.org/officeDocument/2006/relationships" xmlns:p="http://schemas.openxmlformats.org/presentationml/2006/main">
   <p:cSld>
     <p:spTree>
@@ -14438,245 +16353,7 @@
 </p:sld>
 </file>
 
-<file path=ppt/slides/slide2.xml><?xml version="1.0" encoding="utf-8"?>
-<p:sld xmlns:a="http://schemas.openxmlformats.org/drawingml/2006/main" xmlns:r="http://schemas.openxmlformats.org/officeDocument/2006/relationships" xmlns:p="http://schemas.openxmlformats.org/presentationml/2006/main">
-  <p:cSld>
-    <p:spTree>
-      <p:nvGrpSpPr>
-        <p:cNvPr id="1" name=""/>
-        <p:cNvGrpSpPr/>
-        <p:nvPr/>
-      </p:nvGrpSpPr>
-      <p:grpSpPr>
-        <a:xfrm>
-          <a:off x="0" y="0"/>
-          <a:ext cx="0" cy="0"/>
-          <a:chOff x="0" y="0"/>
-          <a:chExt cx="0" cy="0"/>
-        </a:xfrm>
-      </p:grpSpPr>
-      <p:sp>
-        <p:nvSpPr>
-          <p:cNvPr id="2" name="タイトル 1">
-            <a:extLst>
-              <a:ext uri="{FF2B5EF4-FFF2-40B4-BE49-F238E27FC236}">
-                <a16:creationId xmlns:a16="http://schemas.microsoft.com/office/drawing/2014/main" id="{CAEE8ACE-9429-4287-BD97-21D83511B467}"/>
-              </a:ext>
-            </a:extLst>
-          </p:cNvPr>
-          <p:cNvSpPr>
-            <a:spLocks noGrp="1"/>
-          </p:cNvSpPr>
-          <p:nvPr>
-            <p:ph type="ctrTitle"/>
-          </p:nvPr>
-        </p:nvSpPr>
-        <p:spPr>
-          <a:xfrm>
-            <a:off x="529701" y="360123"/>
-            <a:ext cx="1876147" cy="998161"/>
-          </a:xfrm>
-        </p:spPr>
-        <p:txBody>
-          <a:bodyPr/>
-          <a:lstStyle/>
-          <a:p>
-            <a:r>
-              <a:rPr kumimoji="1" lang="ja-JP" altLang="en-US" b="1" dirty="0"/>
-              <a:t>目次</a:t>
-            </a:r>
-          </a:p>
-        </p:txBody>
-      </p:sp>
-      <p:sp>
-        <p:nvSpPr>
-          <p:cNvPr id="3" name="タイトル 1">
-            <a:extLst>
-              <a:ext uri="{FF2B5EF4-FFF2-40B4-BE49-F238E27FC236}">
-                <a16:creationId xmlns:a16="http://schemas.microsoft.com/office/drawing/2014/main" id="{FF633CD8-3612-4D90-91A8-F87361D36C87}"/>
-              </a:ext>
-            </a:extLst>
-          </p:cNvPr>
-          <p:cNvSpPr txBox="1">
-            <a:spLocks/>
-          </p:cNvSpPr>
-          <p:nvPr/>
-        </p:nvSpPr>
-        <p:spPr>
-          <a:xfrm>
-            <a:off x="529701" y="1789428"/>
-            <a:ext cx="4077810" cy="1140203"/>
-          </a:xfrm>
-          <a:prstGeom prst="rect">
-            <a:avLst/>
-          </a:prstGeom>
-        </p:spPr>
-        <p:txBody>
-          <a:bodyPr vert="horz" lIns="91440" tIns="45720" rIns="91440" bIns="45720" rtlCol="0" anchor="b">
-            <a:normAutofit/>
-          </a:bodyPr>
-          <a:lstStyle>
-            <a:lvl1pPr algn="ctr" defTabSz="914400" rtl="0" eaLnBrk="1" latinLnBrk="0" hangingPunct="1">
-              <a:lnSpc>
-                <a:spcPct val="90000"/>
-              </a:lnSpc>
-              <a:spcBef>
-                <a:spcPct val="0"/>
-              </a:spcBef>
-              <a:buNone/>
-              <a:defRPr kumimoji="1" sz="6000" kern="1200">
-                <a:solidFill>
-                  <a:schemeClr val="tx1"/>
-                </a:solidFill>
-                <a:latin typeface="+mj-lt"/>
-                <a:ea typeface="+mj-ea"/>
-                <a:cs typeface="+mj-cs"/>
-              </a:defRPr>
-            </a:lvl1pPr>
-          </a:lstStyle>
-          <a:p>
-            <a:r>
-              <a:rPr lang="ja-JP" altLang="en-US" dirty="0"/>
-              <a:t>・</a:t>
-            </a:r>
-            <a:r>
-              <a:rPr lang="en-US" altLang="ja-JP" dirty="0"/>
-              <a:t>Git</a:t>
-            </a:r>
-            <a:r>
-              <a:rPr lang="ja-JP" altLang="en-US" dirty="0"/>
-              <a:t>とは</a:t>
-            </a:r>
-          </a:p>
-        </p:txBody>
-      </p:sp>
-      <p:sp>
-        <p:nvSpPr>
-          <p:cNvPr id="4" name="タイトル 1">
-            <a:extLst>
-              <a:ext uri="{FF2B5EF4-FFF2-40B4-BE49-F238E27FC236}">
-                <a16:creationId xmlns:a16="http://schemas.microsoft.com/office/drawing/2014/main" id="{597F529B-FA97-4ACA-83C5-0032B3175EAA}"/>
-              </a:ext>
-            </a:extLst>
-          </p:cNvPr>
-          <p:cNvSpPr txBox="1">
-            <a:spLocks/>
-          </p:cNvSpPr>
-          <p:nvPr/>
-        </p:nvSpPr>
-        <p:spPr>
-          <a:xfrm>
-            <a:off x="840419" y="3360775"/>
-            <a:ext cx="4077810" cy="1140203"/>
-          </a:xfrm>
-          <a:prstGeom prst="rect">
-            <a:avLst/>
-          </a:prstGeom>
-        </p:spPr>
-        <p:txBody>
-          <a:bodyPr vert="horz" lIns="91440" tIns="45720" rIns="91440" bIns="45720" rtlCol="0" anchor="b">
-            <a:normAutofit/>
-          </a:bodyPr>
-          <a:lstStyle>
-            <a:lvl1pPr algn="ctr" defTabSz="914400" rtl="0" eaLnBrk="1" latinLnBrk="0" hangingPunct="1">
-              <a:lnSpc>
-                <a:spcPct val="90000"/>
-              </a:lnSpc>
-              <a:spcBef>
-                <a:spcPct val="0"/>
-              </a:spcBef>
-              <a:buNone/>
-              <a:defRPr kumimoji="1" sz="6000" kern="1200">
-                <a:solidFill>
-                  <a:schemeClr val="tx1"/>
-                </a:solidFill>
-                <a:latin typeface="+mj-lt"/>
-                <a:ea typeface="+mj-ea"/>
-                <a:cs typeface="+mj-cs"/>
-              </a:defRPr>
-            </a:lvl1pPr>
-          </a:lstStyle>
-          <a:p>
-            <a:r>
-              <a:rPr lang="ja-JP" altLang="en-US" dirty="0"/>
-              <a:t>・ブランチ</a:t>
-            </a:r>
-          </a:p>
-        </p:txBody>
-      </p:sp>
-      <p:sp>
-        <p:nvSpPr>
-          <p:cNvPr id="5" name="タイトル 1">
-            <a:extLst>
-              <a:ext uri="{FF2B5EF4-FFF2-40B4-BE49-F238E27FC236}">
-                <a16:creationId xmlns:a16="http://schemas.microsoft.com/office/drawing/2014/main" id="{72E39F60-9970-460B-BA2C-E521F5D15069}"/>
-              </a:ext>
-            </a:extLst>
-          </p:cNvPr>
-          <p:cNvSpPr txBox="1">
-            <a:spLocks/>
-          </p:cNvSpPr>
-          <p:nvPr/>
-        </p:nvSpPr>
-        <p:spPr>
-          <a:xfrm>
-            <a:off x="281126" y="4932122"/>
-            <a:ext cx="4077810" cy="1140203"/>
-          </a:xfrm>
-          <a:prstGeom prst="rect">
-            <a:avLst/>
-          </a:prstGeom>
-        </p:spPr>
-        <p:txBody>
-          <a:bodyPr vert="horz" lIns="91440" tIns="45720" rIns="91440" bIns="45720" rtlCol="0" anchor="b">
-            <a:normAutofit/>
-          </a:bodyPr>
-          <a:lstStyle>
-            <a:lvl1pPr algn="ctr" defTabSz="914400" rtl="0" eaLnBrk="1" latinLnBrk="0" hangingPunct="1">
-              <a:lnSpc>
-                <a:spcPct val="90000"/>
-              </a:lnSpc>
-              <a:spcBef>
-                <a:spcPct val="0"/>
-              </a:spcBef>
-              <a:buNone/>
-              <a:defRPr kumimoji="1" sz="6000" kern="1200">
-                <a:solidFill>
-                  <a:schemeClr val="tx1"/>
-                </a:solidFill>
-                <a:latin typeface="+mj-lt"/>
-                <a:ea typeface="+mj-ea"/>
-                <a:cs typeface="+mj-cs"/>
-              </a:defRPr>
-            </a:lvl1pPr>
-          </a:lstStyle>
-          <a:p>
-            <a:r>
-              <a:rPr lang="ja-JP" altLang="en-US" dirty="0"/>
-              <a:t>・</a:t>
-            </a:r>
-            <a:r>
-              <a:rPr lang="en-US" altLang="ja-JP" dirty="0" err="1"/>
-              <a:t>github</a:t>
-            </a:r>
-            <a:endParaRPr lang="ja-JP" altLang="en-US" dirty="0"/>
-          </a:p>
-        </p:txBody>
-      </p:sp>
-    </p:spTree>
-    <p:extLst>
-      <p:ext uri="{BB962C8B-B14F-4D97-AF65-F5344CB8AC3E}">
-        <p14:creationId xmlns:p14="http://schemas.microsoft.com/office/powerpoint/2010/main" val="1466437024"/>
-      </p:ext>
-    </p:extLst>
-  </p:cSld>
-  <p:clrMapOvr>
-    <a:masterClrMapping/>
-  </p:clrMapOvr>
-</p:sld>
-</file>
-
-<file path=ppt/slides/slide20.xml><?xml version="1.0" encoding="utf-8"?>
+<file path=ppt/slides/slide23.xml><?xml version="1.0" encoding="utf-8"?>
 <p:sld xmlns:a="http://schemas.openxmlformats.org/drawingml/2006/main" xmlns:r="http://schemas.openxmlformats.org/officeDocument/2006/relationships" xmlns:p="http://schemas.openxmlformats.org/presentationml/2006/main">
   <p:cSld>
     <p:spTree>
@@ -14707,6 +16384,98 @@
 </file>
 
 <file path=ppt/slides/slide3.xml><?xml version="1.0" encoding="utf-8"?>
+<p:sld xmlns:a="http://schemas.openxmlformats.org/drawingml/2006/main" xmlns:r="http://schemas.openxmlformats.org/officeDocument/2006/relationships" xmlns:p="http://schemas.openxmlformats.org/presentationml/2006/main">
+  <p:cSld>
+    <p:spTree>
+      <p:nvGrpSpPr>
+        <p:cNvPr id="1" name=""/>
+        <p:cNvGrpSpPr/>
+        <p:nvPr/>
+      </p:nvGrpSpPr>
+      <p:grpSpPr>
+        <a:xfrm>
+          <a:off x="0" y="0"/>
+          <a:ext cx="0" cy="0"/>
+          <a:chOff x="0" y="0"/>
+          <a:chExt cx="0" cy="0"/>
+        </a:xfrm>
+      </p:grpSpPr>
+      <p:sp>
+        <p:nvSpPr>
+          <p:cNvPr id="4" name="タイトル 1">
+            <a:extLst>
+              <a:ext uri="{FF2B5EF4-FFF2-40B4-BE49-F238E27FC236}">
+                <a16:creationId xmlns:a16="http://schemas.microsoft.com/office/drawing/2014/main" id="{84EA8041-9DDB-4AE6-A270-8F2F2180525F}"/>
+              </a:ext>
+            </a:extLst>
+          </p:cNvPr>
+          <p:cNvSpPr txBox="1">
+            <a:spLocks/>
+          </p:cNvSpPr>
+          <p:nvPr/>
+        </p:nvSpPr>
+        <p:spPr>
+          <a:xfrm>
+            <a:off x="1524000" y="2848090"/>
+            <a:ext cx="9144000" cy="580910"/>
+          </a:xfrm>
+          <a:prstGeom prst="rect">
+            <a:avLst/>
+          </a:prstGeom>
+        </p:spPr>
+        <p:txBody>
+          <a:bodyPr/>
+          <a:lstStyle>
+            <a:lvl1pPr algn="l" defTabSz="914400" rtl="0" eaLnBrk="1" latinLnBrk="0" hangingPunct="1">
+              <a:lnSpc>
+                <a:spcPct val="90000"/>
+              </a:lnSpc>
+              <a:spcBef>
+                <a:spcPct val="0"/>
+              </a:spcBef>
+              <a:buNone/>
+              <a:defRPr kumimoji="1" sz="4400" kern="1200">
+                <a:solidFill>
+                  <a:schemeClr val="tx1"/>
+                </a:solidFill>
+                <a:latin typeface="+mj-lt"/>
+                <a:ea typeface="+mj-ea"/>
+                <a:cs typeface="+mj-cs"/>
+              </a:defRPr>
+            </a:lvl1pPr>
+          </a:lstStyle>
+          <a:p>
+            <a:pPr algn="ctr"/>
+            <a:r>
+              <a:rPr lang="en-US" altLang="ja-JP" dirty="0"/>
+              <a:t>Git</a:t>
+            </a:r>
+            <a:r>
+              <a:rPr lang="ja-JP" altLang="en-US" dirty="0"/>
+              <a:t>の操作</a:t>
+            </a:r>
+            <a:r>
+              <a:rPr lang="en-US" altLang="ja-JP" dirty="0"/>
+              <a:t>1</a:t>
+            </a:r>
+            <a:endParaRPr lang="ja-JP" altLang="en-US" dirty="0"/>
+          </a:p>
+        </p:txBody>
+      </p:sp>
+    </p:spTree>
+    <p:extLst>
+      <p:ext uri="{BB962C8B-B14F-4D97-AF65-F5344CB8AC3E}">
+        <p14:creationId xmlns:p14="http://schemas.microsoft.com/office/powerpoint/2010/main" val="1748947351"/>
+      </p:ext>
+    </p:extLst>
+  </p:cSld>
+  <p:clrMapOvr>
+    <a:masterClrMapping/>
+  </p:clrMapOvr>
+</p:sld>
+</file>
+
+<file path=ppt/slides/slide4.xml><?xml version="1.0" encoding="utf-8"?>
 <p:sld xmlns:a="http://schemas.openxmlformats.org/drawingml/2006/main" xmlns:r="http://schemas.openxmlformats.org/officeDocument/2006/relationships" xmlns:p="http://schemas.openxmlformats.org/presentationml/2006/main">
   <p:cSld>
     <p:spTree>
@@ -15686,7 +17455,7 @@
 </p:sld>
 </file>
 
-<file path=ppt/slides/slide4.xml><?xml version="1.0" encoding="utf-8"?>
+<file path=ppt/slides/slide5.xml><?xml version="1.0" encoding="utf-8"?>
 <p:sld xmlns:a="http://schemas.openxmlformats.org/drawingml/2006/main" xmlns:r="http://schemas.openxmlformats.org/officeDocument/2006/relationships" xmlns:p="http://schemas.openxmlformats.org/presentationml/2006/main">
   <p:cSld>
     <p:spTree>
@@ -17080,7 +18849,7 @@
 </p:sld>
 </file>
 
-<file path=ppt/slides/slide5.xml><?xml version="1.0" encoding="utf-8"?>
+<file path=ppt/slides/slide6.xml><?xml version="1.0" encoding="utf-8"?>
 <p:sld xmlns:a="http://schemas.openxmlformats.org/drawingml/2006/main" xmlns:r="http://schemas.openxmlformats.org/officeDocument/2006/relationships" xmlns:p="http://schemas.openxmlformats.org/presentationml/2006/main">
   <p:cSld>
     <p:spTree>
@@ -18324,7 +20093,7 @@
 </p:sld>
 </file>
 
-<file path=ppt/slides/slide6.xml><?xml version="1.0" encoding="utf-8"?>
+<file path=ppt/slides/slide7.xml><?xml version="1.0" encoding="utf-8"?>
 <p:sld xmlns:a="http://schemas.openxmlformats.org/drawingml/2006/main" xmlns:r="http://schemas.openxmlformats.org/officeDocument/2006/relationships" xmlns:p="http://schemas.openxmlformats.org/presentationml/2006/main">
   <p:cSld>
     <p:spTree>
@@ -19390,7 +21159,7 @@
 </p:sld>
 </file>
 
-<file path=ppt/slides/slide7.xml><?xml version="1.0" encoding="utf-8"?>
+<file path=ppt/slides/slide8.xml><?xml version="1.0" encoding="utf-8"?>
 <p:sld xmlns:a="http://schemas.openxmlformats.org/drawingml/2006/main" xmlns:r="http://schemas.openxmlformats.org/officeDocument/2006/relationships" xmlns:p="http://schemas.openxmlformats.org/presentationml/2006/main">
   <p:cSld>
     <p:spTree>
@@ -19422,7 +21191,7 @@
         <p:spPr>
           <a:xfrm>
             <a:off x="594394" y="568216"/>
-            <a:ext cx="11707051" cy="1446550"/>
+            <a:ext cx="11561178" cy="1446550"/>
           </a:xfrm>
           <a:prstGeom prst="rect">
             <a:avLst/>
@@ -19474,7 +21243,7 @@
                   </a:outerShdw>
                 </a:effectLst>
               </a:rPr>
-              <a:t>.git</a:t>
+              <a:t>git</a:t>
             </a:r>
             <a:r>
               <a:rPr lang="ja-JP" altLang="en-US" sz="4400" dirty="0">
@@ -19487,7 +21256,7 @@
                   </a:outerShdw>
                 </a:effectLst>
               </a:rPr>
-              <a:t>があるするフォルダのこと</a:t>
+              <a:t>が管理するフォルダのこと</a:t>
             </a:r>
             <a:endParaRPr lang="ja-JP" altLang="en-US" sz="4400" b="0" cap="none" spc="0" dirty="0">
               <a:ln w="0"/>
@@ -19520,7 +21289,7 @@
         <p:spPr>
           <a:xfrm>
             <a:off x="594394" y="2014766"/>
-            <a:ext cx="11469807" cy="1446550"/>
+            <a:ext cx="10905550" cy="1446550"/>
           </a:xfrm>
           <a:prstGeom prst="rect">
             <a:avLst/>
@@ -19549,22 +21318,6 @@
           </a:p>
           <a:p>
             <a:r>
-              <a:rPr lang="ja-JP" altLang="en-US" sz="4400" b="0" cap="none" spc="0" dirty="0">
-                <a:ln w="0"/>
-                <a:solidFill>
-                  <a:schemeClr val="tx1"/>
-                </a:solidFill>
-                <a:effectLst>
-                  <a:outerShdw blurRad="38100" dist="19050" dir="2700000" algn="tl" rotWithShape="0">
-                    <a:schemeClr val="dk1">
-                      <a:alpha val="40000"/>
-                    </a:schemeClr>
-                  </a:outerShdw>
-                </a:effectLst>
-              </a:rPr>
-              <a:t>この</a:t>
-            </a:r>
-            <a:r>
               <a:rPr lang="ja-JP" altLang="en-US" sz="4400" dirty="0">
                 <a:ln w="0"/>
                 <a:effectLst>
@@ -19575,7 +21328,7 @@
                   </a:outerShdw>
                 </a:effectLst>
               </a:rPr>
-              <a:t>中に管理対象の更新情報等が記録される</a:t>
+              <a:t>この中で管理対象の更新情報が記録される</a:t>
             </a:r>
             <a:endParaRPr lang="ja-JP" altLang="en-US" sz="4400" b="0" cap="none" spc="0" dirty="0">
               <a:ln w="0"/>
@@ -19844,7 +21597,7 @@
 </p:sld>
 </file>
 
-<file path=ppt/slides/slide8.xml><?xml version="1.0" encoding="utf-8"?>
+<file path=ppt/slides/slide9.xml><?xml version="1.0" encoding="utf-8"?>
 <p:sld xmlns:a="http://schemas.openxmlformats.org/drawingml/2006/main" xmlns:r="http://schemas.openxmlformats.org/officeDocument/2006/relationships" xmlns:p="http://schemas.openxmlformats.org/presentationml/2006/main">
   <p:cSld>
     <p:spTree>
@@ -20383,512 +22136,6 @@
     <p:extLst>
       <p:ext uri="{BB962C8B-B14F-4D97-AF65-F5344CB8AC3E}">
         <p14:creationId xmlns:p14="http://schemas.microsoft.com/office/powerpoint/2010/main" val="2945140515"/>
-      </p:ext>
-    </p:extLst>
-  </p:cSld>
-  <p:clrMapOvr>
-    <a:masterClrMapping/>
-  </p:clrMapOvr>
-</p:sld>
-</file>
-
-<file path=ppt/slides/slide9.xml><?xml version="1.0" encoding="utf-8"?>
-<p:sld xmlns:a="http://schemas.openxmlformats.org/drawingml/2006/main" xmlns:r="http://schemas.openxmlformats.org/officeDocument/2006/relationships" xmlns:p="http://schemas.openxmlformats.org/presentationml/2006/main">
-  <p:cSld>
-    <p:spTree>
-      <p:nvGrpSpPr>
-        <p:cNvPr id="1" name=""/>
-        <p:cNvGrpSpPr/>
-        <p:nvPr/>
-      </p:nvGrpSpPr>
-      <p:grpSpPr>
-        <a:xfrm>
-          <a:off x="0" y="0"/>
-          <a:ext cx="0" cy="0"/>
-          <a:chOff x="0" y="0"/>
-          <a:chExt cx="0" cy="0"/>
-        </a:xfrm>
-      </p:grpSpPr>
-      <p:sp>
-        <p:nvSpPr>
-          <p:cNvPr id="2" name="正方形/長方形 1">
-            <a:extLst>
-              <a:ext uri="{FF2B5EF4-FFF2-40B4-BE49-F238E27FC236}">
-                <a16:creationId xmlns:a16="http://schemas.microsoft.com/office/drawing/2014/main" id="{BCB341EC-3E4A-42F3-AFFE-E86454C0D177}"/>
-              </a:ext>
-            </a:extLst>
-          </p:cNvPr>
-          <p:cNvSpPr/>
-          <p:nvPr/>
-        </p:nvSpPr>
-        <p:spPr>
-          <a:xfrm>
-            <a:off x="558884" y="346273"/>
-            <a:ext cx="11469807" cy="6186309"/>
-          </a:xfrm>
-          <a:prstGeom prst="rect">
-            <a:avLst/>
-          </a:prstGeom>
-          <a:noFill/>
-        </p:spPr>
-        <p:txBody>
-          <a:bodyPr wrap="none" lIns="91440" tIns="45720" rIns="91440" bIns="45720">
-            <a:spAutoFit/>
-          </a:bodyPr>
-          <a:lstStyle/>
-          <a:p>
-            <a:r>
-              <a:rPr lang="ja-JP" altLang="en-US" sz="4400" b="1" dirty="0">
-                <a:ln w="0"/>
-                <a:effectLst>
-                  <a:outerShdw blurRad="38100" dist="19050" dir="2700000" algn="tl" rotWithShape="0">
-                    <a:schemeClr val="dk1">
-                      <a:alpha val="40000"/>
-                    </a:schemeClr>
-                  </a:outerShdw>
-                </a:effectLst>
-              </a:rPr>
-              <a:t>ステージングのしかた</a:t>
-            </a:r>
-          </a:p>
-          <a:p>
-            <a:r>
-              <a:rPr lang="ja-JP" altLang="en-US" sz="4400" dirty="0">
-                <a:ln w="0"/>
-                <a:effectLst>
-                  <a:outerShdw blurRad="38100" dist="19050" dir="2700000" algn="tl" rotWithShape="0">
-                    <a:schemeClr val="dk1">
-                      <a:alpha val="40000"/>
-                    </a:schemeClr>
-                  </a:outerShdw>
-                </a:effectLst>
-              </a:rPr>
-              <a:t>リポジトリ内のファイルに対して</a:t>
-            </a:r>
-            <a:endParaRPr lang="en-US" altLang="ja-JP" sz="4400" dirty="0">
-              <a:ln w="0"/>
-              <a:effectLst>
-                <a:outerShdw blurRad="38100" dist="19050" dir="2700000" algn="tl" rotWithShape="0">
-                  <a:schemeClr val="dk1">
-                    <a:alpha val="40000"/>
-                  </a:schemeClr>
-                </a:outerShdw>
-              </a:effectLst>
-            </a:endParaRPr>
-          </a:p>
-          <a:p>
-            <a:r>
-              <a:rPr lang="en-US" altLang="ja-JP" sz="4400" dirty="0">
-                <a:ln w="0"/>
-                <a:solidFill>
-                  <a:schemeClr val="bg1"/>
-                </a:solidFill>
-                <a:effectLst>
-                  <a:outerShdw blurRad="38100" dist="19050" dir="2700000" algn="tl" rotWithShape="0">
-                    <a:schemeClr val="dk1">
-                      <a:alpha val="40000"/>
-                    </a:schemeClr>
-                  </a:outerShdw>
-                </a:effectLst>
-                <a:highlight>
-                  <a:srgbClr val="000000"/>
-                </a:highlight>
-              </a:rPr>
-              <a:t>$ git add </a:t>
-            </a:r>
-            <a:r>
-              <a:rPr lang="ja-JP" altLang="en-US" sz="4400" dirty="0">
-                <a:ln w="0"/>
-                <a:solidFill>
-                  <a:schemeClr val="bg1"/>
-                </a:solidFill>
-                <a:effectLst>
-                  <a:outerShdw blurRad="38100" dist="19050" dir="2700000" algn="tl" rotWithShape="0">
-                    <a:schemeClr val="dk1">
-                      <a:alpha val="40000"/>
-                    </a:schemeClr>
-                  </a:outerShdw>
-                </a:effectLst>
-                <a:highlight>
-                  <a:srgbClr val="000000"/>
-                </a:highlight>
-              </a:rPr>
-              <a:t>ファイル名</a:t>
-            </a:r>
-            <a:endParaRPr lang="en-US" altLang="ja-JP" sz="4400" dirty="0">
-              <a:ln w="0"/>
-              <a:solidFill>
-                <a:schemeClr val="bg1"/>
-              </a:solidFill>
-              <a:effectLst>
-                <a:outerShdw blurRad="38100" dist="19050" dir="2700000" algn="tl" rotWithShape="0">
-                  <a:schemeClr val="dk1">
-                    <a:alpha val="40000"/>
-                  </a:schemeClr>
-                </a:outerShdw>
-              </a:effectLst>
-              <a:highlight>
-                <a:srgbClr val="000000"/>
-              </a:highlight>
-            </a:endParaRPr>
-          </a:p>
-          <a:p>
-            <a:r>
-              <a:rPr lang="ja-JP" altLang="en-US" sz="4400" b="0" cap="none" spc="0" dirty="0">
-                <a:ln w="0"/>
-                <a:solidFill>
-                  <a:schemeClr val="tx1"/>
-                </a:solidFill>
-                <a:effectLst>
-                  <a:outerShdw blurRad="38100" dist="19050" dir="2700000" algn="tl" rotWithShape="0">
-                    <a:schemeClr val="dk1">
-                      <a:alpha val="40000"/>
-                    </a:schemeClr>
-                  </a:outerShdw>
-                </a:effectLst>
-              </a:rPr>
-              <a:t>と打ち込む。全てに対して行うなら</a:t>
-            </a:r>
-            <a:endParaRPr lang="en-US" altLang="ja-JP" sz="4400" b="0" cap="none" spc="0" dirty="0">
-              <a:ln w="0"/>
-              <a:solidFill>
-                <a:schemeClr val="tx1"/>
-              </a:solidFill>
-              <a:effectLst>
-                <a:outerShdw blurRad="38100" dist="19050" dir="2700000" algn="tl" rotWithShape="0">
-                  <a:schemeClr val="dk1">
-                    <a:alpha val="40000"/>
-                  </a:schemeClr>
-                </a:outerShdw>
-              </a:effectLst>
-            </a:endParaRPr>
-          </a:p>
-          <a:p>
-            <a:r>
-              <a:rPr lang="en-US" altLang="ja-JP" sz="4400" dirty="0">
-                <a:ln w="0"/>
-                <a:solidFill>
-                  <a:schemeClr val="bg1"/>
-                </a:solidFill>
-                <a:effectLst>
-                  <a:outerShdw blurRad="38100" dist="19050" dir="2700000" algn="tl" rotWithShape="0">
-                    <a:schemeClr val="dk1">
-                      <a:alpha val="40000"/>
-                    </a:schemeClr>
-                  </a:outerShdw>
-                </a:effectLst>
-                <a:highlight>
-                  <a:srgbClr val="000000"/>
-                </a:highlight>
-              </a:rPr>
-              <a:t>$ git add .</a:t>
-            </a:r>
-          </a:p>
-          <a:p>
-            <a:r>
-              <a:rPr lang="ja-JP" altLang="en-US" sz="4400" dirty="0">
-                <a:ln w="0"/>
-                <a:effectLst>
-                  <a:outerShdw blurRad="38100" dist="19050" dir="2700000" algn="tl" rotWithShape="0">
-                    <a:schemeClr val="dk1">
-                      <a:alpha val="40000"/>
-                    </a:schemeClr>
-                  </a:outerShdw>
-                </a:effectLst>
-              </a:rPr>
-              <a:t>で行える。管理対象外に戻す操作は</a:t>
-            </a:r>
-            <a:endParaRPr lang="en-US" altLang="ja-JP" sz="4400" dirty="0">
-              <a:ln w="0"/>
-              <a:effectLst>
-                <a:outerShdw blurRad="38100" dist="19050" dir="2700000" algn="tl" rotWithShape="0">
-                  <a:schemeClr val="dk1">
-                    <a:alpha val="40000"/>
-                  </a:schemeClr>
-                </a:outerShdw>
-              </a:effectLst>
-            </a:endParaRPr>
-          </a:p>
-          <a:p>
-            <a:r>
-              <a:rPr lang="en-US" altLang="ja-JP" sz="4400" b="0" cap="none" spc="0" dirty="0">
-                <a:ln w="0"/>
-                <a:solidFill>
-                  <a:schemeClr val="bg1"/>
-                </a:solidFill>
-                <a:effectLst>
-                  <a:outerShdw blurRad="38100" dist="19050" dir="2700000" algn="tl" rotWithShape="0">
-                    <a:schemeClr val="dk1">
-                      <a:alpha val="40000"/>
-                    </a:schemeClr>
-                  </a:outerShdw>
-                </a:effectLst>
-                <a:highlight>
-                  <a:srgbClr val="000000"/>
-                </a:highlight>
-              </a:rPr>
-              <a:t>$ git reset </a:t>
-            </a:r>
-            <a:r>
-              <a:rPr lang="ja-JP" altLang="en-US" sz="4400" b="0" cap="none" spc="0" dirty="0">
-                <a:ln w="0"/>
-                <a:solidFill>
-                  <a:schemeClr val="bg1"/>
-                </a:solidFill>
-                <a:effectLst>
-                  <a:outerShdw blurRad="38100" dist="19050" dir="2700000" algn="tl" rotWithShape="0">
-                    <a:schemeClr val="dk1">
-                      <a:alpha val="40000"/>
-                    </a:schemeClr>
-                  </a:outerShdw>
-                </a:effectLst>
-                <a:highlight>
-                  <a:srgbClr val="000000"/>
-                </a:highlight>
-              </a:rPr>
-              <a:t>ファイル名</a:t>
-            </a:r>
-            <a:endParaRPr lang="en-US" altLang="ja-JP" sz="4400" b="0" cap="none" spc="0" dirty="0">
-              <a:ln w="0"/>
-              <a:solidFill>
-                <a:schemeClr val="bg1"/>
-              </a:solidFill>
-              <a:effectLst>
-                <a:outerShdw blurRad="38100" dist="19050" dir="2700000" algn="tl" rotWithShape="0">
-                  <a:schemeClr val="dk1">
-                    <a:alpha val="40000"/>
-                  </a:schemeClr>
-                </a:outerShdw>
-              </a:effectLst>
-              <a:highlight>
-                <a:srgbClr val="000000"/>
-              </a:highlight>
-            </a:endParaRPr>
-          </a:p>
-          <a:p>
-            <a:r>
-              <a:rPr lang="ja-JP" altLang="en-US" sz="4400" dirty="0">
-                <a:ln w="0"/>
-                <a:effectLst>
-                  <a:outerShdw blurRad="38100" dist="19050" dir="2700000" algn="tl" rotWithShape="0">
-                    <a:schemeClr val="dk1">
-                      <a:alpha val="40000"/>
-                    </a:schemeClr>
-                  </a:outerShdw>
-                </a:effectLst>
-              </a:rPr>
-              <a:t>とすれば可能</a:t>
-            </a:r>
-            <a:r>
-              <a:rPr lang="en-US" altLang="ja-JP" sz="4400" dirty="0">
-                <a:ln w="0"/>
-                <a:effectLst>
-                  <a:outerShdw blurRad="38100" dist="19050" dir="2700000" algn="tl" rotWithShape="0">
-                    <a:schemeClr val="dk1">
-                      <a:alpha val="40000"/>
-                    </a:schemeClr>
-                  </a:outerShdw>
-                </a:effectLst>
-              </a:rPr>
-              <a:t>(</a:t>
-            </a:r>
-            <a:r>
-              <a:rPr lang="ja-JP" altLang="en-US" sz="4400" dirty="0">
-                <a:ln w="0"/>
-                <a:effectLst>
-                  <a:outerShdw blurRad="38100" dist="19050" dir="2700000" algn="tl" rotWithShape="0">
-                    <a:schemeClr val="dk1">
-                      <a:alpha val="40000"/>
-                    </a:schemeClr>
-                  </a:outerShdw>
-                </a:effectLst>
-              </a:rPr>
-              <a:t>コミット前のみ</a:t>
-            </a:r>
-            <a:r>
-              <a:rPr lang="en-US" altLang="ja-JP" sz="4400" dirty="0">
-                <a:ln w="0"/>
-                <a:effectLst>
-                  <a:outerShdw blurRad="38100" dist="19050" dir="2700000" algn="tl" rotWithShape="0">
-                    <a:schemeClr val="dk1">
-                      <a:alpha val="40000"/>
-                    </a:schemeClr>
-                  </a:outerShdw>
-                </a:effectLst>
-              </a:rPr>
-              <a:t>)</a:t>
-            </a:r>
-          </a:p>
-          <a:p>
-            <a:r>
-              <a:rPr lang="ja-JP" altLang="en-US" sz="4400" b="0" cap="none" spc="0" dirty="0">
-                <a:ln w="0"/>
-                <a:effectLst>
-                  <a:outerShdw blurRad="38100" dist="19050" dir="2700000" algn="tl" rotWithShape="0">
-                    <a:schemeClr val="dk1">
-                      <a:alpha val="40000"/>
-                    </a:schemeClr>
-                  </a:outerShdw>
-                </a:effectLst>
-              </a:rPr>
-              <a:t>ステージング前はワーキングスペースという</a:t>
-            </a:r>
-          </a:p>
-        </p:txBody>
-      </p:sp>
-      <p:sp>
-        <p:nvSpPr>
-          <p:cNvPr id="15" name="四角形: メモ 14">
-            <a:extLst>
-              <a:ext uri="{FF2B5EF4-FFF2-40B4-BE49-F238E27FC236}">
-                <a16:creationId xmlns:a16="http://schemas.microsoft.com/office/drawing/2014/main" id="{DC51B2B3-4E18-4472-A359-7ECE94767C90}"/>
-              </a:ext>
-            </a:extLst>
-          </p:cNvPr>
-          <p:cNvSpPr/>
-          <p:nvPr/>
-        </p:nvSpPr>
-        <p:spPr>
-          <a:xfrm>
-            <a:off x="9530251" y="346273"/>
-            <a:ext cx="723457" cy="923234"/>
-          </a:xfrm>
-          <a:prstGeom prst="foldedCorner">
-            <a:avLst/>
-          </a:prstGeom>
-          <a:solidFill>
-            <a:schemeClr val="bg1">
-              <a:lumMod val="75000"/>
-              <a:alpha val="22000"/>
-            </a:schemeClr>
-          </a:solidFill>
-          <a:ln w="38100">
-            <a:prstDash val="sysDash"/>
-          </a:ln>
-        </p:spPr>
-        <p:style>
-          <a:lnRef idx="2">
-            <a:schemeClr val="dk1"/>
-          </a:lnRef>
-          <a:fillRef idx="1">
-            <a:schemeClr val="lt1"/>
-          </a:fillRef>
-          <a:effectRef idx="0">
-            <a:schemeClr val="dk1"/>
-          </a:effectRef>
-          <a:fontRef idx="minor">
-            <a:schemeClr val="dk1"/>
-          </a:fontRef>
-        </p:style>
-        <p:txBody>
-          <a:bodyPr rtlCol="0" anchor="ctr"/>
-          <a:lstStyle/>
-          <a:p>
-            <a:pPr algn="ctr"/>
-            <a:r>
-              <a:rPr kumimoji="1" lang="en-US" altLang="ja-JP" dirty="0"/>
-              <a:t>Data</a:t>
-            </a:r>
-          </a:p>
-        </p:txBody>
-      </p:sp>
-      <p:sp>
-        <p:nvSpPr>
-          <p:cNvPr id="21" name="四角形: メモ 20">
-            <a:extLst>
-              <a:ext uri="{FF2B5EF4-FFF2-40B4-BE49-F238E27FC236}">
-                <a16:creationId xmlns:a16="http://schemas.microsoft.com/office/drawing/2014/main" id="{A0BE1722-466F-4971-B047-4969A61F9BB9}"/>
-              </a:ext>
-            </a:extLst>
-          </p:cNvPr>
-          <p:cNvSpPr/>
-          <p:nvPr/>
-        </p:nvSpPr>
-        <p:spPr>
-          <a:xfrm>
-            <a:off x="11096090" y="346273"/>
-            <a:ext cx="723457" cy="923234"/>
-          </a:xfrm>
-          <a:prstGeom prst="foldedCorner">
-            <a:avLst/>
-          </a:prstGeom>
-        </p:spPr>
-        <p:style>
-          <a:lnRef idx="1">
-            <a:schemeClr val="accent3"/>
-          </a:lnRef>
-          <a:fillRef idx="2">
-            <a:schemeClr val="accent3"/>
-          </a:fillRef>
-          <a:effectRef idx="1">
-            <a:schemeClr val="accent3"/>
-          </a:effectRef>
-          <a:fontRef idx="minor">
-            <a:schemeClr val="dk1"/>
-          </a:fontRef>
-        </p:style>
-        <p:txBody>
-          <a:bodyPr rtlCol="0" anchor="ctr"/>
-          <a:lstStyle/>
-          <a:p>
-            <a:pPr algn="ctr"/>
-            <a:r>
-              <a:rPr kumimoji="1" lang="en-US" altLang="ja-JP" dirty="0"/>
-              <a:t>Data</a:t>
-            </a:r>
-          </a:p>
-        </p:txBody>
-      </p:sp>
-      <p:sp>
-        <p:nvSpPr>
-          <p:cNvPr id="22" name="矢印: ストライプ 21">
-            <a:extLst>
-              <a:ext uri="{FF2B5EF4-FFF2-40B4-BE49-F238E27FC236}">
-                <a16:creationId xmlns:a16="http://schemas.microsoft.com/office/drawing/2014/main" id="{28732F11-8802-4687-86CA-59412142ACA6}"/>
-              </a:ext>
-            </a:extLst>
-          </p:cNvPr>
-          <p:cNvSpPr/>
-          <p:nvPr/>
-        </p:nvSpPr>
-        <p:spPr>
-          <a:xfrm>
-            <a:off x="10429283" y="634337"/>
-            <a:ext cx="491232" cy="347105"/>
-          </a:xfrm>
-          <a:prstGeom prst="stripedRightArrow">
-            <a:avLst/>
-          </a:prstGeom>
-        </p:spPr>
-        <p:style>
-          <a:lnRef idx="2">
-            <a:schemeClr val="accent1">
-              <a:shade val="50000"/>
-            </a:schemeClr>
-          </a:lnRef>
-          <a:fillRef idx="1">
-            <a:schemeClr val="accent1"/>
-          </a:fillRef>
-          <a:effectRef idx="0">
-            <a:schemeClr val="accent1"/>
-          </a:effectRef>
-          <a:fontRef idx="minor">
-            <a:schemeClr val="lt1"/>
-          </a:fontRef>
-        </p:style>
-        <p:txBody>
-          <a:bodyPr rtlCol="0" anchor="ctr"/>
-          <a:lstStyle/>
-          <a:p>
-            <a:pPr algn="ctr"/>
-            <a:endParaRPr kumimoji="1" lang="ja-JP" altLang="en-US"/>
-          </a:p>
-        </p:txBody>
-      </p:sp>
-    </p:spTree>
-    <p:extLst>
-      <p:ext uri="{BB962C8B-B14F-4D97-AF65-F5344CB8AC3E}">
-        <p14:creationId xmlns:p14="http://schemas.microsoft.com/office/powerpoint/2010/main" val="402270005"/>
       </p:ext>
     </p:extLst>
   </p:cSld>

--- a/git.pptx
+++ b/git.pptx
@@ -5907,7 +5907,7 @@
         <p:spPr>
           <a:xfrm>
             <a:off x="558884" y="346273"/>
-            <a:ext cx="11469807" cy="5509200"/>
+            <a:ext cx="11896205" cy="5816977"/>
           </a:xfrm>
           <a:prstGeom prst="rect">
             <a:avLst/>
@@ -6095,6 +6095,34 @@
               </a:rPr>
               <a:t>)</a:t>
             </a:r>
+          </a:p>
+          <a:p>
+            <a:r>
+              <a:rPr lang="en-US" altLang="ja-JP" sz="4400" dirty="0">
+                <a:ln w="0"/>
+                <a:effectLst>
+                  <a:outerShdw blurRad="38100" dist="19050" dir="2700000" algn="tl" rotWithShape="0">
+                    <a:schemeClr val="dk1">
+                      <a:alpha val="40000"/>
+                    </a:schemeClr>
+                  </a:outerShdw>
+                </a:effectLst>
+              </a:rPr>
+              <a:t>HEAD</a:t>
+            </a:r>
+            <a:r>
+              <a:rPr lang="ja-JP" altLang="en-US" sz="4400" dirty="0">
+                <a:ln w="0"/>
+                <a:effectLst>
+                  <a:outerShdw blurRad="38100" dist="19050" dir="2700000" algn="tl" rotWithShape="0">
+                    <a:schemeClr val="dk1">
+                      <a:alpha val="40000"/>
+                    </a:schemeClr>
+                  </a:outerShdw>
+                </a:effectLst>
+              </a:rPr>
+              <a:t>は現在のコミットを意味する。</a:t>
+            </a:r>
             <a:endParaRPr lang="en-US" altLang="ja-JP" sz="4400" dirty="0">
               <a:ln w="0"/>
               <a:effectLst>
@@ -6108,87 +6136,89 @@
           </a:p>
           <a:p>
             <a:r>
-              <a:rPr lang="en-US" altLang="ja-JP" sz="4400" dirty="0">
-                <a:ln w="0"/>
+              <a:rPr lang="en-US" altLang="ja-JP" sz="3200" dirty="0"/>
+              <a:t>HEAD~</a:t>
+            </a:r>
+            <a:r>
+              <a:rPr lang="ja-JP" altLang="en-US" sz="3200" dirty="0"/>
+              <a:t>は一つ前、</a:t>
+            </a:r>
+            <a:r>
+              <a:rPr lang="en-US" altLang="ja-JP" sz="3200" dirty="0"/>
+              <a:t>HEAD~~</a:t>
+            </a:r>
+            <a:r>
+              <a:rPr lang="ja-JP" altLang="en-US" sz="3200" dirty="0"/>
+              <a:t>は二つ前のコミットを意味する。</a:t>
+            </a:r>
+            <a:endParaRPr lang="en-US" altLang="ja-JP" sz="3200" dirty="0"/>
+          </a:p>
+          <a:p>
+            <a:r>
+              <a:rPr lang="en-US" altLang="ja-JP" sz="3200" b="1" dirty="0"/>
+              <a:t>HEAD^^</a:t>
+            </a:r>
+            <a:r>
+              <a:rPr lang="ja-JP" altLang="en-US" sz="3200" b="0" i="0" dirty="0">
                 <a:solidFill>
-                  <a:schemeClr val="bg1"/>
+                  <a:srgbClr val="333333"/>
                 </a:solidFill>
-                <a:effectLst>
-                  <a:outerShdw blurRad="38100" dist="19050" dir="2700000" algn="tl" rotWithShape="0">
-                    <a:schemeClr val="dk1">
-                      <a:alpha val="40000"/>
-                    </a:schemeClr>
-                  </a:outerShdw>
-                </a:effectLst>
-                <a:highlight>
-                  <a:srgbClr val="000000"/>
-                </a:highlight>
+                <a:effectLst/>
+                <a:latin typeface="-apple-system"/>
               </a:rPr>
-              <a:t>$ git commit –amend “</a:t>
-            </a:r>
-            <a:r>
-              <a:rPr lang="ja-JP" altLang="en-US" sz="4400" dirty="0">
-                <a:ln w="0"/>
+              <a:t>と</a:t>
+            </a:r>
+            <a:r>
+              <a:rPr lang="en-US" altLang="ja-JP" sz="3200" b="1" dirty="0"/>
+              <a:t>HEAD~2</a:t>
+            </a:r>
+            <a:r>
+              <a:rPr lang="ja-JP" altLang="en-US" sz="3200" b="0" i="0" dirty="0">
                 <a:solidFill>
-                  <a:schemeClr val="bg1"/>
+                  <a:srgbClr val="333333"/>
                 </a:solidFill>
-                <a:effectLst>
-                  <a:outerShdw blurRad="38100" dist="19050" dir="2700000" algn="tl" rotWithShape="0">
-                    <a:schemeClr val="dk1">
-                      <a:alpha val="40000"/>
-                    </a:schemeClr>
-                  </a:outerShdw>
-                </a:effectLst>
-                <a:highlight>
-                  <a:srgbClr val="000000"/>
-                </a:highlight>
+                <a:effectLst/>
+                <a:latin typeface="-apple-system"/>
               </a:rPr>
-              <a:t>コミットメッセージ</a:t>
-            </a:r>
-            <a:r>
-              <a:rPr lang="en-US" altLang="ja-JP" sz="4400" dirty="0">
-                <a:ln w="0"/>
+              <a:t>と</a:t>
+            </a:r>
+            <a:r>
+              <a:rPr lang="en-US" altLang="ja-JP" sz="3200" b="1" dirty="0"/>
+              <a:t>HEAD~~</a:t>
+            </a:r>
+            <a:r>
+              <a:rPr lang="ja-JP" altLang="en-US" sz="3200" b="0" i="0" dirty="0">
                 <a:solidFill>
-                  <a:schemeClr val="bg1"/>
+                  <a:srgbClr val="333333"/>
                 </a:solidFill>
-                <a:effectLst>
-                  <a:outerShdw blurRad="38100" dist="19050" dir="2700000" algn="tl" rotWithShape="0">
-                    <a:schemeClr val="dk1">
-                      <a:alpha val="40000"/>
-                    </a:schemeClr>
-                  </a:outerShdw>
-                </a:effectLst>
-                <a:highlight>
-                  <a:srgbClr val="000000"/>
-                </a:highlight>
+                <a:effectLst/>
+                <a:latin typeface="-apple-system"/>
               </a:rPr>
-              <a:t>”</a:t>
-            </a:r>
-          </a:p>
-          <a:p>
-            <a:r>
-              <a:rPr lang="ja-JP" altLang="en-US" sz="4400" dirty="0">
-                <a:ln w="0"/>
-                <a:effectLst>
-                  <a:outerShdw blurRad="38100" dist="19050" dir="2700000" algn="tl" rotWithShape="0">
-                    <a:schemeClr val="dk1">
-                      <a:alpha val="40000"/>
-                    </a:schemeClr>
-                  </a:outerShdw>
-                </a:effectLst>
+              <a:t>と</a:t>
+            </a:r>
+            <a:r>
+              <a:rPr lang="en-US" altLang="ja-JP" sz="3200" b="1" dirty="0"/>
+              <a:t>HEAD~{2}</a:t>
+            </a:r>
+            <a:r>
+              <a:rPr lang="ja-JP" altLang="en-US" sz="3200" b="0" i="0" dirty="0">
+                <a:solidFill>
+                  <a:srgbClr val="333333"/>
+                </a:solidFill>
+                <a:effectLst/>
+                <a:latin typeface="-apple-system"/>
               </a:rPr>
-              <a:t>で直前のコミットを上書きできる</a:t>
-            </a:r>
-            <a:endParaRPr lang="en-US" altLang="ja-JP" sz="4400" dirty="0">
-              <a:ln w="0"/>
-              <a:effectLst>
-                <a:outerShdw blurRad="38100" dist="19050" dir="2700000" algn="tl" rotWithShape="0">
-                  <a:schemeClr val="dk1">
-                    <a:alpha val="40000"/>
-                  </a:schemeClr>
-                </a:outerShdw>
-              </a:effectLst>
-            </a:endParaRPr>
+              <a:t>と</a:t>
+            </a:r>
+            <a:r>
+              <a:rPr lang="en-US" altLang="ja-JP" sz="3200" b="1" dirty="0"/>
+              <a:t>@^^</a:t>
+            </a:r>
+            <a:r>
+              <a:rPr lang="ja-JP" altLang="en-US" sz="3200" dirty="0"/>
+              <a:t>は同じ。</a:t>
+            </a:r>
+            <a:endParaRPr kumimoji="1" lang="ja-JP" altLang="en-US" sz="3200" dirty="0"/>
           </a:p>
         </p:txBody>
       </p:sp>
@@ -6275,6 +6305,10 @@
             <a:r>
               <a:rPr lang="ja-JP" altLang="en-US" dirty="0"/>
               <a:t>の操作</a:t>
+            </a:r>
+            <a:r>
+              <a:rPr lang="en-US" altLang="ja-JP" dirty="0"/>
+              <a:t>2</a:t>
             </a:r>
           </a:p>
         </p:txBody>

--- a/git.pptx
+++ b/git.pptx
@@ -5,7 +5,7 @@
     <p:sldMasterId id="2147483648" r:id="rId1"/>
   </p:sldMasterIdLst>
   <p:notesMasterIdLst>
-    <p:notesMasterId r:id="rId30"/>
+    <p:notesMasterId r:id="rId31"/>
   </p:notesMasterIdLst>
   <p:sldIdLst>
     <p:sldId id="256" r:id="rId2"/>
@@ -31,11 +31,12 @@
     <p:sldId id="269" r:id="rId22"/>
     <p:sldId id="284" r:id="rId23"/>
     <p:sldId id="283" r:id="rId24"/>
-    <p:sldId id="266" r:id="rId25"/>
-    <p:sldId id="270" r:id="rId26"/>
-    <p:sldId id="272" r:id="rId27"/>
-    <p:sldId id="268" r:id="rId28"/>
-    <p:sldId id="260" r:id="rId29"/>
+    <p:sldId id="285" r:id="rId25"/>
+    <p:sldId id="266" r:id="rId26"/>
+    <p:sldId id="270" r:id="rId27"/>
+    <p:sldId id="272" r:id="rId28"/>
+    <p:sldId id="268" r:id="rId29"/>
+    <p:sldId id="260" r:id="rId30"/>
   </p:sldIdLst>
   <p:sldSz cx="12192000" cy="6858000"/>
   <p:notesSz cx="6858000" cy="9144000"/>
@@ -224,7 +225,7 @@
           <a:p>
             <a:fld id="{5A9F418B-0140-4310-BA49-772FC976711C}" type="datetimeFigureOut">
               <a:rPr kumimoji="1" lang="ja-JP" altLang="en-US" smtClean="0"/>
-              <a:t>2021/3/11</a:t>
+              <a:t>2021/3/12</a:t>
             </a:fld>
             <a:endParaRPr kumimoji="1" lang="ja-JP" altLang="en-US"/>
           </a:p>
@@ -1153,7 +1154,7 @@
           <a:p>
             <a:fld id="{E690B67D-0EEB-420D-B242-C4B71FCC5D18}" type="slidenum">
               <a:rPr kumimoji="1" lang="ja-JP" altLang="en-US" smtClean="0"/>
-              <a:t>25</a:t>
+              <a:t>26</a:t>
             </a:fld>
             <a:endParaRPr kumimoji="1" lang="ja-JP" altLang="en-US"/>
           </a:p>
@@ -1237,7 +1238,7 @@
           <a:p>
             <a:fld id="{E690B67D-0EEB-420D-B242-C4B71FCC5D18}" type="slidenum">
               <a:rPr kumimoji="1" lang="ja-JP" altLang="en-US" smtClean="0"/>
-              <a:t>26</a:t>
+              <a:t>27</a:t>
             </a:fld>
             <a:endParaRPr kumimoji="1" lang="ja-JP" altLang="en-US"/>
           </a:p>
@@ -1403,7 +1404,7 @@
           <a:p>
             <a:fld id="{AFD9E5B9-C74C-429A-A168-2B01F5C2C194}" type="datetimeFigureOut">
               <a:rPr kumimoji="1" lang="ja-JP" altLang="en-US" smtClean="0"/>
-              <a:t>2021/3/11</a:t>
+              <a:t>2021/3/12</a:t>
             </a:fld>
             <a:endParaRPr kumimoji="1" lang="ja-JP" altLang="en-US"/>
           </a:p>
@@ -1633,7 +1634,7 @@
           <a:p>
             <a:fld id="{AFD9E5B9-C74C-429A-A168-2B01F5C2C194}" type="datetimeFigureOut">
               <a:rPr kumimoji="1" lang="ja-JP" altLang="en-US" smtClean="0"/>
-              <a:t>2021/3/11</a:t>
+              <a:t>2021/3/12</a:t>
             </a:fld>
             <a:endParaRPr kumimoji="1" lang="ja-JP" altLang="en-US"/>
           </a:p>
@@ -1873,7 +1874,7 @@
           <a:p>
             <a:fld id="{AFD9E5B9-C74C-429A-A168-2B01F5C2C194}" type="datetimeFigureOut">
               <a:rPr kumimoji="1" lang="ja-JP" altLang="en-US" smtClean="0"/>
-              <a:t>2021/3/11</a:t>
+              <a:t>2021/3/12</a:t>
             </a:fld>
             <a:endParaRPr kumimoji="1" lang="ja-JP" altLang="en-US"/>
           </a:p>
@@ -2103,7 +2104,7 @@
           <a:p>
             <a:fld id="{AFD9E5B9-C74C-429A-A168-2B01F5C2C194}" type="datetimeFigureOut">
               <a:rPr kumimoji="1" lang="ja-JP" altLang="en-US" smtClean="0"/>
-              <a:t>2021/3/11</a:t>
+              <a:t>2021/3/12</a:t>
             </a:fld>
             <a:endParaRPr kumimoji="1" lang="ja-JP" altLang="en-US"/>
           </a:p>
@@ -2378,7 +2379,7 @@
           <a:p>
             <a:fld id="{AFD9E5B9-C74C-429A-A168-2B01F5C2C194}" type="datetimeFigureOut">
               <a:rPr kumimoji="1" lang="ja-JP" altLang="en-US" smtClean="0"/>
-              <a:t>2021/3/11</a:t>
+              <a:t>2021/3/12</a:t>
             </a:fld>
             <a:endParaRPr kumimoji="1" lang="ja-JP" altLang="en-US"/>
           </a:p>
@@ -2707,7 +2708,7 @@
           <a:p>
             <a:fld id="{AFD9E5B9-C74C-429A-A168-2B01F5C2C194}" type="datetimeFigureOut">
               <a:rPr kumimoji="1" lang="ja-JP" altLang="en-US" smtClean="0"/>
-              <a:t>2021/3/11</a:t>
+              <a:t>2021/3/12</a:t>
             </a:fld>
             <a:endParaRPr kumimoji="1" lang="ja-JP" altLang="en-US"/>
           </a:p>
@@ -3183,7 +3184,7 @@
           <a:p>
             <a:fld id="{AFD9E5B9-C74C-429A-A168-2B01F5C2C194}" type="datetimeFigureOut">
               <a:rPr kumimoji="1" lang="ja-JP" altLang="en-US" smtClean="0"/>
-              <a:t>2021/3/11</a:t>
+              <a:t>2021/3/12</a:t>
             </a:fld>
             <a:endParaRPr kumimoji="1" lang="ja-JP" altLang="en-US"/>
           </a:p>
@@ -3324,7 +3325,7 @@
           <a:p>
             <a:fld id="{AFD9E5B9-C74C-429A-A168-2B01F5C2C194}" type="datetimeFigureOut">
               <a:rPr kumimoji="1" lang="ja-JP" altLang="en-US" smtClean="0"/>
-              <a:t>2021/3/11</a:t>
+              <a:t>2021/3/12</a:t>
             </a:fld>
             <a:endParaRPr kumimoji="1" lang="ja-JP" altLang="en-US"/>
           </a:p>
@@ -3437,7 +3438,7 @@
           <a:p>
             <a:fld id="{AFD9E5B9-C74C-429A-A168-2B01F5C2C194}" type="datetimeFigureOut">
               <a:rPr kumimoji="1" lang="ja-JP" altLang="en-US" smtClean="0"/>
-              <a:t>2021/3/11</a:t>
+              <a:t>2021/3/12</a:t>
             </a:fld>
             <a:endParaRPr kumimoji="1" lang="ja-JP" altLang="en-US"/>
           </a:p>
@@ -3780,7 +3781,7 @@
           <a:p>
             <a:fld id="{AFD9E5B9-C74C-429A-A168-2B01F5C2C194}" type="datetimeFigureOut">
               <a:rPr kumimoji="1" lang="ja-JP" altLang="en-US" smtClean="0"/>
-              <a:t>2021/3/11</a:t>
+              <a:t>2021/3/12</a:t>
             </a:fld>
             <a:endParaRPr kumimoji="1" lang="ja-JP" altLang="en-US"/>
           </a:p>
@@ -4068,7 +4069,7 @@
           <a:p>
             <a:fld id="{AFD9E5B9-C74C-429A-A168-2B01F5C2C194}" type="datetimeFigureOut">
               <a:rPr kumimoji="1" lang="ja-JP" altLang="en-US" smtClean="0"/>
-              <a:t>2021/3/11</a:t>
+              <a:t>2021/3/12</a:t>
             </a:fld>
             <a:endParaRPr kumimoji="1" lang="ja-JP" altLang="en-US"/>
           </a:p>
@@ -4341,7 +4342,7 @@
           <a:p>
             <a:fld id="{AFD9E5B9-C74C-429A-A168-2B01F5C2C194}" type="datetimeFigureOut">
               <a:rPr kumimoji="1" lang="ja-JP" altLang="en-US" smtClean="0"/>
-              <a:t>2021/3/11</a:t>
+              <a:t>2021/3/12</a:t>
             </a:fld>
             <a:endParaRPr kumimoji="1" lang="ja-JP" altLang="en-US"/>
           </a:p>
@@ -19286,7 +19287,7 @@
         <p:spPr>
           <a:xfrm>
             <a:off x="572586" y="452430"/>
-            <a:ext cx="9417963" cy="2616101"/>
+            <a:ext cx="9417963" cy="2000548"/>
           </a:xfrm>
           <a:prstGeom prst="rect">
             <a:avLst/>
@@ -19394,7 +19395,7 @@
               <a:t>(fork)</a:t>
             </a:r>
             <a:r>
-              <a:rPr lang="ja-JP" altLang="en-US" sz="4000" b="0" cap="none" spc="0" dirty="0">
+              <a:rPr lang="ja-JP" altLang="en-US" sz="4000" b="0" cap="none" spc="0">
                 <a:ln w="0"/>
                 <a:solidFill>
                   <a:schemeClr val="tx1"/>
@@ -19414,31 +19415,6 @@
               <a:solidFill>
                 <a:schemeClr val="tx1"/>
               </a:solidFill>
-              <a:effectLst>
-                <a:outerShdw blurRad="38100" dist="19050" dir="2700000" algn="tl" rotWithShape="0">
-                  <a:schemeClr val="dk1">
-                    <a:alpha val="40000"/>
-                  </a:schemeClr>
-                </a:outerShdw>
-              </a:effectLst>
-            </a:endParaRPr>
-          </a:p>
-          <a:p>
-            <a:r>
-              <a:rPr lang="ja-JP" altLang="en-US" sz="4000" dirty="0">
-                <a:ln w="0"/>
-                <a:effectLst>
-                  <a:outerShdw blurRad="38100" dist="19050" dir="2700000" algn="tl" rotWithShape="0">
-                    <a:schemeClr val="dk1">
-                      <a:alpha val="40000"/>
-                    </a:schemeClr>
-                  </a:outerShdw>
-                </a:effectLst>
-              </a:rPr>
-              <a:t>これを使って共同作業が行える</a:t>
-            </a:r>
-            <a:endParaRPr lang="en-US" altLang="ja-JP" sz="4000" dirty="0">
-              <a:ln w="0"/>
               <a:effectLst>
                 <a:outerShdw blurRad="38100" dist="19050" dir="2700000" algn="tl" rotWithShape="0">
                   <a:schemeClr val="dk1">
@@ -19558,6 +19534,2231 @@
 </file>
 
 <file path=ppt/slides/slide24.xml><?xml version="1.0" encoding="utf-8"?>
+<p:sld xmlns:a="http://schemas.openxmlformats.org/drawingml/2006/main" xmlns:r="http://schemas.openxmlformats.org/officeDocument/2006/relationships" xmlns:p="http://schemas.openxmlformats.org/presentationml/2006/main" show="0">
+  <p:cSld>
+    <p:spTree>
+      <p:nvGrpSpPr>
+        <p:cNvPr id="1" name=""/>
+        <p:cNvGrpSpPr/>
+        <p:nvPr/>
+      </p:nvGrpSpPr>
+      <p:grpSpPr>
+        <a:xfrm>
+          <a:off x="0" y="0"/>
+          <a:ext cx="0" cy="0"/>
+          <a:chOff x="0" y="0"/>
+          <a:chExt cx="0" cy="0"/>
+        </a:xfrm>
+      </p:grpSpPr>
+      <p:grpSp>
+        <p:nvGrpSpPr>
+          <p:cNvPr id="16" name="グループ化 15">
+            <a:extLst>
+              <a:ext uri="{FF2B5EF4-FFF2-40B4-BE49-F238E27FC236}">
+                <a16:creationId xmlns:a16="http://schemas.microsoft.com/office/drawing/2014/main" id="{3C4825E5-3504-4C2E-A5A6-6236B44CE591}"/>
+              </a:ext>
+            </a:extLst>
+          </p:cNvPr>
+          <p:cNvGrpSpPr/>
+          <p:nvPr/>
+        </p:nvGrpSpPr>
+        <p:grpSpPr>
+          <a:xfrm>
+            <a:off x="634204" y="-501913"/>
+            <a:ext cx="4122657" cy="4122657"/>
+            <a:chOff x="171006" y="3230832"/>
+            <a:chExt cx="4122657" cy="4122657"/>
+          </a:xfrm>
+        </p:grpSpPr>
+        <p:pic>
+          <p:nvPicPr>
+            <p:cNvPr id="17" name="グラフィックス 16">
+              <a:extLst>
+                <a:ext uri="{FF2B5EF4-FFF2-40B4-BE49-F238E27FC236}">
+                  <a16:creationId xmlns:a16="http://schemas.microsoft.com/office/drawing/2014/main" id="{2D16CBA1-D973-4867-BA2A-E86DBEB428D5}"/>
+                </a:ext>
+              </a:extLst>
+            </p:cNvPr>
+            <p:cNvPicPr>
+              <a:picLocks noChangeAspect="1"/>
+            </p:cNvPicPr>
+            <p:nvPr/>
+          </p:nvPicPr>
+          <p:blipFill>
+            <a:blip r:embed="rId2">
+              <a:extLst>
+                <a:ext uri="{28A0092B-C50C-407E-A947-70E740481C1C}">
+                  <a14:useLocalDpi xmlns:a14="http://schemas.microsoft.com/office/drawing/2010/main" val="0"/>
+                </a:ext>
+                <a:ext uri="{96DAC541-7B7A-43D3-8B79-37D633B846F1}">
+                  <asvg:svgBlip xmlns:asvg="http://schemas.microsoft.com/office/drawing/2016/SVG/main" r:embed="rId3"/>
+                </a:ext>
+                <a:ext uri="{837473B0-CC2E-450A-ABE3-18F120FF3D39}">
+                  <a1611:picAttrSrcUrl xmlns:a1611="http://schemas.microsoft.com/office/drawing/2016/11/main" r:id="rId4"/>
+                </a:ext>
+              </a:extLst>
+            </a:blip>
+            <a:stretch>
+              <a:fillRect/>
+            </a:stretch>
+          </p:blipFill>
+          <p:spPr>
+            <a:xfrm>
+              <a:off x="171006" y="3230832"/>
+              <a:ext cx="4122657" cy="4122657"/>
+            </a:xfrm>
+            <a:prstGeom prst="rect">
+              <a:avLst/>
+            </a:prstGeom>
+          </p:spPr>
+        </p:pic>
+        <p:grpSp>
+          <p:nvGrpSpPr>
+            <p:cNvPr id="18" name="グループ化 17">
+              <a:extLst>
+                <a:ext uri="{FF2B5EF4-FFF2-40B4-BE49-F238E27FC236}">
+                  <a16:creationId xmlns:a16="http://schemas.microsoft.com/office/drawing/2014/main" id="{077212C9-07F7-46E9-9A6F-9B8230299CA3}"/>
+                </a:ext>
+              </a:extLst>
+            </p:cNvPr>
+            <p:cNvGrpSpPr/>
+            <p:nvPr/>
+          </p:nvGrpSpPr>
+          <p:grpSpPr>
+            <a:xfrm>
+              <a:off x="875624" y="4784723"/>
+              <a:ext cx="1108499" cy="1323754"/>
+              <a:chOff x="1114425" y="1885950"/>
+              <a:chExt cx="1981200" cy="2152650"/>
+            </a:xfrm>
+          </p:grpSpPr>
+          <p:sp>
+            <p:nvSpPr>
+              <p:cNvPr id="24" name="四角形: メモ 23">
+                <a:extLst>
+                  <a:ext uri="{FF2B5EF4-FFF2-40B4-BE49-F238E27FC236}">
+                    <a16:creationId xmlns:a16="http://schemas.microsoft.com/office/drawing/2014/main" id="{3ABECB00-0BD3-4263-8914-7462219EF980}"/>
+                  </a:ext>
+                </a:extLst>
+              </p:cNvPr>
+              <p:cNvSpPr/>
+              <p:nvPr/>
+            </p:nvSpPr>
+            <p:spPr>
+              <a:xfrm>
+                <a:off x="1114425" y="1885950"/>
+                <a:ext cx="1371600" cy="1543050"/>
+              </a:xfrm>
+              <a:prstGeom prst="foldedCorner">
+                <a:avLst/>
+              </a:prstGeom>
+            </p:spPr>
+            <p:style>
+              <a:lnRef idx="1">
+                <a:schemeClr val="accent3"/>
+              </a:lnRef>
+              <a:fillRef idx="2">
+                <a:schemeClr val="accent3"/>
+              </a:fillRef>
+              <a:effectRef idx="1">
+                <a:schemeClr val="accent3"/>
+              </a:effectRef>
+              <a:fontRef idx="minor">
+                <a:schemeClr val="dk1"/>
+              </a:fontRef>
+            </p:style>
+            <p:txBody>
+              <a:bodyPr rtlCol="0" anchor="ctr"/>
+              <a:lstStyle/>
+              <a:p>
+                <a:pPr algn="ctr"/>
+                <a:r>
+                  <a:rPr kumimoji="1" lang="en-US" altLang="ja-JP" dirty="0"/>
+                  <a:t>Data</a:t>
+                </a:r>
+                <a:r>
+                  <a:rPr lang="en-US" altLang="ja-JP" dirty="0"/>
+                  <a:t>1</a:t>
+                </a:r>
+                <a:endParaRPr kumimoji="1" lang="en-US" altLang="ja-JP" dirty="0"/>
+              </a:p>
+            </p:txBody>
+          </p:sp>
+          <p:sp>
+            <p:nvSpPr>
+              <p:cNvPr id="25" name="四角形: メモ 24">
+                <a:extLst>
+                  <a:ext uri="{FF2B5EF4-FFF2-40B4-BE49-F238E27FC236}">
+                    <a16:creationId xmlns:a16="http://schemas.microsoft.com/office/drawing/2014/main" id="{4786B353-1982-4449-91CA-8A2B5F1B591C}"/>
+                  </a:ext>
+                </a:extLst>
+              </p:cNvPr>
+              <p:cNvSpPr/>
+              <p:nvPr/>
+            </p:nvSpPr>
+            <p:spPr>
+              <a:xfrm>
+                <a:off x="1266825" y="2038350"/>
+                <a:ext cx="1371600" cy="1543050"/>
+              </a:xfrm>
+              <a:prstGeom prst="foldedCorner">
+                <a:avLst/>
+              </a:prstGeom>
+            </p:spPr>
+            <p:style>
+              <a:lnRef idx="1">
+                <a:schemeClr val="accent3"/>
+              </a:lnRef>
+              <a:fillRef idx="2">
+                <a:schemeClr val="accent3"/>
+              </a:fillRef>
+              <a:effectRef idx="1">
+                <a:schemeClr val="accent3"/>
+              </a:effectRef>
+              <a:fontRef idx="minor">
+                <a:schemeClr val="dk1"/>
+              </a:fontRef>
+            </p:style>
+            <p:txBody>
+              <a:bodyPr rtlCol="0" anchor="ctr"/>
+              <a:lstStyle/>
+              <a:p>
+                <a:pPr algn="ctr"/>
+                <a:r>
+                  <a:rPr kumimoji="1" lang="en-US" altLang="ja-JP" dirty="0"/>
+                  <a:t>Data</a:t>
+                </a:r>
+                <a:r>
+                  <a:rPr lang="en-US" altLang="ja-JP" dirty="0"/>
+                  <a:t>1</a:t>
+                </a:r>
+                <a:endParaRPr kumimoji="1" lang="en-US" altLang="ja-JP" dirty="0"/>
+              </a:p>
+            </p:txBody>
+          </p:sp>
+          <p:sp>
+            <p:nvSpPr>
+              <p:cNvPr id="26" name="四角形: メモ 25">
+                <a:extLst>
+                  <a:ext uri="{FF2B5EF4-FFF2-40B4-BE49-F238E27FC236}">
+                    <a16:creationId xmlns:a16="http://schemas.microsoft.com/office/drawing/2014/main" id="{8BE03254-A2F7-47A0-954B-1BA0E81464F7}"/>
+                  </a:ext>
+                </a:extLst>
+              </p:cNvPr>
+              <p:cNvSpPr/>
+              <p:nvPr/>
+            </p:nvSpPr>
+            <p:spPr>
+              <a:xfrm>
+                <a:off x="1419225" y="2190750"/>
+                <a:ext cx="1371600" cy="1543050"/>
+              </a:xfrm>
+              <a:prstGeom prst="foldedCorner">
+                <a:avLst/>
+              </a:prstGeom>
+            </p:spPr>
+            <p:style>
+              <a:lnRef idx="1">
+                <a:schemeClr val="accent3"/>
+              </a:lnRef>
+              <a:fillRef idx="2">
+                <a:schemeClr val="accent3"/>
+              </a:fillRef>
+              <a:effectRef idx="1">
+                <a:schemeClr val="accent3"/>
+              </a:effectRef>
+              <a:fontRef idx="minor">
+                <a:schemeClr val="dk1"/>
+              </a:fontRef>
+            </p:style>
+            <p:txBody>
+              <a:bodyPr rtlCol="0" anchor="ctr"/>
+              <a:lstStyle/>
+              <a:p>
+                <a:pPr algn="ctr"/>
+                <a:r>
+                  <a:rPr kumimoji="1" lang="en-US" altLang="ja-JP" dirty="0"/>
+                  <a:t>Data</a:t>
+                </a:r>
+                <a:r>
+                  <a:rPr lang="en-US" altLang="ja-JP" dirty="0"/>
+                  <a:t>1</a:t>
+                </a:r>
+                <a:endParaRPr kumimoji="1" lang="en-US" altLang="ja-JP" dirty="0"/>
+              </a:p>
+            </p:txBody>
+          </p:sp>
+          <p:sp>
+            <p:nvSpPr>
+              <p:cNvPr id="27" name="四角形: メモ 26">
+                <a:extLst>
+                  <a:ext uri="{FF2B5EF4-FFF2-40B4-BE49-F238E27FC236}">
+                    <a16:creationId xmlns:a16="http://schemas.microsoft.com/office/drawing/2014/main" id="{AD399E44-7523-427C-9A2A-CC0FDB4AA209}"/>
+                  </a:ext>
+                </a:extLst>
+              </p:cNvPr>
+              <p:cNvSpPr/>
+              <p:nvPr/>
+            </p:nvSpPr>
+            <p:spPr>
+              <a:xfrm>
+                <a:off x="1571625" y="2343150"/>
+                <a:ext cx="1371600" cy="1543050"/>
+              </a:xfrm>
+              <a:prstGeom prst="foldedCorner">
+                <a:avLst/>
+              </a:prstGeom>
+            </p:spPr>
+            <p:style>
+              <a:lnRef idx="1">
+                <a:schemeClr val="accent3"/>
+              </a:lnRef>
+              <a:fillRef idx="2">
+                <a:schemeClr val="accent3"/>
+              </a:fillRef>
+              <a:effectRef idx="1">
+                <a:schemeClr val="accent3"/>
+              </a:effectRef>
+              <a:fontRef idx="minor">
+                <a:schemeClr val="dk1"/>
+              </a:fontRef>
+            </p:style>
+            <p:txBody>
+              <a:bodyPr rtlCol="0" anchor="ctr"/>
+              <a:lstStyle/>
+              <a:p>
+                <a:pPr algn="ctr"/>
+                <a:r>
+                  <a:rPr kumimoji="1" lang="en-US" altLang="ja-JP" dirty="0"/>
+                  <a:t>Data</a:t>
+                </a:r>
+                <a:r>
+                  <a:rPr lang="en-US" altLang="ja-JP" dirty="0"/>
+                  <a:t>1</a:t>
+                </a:r>
+                <a:endParaRPr kumimoji="1" lang="en-US" altLang="ja-JP" dirty="0"/>
+              </a:p>
+            </p:txBody>
+          </p:sp>
+          <p:sp>
+            <p:nvSpPr>
+              <p:cNvPr id="28" name="四角形: メモ 27">
+                <a:extLst>
+                  <a:ext uri="{FF2B5EF4-FFF2-40B4-BE49-F238E27FC236}">
+                    <a16:creationId xmlns:a16="http://schemas.microsoft.com/office/drawing/2014/main" id="{AFF133FF-356C-430B-8259-61A32408651E}"/>
+                  </a:ext>
+                </a:extLst>
+              </p:cNvPr>
+              <p:cNvSpPr/>
+              <p:nvPr/>
+            </p:nvSpPr>
+            <p:spPr>
+              <a:xfrm>
+                <a:off x="1724025" y="2495550"/>
+                <a:ext cx="1371600" cy="1543050"/>
+              </a:xfrm>
+              <a:prstGeom prst="foldedCorner">
+                <a:avLst/>
+              </a:prstGeom>
+            </p:spPr>
+            <p:style>
+              <a:lnRef idx="1">
+                <a:schemeClr val="accent3"/>
+              </a:lnRef>
+              <a:fillRef idx="2">
+                <a:schemeClr val="accent3"/>
+              </a:fillRef>
+              <a:effectRef idx="1">
+                <a:schemeClr val="accent3"/>
+              </a:effectRef>
+              <a:fontRef idx="minor">
+                <a:schemeClr val="dk1"/>
+              </a:fontRef>
+            </p:style>
+            <p:txBody>
+              <a:bodyPr rtlCol="0" anchor="ctr"/>
+              <a:lstStyle/>
+              <a:p>
+                <a:pPr algn="ctr"/>
+                <a:r>
+                  <a:rPr kumimoji="1" lang="en-US" altLang="ja-JP" dirty="0"/>
+                  <a:t>Data</a:t>
+                </a:r>
+              </a:p>
+            </p:txBody>
+          </p:sp>
+        </p:grpSp>
+        <p:sp>
+          <p:nvSpPr>
+            <p:cNvPr id="19" name="テキスト ボックス 18">
+              <a:extLst>
+                <a:ext uri="{FF2B5EF4-FFF2-40B4-BE49-F238E27FC236}">
+                  <a16:creationId xmlns:a16="http://schemas.microsoft.com/office/drawing/2014/main" id="{6CAD6529-DD89-4481-A7B0-5807CE4B56C5}"/>
+                </a:ext>
+              </a:extLst>
+            </p:cNvPr>
+            <p:cNvSpPr txBox="1"/>
+            <p:nvPr/>
+          </p:nvSpPr>
+          <p:spPr>
+            <a:xfrm>
+              <a:off x="733761" y="4109290"/>
+              <a:ext cx="1356711" cy="430887"/>
+            </a:xfrm>
+            <a:prstGeom prst="rect">
+              <a:avLst/>
+            </a:prstGeom>
+            <a:noFill/>
+          </p:spPr>
+          <p:txBody>
+            <a:bodyPr wrap="square" rtlCol="0">
+              <a:spAutoFit/>
+            </a:bodyPr>
+            <a:lstStyle/>
+            <a:p>
+              <a:r>
+                <a:rPr lang="ja-JP" altLang="en-US" sz="1100" b="1" dirty="0">
+                  <a:solidFill>
+                    <a:srgbClr val="FF0000"/>
+                  </a:solidFill>
+                </a:rPr>
+                <a:t>リモート</a:t>
+              </a:r>
+              <a:endParaRPr kumimoji="1" lang="en-US" altLang="ja-JP" sz="1100" b="1" dirty="0">
+                <a:solidFill>
+                  <a:srgbClr val="FF0000"/>
+                </a:solidFill>
+              </a:endParaRPr>
+            </a:p>
+            <a:p>
+              <a:r>
+                <a:rPr kumimoji="1" lang="ja-JP" altLang="en-US" sz="1100" b="1" dirty="0">
+                  <a:solidFill>
+                    <a:srgbClr val="FF0000"/>
+                  </a:solidFill>
+                </a:rPr>
+                <a:t>リポジトリ</a:t>
+              </a:r>
+            </a:p>
+          </p:txBody>
+        </p:sp>
+        <p:sp>
+          <p:nvSpPr>
+            <p:cNvPr id="20" name="円柱 19">
+              <a:extLst>
+                <a:ext uri="{FF2B5EF4-FFF2-40B4-BE49-F238E27FC236}">
+                  <a16:creationId xmlns:a16="http://schemas.microsoft.com/office/drawing/2014/main" id="{A8D3C31D-1A2F-4BFB-AE01-30500F920E52}"/>
+                </a:ext>
+              </a:extLst>
+            </p:cNvPr>
+            <p:cNvSpPr/>
+            <p:nvPr/>
+          </p:nvSpPr>
+          <p:spPr>
+            <a:xfrm>
+              <a:off x="2669690" y="5302127"/>
+              <a:ext cx="767422" cy="618916"/>
+            </a:xfrm>
+            <a:prstGeom prst="can">
+              <a:avLst>
+                <a:gd name="adj" fmla="val 22181"/>
+              </a:avLst>
+            </a:prstGeom>
+            <a:ln>
+              <a:solidFill>
+                <a:srgbClr val="5B9BD5"/>
+              </a:solidFill>
+            </a:ln>
+          </p:spPr>
+          <p:style>
+            <a:lnRef idx="2">
+              <a:schemeClr val="accent1"/>
+            </a:lnRef>
+            <a:fillRef idx="1">
+              <a:schemeClr val="lt1"/>
+            </a:fillRef>
+            <a:effectRef idx="0">
+              <a:schemeClr val="accent1"/>
+            </a:effectRef>
+            <a:fontRef idx="minor">
+              <a:schemeClr val="dk1"/>
+            </a:fontRef>
+          </p:style>
+          <p:txBody>
+            <a:bodyPr rtlCol="0" anchor="ctr"/>
+            <a:lstStyle/>
+            <a:p>
+              <a:pPr algn="ctr"/>
+              <a:r>
+                <a:rPr kumimoji="1" lang="en-US" altLang="ja-JP" sz="3200" dirty="0">
+                  <a:latin typeface="ＭＳ Ｐ明朝" panose="02020600040205080304" pitchFamily="18" charset="-128"/>
+                  <a:ea typeface="ＭＳ Ｐ明朝" panose="02020600040205080304" pitchFamily="18" charset="-128"/>
+                </a:rPr>
+                <a:t>.git</a:t>
+              </a:r>
+              <a:endParaRPr kumimoji="1" lang="ja-JP" altLang="en-US" sz="1200" dirty="0">
+                <a:latin typeface="ＭＳ Ｐ明朝" panose="02020600040205080304" pitchFamily="18" charset="-128"/>
+                <a:ea typeface="ＭＳ Ｐ明朝" panose="02020600040205080304" pitchFamily="18" charset="-128"/>
+              </a:endParaRPr>
+            </a:p>
+          </p:txBody>
+        </p:sp>
+      </p:grpSp>
+      <p:grpSp>
+        <p:nvGrpSpPr>
+          <p:cNvPr id="42" name="グループ化 41">
+            <a:extLst>
+              <a:ext uri="{FF2B5EF4-FFF2-40B4-BE49-F238E27FC236}">
+                <a16:creationId xmlns:a16="http://schemas.microsoft.com/office/drawing/2014/main" id="{B0D6037B-7DE5-4F89-8E66-4F3F3048451E}"/>
+              </a:ext>
+            </a:extLst>
+          </p:cNvPr>
+          <p:cNvGrpSpPr/>
+          <p:nvPr/>
+        </p:nvGrpSpPr>
+        <p:grpSpPr>
+          <a:xfrm>
+            <a:off x="7028305" y="-347474"/>
+            <a:ext cx="4122657" cy="4122657"/>
+            <a:chOff x="171006" y="3230832"/>
+            <a:chExt cx="4122657" cy="4122657"/>
+          </a:xfrm>
+        </p:grpSpPr>
+        <p:pic>
+          <p:nvPicPr>
+            <p:cNvPr id="43" name="グラフィックス 42">
+              <a:extLst>
+                <a:ext uri="{FF2B5EF4-FFF2-40B4-BE49-F238E27FC236}">
+                  <a16:creationId xmlns:a16="http://schemas.microsoft.com/office/drawing/2014/main" id="{200B4E02-11D6-4C64-8826-C197DD2A2778}"/>
+                </a:ext>
+              </a:extLst>
+            </p:cNvPr>
+            <p:cNvPicPr>
+              <a:picLocks noChangeAspect="1"/>
+            </p:cNvPicPr>
+            <p:nvPr/>
+          </p:nvPicPr>
+          <p:blipFill>
+            <a:blip r:embed="rId2">
+              <a:extLst>
+                <a:ext uri="{28A0092B-C50C-407E-A947-70E740481C1C}">
+                  <a14:useLocalDpi xmlns:a14="http://schemas.microsoft.com/office/drawing/2010/main" val="0"/>
+                </a:ext>
+                <a:ext uri="{96DAC541-7B7A-43D3-8B79-37D633B846F1}">
+                  <asvg:svgBlip xmlns:asvg="http://schemas.microsoft.com/office/drawing/2016/SVG/main" r:embed="rId3"/>
+                </a:ext>
+                <a:ext uri="{837473B0-CC2E-450A-ABE3-18F120FF3D39}">
+                  <a1611:picAttrSrcUrl xmlns:a1611="http://schemas.microsoft.com/office/drawing/2016/11/main" r:id="rId4"/>
+                </a:ext>
+              </a:extLst>
+            </a:blip>
+            <a:stretch>
+              <a:fillRect/>
+            </a:stretch>
+          </p:blipFill>
+          <p:spPr>
+            <a:xfrm>
+              <a:off x="171006" y="3230832"/>
+              <a:ext cx="4122657" cy="4122657"/>
+            </a:xfrm>
+            <a:prstGeom prst="rect">
+              <a:avLst/>
+            </a:prstGeom>
+          </p:spPr>
+        </p:pic>
+        <p:grpSp>
+          <p:nvGrpSpPr>
+            <p:cNvPr id="44" name="グループ化 43">
+              <a:extLst>
+                <a:ext uri="{FF2B5EF4-FFF2-40B4-BE49-F238E27FC236}">
+                  <a16:creationId xmlns:a16="http://schemas.microsoft.com/office/drawing/2014/main" id="{E9C694C8-5945-4FD3-8172-982A0B79B5E3}"/>
+                </a:ext>
+              </a:extLst>
+            </p:cNvPr>
+            <p:cNvGrpSpPr/>
+            <p:nvPr/>
+          </p:nvGrpSpPr>
+          <p:grpSpPr>
+            <a:xfrm>
+              <a:off x="875624" y="4784723"/>
+              <a:ext cx="1108499" cy="1323754"/>
+              <a:chOff x="1114425" y="1885950"/>
+              <a:chExt cx="1981200" cy="2152650"/>
+            </a:xfrm>
+          </p:grpSpPr>
+          <p:sp>
+            <p:nvSpPr>
+              <p:cNvPr id="51" name="四角形: メモ 50">
+                <a:extLst>
+                  <a:ext uri="{FF2B5EF4-FFF2-40B4-BE49-F238E27FC236}">
+                    <a16:creationId xmlns:a16="http://schemas.microsoft.com/office/drawing/2014/main" id="{BE8EF42F-8FDD-47A5-8BC3-3CD8C83446E6}"/>
+                  </a:ext>
+                </a:extLst>
+              </p:cNvPr>
+              <p:cNvSpPr/>
+              <p:nvPr/>
+            </p:nvSpPr>
+            <p:spPr>
+              <a:xfrm>
+                <a:off x="1114425" y="1885950"/>
+                <a:ext cx="1371600" cy="1543050"/>
+              </a:xfrm>
+              <a:prstGeom prst="foldedCorner">
+                <a:avLst/>
+              </a:prstGeom>
+            </p:spPr>
+            <p:style>
+              <a:lnRef idx="1">
+                <a:schemeClr val="accent3"/>
+              </a:lnRef>
+              <a:fillRef idx="2">
+                <a:schemeClr val="accent3"/>
+              </a:fillRef>
+              <a:effectRef idx="1">
+                <a:schemeClr val="accent3"/>
+              </a:effectRef>
+              <a:fontRef idx="minor">
+                <a:schemeClr val="dk1"/>
+              </a:fontRef>
+            </p:style>
+            <p:txBody>
+              <a:bodyPr rtlCol="0" anchor="ctr"/>
+              <a:lstStyle/>
+              <a:p>
+                <a:pPr algn="ctr"/>
+                <a:r>
+                  <a:rPr kumimoji="1" lang="en-US" altLang="ja-JP" dirty="0"/>
+                  <a:t>Data</a:t>
+                </a:r>
+                <a:r>
+                  <a:rPr lang="en-US" altLang="ja-JP" dirty="0"/>
+                  <a:t>1</a:t>
+                </a:r>
+                <a:endParaRPr kumimoji="1" lang="en-US" altLang="ja-JP" dirty="0"/>
+              </a:p>
+            </p:txBody>
+          </p:sp>
+          <p:sp>
+            <p:nvSpPr>
+              <p:cNvPr id="52" name="四角形: メモ 51">
+                <a:extLst>
+                  <a:ext uri="{FF2B5EF4-FFF2-40B4-BE49-F238E27FC236}">
+                    <a16:creationId xmlns:a16="http://schemas.microsoft.com/office/drawing/2014/main" id="{15F0D20C-92B7-4E79-A442-2609C4F491E0}"/>
+                  </a:ext>
+                </a:extLst>
+              </p:cNvPr>
+              <p:cNvSpPr/>
+              <p:nvPr/>
+            </p:nvSpPr>
+            <p:spPr>
+              <a:xfrm>
+                <a:off x="1266825" y="2038350"/>
+                <a:ext cx="1371600" cy="1543050"/>
+              </a:xfrm>
+              <a:prstGeom prst="foldedCorner">
+                <a:avLst/>
+              </a:prstGeom>
+            </p:spPr>
+            <p:style>
+              <a:lnRef idx="1">
+                <a:schemeClr val="accent3"/>
+              </a:lnRef>
+              <a:fillRef idx="2">
+                <a:schemeClr val="accent3"/>
+              </a:fillRef>
+              <a:effectRef idx="1">
+                <a:schemeClr val="accent3"/>
+              </a:effectRef>
+              <a:fontRef idx="minor">
+                <a:schemeClr val="dk1"/>
+              </a:fontRef>
+            </p:style>
+            <p:txBody>
+              <a:bodyPr rtlCol="0" anchor="ctr"/>
+              <a:lstStyle/>
+              <a:p>
+                <a:pPr algn="ctr"/>
+                <a:r>
+                  <a:rPr kumimoji="1" lang="en-US" altLang="ja-JP" dirty="0"/>
+                  <a:t>Data</a:t>
+                </a:r>
+                <a:r>
+                  <a:rPr lang="en-US" altLang="ja-JP" dirty="0"/>
+                  <a:t>1</a:t>
+                </a:r>
+                <a:endParaRPr kumimoji="1" lang="en-US" altLang="ja-JP" dirty="0"/>
+              </a:p>
+            </p:txBody>
+          </p:sp>
+          <p:sp>
+            <p:nvSpPr>
+              <p:cNvPr id="54" name="四角形: メモ 53">
+                <a:extLst>
+                  <a:ext uri="{FF2B5EF4-FFF2-40B4-BE49-F238E27FC236}">
+                    <a16:creationId xmlns:a16="http://schemas.microsoft.com/office/drawing/2014/main" id="{AF89DD60-18CC-4622-853E-E9F1AA276DDF}"/>
+                  </a:ext>
+                </a:extLst>
+              </p:cNvPr>
+              <p:cNvSpPr/>
+              <p:nvPr/>
+            </p:nvSpPr>
+            <p:spPr>
+              <a:xfrm>
+                <a:off x="1419225" y="2190750"/>
+                <a:ext cx="1371600" cy="1543050"/>
+              </a:xfrm>
+              <a:prstGeom prst="foldedCorner">
+                <a:avLst/>
+              </a:prstGeom>
+            </p:spPr>
+            <p:style>
+              <a:lnRef idx="1">
+                <a:schemeClr val="accent3"/>
+              </a:lnRef>
+              <a:fillRef idx="2">
+                <a:schemeClr val="accent3"/>
+              </a:fillRef>
+              <a:effectRef idx="1">
+                <a:schemeClr val="accent3"/>
+              </a:effectRef>
+              <a:fontRef idx="minor">
+                <a:schemeClr val="dk1"/>
+              </a:fontRef>
+            </p:style>
+            <p:txBody>
+              <a:bodyPr rtlCol="0" anchor="ctr"/>
+              <a:lstStyle/>
+              <a:p>
+                <a:pPr algn="ctr"/>
+                <a:r>
+                  <a:rPr kumimoji="1" lang="en-US" altLang="ja-JP" dirty="0"/>
+                  <a:t>Data</a:t>
+                </a:r>
+                <a:r>
+                  <a:rPr lang="en-US" altLang="ja-JP" dirty="0"/>
+                  <a:t>1</a:t>
+                </a:r>
+                <a:endParaRPr kumimoji="1" lang="en-US" altLang="ja-JP" dirty="0"/>
+              </a:p>
+            </p:txBody>
+          </p:sp>
+          <p:sp>
+            <p:nvSpPr>
+              <p:cNvPr id="55" name="四角形: メモ 54">
+                <a:extLst>
+                  <a:ext uri="{FF2B5EF4-FFF2-40B4-BE49-F238E27FC236}">
+                    <a16:creationId xmlns:a16="http://schemas.microsoft.com/office/drawing/2014/main" id="{A89C24EC-19A5-49D5-9178-19F81614BFA6}"/>
+                  </a:ext>
+                </a:extLst>
+              </p:cNvPr>
+              <p:cNvSpPr/>
+              <p:nvPr/>
+            </p:nvSpPr>
+            <p:spPr>
+              <a:xfrm>
+                <a:off x="1571625" y="2343150"/>
+                <a:ext cx="1371600" cy="1543050"/>
+              </a:xfrm>
+              <a:prstGeom prst="foldedCorner">
+                <a:avLst/>
+              </a:prstGeom>
+            </p:spPr>
+            <p:style>
+              <a:lnRef idx="1">
+                <a:schemeClr val="accent3"/>
+              </a:lnRef>
+              <a:fillRef idx="2">
+                <a:schemeClr val="accent3"/>
+              </a:fillRef>
+              <a:effectRef idx="1">
+                <a:schemeClr val="accent3"/>
+              </a:effectRef>
+              <a:fontRef idx="minor">
+                <a:schemeClr val="dk1"/>
+              </a:fontRef>
+            </p:style>
+            <p:txBody>
+              <a:bodyPr rtlCol="0" anchor="ctr"/>
+              <a:lstStyle/>
+              <a:p>
+                <a:pPr algn="ctr"/>
+                <a:r>
+                  <a:rPr kumimoji="1" lang="en-US" altLang="ja-JP" dirty="0"/>
+                  <a:t>Data</a:t>
+                </a:r>
+                <a:r>
+                  <a:rPr lang="en-US" altLang="ja-JP" dirty="0"/>
+                  <a:t>1</a:t>
+                </a:r>
+                <a:endParaRPr kumimoji="1" lang="en-US" altLang="ja-JP" dirty="0"/>
+              </a:p>
+            </p:txBody>
+          </p:sp>
+          <p:sp>
+            <p:nvSpPr>
+              <p:cNvPr id="56" name="四角形: メモ 55">
+                <a:extLst>
+                  <a:ext uri="{FF2B5EF4-FFF2-40B4-BE49-F238E27FC236}">
+                    <a16:creationId xmlns:a16="http://schemas.microsoft.com/office/drawing/2014/main" id="{DD558699-D2FA-4DF5-B22F-0FB231105C1C}"/>
+                  </a:ext>
+                </a:extLst>
+              </p:cNvPr>
+              <p:cNvSpPr/>
+              <p:nvPr/>
+            </p:nvSpPr>
+            <p:spPr>
+              <a:xfrm>
+                <a:off x="1724025" y="2495550"/>
+                <a:ext cx="1371600" cy="1543050"/>
+              </a:xfrm>
+              <a:prstGeom prst="foldedCorner">
+                <a:avLst/>
+              </a:prstGeom>
+            </p:spPr>
+            <p:style>
+              <a:lnRef idx="1">
+                <a:schemeClr val="accent3"/>
+              </a:lnRef>
+              <a:fillRef idx="2">
+                <a:schemeClr val="accent3"/>
+              </a:fillRef>
+              <a:effectRef idx="1">
+                <a:schemeClr val="accent3"/>
+              </a:effectRef>
+              <a:fontRef idx="minor">
+                <a:schemeClr val="dk1"/>
+              </a:fontRef>
+            </p:style>
+            <p:txBody>
+              <a:bodyPr rtlCol="0" anchor="ctr"/>
+              <a:lstStyle/>
+              <a:p>
+                <a:pPr algn="ctr"/>
+                <a:r>
+                  <a:rPr kumimoji="1" lang="en-US" altLang="ja-JP" dirty="0"/>
+                  <a:t>Data</a:t>
+                </a:r>
+              </a:p>
+            </p:txBody>
+          </p:sp>
+        </p:grpSp>
+        <p:sp>
+          <p:nvSpPr>
+            <p:cNvPr id="46" name="テキスト ボックス 45">
+              <a:extLst>
+                <a:ext uri="{FF2B5EF4-FFF2-40B4-BE49-F238E27FC236}">
+                  <a16:creationId xmlns:a16="http://schemas.microsoft.com/office/drawing/2014/main" id="{0F6FA181-203A-4329-8898-CB3F7F17F73F}"/>
+                </a:ext>
+              </a:extLst>
+            </p:cNvPr>
+            <p:cNvSpPr txBox="1"/>
+            <p:nvPr/>
+          </p:nvSpPr>
+          <p:spPr>
+            <a:xfrm>
+              <a:off x="733761" y="4109290"/>
+              <a:ext cx="1356711" cy="430887"/>
+            </a:xfrm>
+            <a:prstGeom prst="rect">
+              <a:avLst/>
+            </a:prstGeom>
+            <a:noFill/>
+          </p:spPr>
+          <p:txBody>
+            <a:bodyPr wrap="square" rtlCol="0">
+              <a:spAutoFit/>
+            </a:bodyPr>
+            <a:lstStyle/>
+            <a:p>
+              <a:r>
+                <a:rPr lang="ja-JP" altLang="en-US" sz="1100" b="1" dirty="0">
+                  <a:solidFill>
+                    <a:srgbClr val="FF0000"/>
+                  </a:solidFill>
+                </a:rPr>
+                <a:t>リモート</a:t>
+              </a:r>
+              <a:endParaRPr kumimoji="1" lang="en-US" altLang="ja-JP" sz="1100" b="1" dirty="0">
+                <a:solidFill>
+                  <a:srgbClr val="FF0000"/>
+                </a:solidFill>
+              </a:endParaRPr>
+            </a:p>
+            <a:p>
+              <a:r>
+                <a:rPr kumimoji="1" lang="ja-JP" altLang="en-US" sz="1100" b="1" dirty="0">
+                  <a:solidFill>
+                    <a:srgbClr val="FF0000"/>
+                  </a:solidFill>
+                </a:rPr>
+                <a:t>リポジトリ</a:t>
+              </a:r>
+            </a:p>
+          </p:txBody>
+        </p:sp>
+        <p:sp>
+          <p:nvSpPr>
+            <p:cNvPr id="50" name="円柱 49">
+              <a:extLst>
+                <a:ext uri="{FF2B5EF4-FFF2-40B4-BE49-F238E27FC236}">
+                  <a16:creationId xmlns:a16="http://schemas.microsoft.com/office/drawing/2014/main" id="{55A08F71-62C7-4776-B5F6-97932BE94C6F}"/>
+                </a:ext>
+              </a:extLst>
+            </p:cNvPr>
+            <p:cNvSpPr/>
+            <p:nvPr/>
+          </p:nvSpPr>
+          <p:spPr>
+            <a:xfrm>
+              <a:off x="2669690" y="5302127"/>
+              <a:ext cx="767422" cy="618916"/>
+            </a:xfrm>
+            <a:prstGeom prst="can">
+              <a:avLst>
+                <a:gd name="adj" fmla="val 22181"/>
+              </a:avLst>
+            </a:prstGeom>
+            <a:ln>
+              <a:solidFill>
+                <a:srgbClr val="5B9BD5"/>
+              </a:solidFill>
+            </a:ln>
+          </p:spPr>
+          <p:style>
+            <a:lnRef idx="2">
+              <a:schemeClr val="accent1"/>
+            </a:lnRef>
+            <a:fillRef idx="1">
+              <a:schemeClr val="lt1"/>
+            </a:fillRef>
+            <a:effectRef idx="0">
+              <a:schemeClr val="accent1"/>
+            </a:effectRef>
+            <a:fontRef idx="minor">
+              <a:schemeClr val="dk1"/>
+            </a:fontRef>
+          </p:style>
+          <p:txBody>
+            <a:bodyPr rtlCol="0" anchor="ctr"/>
+            <a:lstStyle/>
+            <a:p>
+              <a:pPr algn="ctr"/>
+              <a:r>
+                <a:rPr kumimoji="1" lang="en-US" altLang="ja-JP" sz="3200" dirty="0">
+                  <a:latin typeface="ＭＳ Ｐ明朝" panose="02020600040205080304" pitchFamily="18" charset="-128"/>
+                  <a:ea typeface="ＭＳ Ｐ明朝" panose="02020600040205080304" pitchFamily="18" charset="-128"/>
+                </a:rPr>
+                <a:t>.git</a:t>
+              </a:r>
+              <a:endParaRPr kumimoji="1" lang="ja-JP" altLang="en-US" sz="1200" dirty="0">
+                <a:latin typeface="ＭＳ Ｐ明朝" panose="02020600040205080304" pitchFamily="18" charset="-128"/>
+                <a:ea typeface="ＭＳ Ｐ明朝" panose="02020600040205080304" pitchFamily="18" charset="-128"/>
+              </a:endParaRPr>
+            </a:p>
+          </p:txBody>
+        </p:sp>
+      </p:grpSp>
+      <p:sp>
+        <p:nvSpPr>
+          <p:cNvPr id="58" name="矢印: 右 57">
+            <a:extLst>
+              <a:ext uri="{FF2B5EF4-FFF2-40B4-BE49-F238E27FC236}">
+                <a16:creationId xmlns:a16="http://schemas.microsoft.com/office/drawing/2014/main" id="{BD19BC4D-F705-4184-A9CB-E3E6CDD2F68C}"/>
+              </a:ext>
+            </a:extLst>
+          </p:cNvPr>
+          <p:cNvSpPr/>
+          <p:nvPr/>
+        </p:nvSpPr>
+        <p:spPr>
+          <a:xfrm>
+            <a:off x="5198428" y="1137795"/>
+            <a:ext cx="1479076" cy="480927"/>
+          </a:xfrm>
+          <a:prstGeom prst="rightArrow">
+            <a:avLst/>
+          </a:prstGeom>
+        </p:spPr>
+        <p:style>
+          <a:lnRef idx="2">
+            <a:schemeClr val="accent1">
+              <a:shade val="50000"/>
+            </a:schemeClr>
+          </a:lnRef>
+          <a:fillRef idx="1">
+            <a:schemeClr val="accent1"/>
+          </a:fillRef>
+          <a:effectRef idx="0">
+            <a:schemeClr val="accent1"/>
+          </a:effectRef>
+          <a:fontRef idx="minor">
+            <a:schemeClr val="lt1"/>
+          </a:fontRef>
+        </p:style>
+        <p:txBody>
+          <a:bodyPr rtlCol="0" anchor="ctr"/>
+          <a:lstStyle/>
+          <a:p>
+            <a:pPr algn="ctr"/>
+            <a:endParaRPr kumimoji="1" lang="ja-JP" altLang="en-US" dirty="0"/>
+          </a:p>
+        </p:txBody>
+      </p:sp>
+      <p:sp>
+        <p:nvSpPr>
+          <p:cNvPr id="59" name="正方形/長方形 58">
+            <a:extLst>
+              <a:ext uri="{FF2B5EF4-FFF2-40B4-BE49-F238E27FC236}">
+                <a16:creationId xmlns:a16="http://schemas.microsoft.com/office/drawing/2014/main" id="{110A623A-F348-4C9D-A5E6-25994C6D68E1}"/>
+              </a:ext>
+            </a:extLst>
+          </p:cNvPr>
+          <p:cNvSpPr/>
+          <p:nvPr/>
+        </p:nvSpPr>
+        <p:spPr>
+          <a:xfrm>
+            <a:off x="5198428" y="321020"/>
+            <a:ext cx="1519968" cy="923330"/>
+          </a:xfrm>
+          <a:prstGeom prst="rect">
+            <a:avLst/>
+          </a:prstGeom>
+          <a:noFill/>
+        </p:spPr>
+        <p:txBody>
+          <a:bodyPr wrap="none" lIns="91440" tIns="45720" rIns="91440" bIns="45720">
+            <a:spAutoFit/>
+          </a:bodyPr>
+          <a:lstStyle/>
+          <a:p>
+            <a:pPr algn="ctr"/>
+            <a:r>
+              <a:rPr lang="en-US" altLang="ja-JP" sz="5400" b="1" dirty="0">
+                <a:ln w="0"/>
+                <a:solidFill>
+                  <a:srgbClr val="FF0000"/>
+                </a:solidFill>
+                <a:effectLst>
+                  <a:outerShdw blurRad="38100" dist="19050" dir="2700000" algn="tl" rotWithShape="0">
+                    <a:schemeClr val="dk1">
+                      <a:alpha val="40000"/>
+                    </a:schemeClr>
+                  </a:outerShdw>
+                </a:effectLst>
+              </a:rPr>
+              <a:t>fork</a:t>
+            </a:r>
+          </a:p>
+        </p:txBody>
+      </p:sp>
+      <p:grpSp>
+        <p:nvGrpSpPr>
+          <p:cNvPr id="29" name="グループ化 28">
+            <a:extLst>
+              <a:ext uri="{FF2B5EF4-FFF2-40B4-BE49-F238E27FC236}">
+                <a16:creationId xmlns:a16="http://schemas.microsoft.com/office/drawing/2014/main" id="{1AF64091-0340-4DAE-B7C7-A0D1C8B50E3A}"/>
+              </a:ext>
+            </a:extLst>
+          </p:cNvPr>
+          <p:cNvGrpSpPr/>
+          <p:nvPr/>
+        </p:nvGrpSpPr>
+        <p:grpSpPr>
+          <a:xfrm>
+            <a:off x="510838" y="3141556"/>
+            <a:ext cx="4122657" cy="4122657"/>
+            <a:chOff x="171006" y="3230832"/>
+            <a:chExt cx="4122657" cy="4122657"/>
+          </a:xfrm>
+        </p:grpSpPr>
+        <p:pic>
+          <p:nvPicPr>
+            <p:cNvPr id="30" name="グラフィックス 29">
+              <a:extLst>
+                <a:ext uri="{FF2B5EF4-FFF2-40B4-BE49-F238E27FC236}">
+                  <a16:creationId xmlns:a16="http://schemas.microsoft.com/office/drawing/2014/main" id="{6EE4A491-FAC6-4BCC-B96F-1223286B5DA3}"/>
+                </a:ext>
+              </a:extLst>
+            </p:cNvPr>
+            <p:cNvPicPr>
+              <a:picLocks noChangeAspect="1"/>
+            </p:cNvPicPr>
+            <p:nvPr/>
+          </p:nvPicPr>
+          <p:blipFill>
+            <a:blip r:embed="rId5">
+              <a:extLst>
+                <a:ext uri="{28A0092B-C50C-407E-A947-70E740481C1C}">
+                  <a14:useLocalDpi xmlns:a14="http://schemas.microsoft.com/office/drawing/2010/main" val="0"/>
+                </a:ext>
+                <a:ext uri="{96DAC541-7B7A-43D3-8B79-37D633B846F1}">
+                  <asvg:svgBlip xmlns:asvg="http://schemas.microsoft.com/office/drawing/2016/SVG/main" r:embed="rId6"/>
+                </a:ext>
+                <a:ext uri="{837473B0-CC2E-450A-ABE3-18F120FF3D39}">
+                  <a1611:picAttrSrcUrl xmlns:a1611="http://schemas.microsoft.com/office/drawing/2016/11/main" r:id="rId4"/>
+                </a:ext>
+              </a:extLst>
+            </a:blip>
+            <a:stretch>
+              <a:fillRect/>
+            </a:stretch>
+          </p:blipFill>
+          <p:spPr>
+            <a:xfrm>
+              <a:off x="171006" y="3230832"/>
+              <a:ext cx="4122657" cy="4122657"/>
+            </a:xfrm>
+            <a:prstGeom prst="rect">
+              <a:avLst/>
+            </a:prstGeom>
+          </p:spPr>
+        </p:pic>
+        <p:grpSp>
+          <p:nvGrpSpPr>
+            <p:cNvPr id="31" name="グループ化 30">
+              <a:extLst>
+                <a:ext uri="{FF2B5EF4-FFF2-40B4-BE49-F238E27FC236}">
+                  <a16:creationId xmlns:a16="http://schemas.microsoft.com/office/drawing/2014/main" id="{101BB05F-20F2-4919-A455-66C4B5C2C5F5}"/>
+                </a:ext>
+              </a:extLst>
+            </p:cNvPr>
+            <p:cNvGrpSpPr/>
+            <p:nvPr/>
+          </p:nvGrpSpPr>
+          <p:grpSpPr>
+            <a:xfrm>
+              <a:off x="875624" y="4784723"/>
+              <a:ext cx="1108499" cy="1323754"/>
+              <a:chOff x="1114425" y="1885950"/>
+              <a:chExt cx="1981200" cy="2152650"/>
+            </a:xfrm>
+          </p:grpSpPr>
+          <p:sp>
+            <p:nvSpPr>
+              <p:cNvPr id="37" name="四角形: メモ 36">
+                <a:extLst>
+                  <a:ext uri="{FF2B5EF4-FFF2-40B4-BE49-F238E27FC236}">
+                    <a16:creationId xmlns:a16="http://schemas.microsoft.com/office/drawing/2014/main" id="{228352DE-6FDA-4483-B86A-8B574BD9ED6E}"/>
+                  </a:ext>
+                </a:extLst>
+              </p:cNvPr>
+              <p:cNvSpPr/>
+              <p:nvPr/>
+            </p:nvSpPr>
+            <p:spPr>
+              <a:xfrm>
+                <a:off x="1114425" y="1885950"/>
+                <a:ext cx="1371600" cy="1543050"/>
+              </a:xfrm>
+              <a:prstGeom prst="foldedCorner">
+                <a:avLst/>
+              </a:prstGeom>
+            </p:spPr>
+            <p:style>
+              <a:lnRef idx="1">
+                <a:schemeClr val="accent3"/>
+              </a:lnRef>
+              <a:fillRef idx="2">
+                <a:schemeClr val="accent3"/>
+              </a:fillRef>
+              <a:effectRef idx="1">
+                <a:schemeClr val="accent3"/>
+              </a:effectRef>
+              <a:fontRef idx="minor">
+                <a:schemeClr val="dk1"/>
+              </a:fontRef>
+            </p:style>
+            <p:txBody>
+              <a:bodyPr rtlCol="0" anchor="ctr"/>
+              <a:lstStyle/>
+              <a:p>
+                <a:pPr algn="ctr"/>
+                <a:r>
+                  <a:rPr kumimoji="1" lang="en-US" altLang="ja-JP" dirty="0"/>
+                  <a:t>Data</a:t>
+                </a:r>
+                <a:r>
+                  <a:rPr lang="en-US" altLang="ja-JP" dirty="0"/>
+                  <a:t>1</a:t>
+                </a:r>
+                <a:endParaRPr kumimoji="1" lang="en-US" altLang="ja-JP" dirty="0"/>
+              </a:p>
+            </p:txBody>
+          </p:sp>
+          <p:sp>
+            <p:nvSpPr>
+              <p:cNvPr id="38" name="四角形: メモ 37">
+                <a:extLst>
+                  <a:ext uri="{FF2B5EF4-FFF2-40B4-BE49-F238E27FC236}">
+                    <a16:creationId xmlns:a16="http://schemas.microsoft.com/office/drawing/2014/main" id="{812D6929-02AF-4578-ADC3-978CA3E87F79}"/>
+                  </a:ext>
+                </a:extLst>
+              </p:cNvPr>
+              <p:cNvSpPr/>
+              <p:nvPr/>
+            </p:nvSpPr>
+            <p:spPr>
+              <a:xfrm>
+                <a:off x="1266825" y="2038350"/>
+                <a:ext cx="1371600" cy="1543050"/>
+              </a:xfrm>
+              <a:prstGeom prst="foldedCorner">
+                <a:avLst/>
+              </a:prstGeom>
+            </p:spPr>
+            <p:style>
+              <a:lnRef idx="1">
+                <a:schemeClr val="accent3"/>
+              </a:lnRef>
+              <a:fillRef idx="2">
+                <a:schemeClr val="accent3"/>
+              </a:fillRef>
+              <a:effectRef idx="1">
+                <a:schemeClr val="accent3"/>
+              </a:effectRef>
+              <a:fontRef idx="minor">
+                <a:schemeClr val="dk1"/>
+              </a:fontRef>
+            </p:style>
+            <p:txBody>
+              <a:bodyPr rtlCol="0" anchor="ctr"/>
+              <a:lstStyle/>
+              <a:p>
+                <a:pPr algn="ctr"/>
+                <a:r>
+                  <a:rPr kumimoji="1" lang="en-US" altLang="ja-JP" dirty="0"/>
+                  <a:t>Data</a:t>
+                </a:r>
+                <a:r>
+                  <a:rPr lang="en-US" altLang="ja-JP" dirty="0"/>
+                  <a:t>1</a:t>
+                </a:r>
+                <a:endParaRPr kumimoji="1" lang="en-US" altLang="ja-JP" dirty="0"/>
+              </a:p>
+            </p:txBody>
+          </p:sp>
+          <p:sp>
+            <p:nvSpPr>
+              <p:cNvPr id="39" name="四角形: メモ 38">
+                <a:extLst>
+                  <a:ext uri="{FF2B5EF4-FFF2-40B4-BE49-F238E27FC236}">
+                    <a16:creationId xmlns:a16="http://schemas.microsoft.com/office/drawing/2014/main" id="{4AB78247-CC27-415D-BEF2-804D41DF12C6}"/>
+                  </a:ext>
+                </a:extLst>
+              </p:cNvPr>
+              <p:cNvSpPr/>
+              <p:nvPr/>
+            </p:nvSpPr>
+            <p:spPr>
+              <a:xfrm>
+                <a:off x="1419225" y="2190750"/>
+                <a:ext cx="1371600" cy="1543050"/>
+              </a:xfrm>
+              <a:prstGeom prst="foldedCorner">
+                <a:avLst/>
+              </a:prstGeom>
+            </p:spPr>
+            <p:style>
+              <a:lnRef idx="1">
+                <a:schemeClr val="accent3"/>
+              </a:lnRef>
+              <a:fillRef idx="2">
+                <a:schemeClr val="accent3"/>
+              </a:fillRef>
+              <a:effectRef idx="1">
+                <a:schemeClr val="accent3"/>
+              </a:effectRef>
+              <a:fontRef idx="minor">
+                <a:schemeClr val="dk1"/>
+              </a:fontRef>
+            </p:style>
+            <p:txBody>
+              <a:bodyPr rtlCol="0" anchor="ctr"/>
+              <a:lstStyle/>
+              <a:p>
+                <a:pPr algn="ctr"/>
+                <a:r>
+                  <a:rPr kumimoji="1" lang="en-US" altLang="ja-JP" dirty="0"/>
+                  <a:t>Data</a:t>
+                </a:r>
+                <a:r>
+                  <a:rPr lang="en-US" altLang="ja-JP" dirty="0"/>
+                  <a:t>1</a:t>
+                </a:r>
+                <a:endParaRPr kumimoji="1" lang="en-US" altLang="ja-JP" dirty="0"/>
+              </a:p>
+            </p:txBody>
+          </p:sp>
+          <p:sp>
+            <p:nvSpPr>
+              <p:cNvPr id="40" name="四角形: メモ 39">
+                <a:extLst>
+                  <a:ext uri="{FF2B5EF4-FFF2-40B4-BE49-F238E27FC236}">
+                    <a16:creationId xmlns:a16="http://schemas.microsoft.com/office/drawing/2014/main" id="{3CD569A2-A720-4542-9A2A-A83F5DB724FC}"/>
+                  </a:ext>
+                </a:extLst>
+              </p:cNvPr>
+              <p:cNvSpPr/>
+              <p:nvPr/>
+            </p:nvSpPr>
+            <p:spPr>
+              <a:xfrm>
+                <a:off x="1571625" y="2343150"/>
+                <a:ext cx="1371600" cy="1543050"/>
+              </a:xfrm>
+              <a:prstGeom prst="foldedCorner">
+                <a:avLst/>
+              </a:prstGeom>
+            </p:spPr>
+            <p:style>
+              <a:lnRef idx="1">
+                <a:schemeClr val="accent3"/>
+              </a:lnRef>
+              <a:fillRef idx="2">
+                <a:schemeClr val="accent3"/>
+              </a:fillRef>
+              <a:effectRef idx="1">
+                <a:schemeClr val="accent3"/>
+              </a:effectRef>
+              <a:fontRef idx="minor">
+                <a:schemeClr val="dk1"/>
+              </a:fontRef>
+            </p:style>
+            <p:txBody>
+              <a:bodyPr rtlCol="0" anchor="ctr"/>
+              <a:lstStyle/>
+              <a:p>
+                <a:pPr algn="ctr"/>
+                <a:r>
+                  <a:rPr kumimoji="1" lang="en-US" altLang="ja-JP" dirty="0"/>
+                  <a:t>Data</a:t>
+                </a:r>
+                <a:r>
+                  <a:rPr lang="en-US" altLang="ja-JP" dirty="0"/>
+                  <a:t>1</a:t>
+                </a:r>
+                <a:endParaRPr kumimoji="1" lang="en-US" altLang="ja-JP" dirty="0"/>
+              </a:p>
+            </p:txBody>
+          </p:sp>
+          <p:sp>
+            <p:nvSpPr>
+              <p:cNvPr id="41" name="四角形: メモ 40">
+                <a:extLst>
+                  <a:ext uri="{FF2B5EF4-FFF2-40B4-BE49-F238E27FC236}">
+                    <a16:creationId xmlns:a16="http://schemas.microsoft.com/office/drawing/2014/main" id="{B395B402-FD93-4DD8-9E07-2B3C1C677310}"/>
+                  </a:ext>
+                </a:extLst>
+              </p:cNvPr>
+              <p:cNvSpPr/>
+              <p:nvPr/>
+            </p:nvSpPr>
+            <p:spPr>
+              <a:xfrm>
+                <a:off x="1724025" y="2495550"/>
+                <a:ext cx="1371600" cy="1543050"/>
+              </a:xfrm>
+              <a:prstGeom prst="foldedCorner">
+                <a:avLst/>
+              </a:prstGeom>
+            </p:spPr>
+            <p:style>
+              <a:lnRef idx="1">
+                <a:schemeClr val="accent3"/>
+              </a:lnRef>
+              <a:fillRef idx="2">
+                <a:schemeClr val="accent3"/>
+              </a:fillRef>
+              <a:effectRef idx="1">
+                <a:schemeClr val="accent3"/>
+              </a:effectRef>
+              <a:fontRef idx="minor">
+                <a:schemeClr val="dk1"/>
+              </a:fontRef>
+            </p:style>
+            <p:txBody>
+              <a:bodyPr rtlCol="0" anchor="ctr"/>
+              <a:lstStyle/>
+              <a:p>
+                <a:pPr algn="ctr"/>
+                <a:r>
+                  <a:rPr kumimoji="1" lang="en-US" altLang="ja-JP" dirty="0"/>
+                  <a:t>Data</a:t>
+                </a:r>
+              </a:p>
+            </p:txBody>
+          </p:sp>
+        </p:grpSp>
+        <p:sp>
+          <p:nvSpPr>
+            <p:cNvPr id="32" name="テキスト ボックス 31">
+              <a:extLst>
+                <a:ext uri="{FF2B5EF4-FFF2-40B4-BE49-F238E27FC236}">
+                  <a16:creationId xmlns:a16="http://schemas.microsoft.com/office/drawing/2014/main" id="{BB2A36AA-4025-4702-890C-D44525FF17BF}"/>
+                </a:ext>
+              </a:extLst>
+            </p:cNvPr>
+            <p:cNvSpPr txBox="1"/>
+            <p:nvPr/>
+          </p:nvSpPr>
+          <p:spPr>
+            <a:xfrm>
+              <a:off x="751517" y="4091534"/>
+              <a:ext cx="1356711" cy="430887"/>
+            </a:xfrm>
+            <a:prstGeom prst="rect">
+              <a:avLst/>
+            </a:prstGeom>
+            <a:noFill/>
+          </p:spPr>
+          <p:txBody>
+            <a:bodyPr wrap="square" rtlCol="0">
+              <a:spAutoFit/>
+            </a:bodyPr>
+            <a:lstStyle/>
+            <a:p>
+              <a:r>
+                <a:rPr kumimoji="1" lang="ja-JP" altLang="en-US" sz="1100" dirty="0"/>
+                <a:t>ローカル</a:t>
+              </a:r>
+              <a:endParaRPr kumimoji="1" lang="en-US" altLang="ja-JP" sz="1100" dirty="0"/>
+            </a:p>
+            <a:p>
+              <a:r>
+                <a:rPr kumimoji="1" lang="ja-JP" altLang="en-US" sz="1100" dirty="0"/>
+                <a:t>リポジトリ</a:t>
+              </a:r>
+            </a:p>
+          </p:txBody>
+        </p:sp>
+        <p:sp>
+          <p:nvSpPr>
+            <p:cNvPr id="33" name="円柱 32">
+              <a:extLst>
+                <a:ext uri="{FF2B5EF4-FFF2-40B4-BE49-F238E27FC236}">
+                  <a16:creationId xmlns:a16="http://schemas.microsoft.com/office/drawing/2014/main" id="{A3F3AFBE-D385-44B5-BC48-C6D8DFCE02E9}"/>
+                </a:ext>
+              </a:extLst>
+            </p:cNvPr>
+            <p:cNvSpPr/>
+            <p:nvPr/>
+          </p:nvSpPr>
+          <p:spPr>
+            <a:xfrm>
+              <a:off x="2669690" y="5302127"/>
+              <a:ext cx="767422" cy="618916"/>
+            </a:xfrm>
+            <a:prstGeom prst="can">
+              <a:avLst>
+                <a:gd name="adj" fmla="val 22181"/>
+              </a:avLst>
+            </a:prstGeom>
+            <a:ln>
+              <a:solidFill>
+                <a:srgbClr val="5B9BD5"/>
+              </a:solidFill>
+            </a:ln>
+          </p:spPr>
+          <p:style>
+            <a:lnRef idx="2">
+              <a:schemeClr val="accent1"/>
+            </a:lnRef>
+            <a:fillRef idx="1">
+              <a:schemeClr val="lt1"/>
+            </a:fillRef>
+            <a:effectRef idx="0">
+              <a:schemeClr val="accent1"/>
+            </a:effectRef>
+            <a:fontRef idx="minor">
+              <a:schemeClr val="dk1"/>
+            </a:fontRef>
+          </p:style>
+          <p:txBody>
+            <a:bodyPr rtlCol="0" anchor="ctr"/>
+            <a:lstStyle/>
+            <a:p>
+              <a:pPr algn="ctr"/>
+              <a:r>
+                <a:rPr kumimoji="1" lang="en-US" altLang="ja-JP" sz="3200" dirty="0">
+                  <a:latin typeface="ＭＳ Ｐ明朝" panose="02020600040205080304" pitchFamily="18" charset="-128"/>
+                  <a:ea typeface="ＭＳ Ｐ明朝" panose="02020600040205080304" pitchFamily="18" charset="-128"/>
+                </a:rPr>
+                <a:t>.git</a:t>
+              </a:r>
+              <a:endParaRPr kumimoji="1" lang="ja-JP" altLang="en-US" sz="1200" dirty="0">
+                <a:latin typeface="ＭＳ Ｐ明朝" panose="02020600040205080304" pitchFamily="18" charset="-128"/>
+                <a:ea typeface="ＭＳ Ｐ明朝" panose="02020600040205080304" pitchFamily="18" charset="-128"/>
+              </a:endParaRPr>
+            </a:p>
+          </p:txBody>
+        </p:sp>
+        <p:sp>
+          <p:nvSpPr>
+            <p:cNvPr id="34" name="円柱 33">
+              <a:extLst>
+                <a:ext uri="{FF2B5EF4-FFF2-40B4-BE49-F238E27FC236}">
+                  <a16:creationId xmlns:a16="http://schemas.microsoft.com/office/drawing/2014/main" id="{8885E9A5-4CD5-4D82-BAB1-131F05222061}"/>
+                </a:ext>
+              </a:extLst>
+            </p:cNvPr>
+            <p:cNvSpPr/>
+            <p:nvPr/>
+          </p:nvSpPr>
+          <p:spPr>
+            <a:xfrm>
+              <a:off x="2669690" y="5170542"/>
+              <a:ext cx="767422" cy="225480"/>
+            </a:xfrm>
+            <a:prstGeom prst="can">
+              <a:avLst>
+                <a:gd name="adj" fmla="val 50000"/>
+              </a:avLst>
+            </a:prstGeom>
+            <a:ln>
+              <a:solidFill>
+                <a:srgbClr val="5B9BD5"/>
+              </a:solidFill>
+            </a:ln>
+          </p:spPr>
+          <p:style>
+            <a:lnRef idx="1">
+              <a:schemeClr val="accent6"/>
+            </a:lnRef>
+            <a:fillRef idx="2">
+              <a:schemeClr val="accent6"/>
+            </a:fillRef>
+            <a:effectRef idx="1">
+              <a:schemeClr val="accent6"/>
+            </a:effectRef>
+            <a:fontRef idx="minor">
+              <a:schemeClr val="dk1"/>
+            </a:fontRef>
+          </p:style>
+          <p:txBody>
+            <a:bodyPr rtlCol="0" anchor="ctr"/>
+            <a:lstStyle/>
+            <a:p>
+              <a:pPr algn="ctr"/>
+              <a:endParaRPr kumimoji="1" lang="ja-JP" altLang="en-US"/>
+            </a:p>
+          </p:txBody>
+        </p:sp>
+      </p:grpSp>
+      <p:grpSp>
+        <p:nvGrpSpPr>
+          <p:cNvPr id="45" name="グループ化 44">
+            <a:extLst>
+              <a:ext uri="{FF2B5EF4-FFF2-40B4-BE49-F238E27FC236}">
+                <a16:creationId xmlns:a16="http://schemas.microsoft.com/office/drawing/2014/main" id="{B09DE38F-CA77-41F9-889D-0471158471B9}"/>
+              </a:ext>
+            </a:extLst>
+          </p:cNvPr>
+          <p:cNvGrpSpPr/>
+          <p:nvPr/>
+        </p:nvGrpSpPr>
+        <p:grpSpPr>
+          <a:xfrm>
+            <a:off x="6937912" y="3185693"/>
+            <a:ext cx="4122657" cy="4122657"/>
+            <a:chOff x="171006" y="3230832"/>
+            <a:chExt cx="4122657" cy="4122657"/>
+          </a:xfrm>
+        </p:grpSpPr>
+        <p:pic>
+          <p:nvPicPr>
+            <p:cNvPr id="47" name="グラフィックス 46">
+              <a:extLst>
+                <a:ext uri="{FF2B5EF4-FFF2-40B4-BE49-F238E27FC236}">
+                  <a16:creationId xmlns:a16="http://schemas.microsoft.com/office/drawing/2014/main" id="{BEFBA808-7F0E-4624-8765-29EEA3F03C09}"/>
+                </a:ext>
+              </a:extLst>
+            </p:cNvPr>
+            <p:cNvPicPr>
+              <a:picLocks noChangeAspect="1"/>
+            </p:cNvPicPr>
+            <p:nvPr/>
+          </p:nvPicPr>
+          <p:blipFill>
+            <a:blip r:embed="rId5">
+              <a:extLst>
+                <a:ext uri="{28A0092B-C50C-407E-A947-70E740481C1C}">
+                  <a14:useLocalDpi xmlns:a14="http://schemas.microsoft.com/office/drawing/2010/main" val="0"/>
+                </a:ext>
+                <a:ext uri="{96DAC541-7B7A-43D3-8B79-37D633B846F1}">
+                  <asvg:svgBlip xmlns:asvg="http://schemas.microsoft.com/office/drawing/2016/SVG/main" r:embed="rId6"/>
+                </a:ext>
+                <a:ext uri="{837473B0-CC2E-450A-ABE3-18F120FF3D39}">
+                  <a1611:picAttrSrcUrl xmlns:a1611="http://schemas.microsoft.com/office/drawing/2016/11/main" r:id="rId4"/>
+                </a:ext>
+              </a:extLst>
+            </a:blip>
+            <a:stretch>
+              <a:fillRect/>
+            </a:stretch>
+          </p:blipFill>
+          <p:spPr>
+            <a:xfrm>
+              <a:off x="171006" y="3230832"/>
+              <a:ext cx="4122657" cy="4122657"/>
+            </a:xfrm>
+            <a:prstGeom prst="rect">
+              <a:avLst/>
+            </a:prstGeom>
+          </p:spPr>
+        </p:pic>
+        <p:grpSp>
+          <p:nvGrpSpPr>
+            <p:cNvPr id="48" name="グループ化 47">
+              <a:extLst>
+                <a:ext uri="{FF2B5EF4-FFF2-40B4-BE49-F238E27FC236}">
+                  <a16:creationId xmlns:a16="http://schemas.microsoft.com/office/drawing/2014/main" id="{F65D481D-603C-46F8-83ED-0B0975DB705D}"/>
+                </a:ext>
+              </a:extLst>
+            </p:cNvPr>
+            <p:cNvGrpSpPr/>
+            <p:nvPr/>
+          </p:nvGrpSpPr>
+          <p:grpSpPr>
+            <a:xfrm>
+              <a:off x="875624" y="4784723"/>
+              <a:ext cx="1108499" cy="1323754"/>
+              <a:chOff x="1114425" y="1885950"/>
+              <a:chExt cx="1981200" cy="2152650"/>
+            </a:xfrm>
+          </p:grpSpPr>
+          <p:sp>
+            <p:nvSpPr>
+              <p:cNvPr id="63" name="四角形: メモ 62">
+                <a:extLst>
+                  <a:ext uri="{FF2B5EF4-FFF2-40B4-BE49-F238E27FC236}">
+                    <a16:creationId xmlns:a16="http://schemas.microsoft.com/office/drawing/2014/main" id="{232100DD-0AD1-4022-9D80-43D8365DB56A}"/>
+                  </a:ext>
+                </a:extLst>
+              </p:cNvPr>
+              <p:cNvSpPr/>
+              <p:nvPr/>
+            </p:nvSpPr>
+            <p:spPr>
+              <a:xfrm>
+                <a:off x="1114425" y="1885950"/>
+                <a:ext cx="1371600" cy="1543050"/>
+              </a:xfrm>
+              <a:prstGeom prst="foldedCorner">
+                <a:avLst/>
+              </a:prstGeom>
+            </p:spPr>
+            <p:style>
+              <a:lnRef idx="1">
+                <a:schemeClr val="accent3"/>
+              </a:lnRef>
+              <a:fillRef idx="2">
+                <a:schemeClr val="accent3"/>
+              </a:fillRef>
+              <a:effectRef idx="1">
+                <a:schemeClr val="accent3"/>
+              </a:effectRef>
+              <a:fontRef idx="minor">
+                <a:schemeClr val="dk1"/>
+              </a:fontRef>
+            </p:style>
+            <p:txBody>
+              <a:bodyPr rtlCol="0" anchor="ctr"/>
+              <a:lstStyle/>
+              <a:p>
+                <a:pPr algn="ctr"/>
+                <a:r>
+                  <a:rPr kumimoji="1" lang="en-US" altLang="ja-JP" dirty="0"/>
+                  <a:t>Data</a:t>
+                </a:r>
+                <a:r>
+                  <a:rPr lang="en-US" altLang="ja-JP" dirty="0"/>
+                  <a:t>1</a:t>
+                </a:r>
+                <a:endParaRPr kumimoji="1" lang="en-US" altLang="ja-JP" dirty="0"/>
+              </a:p>
+            </p:txBody>
+          </p:sp>
+          <p:sp>
+            <p:nvSpPr>
+              <p:cNvPr id="64" name="四角形: メモ 63">
+                <a:extLst>
+                  <a:ext uri="{FF2B5EF4-FFF2-40B4-BE49-F238E27FC236}">
+                    <a16:creationId xmlns:a16="http://schemas.microsoft.com/office/drawing/2014/main" id="{2B6D1C2D-A6BF-4BB9-AF70-E38EBBBA3CB4}"/>
+                  </a:ext>
+                </a:extLst>
+              </p:cNvPr>
+              <p:cNvSpPr/>
+              <p:nvPr/>
+            </p:nvSpPr>
+            <p:spPr>
+              <a:xfrm>
+                <a:off x="1266825" y="2038350"/>
+                <a:ext cx="1371600" cy="1543050"/>
+              </a:xfrm>
+              <a:prstGeom prst="foldedCorner">
+                <a:avLst/>
+              </a:prstGeom>
+            </p:spPr>
+            <p:style>
+              <a:lnRef idx="1">
+                <a:schemeClr val="accent3"/>
+              </a:lnRef>
+              <a:fillRef idx="2">
+                <a:schemeClr val="accent3"/>
+              </a:fillRef>
+              <a:effectRef idx="1">
+                <a:schemeClr val="accent3"/>
+              </a:effectRef>
+              <a:fontRef idx="minor">
+                <a:schemeClr val="dk1"/>
+              </a:fontRef>
+            </p:style>
+            <p:txBody>
+              <a:bodyPr rtlCol="0" anchor="ctr"/>
+              <a:lstStyle/>
+              <a:p>
+                <a:pPr algn="ctr"/>
+                <a:r>
+                  <a:rPr kumimoji="1" lang="en-US" altLang="ja-JP" dirty="0"/>
+                  <a:t>Data</a:t>
+                </a:r>
+                <a:r>
+                  <a:rPr lang="en-US" altLang="ja-JP" dirty="0"/>
+                  <a:t>1</a:t>
+                </a:r>
+                <a:endParaRPr kumimoji="1" lang="en-US" altLang="ja-JP" dirty="0"/>
+              </a:p>
+            </p:txBody>
+          </p:sp>
+          <p:sp>
+            <p:nvSpPr>
+              <p:cNvPr id="65" name="四角形: メモ 64">
+                <a:extLst>
+                  <a:ext uri="{FF2B5EF4-FFF2-40B4-BE49-F238E27FC236}">
+                    <a16:creationId xmlns:a16="http://schemas.microsoft.com/office/drawing/2014/main" id="{87BC4134-F499-4EBD-81F9-1630A56AE7A5}"/>
+                  </a:ext>
+                </a:extLst>
+              </p:cNvPr>
+              <p:cNvSpPr/>
+              <p:nvPr/>
+            </p:nvSpPr>
+            <p:spPr>
+              <a:xfrm>
+                <a:off x="1419225" y="2190750"/>
+                <a:ext cx="1371600" cy="1543050"/>
+              </a:xfrm>
+              <a:prstGeom prst="foldedCorner">
+                <a:avLst/>
+              </a:prstGeom>
+            </p:spPr>
+            <p:style>
+              <a:lnRef idx="1">
+                <a:schemeClr val="accent3"/>
+              </a:lnRef>
+              <a:fillRef idx="2">
+                <a:schemeClr val="accent3"/>
+              </a:fillRef>
+              <a:effectRef idx="1">
+                <a:schemeClr val="accent3"/>
+              </a:effectRef>
+              <a:fontRef idx="minor">
+                <a:schemeClr val="dk1"/>
+              </a:fontRef>
+            </p:style>
+            <p:txBody>
+              <a:bodyPr rtlCol="0" anchor="ctr"/>
+              <a:lstStyle/>
+              <a:p>
+                <a:pPr algn="ctr"/>
+                <a:r>
+                  <a:rPr kumimoji="1" lang="en-US" altLang="ja-JP" dirty="0"/>
+                  <a:t>Data</a:t>
+                </a:r>
+                <a:r>
+                  <a:rPr lang="en-US" altLang="ja-JP" dirty="0"/>
+                  <a:t>1</a:t>
+                </a:r>
+                <a:endParaRPr kumimoji="1" lang="en-US" altLang="ja-JP" dirty="0"/>
+              </a:p>
+            </p:txBody>
+          </p:sp>
+          <p:sp>
+            <p:nvSpPr>
+              <p:cNvPr id="66" name="四角形: メモ 65">
+                <a:extLst>
+                  <a:ext uri="{FF2B5EF4-FFF2-40B4-BE49-F238E27FC236}">
+                    <a16:creationId xmlns:a16="http://schemas.microsoft.com/office/drawing/2014/main" id="{DBA3D4B0-F0CF-46DB-812D-03491CACCC9C}"/>
+                  </a:ext>
+                </a:extLst>
+              </p:cNvPr>
+              <p:cNvSpPr/>
+              <p:nvPr/>
+            </p:nvSpPr>
+            <p:spPr>
+              <a:xfrm>
+                <a:off x="1571625" y="2343150"/>
+                <a:ext cx="1371600" cy="1543050"/>
+              </a:xfrm>
+              <a:prstGeom prst="foldedCorner">
+                <a:avLst/>
+              </a:prstGeom>
+            </p:spPr>
+            <p:style>
+              <a:lnRef idx="1">
+                <a:schemeClr val="accent3"/>
+              </a:lnRef>
+              <a:fillRef idx="2">
+                <a:schemeClr val="accent3"/>
+              </a:fillRef>
+              <a:effectRef idx="1">
+                <a:schemeClr val="accent3"/>
+              </a:effectRef>
+              <a:fontRef idx="minor">
+                <a:schemeClr val="dk1"/>
+              </a:fontRef>
+            </p:style>
+            <p:txBody>
+              <a:bodyPr rtlCol="0" anchor="ctr"/>
+              <a:lstStyle/>
+              <a:p>
+                <a:pPr algn="ctr"/>
+                <a:r>
+                  <a:rPr kumimoji="1" lang="en-US" altLang="ja-JP" dirty="0"/>
+                  <a:t>Data</a:t>
+                </a:r>
+                <a:r>
+                  <a:rPr lang="en-US" altLang="ja-JP" dirty="0"/>
+                  <a:t>1</a:t>
+                </a:r>
+                <a:endParaRPr kumimoji="1" lang="en-US" altLang="ja-JP" dirty="0"/>
+              </a:p>
+            </p:txBody>
+          </p:sp>
+          <p:sp>
+            <p:nvSpPr>
+              <p:cNvPr id="67" name="四角形: メモ 66">
+                <a:extLst>
+                  <a:ext uri="{FF2B5EF4-FFF2-40B4-BE49-F238E27FC236}">
+                    <a16:creationId xmlns:a16="http://schemas.microsoft.com/office/drawing/2014/main" id="{66C1EC6C-D13A-4752-804D-B4F282021F0F}"/>
+                  </a:ext>
+                </a:extLst>
+              </p:cNvPr>
+              <p:cNvSpPr/>
+              <p:nvPr/>
+            </p:nvSpPr>
+            <p:spPr>
+              <a:xfrm>
+                <a:off x="1724025" y="2495550"/>
+                <a:ext cx="1371600" cy="1543050"/>
+              </a:xfrm>
+              <a:prstGeom prst="foldedCorner">
+                <a:avLst/>
+              </a:prstGeom>
+            </p:spPr>
+            <p:style>
+              <a:lnRef idx="1">
+                <a:schemeClr val="accent3"/>
+              </a:lnRef>
+              <a:fillRef idx="2">
+                <a:schemeClr val="accent3"/>
+              </a:fillRef>
+              <a:effectRef idx="1">
+                <a:schemeClr val="accent3"/>
+              </a:effectRef>
+              <a:fontRef idx="minor">
+                <a:schemeClr val="dk1"/>
+              </a:fontRef>
+            </p:style>
+            <p:txBody>
+              <a:bodyPr rtlCol="0" anchor="ctr"/>
+              <a:lstStyle/>
+              <a:p>
+                <a:pPr algn="ctr"/>
+                <a:r>
+                  <a:rPr kumimoji="1" lang="en-US" altLang="ja-JP" dirty="0"/>
+                  <a:t>Data</a:t>
+                </a:r>
+              </a:p>
+            </p:txBody>
+          </p:sp>
+        </p:grpSp>
+        <p:sp>
+          <p:nvSpPr>
+            <p:cNvPr id="49" name="テキスト ボックス 48">
+              <a:extLst>
+                <a:ext uri="{FF2B5EF4-FFF2-40B4-BE49-F238E27FC236}">
+                  <a16:creationId xmlns:a16="http://schemas.microsoft.com/office/drawing/2014/main" id="{5FDB67B7-9306-446C-9053-C9E2E2E7DA11}"/>
+                </a:ext>
+              </a:extLst>
+            </p:cNvPr>
+            <p:cNvSpPr txBox="1"/>
+            <p:nvPr/>
+          </p:nvSpPr>
+          <p:spPr>
+            <a:xfrm>
+              <a:off x="751517" y="4091534"/>
+              <a:ext cx="1356711" cy="430887"/>
+            </a:xfrm>
+            <a:prstGeom prst="rect">
+              <a:avLst/>
+            </a:prstGeom>
+            <a:noFill/>
+          </p:spPr>
+          <p:txBody>
+            <a:bodyPr wrap="square" rtlCol="0">
+              <a:spAutoFit/>
+            </a:bodyPr>
+            <a:lstStyle/>
+            <a:p>
+              <a:r>
+                <a:rPr kumimoji="1" lang="ja-JP" altLang="en-US" sz="1100" dirty="0"/>
+                <a:t>ローカル</a:t>
+              </a:r>
+              <a:endParaRPr kumimoji="1" lang="en-US" altLang="ja-JP" sz="1100" dirty="0"/>
+            </a:p>
+            <a:p>
+              <a:r>
+                <a:rPr kumimoji="1" lang="ja-JP" altLang="en-US" sz="1100" dirty="0"/>
+                <a:t>リポジトリ</a:t>
+              </a:r>
+            </a:p>
+          </p:txBody>
+        </p:sp>
+        <p:sp>
+          <p:nvSpPr>
+            <p:cNvPr id="53" name="円柱 52">
+              <a:extLst>
+                <a:ext uri="{FF2B5EF4-FFF2-40B4-BE49-F238E27FC236}">
+                  <a16:creationId xmlns:a16="http://schemas.microsoft.com/office/drawing/2014/main" id="{F8AC3878-557B-484B-BCA6-FBE658397F49}"/>
+                </a:ext>
+              </a:extLst>
+            </p:cNvPr>
+            <p:cNvSpPr/>
+            <p:nvPr/>
+          </p:nvSpPr>
+          <p:spPr>
+            <a:xfrm>
+              <a:off x="2669690" y="5302127"/>
+              <a:ext cx="767422" cy="618916"/>
+            </a:xfrm>
+            <a:prstGeom prst="can">
+              <a:avLst>
+                <a:gd name="adj" fmla="val 22181"/>
+              </a:avLst>
+            </a:prstGeom>
+            <a:ln>
+              <a:solidFill>
+                <a:srgbClr val="5B9BD5"/>
+              </a:solidFill>
+            </a:ln>
+          </p:spPr>
+          <p:style>
+            <a:lnRef idx="2">
+              <a:schemeClr val="accent1"/>
+            </a:lnRef>
+            <a:fillRef idx="1">
+              <a:schemeClr val="lt1"/>
+            </a:fillRef>
+            <a:effectRef idx="0">
+              <a:schemeClr val="accent1"/>
+            </a:effectRef>
+            <a:fontRef idx="minor">
+              <a:schemeClr val="dk1"/>
+            </a:fontRef>
+          </p:style>
+          <p:txBody>
+            <a:bodyPr rtlCol="0" anchor="ctr"/>
+            <a:lstStyle/>
+            <a:p>
+              <a:pPr algn="ctr"/>
+              <a:r>
+                <a:rPr kumimoji="1" lang="en-US" altLang="ja-JP" sz="3200" dirty="0">
+                  <a:latin typeface="ＭＳ Ｐ明朝" panose="02020600040205080304" pitchFamily="18" charset="-128"/>
+                  <a:ea typeface="ＭＳ Ｐ明朝" panose="02020600040205080304" pitchFamily="18" charset="-128"/>
+                </a:rPr>
+                <a:t>.git</a:t>
+              </a:r>
+              <a:endParaRPr kumimoji="1" lang="ja-JP" altLang="en-US" sz="1200" dirty="0">
+                <a:latin typeface="ＭＳ Ｐ明朝" panose="02020600040205080304" pitchFamily="18" charset="-128"/>
+                <a:ea typeface="ＭＳ Ｐ明朝" panose="02020600040205080304" pitchFamily="18" charset="-128"/>
+              </a:endParaRPr>
+            </a:p>
+          </p:txBody>
+        </p:sp>
+        <p:sp>
+          <p:nvSpPr>
+            <p:cNvPr id="62" name="円柱 61">
+              <a:extLst>
+                <a:ext uri="{FF2B5EF4-FFF2-40B4-BE49-F238E27FC236}">
+                  <a16:creationId xmlns:a16="http://schemas.microsoft.com/office/drawing/2014/main" id="{AA1BA0E3-1794-4598-A1C7-FF3AF1C3B724}"/>
+                </a:ext>
+              </a:extLst>
+            </p:cNvPr>
+            <p:cNvSpPr/>
+            <p:nvPr/>
+          </p:nvSpPr>
+          <p:spPr>
+            <a:xfrm>
+              <a:off x="2673500" y="5164180"/>
+              <a:ext cx="767422" cy="225480"/>
+            </a:xfrm>
+            <a:prstGeom prst="can">
+              <a:avLst>
+                <a:gd name="adj" fmla="val 50000"/>
+              </a:avLst>
+            </a:prstGeom>
+            <a:ln>
+              <a:solidFill>
+                <a:srgbClr val="5B9BD5"/>
+              </a:solidFill>
+            </a:ln>
+          </p:spPr>
+          <p:style>
+            <a:lnRef idx="2">
+              <a:schemeClr val="accent1">
+                <a:shade val="50000"/>
+              </a:schemeClr>
+            </a:lnRef>
+            <a:fillRef idx="1">
+              <a:schemeClr val="accent1"/>
+            </a:fillRef>
+            <a:effectRef idx="0">
+              <a:schemeClr val="accent1"/>
+            </a:effectRef>
+            <a:fontRef idx="minor">
+              <a:schemeClr val="lt1"/>
+            </a:fontRef>
+          </p:style>
+          <p:txBody>
+            <a:bodyPr rtlCol="0" anchor="ctr"/>
+            <a:lstStyle/>
+            <a:p>
+              <a:pPr algn="ctr"/>
+              <a:endParaRPr kumimoji="1" lang="ja-JP" altLang="en-US"/>
+            </a:p>
+          </p:txBody>
+        </p:sp>
+      </p:grpSp>
+      <p:sp>
+        <p:nvSpPr>
+          <p:cNvPr id="68" name="矢印: 上下 67">
+            <a:extLst>
+              <a:ext uri="{FF2B5EF4-FFF2-40B4-BE49-F238E27FC236}">
+                <a16:creationId xmlns:a16="http://schemas.microsoft.com/office/drawing/2014/main" id="{C55A2204-3DAB-4878-9B93-C2906E6269C3}"/>
+              </a:ext>
+            </a:extLst>
+          </p:cNvPr>
+          <p:cNvSpPr/>
+          <p:nvPr/>
+        </p:nvSpPr>
+        <p:spPr>
+          <a:xfrm rot="10800000">
+            <a:off x="8783256" y="3141556"/>
+            <a:ext cx="550415" cy="910207"/>
+          </a:xfrm>
+          <a:prstGeom prst="upDownArrow">
+            <a:avLst/>
+          </a:prstGeom>
+        </p:spPr>
+        <p:style>
+          <a:lnRef idx="2">
+            <a:schemeClr val="accent1">
+              <a:shade val="50000"/>
+            </a:schemeClr>
+          </a:lnRef>
+          <a:fillRef idx="1">
+            <a:schemeClr val="accent1"/>
+          </a:fillRef>
+          <a:effectRef idx="0">
+            <a:schemeClr val="accent1"/>
+          </a:effectRef>
+          <a:fontRef idx="minor">
+            <a:schemeClr val="lt1"/>
+          </a:fontRef>
+        </p:style>
+        <p:txBody>
+          <a:bodyPr rtlCol="0" anchor="ctr"/>
+          <a:lstStyle/>
+          <a:p>
+            <a:pPr algn="ctr"/>
+            <a:endParaRPr kumimoji="1" lang="ja-JP" altLang="en-US"/>
+          </a:p>
+        </p:txBody>
+      </p:sp>
+      <p:sp>
+        <p:nvSpPr>
+          <p:cNvPr id="70" name="矢印: 右 69">
+            <a:extLst>
+              <a:ext uri="{FF2B5EF4-FFF2-40B4-BE49-F238E27FC236}">
+                <a16:creationId xmlns:a16="http://schemas.microsoft.com/office/drawing/2014/main" id="{41F0D8B3-590F-4350-9FFA-A6047292CA7A}"/>
+              </a:ext>
+            </a:extLst>
+          </p:cNvPr>
+          <p:cNvSpPr/>
+          <p:nvPr/>
+        </p:nvSpPr>
+        <p:spPr>
+          <a:xfrm flipH="1">
+            <a:off x="5154520" y="1569382"/>
+            <a:ext cx="1479075" cy="480927"/>
+          </a:xfrm>
+          <a:prstGeom prst="rightArrow">
+            <a:avLst/>
+          </a:prstGeom>
+        </p:spPr>
+        <p:style>
+          <a:lnRef idx="2">
+            <a:schemeClr val="accent1">
+              <a:shade val="50000"/>
+            </a:schemeClr>
+          </a:lnRef>
+          <a:fillRef idx="1">
+            <a:schemeClr val="accent1"/>
+          </a:fillRef>
+          <a:effectRef idx="0">
+            <a:schemeClr val="accent1"/>
+          </a:effectRef>
+          <a:fontRef idx="minor">
+            <a:schemeClr val="lt1"/>
+          </a:fontRef>
+        </p:style>
+        <p:txBody>
+          <a:bodyPr rtlCol="0" anchor="ctr"/>
+          <a:lstStyle/>
+          <a:p>
+            <a:pPr algn="ctr"/>
+            <a:endParaRPr kumimoji="1" lang="ja-JP" altLang="en-US" dirty="0"/>
+          </a:p>
+        </p:txBody>
+      </p:sp>
+      <p:sp>
+        <p:nvSpPr>
+          <p:cNvPr id="71" name="正方形/長方形 70">
+            <a:extLst>
+              <a:ext uri="{FF2B5EF4-FFF2-40B4-BE49-F238E27FC236}">
+                <a16:creationId xmlns:a16="http://schemas.microsoft.com/office/drawing/2014/main" id="{B2AD5726-8519-4B3E-88E9-28A7741F8E2F}"/>
+              </a:ext>
+            </a:extLst>
+          </p:cNvPr>
+          <p:cNvSpPr/>
+          <p:nvPr/>
+        </p:nvSpPr>
+        <p:spPr>
+          <a:xfrm>
+            <a:off x="4712673" y="1908086"/>
+            <a:ext cx="2281394" cy="1446550"/>
+          </a:xfrm>
+          <a:prstGeom prst="rect">
+            <a:avLst/>
+          </a:prstGeom>
+          <a:noFill/>
+        </p:spPr>
+        <p:txBody>
+          <a:bodyPr wrap="none" lIns="91440" tIns="45720" rIns="91440" bIns="45720">
+            <a:spAutoFit/>
+          </a:bodyPr>
+          <a:lstStyle/>
+          <a:p>
+            <a:pPr algn="ctr"/>
+            <a:r>
+              <a:rPr lang="en-US" altLang="ja-JP" sz="4400" b="1" dirty="0">
+                <a:ln w="0"/>
+                <a:solidFill>
+                  <a:srgbClr val="FF0000"/>
+                </a:solidFill>
+                <a:effectLst>
+                  <a:outerShdw blurRad="38100" dist="19050" dir="2700000" algn="tl" rotWithShape="0">
+                    <a:schemeClr val="dk1">
+                      <a:alpha val="40000"/>
+                    </a:schemeClr>
+                  </a:outerShdw>
+                </a:effectLst>
+              </a:rPr>
+              <a:t>pull</a:t>
+            </a:r>
+          </a:p>
+          <a:p>
+            <a:pPr algn="ctr"/>
+            <a:r>
+              <a:rPr lang="en-US" altLang="ja-JP" sz="4400" b="1" dirty="0">
+                <a:ln w="0"/>
+                <a:solidFill>
+                  <a:srgbClr val="FF0000"/>
+                </a:solidFill>
+                <a:effectLst>
+                  <a:outerShdw blurRad="38100" dist="19050" dir="2700000" algn="tl" rotWithShape="0">
+                    <a:schemeClr val="dk1">
+                      <a:alpha val="40000"/>
+                    </a:schemeClr>
+                  </a:outerShdw>
+                </a:effectLst>
+              </a:rPr>
+              <a:t>request</a:t>
+            </a:r>
+          </a:p>
+        </p:txBody>
+      </p:sp>
+      <p:sp>
+        <p:nvSpPr>
+          <p:cNvPr id="72" name="矢印: 上下 71">
+            <a:extLst>
+              <a:ext uri="{FF2B5EF4-FFF2-40B4-BE49-F238E27FC236}">
+                <a16:creationId xmlns:a16="http://schemas.microsoft.com/office/drawing/2014/main" id="{FF97A868-55C3-4CF7-ABE7-A81BE7B96706}"/>
+              </a:ext>
+            </a:extLst>
+          </p:cNvPr>
+          <p:cNvSpPr/>
+          <p:nvPr/>
+        </p:nvSpPr>
+        <p:spPr>
+          <a:xfrm rot="14148860">
+            <a:off x="6246940" y="2150152"/>
+            <a:ext cx="550415" cy="4554265"/>
+          </a:xfrm>
+          <a:prstGeom prst="upDownArrow">
+            <a:avLst/>
+          </a:prstGeom>
+        </p:spPr>
+        <p:style>
+          <a:lnRef idx="2">
+            <a:schemeClr val="accent1">
+              <a:shade val="50000"/>
+            </a:schemeClr>
+          </a:lnRef>
+          <a:fillRef idx="1">
+            <a:schemeClr val="accent1"/>
+          </a:fillRef>
+          <a:effectRef idx="0">
+            <a:schemeClr val="accent1"/>
+          </a:effectRef>
+          <a:fontRef idx="minor">
+            <a:schemeClr val="lt1"/>
+          </a:fontRef>
+        </p:style>
+        <p:txBody>
+          <a:bodyPr rtlCol="0" anchor="ctr"/>
+          <a:lstStyle/>
+          <a:p>
+            <a:pPr algn="ctr"/>
+            <a:endParaRPr kumimoji="1" lang="ja-JP" altLang="en-US"/>
+          </a:p>
+        </p:txBody>
+      </p:sp>
+    </p:spTree>
+    <p:extLst>
+      <p:ext uri="{BB962C8B-B14F-4D97-AF65-F5344CB8AC3E}">
+        <p14:creationId xmlns:p14="http://schemas.microsoft.com/office/powerpoint/2010/main" val="4219225911"/>
+      </p:ext>
+    </p:extLst>
+  </p:cSld>
+  <p:clrMapOvr>
+    <a:masterClrMapping/>
+  </p:clrMapOvr>
+</p:sld>
+</file>
+
+<file path=ppt/slides/slide25.xml><?xml version="1.0" encoding="utf-8"?>
 <p:sld xmlns:a="http://schemas.openxmlformats.org/drawingml/2006/main" xmlns:r="http://schemas.openxmlformats.org/officeDocument/2006/relationships" xmlns:p="http://schemas.openxmlformats.org/presentationml/2006/main">
   <p:cSld>
     <p:spTree>
@@ -19640,7 +21841,7 @@
 </p:sld>
 </file>
 
-<file path=ppt/slides/slide25.xml><?xml version="1.0" encoding="utf-8"?>
+<file path=ppt/slides/slide26.xml><?xml version="1.0" encoding="utf-8"?>
 <p:sld xmlns:a="http://schemas.openxmlformats.org/drawingml/2006/main" xmlns:r="http://schemas.openxmlformats.org/officeDocument/2006/relationships" xmlns:p="http://schemas.openxmlformats.org/presentationml/2006/main">
   <p:cSld>
     <p:spTree>
@@ -20894,7 +23095,7 @@
 </p:sld>
 </file>
 
-<file path=ppt/slides/slide26.xml><?xml version="1.0" encoding="utf-8"?>
+<file path=ppt/slides/slide27.xml><?xml version="1.0" encoding="utf-8"?>
 <p:sld xmlns:a="http://schemas.openxmlformats.org/drawingml/2006/main" xmlns:r="http://schemas.openxmlformats.org/officeDocument/2006/relationships" xmlns:p="http://schemas.openxmlformats.org/presentationml/2006/main">
   <p:cSld>
     <p:spTree>
@@ -21663,7 +23864,7 @@
         </p:nvSpPr>
         <p:spPr>
           <a:xfrm>
-            <a:off x="4743991" y="3281695"/>
+            <a:off x="4822949" y="3429202"/>
             <a:ext cx="1356711" cy="646331"/>
           </a:xfrm>
           <a:prstGeom prst="rect">
@@ -22755,7 +24956,7 @@
 </p:sld>
 </file>
 
-<file path=ppt/slides/slide27.xml><?xml version="1.0" encoding="utf-8"?>
+<file path=ppt/slides/slide28.xml><?xml version="1.0" encoding="utf-8"?>
 <p:sld xmlns:a="http://schemas.openxmlformats.org/drawingml/2006/main" xmlns:r="http://schemas.openxmlformats.org/officeDocument/2006/relationships" xmlns:p="http://schemas.openxmlformats.org/presentationml/2006/main">
   <p:cSld>
     <p:spTree>
@@ -22785,7 +24986,7 @@
 </p:sld>
 </file>
 
-<file path=ppt/slides/slide28.xml><?xml version="1.0" encoding="utf-8"?>
+<file path=ppt/slides/slide29.xml><?xml version="1.0" encoding="utf-8"?>
 <p:sld xmlns:a="http://schemas.openxmlformats.org/drawingml/2006/main" xmlns:r="http://schemas.openxmlformats.org/officeDocument/2006/relationships" xmlns:p="http://schemas.openxmlformats.org/presentationml/2006/main">
   <p:cSld>
     <p:spTree>

--- a/git.pptx
+++ b/git.pptx
@@ -225,7 +225,7 @@
           <a:p>
             <a:fld id="{5A9F418B-0140-4310-BA49-772FC976711C}" type="datetimeFigureOut">
               <a:rPr kumimoji="1" lang="ja-JP" altLang="en-US" smtClean="0"/>
-              <a:t>2021/3/12</a:t>
+              <a:t>2021/3/13</a:t>
             </a:fld>
             <a:endParaRPr kumimoji="1" lang="ja-JP" altLang="en-US"/>
           </a:p>
@@ -1404,7 +1404,7 @@
           <a:p>
             <a:fld id="{AFD9E5B9-C74C-429A-A168-2B01F5C2C194}" type="datetimeFigureOut">
               <a:rPr kumimoji="1" lang="ja-JP" altLang="en-US" smtClean="0"/>
-              <a:t>2021/3/12</a:t>
+              <a:t>2021/3/13</a:t>
             </a:fld>
             <a:endParaRPr kumimoji="1" lang="ja-JP" altLang="en-US"/>
           </a:p>
@@ -1634,7 +1634,7 @@
           <a:p>
             <a:fld id="{AFD9E5B9-C74C-429A-A168-2B01F5C2C194}" type="datetimeFigureOut">
               <a:rPr kumimoji="1" lang="ja-JP" altLang="en-US" smtClean="0"/>
-              <a:t>2021/3/12</a:t>
+              <a:t>2021/3/13</a:t>
             </a:fld>
             <a:endParaRPr kumimoji="1" lang="ja-JP" altLang="en-US"/>
           </a:p>
@@ -1874,7 +1874,7 @@
           <a:p>
             <a:fld id="{AFD9E5B9-C74C-429A-A168-2B01F5C2C194}" type="datetimeFigureOut">
               <a:rPr kumimoji="1" lang="ja-JP" altLang="en-US" smtClean="0"/>
-              <a:t>2021/3/12</a:t>
+              <a:t>2021/3/13</a:t>
             </a:fld>
             <a:endParaRPr kumimoji="1" lang="ja-JP" altLang="en-US"/>
           </a:p>
@@ -2104,7 +2104,7 @@
           <a:p>
             <a:fld id="{AFD9E5B9-C74C-429A-A168-2B01F5C2C194}" type="datetimeFigureOut">
               <a:rPr kumimoji="1" lang="ja-JP" altLang="en-US" smtClean="0"/>
-              <a:t>2021/3/12</a:t>
+              <a:t>2021/3/13</a:t>
             </a:fld>
             <a:endParaRPr kumimoji="1" lang="ja-JP" altLang="en-US"/>
           </a:p>
@@ -2379,7 +2379,7 @@
           <a:p>
             <a:fld id="{AFD9E5B9-C74C-429A-A168-2B01F5C2C194}" type="datetimeFigureOut">
               <a:rPr kumimoji="1" lang="ja-JP" altLang="en-US" smtClean="0"/>
-              <a:t>2021/3/12</a:t>
+              <a:t>2021/3/13</a:t>
             </a:fld>
             <a:endParaRPr kumimoji="1" lang="ja-JP" altLang="en-US"/>
           </a:p>
@@ -2708,7 +2708,7 @@
           <a:p>
             <a:fld id="{AFD9E5B9-C74C-429A-A168-2B01F5C2C194}" type="datetimeFigureOut">
               <a:rPr kumimoji="1" lang="ja-JP" altLang="en-US" smtClean="0"/>
-              <a:t>2021/3/12</a:t>
+              <a:t>2021/3/13</a:t>
             </a:fld>
             <a:endParaRPr kumimoji="1" lang="ja-JP" altLang="en-US"/>
           </a:p>
@@ -3184,7 +3184,7 @@
           <a:p>
             <a:fld id="{AFD9E5B9-C74C-429A-A168-2B01F5C2C194}" type="datetimeFigureOut">
               <a:rPr kumimoji="1" lang="ja-JP" altLang="en-US" smtClean="0"/>
-              <a:t>2021/3/12</a:t>
+              <a:t>2021/3/13</a:t>
             </a:fld>
             <a:endParaRPr kumimoji="1" lang="ja-JP" altLang="en-US"/>
           </a:p>
@@ -3325,7 +3325,7 @@
           <a:p>
             <a:fld id="{AFD9E5B9-C74C-429A-A168-2B01F5C2C194}" type="datetimeFigureOut">
               <a:rPr kumimoji="1" lang="ja-JP" altLang="en-US" smtClean="0"/>
-              <a:t>2021/3/12</a:t>
+              <a:t>2021/3/13</a:t>
             </a:fld>
             <a:endParaRPr kumimoji="1" lang="ja-JP" altLang="en-US"/>
           </a:p>
@@ -3438,7 +3438,7 @@
           <a:p>
             <a:fld id="{AFD9E5B9-C74C-429A-A168-2B01F5C2C194}" type="datetimeFigureOut">
               <a:rPr kumimoji="1" lang="ja-JP" altLang="en-US" smtClean="0"/>
-              <a:t>2021/3/12</a:t>
+              <a:t>2021/3/13</a:t>
             </a:fld>
             <a:endParaRPr kumimoji="1" lang="ja-JP" altLang="en-US"/>
           </a:p>
@@ -3781,7 +3781,7 @@
           <a:p>
             <a:fld id="{AFD9E5B9-C74C-429A-A168-2B01F5C2C194}" type="datetimeFigureOut">
               <a:rPr kumimoji="1" lang="ja-JP" altLang="en-US" smtClean="0"/>
-              <a:t>2021/3/12</a:t>
+              <a:t>2021/3/13</a:t>
             </a:fld>
             <a:endParaRPr kumimoji="1" lang="ja-JP" altLang="en-US"/>
           </a:p>
@@ -4069,7 +4069,7 @@
           <a:p>
             <a:fld id="{AFD9E5B9-C74C-429A-A168-2B01F5C2C194}" type="datetimeFigureOut">
               <a:rPr kumimoji="1" lang="ja-JP" altLang="en-US" smtClean="0"/>
-              <a:t>2021/3/12</a:t>
+              <a:t>2021/3/13</a:t>
             </a:fld>
             <a:endParaRPr kumimoji="1" lang="ja-JP" altLang="en-US"/>
           </a:p>
@@ -4342,7 +4342,7 @@
           <a:p>
             <a:fld id="{AFD9E5B9-C74C-429A-A168-2B01F5C2C194}" type="datetimeFigureOut">
               <a:rPr kumimoji="1" lang="ja-JP" altLang="en-US" smtClean="0"/>
-              <a:t>2021/3/12</a:t>
+              <a:t>2021/3/13</a:t>
             </a:fld>
             <a:endParaRPr kumimoji="1" lang="ja-JP" altLang="en-US"/>
           </a:p>

--- a/git.pptx
+++ b/git.pptx
@@ -5,38 +5,40 @@
     <p:sldMasterId id="2147483648" r:id="rId1"/>
   </p:sldMasterIdLst>
   <p:notesMasterIdLst>
-    <p:notesMasterId r:id="rId31"/>
+    <p:notesMasterId r:id="rId33"/>
   </p:notesMasterIdLst>
   <p:sldIdLst>
     <p:sldId id="256" r:id="rId2"/>
     <p:sldId id="271" r:id="rId3"/>
     <p:sldId id="277" r:id="rId4"/>
     <p:sldId id="257" r:id="rId5"/>
-    <p:sldId id="273" r:id="rId6"/>
-    <p:sldId id="261" r:id="rId7"/>
-    <p:sldId id="267" r:id="rId8"/>
-    <p:sldId id="258" r:id="rId9"/>
-    <p:sldId id="264" r:id="rId10"/>
-    <p:sldId id="274" r:id="rId11"/>
-    <p:sldId id="276" r:id="rId12"/>
-    <p:sldId id="278" r:id="rId13"/>
-    <p:sldId id="275" r:id="rId14"/>
-    <p:sldId id="259" r:id="rId15"/>
-    <p:sldId id="263" r:id="rId16"/>
-    <p:sldId id="279" r:id="rId17"/>
-    <p:sldId id="280" r:id="rId18"/>
-    <p:sldId id="281" r:id="rId19"/>
-    <p:sldId id="282" r:id="rId20"/>
-    <p:sldId id="262" r:id="rId21"/>
-    <p:sldId id="269" r:id="rId22"/>
-    <p:sldId id="284" r:id="rId23"/>
-    <p:sldId id="283" r:id="rId24"/>
-    <p:sldId id="285" r:id="rId25"/>
-    <p:sldId id="266" r:id="rId26"/>
-    <p:sldId id="270" r:id="rId27"/>
-    <p:sldId id="272" r:id="rId28"/>
-    <p:sldId id="268" r:id="rId29"/>
-    <p:sldId id="260" r:id="rId30"/>
+    <p:sldId id="286" r:id="rId6"/>
+    <p:sldId id="273" r:id="rId7"/>
+    <p:sldId id="287" r:id="rId8"/>
+    <p:sldId id="261" r:id="rId9"/>
+    <p:sldId id="267" r:id="rId10"/>
+    <p:sldId id="258" r:id="rId11"/>
+    <p:sldId id="264" r:id="rId12"/>
+    <p:sldId id="274" r:id="rId13"/>
+    <p:sldId id="276" r:id="rId14"/>
+    <p:sldId id="278" r:id="rId15"/>
+    <p:sldId id="275" r:id="rId16"/>
+    <p:sldId id="259" r:id="rId17"/>
+    <p:sldId id="263" r:id="rId18"/>
+    <p:sldId id="279" r:id="rId19"/>
+    <p:sldId id="280" r:id="rId20"/>
+    <p:sldId id="281" r:id="rId21"/>
+    <p:sldId id="282" r:id="rId22"/>
+    <p:sldId id="262" r:id="rId23"/>
+    <p:sldId id="269" r:id="rId24"/>
+    <p:sldId id="284" r:id="rId25"/>
+    <p:sldId id="283" r:id="rId26"/>
+    <p:sldId id="285" r:id="rId27"/>
+    <p:sldId id="266" r:id="rId28"/>
+    <p:sldId id="270" r:id="rId29"/>
+    <p:sldId id="272" r:id="rId30"/>
+    <p:sldId id="268" r:id="rId31"/>
+    <p:sldId id="260" r:id="rId32"/>
   </p:sldIdLst>
   <p:sldSz cx="12192000" cy="6858000"/>
   <p:notesSz cx="6858000" cy="9144000"/>
@@ -225,7 +227,7 @@
           <a:p>
             <a:fld id="{5A9F418B-0140-4310-BA49-772FC976711C}" type="datetimeFigureOut">
               <a:rPr kumimoji="1" lang="ja-JP" altLang="en-US" smtClean="0"/>
-              <a:t>2021/3/13</a:t>
+              <a:t>2021/6/13</a:t>
             </a:fld>
             <a:endParaRPr kumimoji="1" lang="ja-JP" altLang="en-US"/>
           </a:p>
@@ -570,9 +572,8 @@
           <a:p>
             <a:r>
               <a:rPr kumimoji="1" lang="ja-JP" altLang="en-US" dirty="0"/>
-              <a:t>ステージングはステージに置く、インデックスに置く、ステージングに置くなど様々な表現をされる</a:t>
-            </a:r>
-            <a:endParaRPr kumimoji="1" lang="en-US" altLang="ja-JP" dirty="0"/>
+              <a:t>リポジトリは倉庫という意味</a:t>
+            </a:r>
           </a:p>
         </p:txBody>
       </p:sp>
@@ -593,7 +594,7 @@
           <a:p>
             <a:fld id="{E690B67D-0EEB-420D-B242-C4B71FCC5D18}" type="slidenum">
               <a:rPr kumimoji="1" lang="ja-JP" altLang="en-US" smtClean="0"/>
-              <a:t>5</a:t>
+              <a:t>4</a:t>
             </a:fld>
             <a:endParaRPr kumimoji="1" lang="ja-JP" altLang="en-US"/>
           </a:p>
@@ -602,7 +603,91 @@
     </p:spTree>
     <p:extLst>
       <p:ext uri="{BB962C8B-B14F-4D97-AF65-F5344CB8AC3E}">
-        <p14:creationId xmlns:p14="http://schemas.microsoft.com/office/powerpoint/2010/main" val="2459438442"/>
+        <p14:creationId xmlns:p14="http://schemas.microsoft.com/office/powerpoint/2010/main" val="2706594192"/>
+      </p:ext>
+    </p:extLst>
+  </p:cSld>
+  <p:clrMapOvr>
+    <a:masterClrMapping/>
+  </p:clrMapOvr>
+</p:notes>
+</file>
+
+<file path=ppt/notesSlides/notesSlide10.xml><?xml version="1.0" encoding="utf-8"?>
+<p:notes xmlns:a="http://schemas.openxmlformats.org/drawingml/2006/main" xmlns:r="http://schemas.openxmlformats.org/officeDocument/2006/relationships" xmlns:p="http://schemas.openxmlformats.org/presentationml/2006/main">
+  <p:cSld>
+    <p:spTree>
+      <p:nvGrpSpPr>
+        <p:cNvPr id="1" name=""/>
+        <p:cNvGrpSpPr/>
+        <p:nvPr/>
+      </p:nvGrpSpPr>
+      <p:grpSpPr>
+        <a:xfrm>
+          <a:off x="0" y="0"/>
+          <a:ext cx="0" cy="0"/>
+          <a:chOff x="0" y="0"/>
+          <a:chExt cx="0" cy="0"/>
+        </a:xfrm>
+      </p:grpSpPr>
+      <p:sp>
+        <p:nvSpPr>
+          <p:cNvPr id="2" name="スライド イメージ プレースホルダー 1"/>
+          <p:cNvSpPr>
+            <a:spLocks noGrp="1" noRot="1" noChangeAspect="1"/>
+          </p:cNvSpPr>
+          <p:nvPr>
+            <p:ph type="sldImg"/>
+          </p:nvPr>
+        </p:nvSpPr>
+        <p:spPr/>
+      </p:sp>
+      <p:sp>
+        <p:nvSpPr>
+          <p:cNvPr id="3" name="ノート プレースホルダー 2"/>
+          <p:cNvSpPr>
+            <a:spLocks noGrp="1"/>
+          </p:cNvSpPr>
+          <p:nvPr>
+            <p:ph type="body" idx="1"/>
+          </p:nvPr>
+        </p:nvSpPr>
+        <p:spPr/>
+        <p:txBody>
+          <a:bodyPr/>
+          <a:lstStyle/>
+          <a:p>
+            <a:endParaRPr kumimoji="1" lang="ja-JP" altLang="en-US" dirty="0"/>
+          </a:p>
+        </p:txBody>
+      </p:sp>
+      <p:sp>
+        <p:nvSpPr>
+          <p:cNvPr id="4" name="スライド番号プレースホルダー 3"/>
+          <p:cNvSpPr>
+            <a:spLocks noGrp="1"/>
+          </p:cNvSpPr>
+          <p:nvPr>
+            <p:ph type="sldNum" sz="quarter" idx="5"/>
+          </p:nvPr>
+        </p:nvSpPr>
+        <p:spPr/>
+        <p:txBody>
+          <a:bodyPr/>
+          <a:lstStyle/>
+          <a:p>
+            <a:fld id="{E690B67D-0EEB-420D-B242-C4B71FCC5D18}" type="slidenum">
+              <a:rPr kumimoji="1" lang="ja-JP" altLang="en-US" smtClean="0"/>
+              <a:t>29</a:t>
+            </a:fld>
+            <a:endParaRPr kumimoji="1" lang="ja-JP" altLang="en-US"/>
+          </a:p>
+        </p:txBody>
+      </p:sp>
+    </p:spTree>
+    <p:extLst>
+      <p:ext uri="{BB962C8B-B14F-4D97-AF65-F5344CB8AC3E}">
+        <p14:creationId xmlns:p14="http://schemas.microsoft.com/office/powerpoint/2010/main" val="594649488"/>
       </p:ext>
     </p:extLst>
   </p:cSld>
@@ -677,7 +762,7 @@
           <a:p>
             <a:fld id="{E690B67D-0EEB-420D-B242-C4B71FCC5D18}" type="slidenum">
               <a:rPr kumimoji="1" lang="ja-JP" altLang="en-US" smtClean="0"/>
-              <a:t>6</a:t>
+              <a:t>5</a:t>
             </a:fld>
             <a:endParaRPr kumimoji="1" lang="ja-JP" altLang="en-US"/>
           </a:p>
@@ -686,7 +771,7 @@
     </p:spTree>
     <p:extLst>
       <p:ext uri="{BB962C8B-B14F-4D97-AF65-F5344CB8AC3E}">
-        <p14:creationId xmlns:p14="http://schemas.microsoft.com/office/powerpoint/2010/main" val="632356811"/>
+        <p14:creationId xmlns:p14="http://schemas.microsoft.com/office/powerpoint/2010/main" val="4265507527"/>
       </p:ext>
     </p:extLst>
   </p:cSld>
@@ -741,53 +826,18 @@
           <a:lstStyle/>
           <a:p>
             <a:r>
+              <a:rPr kumimoji="1" lang="ja-JP" altLang="en-US" dirty="0"/>
+              <a:t>ステージングはステージに置く、インデックスに置く、ステージングする</a:t>
+            </a:r>
+            <a:r>
               <a:rPr kumimoji="1" lang="en-US" altLang="ja-JP" dirty="0"/>
-              <a:t>Hash</a:t>
+              <a:t>,add</a:t>
             </a:r>
             <a:r>
               <a:rPr kumimoji="1" lang="ja-JP" altLang="en-US" dirty="0"/>
-              <a:t>値は　</a:t>
-            </a:r>
-            <a:r>
-              <a:rPr kumimoji="1" lang="en-US" altLang="ja-JP" dirty="0"/>
-              <a:t>“commit&lt;</a:t>
-            </a:r>
-            <a:r>
-              <a:rPr kumimoji="1" lang="ja-JP" altLang="en-US" dirty="0"/>
-              <a:t>半角スペース</a:t>
-            </a:r>
-            <a:r>
-              <a:rPr kumimoji="1" lang="en-US" altLang="ja-JP" dirty="0"/>
-              <a:t>&gt;&lt;</a:t>
-            </a:r>
-            <a:r>
-              <a:rPr kumimoji="1" lang="ja-JP" altLang="en-US" dirty="0"/>
-              <a:t>ファイルサイズ</a:t>
-            </a:r>
-            <a:r>
-              <a:rPr kumimoji="1" lang="en-US" altLang="ja-JP" dirty="0"/>
-              <a:t>&gt;\0&lt;</a:t>
-            </a:r>
-            <a:r>
-              <a:rPr kumimoji="1" lang="ja-JP" altLang="en-US" dirty="0"/>
-              <a:t>ファイル内容</a:t>
-            </a:r>
-            <a:r>
-              <a:rPr kumimoji="1" lang="en-US" altLang="ja-JP" dirty="0"/>
-              <a:t>&gt;”</a:t>
-            </a:r>
-            <a:r>
-              <a:rPr kumimoji="1" lang="ja-JP" altLang="en-US" dirty="0"/>
-              <a:t>の</a:t>
-            </a:r>
-            <a:r>
-              <a:rPr kumimoji="1" lang="en-US" altLang="ja-JP" dirty="0"/>
-              <a:t>SHA1</a:t>
-            </a:r>
-            <a:r>
-              <a:rPr kumimoji="1" lang="ja-JP" altLang="en-US" dirty="0"/>
-              <a:t>によるハッシュ変換で生成されている</a:t>
-            </a:r>
+              <a:t>する など様々な表現をされる</a:t>
+            </a:r>
+            <a:endParaRPr kumimoji="1" lang="en-US" altLang="ja-JP" dirty="0"/>
           </a:p>
         </p:txBody>
       </p:sp>
@@ -808,7 +858,7 @@
           <a:p>
             <a:fld id="{E690B67D-0EEB-420D-B242-C4B71FCC5D18}" type="slidenum">
               <a:rPr kumimoji="1" lang="ja-JP" altLang="en-US" smtClean="0"/>
-              <a:t>7</a:t>
+              <a:t>6</a:t>
             </a:fld>
             <a:endParaRPr kumimoji="1" lang="ja-JP" altLang="en-US"/>
           </a:p>
@@ -817,7 +867,7 @@
     </p:spTree>
     <p:extLst>
       <p:ext uri="{BB962C8B-B14F-4D97-AF65-F5344CB8AC3E}">
-        <p14:creationId xmlns:p14="http://schemas.microsoft.com/office/powerpoint/2010/main" val="948659402"/>
+        <p14:creationId xmlns:p14="http://schemas.microsoft.com/office/powerpoint/2010/main" val="2459438442"/>
       </p:ext>
     </p:extLst>
   </p:cSld>
@@ -871,18 +921,7 @@
           <a:bodyPr/>
           <a:lstStyle/>
           <a:p>
-            <a:r>
-              <a:rPr kumimoji="1" lang="en-US" altLang="ja-JP" dirty="0"/>
-              <a:t>git status –s </a:t>
-            </a:r>
-            <a:r>
-              <a:rPr kumimoji="1" lang="ja-JP" altLang="en-US" dirty="0"/>
-              <a:t>でそれぞれ３つの区分情報を消して表示させることができる</a:t>
-            </a:r>
             <a:endParaRPr kumimoji="1" lang="en-US" altLang="ja-JP" dirty="0"/>
-          </a:p>
-          <a:p>
-            <a:endParaRPr kumimoji="1" lang="ja-JP" altLang="en-US" dirty="0"/>
           </a:p>
         </p:txBody>
       </p:sp>
@@ -903,7 +942,7 @@
           <a:p>
             <a:fld id="{E690B67D-0EEB-420D-B242-C4B71FCC5D18}" type="slidenum">
               <a:rPr kumimoji="1" lang="ja-JP" altLang="en-US" smtClean="0"/>
-              <a:t>11</a:t>
+              <a:t>7</a:t>
             </a:fld>
             <a:endParaRPr kumimoji="1" lang="ja-JP" altLang="en-US"/>
           </a:p>
@@ -912,7 +951,7 @@
     </p:spTree>
     <p:extLst>
       <p:ext uri="{BB962C8B-B14F-4D97-AF65-F5344CB8AC3E}">
-        <p14:creationId xmlns:p14="http://schemas.microsoft.com/office/powerpoint/2010/main" val="3448712264"/>
+        <p14:creationId xmlns:p14="http://schemas.microsoft.com/office/powerpoint/2010/main" val="87821489"/>
       </p:ext>
     </p:extLst>
   </p:cSld>
@@ -966,89 +1005,6 @@
           <a:bodyPr/>
           <a:lstStyle/>
           <a:p>
-            <a:r>
-              <a:rPr lang="en-US" altLang="ja-JP" dirty="0"/>
-              <a:t>HEAD</a:t>
-            </a:r>
-            <a:r>
-              <a:rPr lang="ja-JP" altLang="en-US" dirty="0"/>
-              <a:t>は現在のコミットハッシュを意味している。</a:t>
-            </a:r>
-            <a:r>
-              <a:rPr lang="en-US" altLang="ja-JP" dirty="0"/>
-              <a:t>HEAD^</a:t>
-            </a:r>
-            <a:r>
-              <a:rPr lang="ja-JP" altLang="en-US" dirty="0"/>
-              <a:t>は一つ前のコミットハッシュ。</a:t>
-            </a:r>
-            <a:endParaRPr lang="en-US" altLang="ja-JP" dirty="0"/>
-          </a:p>
-          <a:p>
-            <a:r>
-              <a:rPr lang="en-US" altLang="ja-JP" dirty="0"/>
-              <a:t>HEAD^^^</a:t>
-            </a:r>
-            <a:r>
-              <a:rPr lang="ja-JP" altLang="en-US" b="0" i="0" dirty="0">
-                <a:solidFill>
-                  <a:srgbClr val="333333"/>
-                </a:solidFill>
-                <a:effectLst/>
-                <a:latin typeface="-apple-system"/>
-              </a:rPr>
-              <a:t>と</a:t>
-            </a:r>
-            <a:r>
-              <a:rPr lang="en-US" altLang="ja-JP" dirty="0"/>
-              <a:t>HEAD~3</a:t>
-            </a:r>
-            <a:r>
-              <a:rPr lang="ja-JP" altLang="en-US" b="0" i="0" dirty="0">
-                <a:solidFill>
-                  <a:srgbClr val="333333"/>
-                </a:solidFill>
-                <a:effectLst/>
-                <a:latin typeface="-apple-system"/>
-              </a:rPr>
-              <a:t>と</a:t>
-            </a:r>
-            <a:r>
-              <a:rPr lang="en-US" altLang="ja-JP" dirty="0"/>
-              <a:t>HEAD~~~</a:t>
-            </a:r>
-            <a:r>
-              <a:rPr lang="ja-JP" altLang="en-US" b="0" i="0" dirty="0">
-                <a:solidFill>
-                  <a:srgbClr val="333333"/>
-                </a:solidFill>
-                <a:effectLst/>
-                <a:latin typeface="-apple-system"/>
-              </a:rPr>
-              <a:t>と</a:t>
-            </a:r>
-            <a:r>
-              <a:rPr lang="en-US" altLang="ja-JP" dirty="0"/>
-              <a:t>HEAD~{3}</a:t>
-            </a:r>
-            <a:r>
-              <a:rPr lang="ja-JP" altLang="en-US" b="0" i="0" dirty="0">
-                <a:solidFill>
-                  <a:srgbClr val="333333"/>
-                </a:solidFill>
-                <a:effectLst/>
-                <a:latin typeface="-apple-system"/>
-              </a:rPr>
-              <a:t>と</a:t>
-            </a:r>
-            <a:r>
-              <a:rPr lang="en-US" altLang="ja-JP" dirty="0"/>
-              <a:t>@^^^</a:t>
-            </a:r>
-            <a:r>
-              <a:rPr lang="ja-JP" altLang="en-US" dirty="0"/>
-              <a:t>は同じ意味。</a:t>
-            </a:r>
             <a:endParaRPr kumimoji="1" lang="ja-JP" altLang="en-US" dirty="0"/>
           </a:p>
         </p:txBody>
@@ -1070,7 +1026,7 @@
           <a:p>
             <a:fld id="{E690B67D-0EEB-420D-B242-C4B71FCC5D18}" type="slidenum">
               <a:rPr kumimoji="1" lang="ja-JP" altLang="en-US" smtClean="0"/>
-              <a:t>12</a:t>
+              <a:t>8</a:t>
             </a:fld>
             <a:endParaRPr kumimoji="1" lang="ja-JP" altLang="en-US"/>
           </a:p>
@@ -1079,7 +1035,7 @@
     </p:spTree>
     <p:extLst>
       <p:ext uri="{BB962C8B-B14F-4D97-AF65-F5344CB8AC3E}">
-        <p14:creationId xmlns:p14="http://schemas.microsoft.com/office/powerpoint/2010/main" val="2799828277"/>
+        <p14:creationId xmlns:p14="http://schemas.microsoft.com/office/powerpoint/2010/main" val="632356811"/>
       </p:ext>
     </p:extLst>
   </p:cSld>
@@ -1133,7 +1089,54 @@
           <a:bodyPr/>
           <a:lstStyle/>
           <a:p>
-            <a:endParaRPr kumimoji="1" lang="ja-JP" altLang="en-US" dirty="0"/>
+            <a:r>
+              <a:rPr kumimoji="1" lang="en-US" altLang="ja-JP" dirty="0"/>
+              <a:t>Hash</a:t>
+            </a:r>
+            <a:r>
+              <a:rPr kumimoji="1" lang="ja-JP" altLang="en-US" dirty="0"/>
+              <a:t>値は　</a:t>
+            </a:r>
+            <a:r>
+              <a:rPr kumimoji="1" lang="en-US" altLang="ja-JP" dirty="0"/>
+              <a:t>“commit&lt;</a:t>
+            </a:r>
+            <a:r>
+              <a:rPr kumimoji="1" lang="ja-JP" altLang="en-US" dirty="0"/>
+              <a:t>半角スペース</a:t>
+            </a:r>
+            <a:r>
+              <a:rPr kumimoji="1" lang="en-US" altLang="ja-JP" dirty="0"/>
+              <a:t>&gt;&lt;</a:t>
+            </a:r>
+            <a:r>
+              <a:rPr kumimoji="1" lang="ja-JP" altLang="en-US" dirty="0"/>
+              <a:t>ファイルサイズ</a:t>
+            </a:r>
+            <a:r>
+              <a:rPr kumimoji="1" lang="en-US" altLang="ja-JP" dirty="0"/>
+              <a:t>&gt;\0&lt;</a:t>
+            </a:r>
+            <a:r>
+              <a:rPr kumimoji="1" lang="ja-JP" altLang="en-US" dirty="0"/>
+              <a:t>ファイル内容</a:t>
+            </a:r>
+            <a:r>
+              <a:rPr kumimoji="1" lang="en-US" altLang="ja-JP" dirty="0"/>
+              <a:t>&gt;”</a:t>
+            </a:r>
+            <a:r>
+              <a:rPr kumimoji="1" lang="ja-JP" altLang="en-US" dirty="0"/>
+              <a:t>の</a:t>
+            </a:r>
+            <a:r>
+              <a:rPr kumimoji="1" lang="en-US" altLang="ja-JP" dirty="0"/>
+              <a:t>SHA1</a:t>
+            </a:r>
+            <a:r>
+              <a:rPr kumimoji="1" lang="ja-JP" altLang="en-US" dirty="0"/>
+              <a:t>によるハッシュ変換で生成されている</a:t>
+            </a:r>
           </a:p>
         </p:txBody>
       </p:sp>
@@ -1154,7 +1157,7 @@
           <a:p>
             <a:fld id="{E690B67D-0EEB-420D-B242-C4B71FCC5D18}" type="slidenum">
               <a:rPr kumimoji="1" lang="ja-JP" altLang="en-US" smtClean="0"/>
-              <a:t>26</a:t>
+              <a:t>9</a:t>
             </a:fld>
             <a:endParaRPr kumimoji="1" lang="ja-JP" altLang="en-US"/>
           </a:p>
@@ -1163,7 +1166,7 @@
     </p:spTree>
     <p:extLst>
       <p:ext uri="{BB962C8B-B14F-4D97-AF65-F5344CB8AC3E}">
-        <p14:creationId xmlns:p14="http://schemas.microsoft.com/office/powerpoint/2010/main" val="3560921937"/>
+        <p14:creationId xmlns:p14="http://schemas.microsoft.com/office/powerpoint/2010/main" val="948659402"/>
       </p:ext>
     </p:extLst>
   </p:cSld>
@@ -1217,6 +1220,17 @@
           <a:bodyPr/>
           <a:lstStyle/>
           <a:p>
+            <a:r>
+              <a:rPr kumimoji="1" lang="en-US" altLang="ja-JP" dirty="0"/>
+              <a:t>git status –s </a:t>
+            </a:r>
+            <a:r>
+              <a:rPr kumimoji="1" lang="ja-JP" altLang="en-US" dirty="0"/>
+              <a:t>でそれぞれ３つの区分情報を消して表示させることができる</a:t>
+            </a:r>
+            <a:endParaRPr kumimoji="1" lang="en-US" altLang="ja-JP" dirty="0"/>
+          </a:p>
+          <a:p>
             <a:endParaRPr kumimoji="1" lang="ja-JP" altLang="en-US" dirty="0"/>
           </a:p>
         </p:txBody>
@@ -1238,7 +1252,7 @@
           <a:p>
             <a:fld id="{E690B67D-0EEB-420D-B242-C4B71FCC5D18}" type="slidenum">
               <a:rPr kumimoji="1" lang="ja-JP" altLang="en-US" smtClean="0"/>
-              <a:t>27</a:t>
+              <a:t>13</a:t>
             </a:fld>
             <a:endParaRPr kumimoji="1" lang="ja-JP" altLang="en-US"/>
           </a:p>
@@ -1247,7 +1261,258 @@
     </p:spTree>
     <p:extLst>
       <p:ext uri="{BB962C8B-B14F-4D97-AF65-F5344CB8AC3E}">
-        <p14:creationId xmlns:p14="http://schemas.microsoft.com/office/powerpoint/2010/main" val="594649488"/>
+        <p14:creationId xmlns:p14="http://schemas.microsoft.com/office/powerpoint/2010/main" val="3448712264"/>
+      </p:ext>
+    </p:extLst>
+  </p:cSld>
+  <p:clrMapOvr>
+    <a:masterClrMapping/>
+  </p:clrMapOvr>
+</p:notes>
+</file>
+
+<file path=ppt/notesSlides/notesSlide8.xml><?xml version="1.0" encoding="utf-8"?>
+<p:notes xmlns:a="http://schemas.openxmlformats.org/drawingml/2006/main" xmlns:r="http://schemas.openxmlformats.org/officeDocument/2006/relationships" xmlns:p="http://schemas.openxmlformats.org/presentationml/2006/main">
+  <p:cSld>
+    <p:spTree>
+      <p:nvGrpSpPr>
+        <p:cNvPr id="1" name=""/>
+        <p:cNvGrpSpPr/>
+        <p:nvPr/>
+      </p:nvGrpSpPr>
+      <p:grpSpPr>
+        <a:xfrm>
+          <a:off x="0" y="0"/>
+          <a:ext cx="0" cy="0"/>
+          <a:chOff x="0" y="0"/>
+          <a:chExt cx="0" cy="0"/>
+        </a:xfrm>
+      </p:grpSpPr>
+      <p:sp>
+        <p:nvSpPr>
+          <p:cNvPr id="2" name="スライド イメージ プレースホルダー 1"/>
+          <p:cNvSpPr>
+            <a:spLocks noGrp="1" noRot="1" noChangeAspect="1"/>
+          </p:cNvSpPr>
+          <p:nvPr>
+            <p:ph type="sldImg"/>
+          </p:nvPr>
+        </p:nvSpPr>
+        <p:spPr/>
+      </p:sp>
+      <p:sp>
+        <p:nvSpPr>
+          <p:cNvPr id="3" name="ノート プレースホルダー 2"/>
+          <p:cNvSpPr>
+            <a:spLocks noGrp="1"/>
+          </p:cNvSpPr>
+          <p:nvPr>
+            <p:ph type="body" idx="1"/>
+          </p:nvPr>
+        </p:nvSpPr>
+        <p:spPr/>
+        <p:txBody>
+          <a:bodyPr/>
+          <a:lstStyle/>
+          <a:p>
+            <a:r>
+              <a:rPr lang="en-US" altLang="ja-JP" dirty="0"/>
+              <a:t>HEAD</a:t>
+            </a:r>
+            <a:r>
+              <a:rPr lang="ja-JP" altLang="en-US" dirty="0"/>
+              <a:t>は現在のコミットハッシュを意味している。</a:t>
+            </a:r>
+            <a:r>
+              <a:rPr lang="en-US" altLang="ja-JP" dirty="0"/>
+              <a:t>HEAD^</a:t>
+            </a:r>
+            <a:r>
+              <a:rPr lang="ja-JP" altLang="en-US" dirty="0"/>
+              <a:t>は一つ前のコミットハッシュ。</a:t>
+            </a:r>
+            <a:endParaRPr lang="en-US" altLang="ja-JP" dirty="0"/>
+          </a:p>
+          <a:p>
+            <a:r>
+              <a:rPr lang="en-US" altLang="ja-JP" dirty="0"/>
+              <a:t>HEAD^^^</a:t>
+            </a:r>
+            <a:r>
+              <a:rPr lang="ja-JP" altLang="en-US" b="0" i="0" dirty="0">
+                <a:solidFill>
+                  <a:srgbClr val="333333"/>
+                </a:solidFill>
+                <a:effectLst/>
+                <a:latin typeface="-apple-system"/>
+              </a:rPr>
+              <a:t>と</a:t>
+            </a:r>
+            <a:r>
+              <a:rPr lang="en-US" altLang="ja-JP" dirty="0"/>
+              <a:t>HEAD~3</a:t>
+            </a:r>
+            <a:r>
+              <a:rPr lang="ja-JP" altLang="en-US" b="0" i="0" dirty="0">
+                <a:solidFill>
+                  <a:srgbClr val="333333"/>
+                </a:solidFill>
+                <a:effectLst/>
+                <a:latin typeface="-apple-system"/>
+              </a:rPr>
+              <a:t>と</a:t>
+            </a:r>
+            <a:r>
+              <a:rPr lang="en-US" altLang="ja-JP" dirty="0"/>
+              <a:t>HEAD~~~</a:t>
+            </a:r>
+            <a:r>
+              <a:rPr lang="ja-JP" altLang="en-US" b="0" i="0" dirty="0">
+                <a:solidFill>
+                  <a:srgbClr val="333333"/>
+                </a:solidFill>
+                <a:effectLst/>
+                <a:latin typeface="-apple-system"/>
+              </a:rPr>
+              <a:t>と</a:t>
+            </a:r>
+            <a:r>
+              <a:rPr lang="en-US" altLang="ja-JP" dirty="0"/>
+              <a:t>HEAD~{3}</a:t>
+            </a:r>
+            <a:r>
+              <a:rPr lang="ja-JP" altLang="en-US" b="0" i="0" dirty="0">
+                <a:solidFill>
+                  <a:srgbClr val="333333"/>
+                </a:solidFill>
+                <a:effectLst/>
+                <a:latin typeface="-apple-system"/>
+              </a:rPr>
+              <a:t>と</a:t>
+            </a:r>
+            <a:r>
+              <a:rPr lang="en-US" altLang="ja-JP" dirty="0"/>
+              <a:t>@^^^</a:t>
+            </a:r>
+            <a:r>
+              <a:rPr lang="ja-JP" altLang="en-US" dirty="0"/>
+              <a:t>は同じ意味。</a:t>
+            </a:r>
+            <a:endParaRPr kumimoji="1" lang="ja-JP" altLang="en-US" dirty="0"/>
+          </a:p>
+        </p:txBody>
+      </p:sp>
+      <p:sp>
+        <p:nvSpPr>
+          <p:cNvPr id="4" name="スライド番号プレースホルダー 3"/>
+          <p:cNvSpPr>
+            <a:spLocks noGrp="1"/>
+          </p:cNvSpPr>
+          <p:nvPr>
+            <p:ph type="sldNum" sz="quarter" idx="5"/>
+          </p:nvPr>
+        </p:nvSpPr>
+        <p:spPr/>
+        <p:txBody>
+          <a:bodyPr/>
+          <a:lstStyle/>
+          <a:p>
+            <a:fld id="{E690B67D-0EEB-420D-B242-C4B71FCC5D18}" type="slidenum">
+              <a:rPr kumimoji="1" lang="ja-JP" altLang="en-US" smtClean="0"/>
+              <a:t>14</a:t>
+            </a:fld>
+            <a:endParaRPr kumimoji="1" lang="ja-JP" altLang="en-US"/>
+          </a:p>
+        </p:txBody>
+      </p:sp>
+    </p:spTree>
+    <p:extLst>
+      <p:ext uri="{BB962C8B-B14F-4D97-AF65-F5344CB8AC3E}">
+        <p14:creationId xmlns:p14="http://schemas.microsoft.com/office/powerpoint/2010/main" val="2799828277"/>
+      </p:ext>
+    </p:extLst>
+  </p:cSld>
+  <p:clrMapOvr>
+    <a:masterClrMapping/>
+  </p:clrMapOvr>
+</p:notes>
+</file>
+
+<file path=ppt/notesSlides/notesSlide9.xml><?xml version="1.0" encoding="utf-8"?>
+<p:notes xmlns:a="http://schemas.openxmlformats.org/drawingml/2006/main" xmlns:r="http://schemas.openxmlformats.org/officeDocument/2006/relationships" xmlns:p="http://schemas.openxmlformats.org/presentationml/2006/main">
+  <p:cSld>
+    <p:spTree>
+      <p:nvGrpSpPr>
+        <p:cNvPr id="1" name=""/>
+        <p:cNvGrpSpPr/>
+        <p:nvPr/>
+      </p:nvGrpSpPr>
+      <p:grpSpPr>
+        <a:xfrm>
+          <a:off x="0" y="0"/>
+          <a:ext cx="0" cy="0"/>
+          <a:chOff x="0" y="0"/>
+          <a:chExt cx="0" cy="0"/>
+        </a:xfrm>
+      </p:grpSpPr>
+      <p:sp>
+        <p:nvSpPr>
+          <p:cNvPr id="2" name="スライド イメージ プレースホルダー 1"/>
+          <p:cNvSpPr>
+            <a:spLocks noGrp="1" noRot="1" noChangeAspect="1"/>
+          </p:cNvSpPr>
+          <p:nvPr>
+            <p:ph type="sldImg"/>
+          </p:nvPr>
+        </p:nvSpPr>
+        <p:spPr/>
+      </p:sp>
+      <p:sp>
+        <p:nvSpPr>
+          <p:cNvPr id="3" name="ノート プレースホルダー 2"/>
+          <p:cNvSpPr>
+            <a:spLocks noGrp="1"/>
+          </p:cNvSpPr>
+          <p:nvPr>
+            <p:ph type="body" idx="1"/>
+          </p:nvPr>
+        </p:nvSpPr>
+        <p:spPr/>
+        <p:txBody>
+          <a:bodyPr/>
+          <a:lstStyle/>
+          <a:p>
+            <a:endParaRPr kumimoji="1" lang="ja-JP" altLang="en-US" dirty="0"/>
+          </a:p>
+        </p:txBody>
+      </p:sp>
+      <p:sp>
+        <p:nvSpPr>
+          <p:cNvPr id="4" name="スライド番号プレースホルダー 3"/>
+          <p:cNvSpPr>
+            <a:spLocks noGrp="1"/>
+          </p:cNvSpPr>
+          <p:nvPr>
+            <p:ph type="sldNum" sz="quarter" idx="5"/>
+          </p:nvPr>
+        </p:nvSpPr>
+        <p:spPr/>
+        <p:txBody>
+          <a:bodyPr/>
+          <a:lstStyle/>
+          <a:p>
+            <a:fld id="{E690B67D-0EEB-420D-B242-C4B71FCC5D18}" type="slidenum">
+              <a:rPr kumimoji="1" lang="ja-JP" altLang="en-US" smtClean="0"/>
+              <a:t>28</a:t>
+            </a:fld>
+            <a:endParaRPr kumimoji="1" lang="ja-JP" altLang="en-US"/>
+          </a:p>
+        </p:txBody>
+      </p:sp>
+    </p:spTree>
+    <p:extLst>
+      <p:ext uri="{BB962C8B-B14F-4D97-AF65-F5344CB8AC3E}">
+        <p14:creationId xmlns:p14="http://schemas.microsoft.com/office/powerpoint/2010/main" val="3560921937"/>
       </p:ext>
     </p:extLst>
   </p:cSld>
@@ -1404,7 +1669,7 @@
           <a:p>
             <a:fld id="{AFD9E5B9-C74C-429A-A168-2B01F5C2C194}" type="datetimeFigureOut">
               <a:rPr kumimoji="1" lang="ja-JP" altLang="en-US" smtClean="0"/>
-              <a:t>2021/3/13</a:t>
+              <a:t>2021/6/13</a:t>
             </a:fld>
             <a:endParaRPr kumimoji="1" lang="ja-JP" altLang="en-US"/>
           </a:p>
@@ -1634,7 +1899,7 @@
           <a:p>
             <a:fld id="{AFD9E5B9-C74C-429A-A168-2B01F5C2C194}" type="datetimeFigureOut">
               <a:rPr kumimoji="1" lang="ja-JP" altLang="en-US" smtClean="0"/>
-              <a:t>2021/3/13</a:t>
+              <a:t>2021/6/13</a:t>
             </a:fld>
             <a:endParaRPr kumimoji="1" lang="ja-JP" altLang="en-US"/>
           </a:p>
@@ -1874,7 +2139,7 @@
           <a:p>
             <a:fld id="{AFD9E5B9-C74C-429A-A168-2B01F5C2C194}" type="datetimeFigureOut">
               <a:rPr kumimoji="1" lang="ja-JP" altLang="en-US" smtClean="0"/>
-              <a:t>2021/3/13</a:t>
+              <a:t>2021/6/13</a:t>
             </a:fld>
             <a:endParaRPr kumimoji="1" lang="ja-JP" altLang="en-US"/>
           </a:p>
@@ -2104,7 +2369,7 @@
           <a:p>
             <a:fld id="{AFD9E5B9-C74C-429A-A168-2B01F5C2C194}" type="datetimeFigureOut">
               <a:rPr kumimoji="1" lang="ja-JP" altLang="en-US" smtClean="0"/>
-              <a:t>2021/3/13</a:t>
+              <a:t>2021/6/13</a:t>
             </a:fld>
             <a:endParaRPr kumimoji="1" lang="ja-JP" altLang="en-US"/>
           </a:p>
@@ -2379,7 +2644,7 @@
           <a:p>
             <a:fld id="{AFD9E5B9-C74C-429A-A168-2B01F5C2C194}" type="datetimeFigureOut">
               <a:rPr kumimoji="1" lang="ja-JP" altLang="en-US" smtClean="0"/>
-              <a:t>2021/3/13</a:t>
+              <a:t>2021/6/13</a:t>
             </a:fld>
             <a:endParaRPr kumimoji="1" lang="ja-JP" altLang="en-US"/>
           </a:p>
@@ -2708,7 +2973,7 @@
           <a:p>
             <a:fld id="{AFD9E5B9-C74C-429A-A168-2B01F5C2C194}" type="datetimeFigureOut">
               <a:rPr kumimoji="1" lang="ja-JP" altLang="en-US" smtClean="0"/>
-              <a:t>2021/3/13</a:t>
+              <a:t>2021/6/13</a:t>
             </a:fld>
             <a:endParaRPr kumimoji="1" lang="ja-JP" altLang="en-US"/>
           </a:p>
@@ -3184,7 +3449,7 @@
           <a:p>
             <a:fld id="{AFD9E5B9-C74C-429A-A168-2B01F5C2C194}" type="datetimeFigureOut">
               <a:rPr kumimoji="1" lang="ja-JP" altLang="en-US" smtClean="0"/>
-              <a:t>2021/3/13</a:t>
+              <a:t>2021/6/13</a:t>
             </a:fld>
             <a:endParaRPr kumimoji="1" lang="ja-JP" altLang="en-US"/>
           </a:p>
@@ -3325,7 +3590,7 @@
           <a:p>
             <a:fld id="{AFD9E5B9-C74C-429A-A168-2B01F5C2C194}" type="datetimeFigureOut">
               <a:rPr kumimoji="1" lang="ja-JP" altLang="en-US" smtClean="0"/>
-              <a:t>2021/3/13</a:t>
+              <a:t>2021/6/13</a:t>
             </a:fld>
             <a:endParaRPr kumimoji="1" lang="ja-JP" altLang="en-US"/>
           </a:p>
@@ -3438,7 +3703,7 @@
           <a:p>
             <a:fld id="{AFD9E5B9-C74C-429A-A168-2B01F5C2C194}" type="datetimeFigureOut">
               <a:rPr kumimoji="1" lang="ja-JP" altLang="en-US" smtClean="0"/>
-              <a:t>2021/3/13</a:t>
+              <a:t>2021/6/13</a:t>
             </a:fld>
             <a:endParaRPr kumimoji="1" lang="ja-JP" altLang="en-US"/>
           </a:p>
@@ -3781,7 +4046,7 @@
           <a:p>
             <a:fld id="{AFD9E5B9-C74C-429A-A168-2B01F5C2C194}" type="datetimeFigureOut">
               <a:rPr kumimoji="1" lang="ja-JP" altLang="en-US" smtClean="0"/>
-              <a:t>2021/3/13</a:t>
+              <a:t>2021/6/13</a:t>
             </a:fld>
             <a:endParaRPr kumimoji="1" lang="ja-JP" altLang="en-US"/>
           </a:p>
@@ -4069,7 +4334,7 @@
           <a:p>
             <a:fld id="{AFD9E5B9-C74C-429A-A168-2B01F5C2C194}" type="datetimeFigureOut">
               <a:rPr kumimoji="1" lang="ja-JP" altLang="en-US" smtClean="0"/>
-              <a:t>2021/3/13</a:t>
+              <a:t>2021/6/13</a:t>
             </a:fld>
             <a:endParaRPr kumimoji="1" lang="ja-JP" altLang="en-US"/>
           </a:p>
@@ -4342,7 +4607,7 @@
           <a:p>
             <a:fld id="{AFD9E5B9-C74C-429A-A168-2B01F5C2C194}" type="datetimeFigureOut">
               <a:rPr kumimoji="1" lang="ja-JP" altLang="en-US" smtClean="0"/>
-              <a:t>2021/3/13</a:t>
+              <a:t>2021/6/13</a:t>
             </a:fld>
             <a:endParaRPr kumimoji="1" lang="ja-JP" altLang="en-US"/>
           </a:p>
@@ -4832,6 +5097,966 @@
           <p:cNvPr id="2" name="正方形/長方形 1">
             <a:extLst>
               <a:ext uri="{FF2B5EF4-FFF2-40B4-BE49-F238E27FC236}">
+                <a16:creationId xmlns:a16="http://schemas.microsoft.com/office/drawing/2014/main" id="{32E9DF22-5DF5-4060-A956-2F267BA259B9}"/>
+              </a:ext>
+            </a:extLst>
+          </p:cNvPr>
+          <p:cNvSpPr/>
+          <p:nvPr/>
+        </p:nvSpPr>
+        <p:spPr>
+          <a:xfrm>
+            <a:off x="594394" y="568216"/>
+            <a:ext cx="11561178" cy="1446550"/>
+          </a:xfrm>
+          <a:prstGeom prst="rect">
+            <a:avLst/>
+          </a:prstGeom>
+          <a:noFill/>
+        </p:spPr>
+        <p:txBody>
+          <a:bodyPr wrap="none" lIns="91440" tIns="45720" rIns="91440" bIns="45720">
+            <a:spAutoFit/>
+          </a:bodyPr>
+          <a:lstStyle/>
+          <a:p>
+            <a:r>
+              <a:rPr lang="ja-JP" altLang="en-US" sz="4400" b="1" dirty="0">
+                <a:ln w="0"/>
+                <a:effectLst>
+                  <a:outerShdw blurRad="38100" dist="19050" dir="2700000" algn="tl" rotWithShape="0">
+                    <a:schemeClr val="dk1">
+                      <a:alpha val="40000"/>
+                    </a:schemeClr>
+                  </a:outerShdw>
+                </a:effectLst>
+              </a:rPr>
+              <a:t>リポジトリ </a:t>
+            </a:r>
+          </a:p>
+          <a:p>
+            <a:r>
+              <a:rPr lang="ja-JP" altLang="en-US" sz="4400" dirty="0">
+                <a:ln w="0"/>
+                <a:effectLst>
+                  <a:outerShdw blurRad="38100" dist="19050" dir="2700000" algn="tl" rotWithShape="0">
+                    <a:schemeClr val="dk1">
+                      <a:alpha val="40000"/>
+                    </a:schemeClr>
+                  </a:outerShdw>
+                </a:effectLst>
+              </a:rPr>
+              <a:t>保管庫のことで</a:t>
+            </a:r>
+            <a:r>
+              <a:rPr lang="en-US" altLang="ja-JP" sz="4400" dirty="0">
+                <a:ln w="0"/>
+                <a:effectLst>
+                  <a:outerShdw blurRad="38100" dist="19050" dir="2700000" algn="tl" rotWithShape="0">
+                    <a:schemeClr val="dk1">
+                      <a:alpha val="40000"/>
+                    </a:schemeClr>
+                  </a:outerShdw>
+                </a:effectLst>
+              </a:rPr>
+              <a:t>git</a:t>
+            </a:r>
+            <a:r>
+              <a:rPr lang="ja-JP" altLang="en-US" sz="4400" dirty="0">
+                <a:ln w="0"/>
+                <a:effectLst>
+                  <a:outerShdw blurRad="38100" dist="19050" dir="2700000" algn="tl" rotWithShape="0">
+                    <a:schemeClr val="dk1">
+                      <a:alpha val="40000"/>
+                    </a:schemeClr>
+                  </a:outerShdw>
+                </a:effectLst>
+              </a:rPr>
+              <a:t>が管理するフォルダのこと</a:t>
+            </a:r>
+            <a:endParaRPr lang="ja-JP" altLang="en-US" sz="4400" b="0" cap="none" spc="0" dirty="0">
+              <a:ln w="0"/>
+              <a:solidFill>
+                <a:schemeClr val="tx1"/>
+              </a:solidFill>
+              <a:effectLst>
+                <a:outerShdw blurRad="38100" dist="19050" dir="2700000" algn="tl" rotWithShape="0">
+                  <a:schemeClr val="dk1">
+                    <a:alpha val="40000"/>
+                  </a:schemeClr>
+                </a:outerShdw>
+              </a:effectLst>
+            </a:endParaRPr>
+          </a:p>
+        </p:txBody>
+      </p:sp>
+      <p:sp>
+        <p:nvSpPr>
+          <p:cNvPr id="3" name="正方形/長方形 2">
+            <a:extLst>
+              <a:ext uri="{FF2B5EF4-FFF2-40B4-BE49-F238E27FC236}">
+                <a16:creationId xmlns:a16="http://schemas.microsoft.com/office/drawing/2014/main" id="{5E826779-4B70-46BA-9387-681D57476301}"/>
+              </a:ext>
+            </a:extLst>
+          </p:cNvPr>
+          <p:cNvSpPr/>
+          <p:nvPr/>
+        </p:nvSpPr>
+        <p:spPr>
+          <a:xfrm>
+            <a:off x="594394" y="2014766"/>
+            <a:ext cx="10905550" cy="1446550"/>
+          </a:xfrm>
+          <a:prstGeom prst="rect">
+            <a:avLst/>
+          </a:prstGeom>
+          <a:noFill/>
+        </p:spPr>
+        <p:txBody>
+          <a:bodyPr wrap="none" lIns="91440" tIns="45720" rIns="91440" bIns="45720">
+            <a:spAutoFit/>
+          </a:bodyPr>
+          <a:lstStyle/>
+          <a:p>
+            <a:r>
+              <a:rPr lang="en-US" altLang="ja-JP" sz="4400" b="1" dirty="0">
+                <a:ln w="0"/>
+                <a:effectLst>
+                  <a:outerShdw blurRad="38100" dist="19050" dir="2700000" algn="tl" rotWithShape="0">
+                    <a:schemeClr val="dk1">
+                      <a:alpha val="40000"/>
+                    </a:schemeClr>
+                  </a:outerShdw>
+                </a:effectLst>
+              </a:rPr>
+              <a:t>.git</a:t>
+            </a:r>
+          </a:p>
+          <a:p>
+            <a:r>
+              <a:rPr lang="ja-JP" altLang="en-US" sz="4400" dirty="0">
+                <a:ln w="0"/>
+                <a:effectLst>
+                  <a:outerShdw blurRad="38100" dist="19050" dir="2700000" algn="tl" rotWithShape="0">
+                    <a:schemeClr val="dk1">
+                      <a:alpha val="40000"/>
+                    </a:schemeClr>
+                  </a:outerShdw>
+                </a:effectLst>
+              </a:rPr>
+              <a:t>この中で管理対象の更新情報が記録される</a:t>
+            </a:r>
+            <a:endParaRPr lang="ja-JP" altLang="en-US" sz="4400" b="0" cap="none" spc="0" dirty="0">
+              <a:ln w="0"/>
+              <a:solidFill>
+                <a:schemeClr val="tx1"/>
+              </a:solidFill>
+              <a:effectLst>
+                <a:outerShdw blurRad="38100" dist="19050" dir="2700000" algn="tl" rotWithShape="0">
+                  <a:schemeClr val="dk1">
+                    <a:alpha val="40000"/>
+                  </a:schemeClr>
+                </a:outerShdw>
+              </a:effectLst>
+            </a:endParaRPr>
+          </a:p>
+        </p:txBody>
+      </p:sp>
+      <p:sp>
+        <p:nvSpPr>
+          <p:cNvPr id="4" name="正方形/長方形 3">
+            <a:extLst>
+              <a:ext uri="{FF2B5EF4-FFF2-40B4-BE49-F238E27FC236}">
+                <a16:creationId xmlns:a16="http://schemas.microsoft.com/office/drawing/2014/main" id="{75E3BEC2-EFFC-4759-85B8-18B65375CDBC}"/>
+              </a:ext>
+            </a:extLst>
+          </p:cNvPr>
+          <p:cNvSpPr/>
+          <p:nvPr/>
+        </p:nvSpPr>
+        <p:spPr>
+          <a:xfrm>
+            <a:off x="10348710" y="215811"/>
+            <a:ext cx="1563377" cy="653775"/>
+          </a:xfrm>
+          <a:prstGeom prst="rect">
+            <a:avLst/>
+          </a:prstGeom>
+          <a:solidFill>
+            <a:schemeClr val="accent1">
+              <a:alpha val="50000"/>
+            </a:schemeClr>
+          </a:solidFill>
+          <a:ln>
+            <a:noFill/>
+          </a:ln>
+        </p:spPr>
+        <p:style>
+          <a:lnRef idx="0">
+            <a:scrgbClr r="0" g="0" b="0"/>
+          </a:lnRef>
+          <a:fillRef idx="0">
+            <a:scrgbClr r="0" g="0" b="0"/>
+          </a:fillRef>
+          <a:effectRef idx="0">
+            <a:scrgbClr r="0" g="0" b="0"/>
+          </a:effectRef>
+          <a:fontRef idx="minor">
+            <a:schemeClr val="lt1"/>
+          </a:fontRef>
+        </p:style>
+        <p:txBody>
+          <a:bodyPr rtlCol="0" anchor="ctr"/>
+          <a:lstStyle/>
+          <a:p>
+            <a:pPr algn="ctr"/>
+            <a:r>
+              <a:rPr kumimoji="1" lang="ja-JP" altLang="en-US" sz="3200" b="1" dirty="0">
+                <a:latin typeface="ＭＳ Ｐ明朝" panose="02020600040205080304" pitchFamily="18" charset="-128"/>
+                <a:ea typeface="ＭＳ Ｐ明朝" panose="02020600040205080304" pitchFamily="18" charset="-128"/>
+              </a:rPr>
+              <a:t>単語集</a:t>
+            </a:r>
+          </a:p>
+        </p:txBody>
+      </p:sp>
+      <p:sp>
+        <p:nvSpPr>
+          <p:cNvPr id="5" name="正方形/長方形 4">
+            <a:extLst>
+              <a:ext uri="{FF2B5EF4-FFF2-40B4-BE49-F238E27FC236}">
+                <a16:creationId xmlns:a16="http://schemas.microsoft.com/office/drawing/2014/main" id="{8009B3BA-38F1-430D-AE1D-21EE16A026DD}"/>
+              </a:ext>
+            </a:extLst>
+          </p:cNvPr>
+          <p:cNvSpPr/>
+          <p:nvPr/>
+        </p:nvSpPr>
+        <p:spPr>
+          <a:xfrm>
+            <a:off x="594393" y="3584951"/>
+            <a:ext cx="9212778" cy="1446550"/>
+          </a:xfrm>
+          <a:prstGeom prst="rect">
+            <a:avLst/>
+          </a:prstGeom>
+          <a:noFill/>
+        </p:spPr>
+        <p:txBody>
+          <a:bodyPr wrap="none" lIns="91440" tIns="45720" rIns="91440" bIns="45720">
+            <a:spAutoFit/>
+          </a:bodyPr>
+          <a:lstStyle/>
+          <a:p>
+            <a:r>
+              <a:rPr lang="ja-JP" altLang="en-US" sz="4400" b="1" dirty="0">
+                <a:ln w="0"/>
+                <a:effectLst>
+                  <a:outerShdw blurRad="38100" dist="19050" dir="2700000" algn="tl" rotWithShape="0">
+                    <a:schemeClr val="dk1">
+                      <a:alpha val="40000"/>
+                    </a:schemeClr>
+                  </a:outerShdw>
+                </a:effectLst>
+              </a:rPr>
+              <a:t>ステージング</a:t>
+            </a:r>
+            <a:endParaRPr lang="en-US" altLang="ja-JP" sz="4400" b="1" dirty="0">
+              <a:ln w="0"/>
+              <a:effectLst>
+                <a:outerShdw blurRad="38100" dist="19050" dir="2700000" algn="tl" rotWithShape="0">
+                  <a:schemeClr val="dk1">
+                    <a:alpha val="40000"/>
+                  </a:schemeClr>
+                </a:outerShdw>
+              </a:effectLst>
+            </a:endParaRPr>
+          </a:p>
+          <a:p>
+            <a:r>
+              <a:rPr lang="ja-JP" altLang="en-US" sz="4400" dirty="0">
+                <a:ln w="0"/>
+                <a:effectLst>
+                  <a:outerShdw blurRad="38100" dist="19050" dir="2700000" algn="tl" rotWithShape="0">
+                    <a:schemeClr val="dk1">
+                      <a:alpha val="40000"/>
+                    </a:schemeClr>
+                  </a:outerShdw>
+                </a:effectLst>
+              </a:rPr>
+              <a:t>ファイルをコミット対象にする操作</a:t>
+            </a:r>
+            <a:endParaRPr lang="ja-JP" altLang="en-US" sz="4400" b="0" cap="none" spc="0" dirty="0">
+              <a:ln w="0"/>
+              <a:solidFill>
+                <a:schemeClr val="tx1"/>
+              </a:solidFill>
+              <a:effectLst>
+                <a:outerShdw blurRad="38100" dist="19050" dir="2700000" algn="tl" rotWithShape="0">
+                  <a:schemeClr val="dk1">
+                    <a:alpha val="40000"/>
+                  </a:schemeClr>
+                </a:outerShdw>
+              </a:effectLst>
+            </a:endParaRPr>
+          </a:p>
+        </p:txBody>
+      </p:sp>
+      <p:sp>
+        <p:nvSpPr>
+          <p:cNvPr id="6" name="正方形/長方形 5">
+            <a:extLst>
+              <a:ext uri="{FF2B5EF4-FFF2-40B4-BE49-F238E27FC236}">
+                <a16:creationId xmlns:a16="http://schemas.microsoft.com/office/drawing/2014/main" id="{B0AAD3CD-17B9-4063-954D-B2C20D8172D9}"/>
+              </a:ext>
+            </a:extLst>
+          </p:cNvPr>
+          <p:cNvSpPr/>
+          <p:nvPr/>
+        </p:nvSpPr>
+        <p:spPr>
+          <a:xfrm>
+            <a:off x="594394" y="5155137"/>
+            <a:ext cx="7520007" cy="1446550"/>
+          </a:xfrm>
+          <a:prstGeom prst="rect">
+            <a:avLst/>
+          </a:prstGeom>
+          <a:noFill/>
+        </p:spPr>
+        <p:txBody>
+          <a:bodyPr wrap="none" lIns="91440" tIns="45720" rIns="91440" bIns="45720">
+            <a:spAutoFit/>
+          </a:bodyPr>
+          <a:lstStyle/>
+          <a:p>
+            <a:r>
+              <a:rPr lang="ja-JP" altLang="en-US" sz="4400" b="1" dirty="0">
+                <a:ln w="0"/>
+                <a:effectLst>
+                  <a:outerShdw blurRad="38100" dist="19050" dir="2700000" algn="tl" rotWithShape="0">
+                    <a:schemeClr val="dk1">
+                      <a:alpha val="40000"/>
+                    </a:schemeClr>
+                  </a:outerShdw>
+                </a:effectLst>
+              </a:rPr>
+              <a:t>コミット</a:t>
+            </a:r>
+            <a:endParaRPr lang="en-US" altLang="ja-JP" sz="4400" b="1" dirty="0">
+              <a:ln w="0"/>
+              <a:effectLst>
+                <a:outerShdw blurRad="38100" dist="19050" dir="2700000" algn="tl" rotWithShape="0">
+                  <a:schemeClr val="dk1">
+                    <a:alpha val="40000"/>
+                  </a:schemeClr>
+                </a:outerShdw>
+              </a:effectLst>
+            </a:endParaRPr>
+          </a:p>
+          <a:p>
+            <a:r>
+              <a:rPr lang="ja-JP" altLang="en-US" sz="4400" b="0" cap="none" spc="0" dirty="0">
+                <a:ln w="0"/>
+                <a:solidFill>
+                  <a:schemeClr val="tx1"/>
+                </a:solidFill>
+                <a:effectLst>
+                  <a:outerShdw blurRad="38100" dist="19050" dir="2700000" algn="tl" rotWithShape="0">
+                    <a:schemeClr val="dk1">
+                      <a:alpha val="40000"/>
+                    </a:schemeClr>
+                  </a:outerShdw>
+                </a:effectLst>
+              </a:rPr>
+              <a:t>更新したものを記録する</a:t>
+            </a:r>
+            <a:r>
+              <a:rPr lang="ja-JP" altLang="en-US" sz="4400" dirty="0">
+                <a:ln w="0"/>
+                <a:effectLst>
+                  <a:outerShdw blurRad="38100" dist="19050" dir="2700000" algn="tl" rotWithShape="0">
+                    <a:schemeClr val="dk1">
+                      <a:alpha val="40000"/>
+                    </a:schemeClr>
+                  </a:outerShdw>
+                </a:effectLst>
+              </a:rPr>
+              <a:t>操作</a:t>
+            </a:r>
+            <a:endParaRPr lang="ja-JP" altLang="en-US" sz="4400" b="0" cap="none" spc="0" dirty="0">
+              <a:ln w="0"/>
+              <a:solidFill>
+                <a:schemeClr val="tx1"/>
+              </a:solidFill>
+              <a:effectLst>
+                <a:outerShdw blurRad="38100" dist="19050" dir="2700000" algn="tl" rotWithShape="0">
+                  <a:schemeClr val="dk1">
+                    <a:alpha val="40000"/>
+                  </a:schemeClr>
+                </a:outerShdw>
+              </a:effectLst>
+            </a:endParaRPr>
+          </a:p>
+        </p:txBody>
+      </p:sp>
+    </p:spTree>
+    <p:extLst>
+      <p:ext uri="{BB962C8B-B14F-4D97-AF65-F5344CB8AC3E}">
+        <p14:creationId xmlns:p14="http://schemas.microsoft.com/office/powerpoint/2010/main" val="1160569585"/>
+      </p:ext>
+    </p:extLst>
+  </p:cSld>
+  <p:clrMapOvr>
+    <a:masterClrMapping/>
+  </p:clrMapOvr>
+</p:sld>
+</file>
+
+<file path=ppt/slides/slide11.xml><?xml version="1.0" encoding="utf-8"?>
+<p:sld xmlns:a="http://schemas.openxmlformats.org/drawingml/2006/main" xmlns:r="http://schemas.openxmlformats.org/officeDocument/2006/relationships" xmlns:p="http://schemas.openxmlformats.org/presentationml/2006/main">
+  <p:cSld>
+    <p:spTree>
+      <p:nvGrpSpPr>
+        <p:cNvPr id="1" name=""/>
+        <p:cNvGrpSpPr/>
+        <p:nvPr/>
+      </p:nvGrpSpPr>
+      <p:grpSpPr>
+        <a:xfrm>
+          <a:off x="0" y="0"/>
+          <a:ext cx="0" cy="0"/>
+          <a:chOff x="0" y="0"/>
+          <a:chExt cx="0" cy="0"/>
+        </a:xfrm>
+      </p:grpSpPr>
+      <p:sp>
+        <p:nvSpPr>
+          <p:cNvPr id="2" name="正方形/長方形 1">
+            <a:extLst>
+              <a:ext uri="{FF2B5EF4-FFF2-40B4-BE49-F238E27FC236}">
+                <a16:creationId xmlns:a16="http://schemas.microsoft.com/office/drawing/2014/main" id="{BCB341EC-3E4A-42F3-AFFE-E86454C0D177}"/>
+              </a:ext>
+            </a:extLst>
+          </p:cNvPr>
+          <p:cNvSpPr/>
+          <p:nvPr/>
+        </p:nvSpPr>
+        <p:spPr>
+          <a:xfrm>
+            <a:off x="558884" y="346273"/>
+            <a:ext cx="11707051" cy="4154984"/>
+          </a:xfrm>
+          <a:prstGeom prst="rect">
+            <a:avLst/>
+          </a:prstGeom>
+          <a:noFill/>
+        </p:spPr>
+        <p:txBody>
+          <a:bodyPr wrap="none" lIns="91440" tIns="45720" rIns="91440" bIns="45720">
+            <a:spAutoFit/>
+          </a:bodyPr>
+          <a:lstStyle/>
+          <a:p>
+            <a:r>
+              <a:rPr lang="ja-JP" altLang="en-US" sz="4400" b="1" dirty="0">
+                <a:ln w="0"/>
+                <a:effectLst>
+                  <a:outerShdw blurRad="38100" dist="19050" dir="2700000" algn="tl" rotWithShape="0">
+                    <a:schemeClr val="dk1">
+                      <a:alpha val="40000"/>
+                    </a:schemeClr>
+                  </a:outerShdw>
+                </a:effectLst>
+              </a:rPr>
+              <a:t>リポジトリの作り方</a:t>
+            </a:r>
+          </a:p>
+          <a:p>
+            <a:r>
+              <a:rPr lang="en-US" altLang="ja-JP" sz="4400" b="0" cap="none" spc="0" dirty="0">
+                <a:ln w="0"/>
+                <a:solidFill>
+                  <a:schemeClr val="tx1"/>
+                </a:solidFill>
+                <a:effectLst>
+                  <a:outerShdw blurRad="38100" dist="19050" dir="2700000" algn="tl" rotWithShape="0">
+                    <a:schemeClr val="dk1">
+                      <a:alpha val="40000"/>
+                    </a:schemeClr>
+                  </a:outerShdw>
+                </a:effectLst>
+              </a:rPr>
+              <a:t>Git</a:t>
+            </a:r>
+            <a:r>
+              <a:rPr lang="ja-JP" altLang="en-US" sz="4400" b="0" cap="none" spc="0" dirty="0">
+                <a:ln w="0"/>
+                <a:solidFill>
+                  <a:schemeClr val="tx1"/>
+                </a:solidFill>
+                <a:effectLst>
+                  <a:outerShdw blurRad="38100" dist="19050" dir="2700000" algn="tl" rotWithShape="0">
+                    <a:schemeClr val="dk1">
+                      <a:alpha val="40000"/>
+                    </a:schemeClr>
+                  </a:outerShdw>
+                </a:effectLst>
+              </a:rPr>
+              <a:t>をインストール後</a:t>
+            </a:r>
+            <a:endParaRPr lang="en-US" altLang="ja-JP" sz="4400" b="0" cap="none" spc="0" dirty="0">
+              <a:ln w="0"/>
+              <a:solidFill>
+                <a:schemeClr val="tx1"/>
+              </a:solidFill>
+              <a:effectLst>
+                <a:outerShdw blurRad="38100" dist="19050" dir="2700000" algn="tl" rotWithShape="0">
+                  <a:schemeClr val="dk1">
+                    <a:alpha val="40000"/>
+                  </a:schemeClr>
+                </a:outerShdw>
+              </a:effectLst>
+            </a:endParaRPr>
+          </a:p>
+          <a:p>
+            <a:r>
+              <a:rPr lang="ja-JP" altLang="en-US" sz="4400" dirty="0">
+                <a:ln w="0"/>
+                <a:effectLst>
+                  <a:outerShdw blurRad="38100" dist="19050" dir="2700000" algn="tl" rotWithShape="0">
+                    <a:schemeClr val="dk1">
+                      <a:alpha val="40000"/>
+                    </a:schemeClr>
+                  </a:outerShdw>
+                </a:effectLst>
+              </a:rPr>
+              <a:t>リポジトリにするフォルダ内を右クリックし</a:t>
+            </a:r>
+            <a:endParaRPr lang="en-US" altLang="ja-JP" sz="4400" dirty="0">
+              <a:ln w="0"/>
+              <a:effectLst>
+                <a:outerShdw blurRad="38100" dist="19050" dir="2700000" algn="tl" rotWithShape="0">
+                  <a:schemeClr val="dk1">
+                    <a:alpha val="40000"/>
+                  </a:schemeClr>
+                </a:outerShdw>
+              </a:effectLst>
+            </a:endParaRPr>
+          </a:p>
+          <a:p>
+            <a:r>
+              <a:rPr lang="en-US" altLang="ja-JP" sz="4400" dirty="0">
+                <a:ln w="0"/>
+                <a:effectLst>
+                  <a:outerShdw blurRad="38100" dist="19050" dir="2700000" algn="tl" rotWithShape="0">
+                    <a:schemeClr val="dk1">
+                      <a:alpha val="40000"/>
+                    </a:schemeClr>
+                  </a:outerShdw>
+                </a:effectLst>
+              </a:rPr>
+              <a:t>Git Bash  here(</a:t>
+            </a:r>
+            <a:r>
+              <a:rPr lang="ja-JP" altLang="en-US" sz="4400" dirty="0">
+                <a:ln w="0"/>
+                <a:effectLst>
+                  <a:outerShdw blurRad="38100" dist="19050" dir="2700000" algn="tl" rotWithShape="0">
+                    <a:schemeClr val="dk1">
+                      <a:alpha val="40000"/>
+                    </a:schemeClr>
+                  </a:outerShdw>
+                </a:effectLst>
+              </a:rPr>
+              <a:t>もしくはコマンドライン</a:t>
+            </a:r>
+            <a:r>
+              <a:rPr lang="en-US" altLang="ja-JP" sz="4400" dirty="0">
+                <a:ln w="0"/>
+                <a:effectLst>
+                  <a:outerShdw blurRad="38100" dist="19050" dir="2700000" algn="tl" rotWithShape="0">
+                    <a:schemeClr val="dk1">
+                      <a:alpha val="40000"/>
+                    </a:schemeClr>
+                  </a:outerShdw>
+                </a:effectLst>
+              </a:rPr>
+              <a:t>)</a:t>
+            </a:r>
+            <a:r>
+              <a:rPr lang="ja-JP" altLang="en-US" sz="4400" dirty="0">
+                <a:ln w="0"/>
+                <a:effectLst>
+                  <a:outerShdw blurRad="38100" dist="19050" dir="2700000" algn="tl" rotWithShape="0">
+                    <a:schemeClr val="dk1">
+                      <a:alpha val="40000"/>
+                    </a:schemeClr>
+                  </a:outerShdw>
+                </a:effectLst>
+              </a:rPr>
+              <a:t>から</a:t>
+            </a:r>
+            <a:endParaRPr lang="en-US" altLang="ja-JP" sz="4400" dirty="0">
+              <a:ln w="0"/>
+              <a:effectLst>
+                <a:outerShdw blurRad="38100" dist="19050" dir="2700000" algn="tl" rotWithShape="0">
+                  <a:schemeClr val="dk1">
+                    <a:alpha val="40000"/>
+                  </a:schemeClr>
+                </a:outerShdw>
+              </a:effectLst>
+            </a:endParaRPr>
+          </a:p>
+          <a:p>
+            <a:pPr algn="ctr"/>
+            <a:r>
+              <a:rPr lang="ja-JP" altLang="en-US" sz="4400" dirty="0">
+                <a:ln w="0"/>
+                <a:effectLst>
+                  <a:outerShdw blurRad="38100" dist="19050" dir="2700000" algn="tl" rotWithShape="0">
+                    <a:schemeClr val="dk1">
+                      <a:alpha val="40000"/>
+                    </a:schemeClr>
+                  </a:outerShdw>
+                </a:effectLst>
+              </a:rPr>
+              <a:t>  </a:t>
+            </a:r>
+            <a:r>
+              <a:rPr lang="en-US" altLang="ja-JP" sz="4400" dirty="0">
+                <a:ln w="0"/>
+                <a:solidFill>
+                  <a:schemeClr val="bg1"/>
+                </a:solidFill>
+                <a:effectLst>
+                  <a:outerShdw blurRad="38100" dist="19050" dir="2700000" algn="tl" rotWithShape="0">
+                    <a:schemeClr val="dk1">
+                      <a:alpha val="40000"/>
+                    </a:schemeClr>
+                  </a:outerShdw>
+                </a:effectLst>
+                <a:highlight>
+                  <a:srgbClr val="000000"/>
+                </a:highlight>
+              </a:rPr>
+              <a:t>$ git </a:t>
+            </a:r>
+            <a:r>
+              <a:rPr lang="en-US" altLang="ja-JP" sz="4400" b="0" cap="none" spc="0" dirty="0" err="1">
+                <a:ln w="0"/>
+                <a:solidFill>
+                  <a:schemeClr val="bg1"/>
+                </a:solidFill>
+                <a:effectLst>
+                  <a:outerShdw blurRad="38100" dist="19050" dir="2700000" algn="tl" rotWithShape="0">
+                    <a:schemeClr val="dk1">
+                      <a:alpha val="40000"/>
+                    </a:schemeClr>
+                  </a:outerShdw>
+                </a:effectLst>
+                <a:highlight>
+                  <a:srgbClr val="000000"/>
+                </a:highlight>
+              </a:rPr>
+              <a:t>in</a:t>
+            </a:r>
+            <a:r>
+              <a:rPr lang="en-US" altLang="ja-JP" sz="4400" dirty="0" err="1">
+                <a:ln w="0"/>
+                <a:solidFill>
+                  <a:schemeClr val="bg1"/>
+                </a:solidFill>
+                <a:effectLst>
+                  <a:outerShdw blurRad="38100" dist="19050" dir="2700000" algn="tl" rotWithShape="0">
+                    <a:schemeClr val="dk1">
+                      <a:alpha val="40000"/>
+                    </a:schemeClr>
+                  </a:outerShdw>
+                </a:effectLst>
+                <a:highlight>
+                  <a:srgbClr val="000000"/>
+                </a:highlight>
+              </a:rPr>
+              <a:t>it</a:t>
+            </a:r>
+            <a:r>
+              <a:rPr lang="ja-JP" altLang="en-US" sz="4400" dirty="0">
+                <a:ln w="0"/>
+                <a:solidFill>
+                  <a:schemeClr val="bg1"/>
+                </a:solidFill>
+                <a:effectLst>
+                  <a:outerShdw blurRad="38100" dist="19050" dir="2700000" algn="tl" rotWithShape="0">
+                    <a:schemeClr val="dk1">
+                      <a:alpha val="40000"/>
+                    </a:schemeClr>
+                  </a:outerShdw>
+                </a:effectLst>
+              </a:rPr>
+              <a:t>　</a:t>
+            </a:r>
+            <a:r>
+              <a:rPr lang="en-US" altLang="ja-JP" sz="4400" dirty="0">
+                <a:ln w="0"/>
+                <a:solidFill>
+                  <a:schemeClr val="bg1"/>
+                </a:solidFill>
+                <a:effectLst>
+                  <a:outerShdw blurRad="38100" dist="19050" dir="2700000" algn="tl" rotWithShape="0">
+                    <a:schemeClr val="dk1">
+                      <a:alpha val="40000"/>
+                    </a:schemeClr>
+                  </a:outerShdw>
+                </a:effectLst>
+              </a:rPr>
+              <a:t> </a:t>
+            </a:r>
+            <a:r>
+              <a:rPr lang="en-US" altLang="ja-JP" sz="4400" dirty="0">
+                <a:ln w="0"/>
+                <a:solidFill>
+                  <a:schemeClr val="bg1"/>
+                </a:solidFill>
+                <a:effectLst>
+                  <a:outerShdw blurRad="38100" dist="19050" dir="2700000" algn="tl" rotWithShape="0">
+                    <a:schemeClr val="dk1">
+                      <a:alpha val="40000"/>
+                    </a:schemeClr>
+                  </a:outerShdw>
+                </a:effectLst>
+                <a:highlight>
+                  <a:srgbClr val="000000"/>
+                </a:highlight>
+              </a:rPr>
+              <a:t> </a:t>
+            </a:r>
+          </a:p>
+          <a:p>
+            <a:r>
+              <a:rPr lang="ja-JP" altLang="en-US" sz="4400" dirty="0">
+                <a:ln w="0"/>
+                <a:effectLst>
+                  <a:outerShdw blurRad="38100" dist="19050" dir="2700000" algn="tl" rotWithShape="0">
+                    <a:schemeClr val="dk1">
+                      <a:alpha val="40000"/>
+                    </a:schemeClr>
+                  </a:outerShdw>
+                </a:effectLst>
+              </a:rPr>
+              <a:t>と打ち込めば</a:t>
+            </a:r>
+            <a:r>
+              <a:rPr lang="en-US" altLang="ja-JP" sz="4400" dirty="0">
+                <a:ln w="0"/>
+                <a:effectLst>
+                  <a:outerShdw blurRad="38100" dist="19050" dir="2700000" algn="tl" rotWithShape="0">
+                    <a:schemeClr val="dk1">
+                      <a:alpha val="40000"/>
+                    </a:schemeClr>
+                  </a:outerShdw>
+                </a:effectLst>
+              </a:rPr>
+              <a:t>.git</a:t>
+            </a:r>
+            <a:r>
+              <a:rPr lang="ja-JP" altLang="en-US" sz="4400" dirty="0">
+                <a:ln w="0"/>
+                <a:effectLst>
+                  <a:outerShdw blurRad="38100" dist="19050" dir="2700000" algn="tl" rotWithShape="0">
+                    <a:schemeClr val="dk1">
+                      <a:alpha val="40000"/>
+                    </a:schemeClr>
+                  </a:outerShdw>
+                </a:effectLst>
+              </a:rPr>
+              <a:t>が作られリポジトリとなる。</a:t>
+            </a:r>
+            <a:endParaRPr lang="ja-JP" altLang="en-US" sz="4400" b="0" cap="none" spc="0" dirty="0">
+              <a:ln w="0"/>
+              <a:solidFill>
+                <a:schemeClr val="tx1"/>
+              </a:solidFill>
+              <a:effectLst>
+                <a:outerShdw blurRad="38100" dist="19050" dir="2700000" algn="tl" rotWithShape="0">
+                  <a:schemeClr val="dk1">
+                    <a:alpha val="40000"/>
+                  </a:schemeClr>
+                </a:outerShdw>
+              </a:effectLst>
+            </a:endParaRPr>
+          </a:p>
+        </p:txBody>
+      </p:sp>
+      <p:grpSp>
+        <p:nvGrpSpPr>
+          <p:cNvPr id="12" name="グループ化 11">
+            <a:extLst>
+              <a:ext uri="{FF2B5EF4-FFF2-40B4-BE49-F238E27FC236}">
+                <a16:creationId xmlns:a16="http://schemas.microsoft.com/office/drawing/2014/main" id="{848679D3-5D4E-460A-8D9F-BE87AAB0B5D8}"/>
+              </a:ext>
+            </a:extLst>
+          </p:cNvPr>
+          <p:cNvGrpSpPr/>
+          <p:nvPr/>
+        </p:nvGrpSpPr>
+        <p:grpSpPr>
+          <a:xfrm>
+            <a:off x="896236" y="4844487"/>
+            <a:ext cx="3937656" cy="1479136"/>
+            <a:chOff x="896236" y="4844487"/>
+            <a:chExt cx="3937656" cy="1479136"/>
+          </a:xfrm>
+        </p:grpSpPr>
+        <p:pic>
+          <p:nvPicPr>
+            <p:cNvPr id="6" name="図 5">
+              <a:extLst>
+                <a:ext uri="{FF2B5EF4-FFF2-40B4-BE49-F238E27FC236}">
+                  <a16:creationId xmlns:a16="http://schemas.microsoft.com/office/drawing/2014/main" id="{4E209F37-1C04-470B-935D-091A25E775DE}"/>
+                </a:ext>
+              </a:extLst>
+            </p:cNvPr>
+            <p:cNvPicPr>
+              <a:picLocks noChangeAspect="1"/>
+            </p:cNvPicPr>
+            <p:nvPr/>
+          </p:nvPicPr>
+          <p:blipFill rotWithShape="1">
+            <a:blip r:embed="rId2"/>
+            <a:srcRect r="54080"/>
+            <a:stretch/>
+          </p:blipFill>
+          <p:spPr>
+            <a:xfrm>
+              <a:off x="896236" y="4844487"/>
+              <a:ext cx="3409434" cy="1479136"/>
+            </a:xfrm>
+            <a:prstGeom prst="rect">
+              <a:avLst/>
+            </a:prstGeom>
+          </p:spPr>
+        </p:pic>
+        <p:sp>
+          <p:nvSpPr>
+            <p:cNvPr id="9" name="矢印: 左 8">
+              <a:extLst>
+                <a:ext uri="{FF2B5EF4-FFF2-40B4-BE49-F238E27FC236}">
+                  <a16:creationId xmlns:a16="http://schemas.microsoft.com/office/drawing/2014/main" id="{87BD4F7B-89F7-4EE6-A997-DE8E5559C546}"/>
+                </a:ext>
+              </a:extLst>
+            </p:cNvPr>
+            <p:cNvSpPr/>
+            <p:nvPr/>
+          </p:nvSpPr>
+          <p:spPr>
+            <a:xfrm>
+              <a:off x="4043779" y="5708342"/>
+              <a:ext cx="790113" cy="381740"/>
+            </a:xfrm>
+            <a:prstGeom prst="leftArrow">
+              <a:avLst/>
+            </a:prstGeom>
+            <a:solidFill>
+              <a:srgbClr val="FFC000"/>
+            </a:solidFill>
+            <a:ln>
+              <a:solidFill>
+                <a:srgbClr val="FF0000"/>
+              </a:solidFill>
+            </a:ln>
+          </p:spPr>
+          <p:style>
+            <a:lnRef idx="2">
+              <a:schemeClr val="accent2">
+                <a:shade val="50000"/>
+              </a:schemeClr>
+            </a:lnRef>
+            <a:fillRef idx="1">
+              <a:schemeClr val="accent2"/>
+            </a:fillRef>
+            <a:effectRef idx="0">
+              <a:schemeClr val="accent2"/>
+            </a:effectRef>
+            <a:fontRef idx="minor">
+              <a:schemeClr val="lt1"/>
+            </a:fontRef>
+          </p:style>
+          <p:txBody>
+            <a:bodyPr rtlCol="0" anchor="ctr"/>
+            <a:lstStyle/>
+            <a:p>
+              <a:pPr algn="ctr"/>
+              <a:endParaRPr kumimoji="1" lang="ja-JP" altLang="en-US"/>
+            </a:p>
+          </p:txBody>
+        </p:sp>
+      </p:grpSp>
+      <p:pic>
+        <p:nvPicPr>
+          <p:cNvPr id="14" name="図 13">
+            <a:extLst>
+              <a:ext uri="{FF2B5EF4-FFF2-40B4-BE49-F238E27FC236}">
+                <a16:creationId xmlns:a16="http://schemas.microsoft.com/office/drawing/2014/main" id="{A4267821-9CCA-47CF-ACB4-820D2D445059}"/>
+              </a:ext>
+            </a:extLst>
+          </p:cNvPr>
+          <p:cNvPicPr>
+            <a:picLocks noChangeAspect="1"/>
+          </p:cNvPicPr>
+          <p:nvPr/>
+        </p:nvPicPr>
+        <p:blipFill>
+          <a:blip r:embed="rId3"/>
+          <a:stretch>
+            <a:fillRect/>
+          </a:stretch>
+        </p:blipFill>
+        <p:spPr>
+          <a:xfrm>
+            <a:off x="5199767" y="4844487"/>
+            <a:ext cx="6651387" cy="597525"/>
+          </a:xfrm>
+          <a:prstGeom prst="rect">
+            <a:avLst/>
+          </a:prstGeom>
+        </p:spPr>
+      </p:pic>
+    </p:spTree>
+    <p:extLst>
+      <p:ext uri="{BB962C8B-B14F-4D97-AF65-F5344CB8AC3E}">
+        <p14:creationId xmlns:p14="http://schemas.microsoft.com/office/powerpoint/2010/main" val="2945140515"/>
+      </p:ext>
+    </p:extLst>
+  </p:cSld>
+  <p:clrMapOvr>
+    <a:masterClrMapping/>
+  </p:clrMapOvr>
+</p:sld>
+</file>
+
+<file path=ppt/slides/slide12.xml><?xml version="1.0" encoding="utf-8"?>
+<p:sld xmlns:a="http://schemas.openxmlformats.org/drawingml/2006/main" xmlns:r="http://schemas.openxmlformats.org/officeDocument/2006/relationships" xmlns:p="http://schemas.openxmlformats.org/presentationml/2006/main">
+  <p:cSld>
+    <p:spTree>
+      <p:nvGrpSpPr>
+        <p:cNvPr id="1" name=""/>
+        <p:cNvGrpSpPr/>
+        <p:nvPr/>
+      </p:nvGrpSpPr>
+      <p:grpSpPr>
+        <a:xfrm>
+          <a:off x="0" y="0"/>
+          <a:ext cx="0" cy="0"/>
+          <a:chOff x="0" y="0"/>
+          <a:chExt cx="0" cy="0"/>
+        </a:xfrm>
+      </p:grpSpPr>
+      <p:sp>
+        <p:nvSpPr>
+          <p:cNvPr id="2" name="正方形/長方形 1">
+            <a:extLst>
+              <a:ext uri="{FF2B5EF4-FFF2-40B4-BE49-F238E27FC236}">
                 <a16:creationId xmlns:a16="http://schemas.microsoft.com/office/drawing/2014/main" id="{BCB341EC-3E4A-42F3-AFFE-E86454C0D177}"/>
               </a:ext>
             </a:extLst>
@@ -5316,7 +6541,7 @@
 </p:sld>
 </file>
 
-<file path=ppt/slides/slide11.xml><?xml version="1.0" encoding="utf-8"?>
+<file path=ppt/slides/slide13.xml><?xml version="1.0" encoding="utf-8"?>
 <p:sld xmlns:a="http://schemas.openxmlformats.org/drawingml/2006/main" xmlns:r="http://schemas.openxmlformats.org/officeDocument/2006/relationships" xmlns:p="http://schemas.openxmlformats.org/presentationml/2006/main">
   <p:cSld>
     <p:spTree>
@@ -5881,7 +7106,7 @@
 </p:sld>
 </file>
 
-<file path=ppt/slides/slide12.xml><?xml version="1.0" encoding="utf-8"?>
+<file path=ppt/slides/slide14.xml><?xml version="1.0" encoding="utf-8"?>
 <p:sld xmlns:a="http://schemas.openxmlformats.org/drawingml/2006/main" xmlns:r="http://schemas.openxmlformats.org/officeDocument/2006/relationships" xmlns:p="http://schemas.openxmlformats.org/presentationml/2006/main">
   <p:cSld>
     <p:spTree>
@@ -6254,7 +7479,7 @@
 </p:sld>
 </file>
 
-<file path=ppt/slides/slide13.xml><?xml version="1.0" encoding="utf-8"?>
+<file path=ppt/slides/slide15.xml><?xml version="1.0" encoding="utf-8"?>
 <p:sld xmlns:a="http://schemas.openxmlformats.org/drawingml/2006/main" xmlns:r="http://schemas.openxmlformats.org/officeDocument/2006/relationships" xmlns:p="http://schemas.openxmlformats.org/presentationml/2006/main">
   <p:cSld>
     <p:spTree>
@@ -6345,7 +7570,7 @@
 </p:sld>
 </file>
 
-<file path=ppt/slides/slide14.xml><?xml version="1.0" encoding="utf-8"?>
+<file path=ppt/slides/slide16.xml><?xml version="1.0" encoding="utf-8"?>
 <p:sld xmlns:a="http://schemas.openxmlformats.org/drawingml/2006/main" xmlns:r="http://schemas.openxmlformats.org/officeDocument/2006/relationships" xmlns:p="http://schemas.openxmlformats.org/presentationml/2006/main">
   <p:cSld>
     <p:spTree>
@@ -9079,7 +10304,7 @@
 </p:sld>
 </file>
 
-<file path=ppt/slides/slide15.xml><?xml version="1.0" encoding="utf-8"?>
+<file path=ppt/slides/slide17.xml><?xml version="1.0" encoding="utf-8"?>
 <p:sld xmlns:a="http://schemas.openxmlformats.org/drawingml/2006/main" xmlns:r="http://schemas.openxmlformats.org/officeDocument/2006/relationships" xmlns:p="http://schemas.openxmlformats.org/presentationml/2006/main">
   <p:cSld>
     <p:spTree>
@@ -11024,7 +12249,7 @@
 </p:sld>
 </file>
 
-<file path=ppt/slides/slide16.xml><?xml version="1.0" encoding="utf-8"?>
+<file path=ppt/slides/slide18.xml><?xml version="1.0" encoding="utf-8"?>
 <p:sld xmlns:a="http://schemas.openxmlformats.org/drawingml/2006/main" xmlns:r="http://schemas.openxmlformats.org/officeDocument/2006/relationships" xmlns:p="http://schemas.openxmlformats.org/presentationml/2006/main">
   <p:cSld>
     <p:spTree>
@@ -12398,7 +13623,7 @@
 </p:sld>
 </file>
 
-<file path=ppt/slides/slide17.xml><?xml version="1.0" encoding="utf-8"?>
+<file path=ppt/slides/slide19.xml><?xml version="1.0" encoding="utf-8"?>
 <p:sld xmlns:a="http://schemas.openxmlformats.org/drawingml/2006/main" xmlns:r="http://schemas.openxmlformats.org/officeDocument/2006/relationships" xmlns:p="http://schemas.openxmlformats.org/presentationml/2006/main">
   <p:cSld>
     <p:spTree>
@@ -13772,7 +14997,249 @@
 </p:sld>
 </file>
 
-<file path=ppt/slides/slide18.xml><?xml version="1.0" encoding="utf-8"?>
+<file path=ppt/slides/slide2.xml><?xml version="1.0" encoding="utf-8"?>
+<p:sld xmlns:a="http://schemas.openxmlformats.org/drawingml/2006/main" xmlns:r="http://schemas.openxmlformats.org/officeDocument/2006/relationships" xmlns:p="http://schemas.openxmlformats.org/presentationml/2006/main">
+  <p:cSld>
+    <p:spTree>
+      <p:nvGrpSpPr>
+        <p:cNvPr id="1" name=""/>
+        <p:cNvGrpSpPr/>
+        <p:nvPr/>
+      </p:nvGrpSpPr>
+      <p:grpSpPr>
+        <a:xfrm>
+          <a:off x="0" y="0"/>
+          <a:ext cx="0" cy="0"/>
+          <a:chOff x="0" y="0"/>
+          <a:chExt cx="0" cy="0"/>
+        </a:xfrm>
+      </p:grpSpPr>
+      <p:sp>
+        <p:nvSpPr>
+          <p:cNvPr id="2" name="タイトル 1">
+            <a:extLst>
+              <a:ext uri="{FF2B5EF4-FFF2-40B4-BE49-F238E27FC236}">
+                <a16:creationId xmlns:a16="http://schemas.microsoft.com/office/drawing/2014/main" id="{CAEE8ACE-9429-4287-BD97-21D83511B467}"/>
+              </a:ext>
+            </a:extLst>
+          </p:cNvPr>
+          <p:cNvSpPr>
+            <a:spLocks noGrp="1"/>
+          </p:cNvSpPr>
+          <p:nvPr>
+            <p:ph type="ctrTitle"/>
+          </p:nvPr>
+        </p:nvSpPr>
+        <p:spPr>
+          <a:xfrm>
+            <a:off x="529701" y="360123"/>
+            <a:ext cx="1876147" cy="998161"/>
+          </a:xfrm>
+        </p:spPr>
+        <p:txBody>
+          <a:bodyPr/>
+          <a:lstStyle/>
+          <a:p>
+            <a:r>
+              <a:rPr kumimoji="1" lang="ja-JP" altLang="en-US" b="1" dirty="0"/>
+              <a:t>目次</a:t>
+            </a:r>
+          </a:p>
+        </p:txBody>
+      </p:sp>
+      <p:sp>
+        <p:nvSpPr>
+          <p:cNvPr id="3" name="タイトル 1">
+            <a:extLst>
+              <a:ext uri="{FF2B5EF4-FFF2-40B4-BE49-F238E27FC236}">
+                <a16:creationId xmlns:a16="http://schemas.microsoft.com/office/drawing/2014/main" id="{FF633CD8-3612-4D90-91A8-F87361D36C87}"/>
+              </a:ext>
+            </a:extLst>
+          </p:cNvPr>
+          <p:cNvSpPr txBox="1">
+            <a:spLocks/>
+          </p:cNvSpPr>
+          <p:nvPr/>
+        </p:nvSpPr>
+        <p:spPr>
+          <a:xfrm>
+            <a:off x="840419" y="1789428"/>
+            <a:ext cx="9687881" cy="1140203"/>
+          </a:xfrm>
+          <a:prstGeom prst="rect">
+            <a:avLst/>
+          </a:prstGeom>
+        </p:spPr>
+        <p:txBody>
+          <a:bodyPr vert="horz" lIns="91440" tIns="45720" rIns="91440" bIns="45720" rtlCol="0" anchor="b">
+            <a:normAutofit/>
+          </a:bodyPr>
+          <a:lstStyle>
+            <a:lvl1pPr algn="ctr" defTabSz="914400" rtl="0" eaLnBrk="1" latinLnBrk="0" hangingPunct="1">
+              <a:lnSpc>
+                <a:spcPct val="90000"/>
+              </a:lnSpc>
+              <a:spcBef>
+                <a:spcPct val="0"/>
+              </a:spcBef>
+              <a:buNone/>
+              <a:defRPr kumimoji="1" sz="6000" kern="1200">
+                <a:solidFill>
+                  <a:schemeClr val="tx1"/>
+                </a:solidFill>
+                <a:latin typeface="+mj-lt"/>
+                <a:ea typeface="+mj-ea"/>
+                <a:cs typeface="+mj-cs"/>
+              </a:defRPr>
+            </a:lvl1pPr>
+          </a:lstStyle>
+          <a:p>
+            <a:r>
+              <a:rPr lang="ja-JP" altLang="en-US" dirty="0"/>
+              <a:t>・</a:t>
+            </a:r>
+            <a:r>
+              <a:rPr lang="en-US" altLang="ja-JP" dirty="0"/>
+              <a:t>Git</a:t>
+            </a:r>
+            <a:r>
+              <a:rPr lang="ja-JP" altLang="en-US" dirty="0"/>
+              <a:t>の概要と基本操作</a:t>
+            </a:r>
+            <a:r>
+              <a:rPr lang="en-US" altLang="ja-JP" dirty="0"/>
+              <a:t>1,2,3</a:t>
+            </a:r>
+          </a:p>
+        </p:txBody>
+      </p:sp>
+      <p:sp>
+        <p:nvSpPr>
+          <p:cNvPr id="4" name="タイトル 1">
+            <a:extLst>
+              <a:ext uri="{FF2B5EF4-FFF2-40B4-BE49-F238E27FC236}">
+                <a16:creationId xmlns:a16="http://schemas.microsoft.com/office/drawing/2014/main" id="{597F529B-FA97-4ACA-83C5-0032B3175EAA}"/>
+              </a:ext>
+            </a:extLst>
+          </p:cNvPr>
+          <p:cNvSpPr txBox="1">
+            <a:spLocks/>
+          </p:cNvSpPr>
+          <p:nvPr/>
+        </p:nvSpPr>
+        <p:spPr>
+          <a:xfrm>
+            <a:off x="840419" y="3360775"/>
+            <a:ext cx="4077810" cy="1140203"/>
+          </a:xfrm>
+          <a:prstGeom prst="rect">
+            <a:avLst/>
+          </a:prstGeom>
+        </p:spPr>
+        <p:txBody>
+          <a:bodyPr vert="horz" lIns="91440" tIns="45720" rIns="91440" bIns="45720" rtlCol="0" anchor="b">
+            <a:normAutofit/>
+          </a:bodyPr>
+          <a:lstStyle>
+            <a:lvl1pPr algn="ctr" defTabSz="914400" rtl="0" eaLnBrk="1" latinLnBrk="0" hangingPunct="1">
+              <a:lnSpc>
+                <a:spcPct val="90000"/>
+              </a:lnSpc>
+              <a:spcBef>
+                <a:spcPct val="0"/>
+              </a:spcBef>
+              <a:buNone/>
+              <a:defRPr kumimoji="1" sz="6000" kern="1200">
+                <a:solidFill>
+                  <a:schemeClr val="tx1"/>
+                </a:solidFill>
+                <a:latin typeface="+mj-lt"/>
+                <a:ea typeface="+mj-ea"/>
+                <a:cs typeface="+mj-cs"/>
+              </a:defRPr>
+            </a:lvl1pPr>
+          </a:lstStyle>
+          <a:p>
+            <a:r>
+              <a:rPr lang="ja-JP" altLang="en-US" dirty="0"/>
+              <a:t>・ブランチ</a:t>
+            </a:r>
+          </a:p>
+        </p:txBody>
+      </p:sp>
+      <p:sp>
+        <p:nvSpPr>
+          <p:cNvPr id="5" name="タイトル 1">
+            <a:extLst>
+              <a:ext uri="{FF2B5EF4-FFF2-40B4-BE49-F238E27FC236}">
+                <a16:creationId xmlns:a16="http://schemas.microsoft.com/office/drawing/2014/main" id="{72E39F60-9970-460B-BA2C-E521F5D15069}"/>
+              </a:ext>
+            </a:extLst>
+          </p:cNvPr>
+          <p:cNvSpPr txBox="1">
+            <a:spLocks/>
+          </p:cNvSpPr>
+          <p:nvPr/>
+        </p:nvSpPr>
+        <p:spPr>
+          <a:xfrm>
+            <a:off x="281126" y="4932122"/>
+            <a:ext cx="4077810" cy="1140203"/>
+          </a:xfrm>
+          <a:prstGeom prst="rect">
+            <a:avLst/>
+          </a:prstGeom>
+        </p:spPr>
+        <p:txBody>
+          <a:bodyPr vert="horz" lIns="91440" tIns="45720" rIns="91440" bIns="45720" rtlCol="0" anchor="b">
+            <a:normAutofit/>
+          </a:bodyPr>
+          <a:lstStyle>
+            <a:lvl1pPr algn="ctr" defTabSz="914400" rtl="0" eaLnBrk="1" latinLnBrk="0" hangingPunct="1">
+              <a:lnSpc>
+                <a:spcPct val="90000"/>
+              </a:lnSpc>
+              <a:spcBef>
+                <a:spcPct val="0"/>
+              </a:spcBef>
+              <a:buNone/>
+              <a:defRPr kumimoji="1" sz="6000" kern="1200">
+                <a:solidFill>
+                  <a:schemeClr val="tx1"/>
+                </a:solidFill>
+                <a:latin typeface="+mj-lt"/>
+                <a:ea typeface="+mj-ea"/>
+                <a:cs typeface="+mj-cs"/>
+              </a:defRPr>
+            </a:lvl1pPr>
+          </a:lstStyle>
+          <a:p>
+            <a:r>
+              <a:rPr lang="ja-JP" altLang="en-US" dirty="0"/>
+              <a:t>・</a:t>
+            </a:r>
+            <a:r>
+              <a:rPr lang="en-US" altLang="ja-JP" dirty="0" err="1"/>
+              <a:t>github</a:t>
+            </a:r>
+            <a:endParaRPr lang="ja-JP" altLang="en-US" dirty="0"/>
+          </a:p>
+        </p:txBody>
+      </p:sp>
+    </p:spTree>
+    <p:extLst>
+      <p:ext uri="{BB962C8B-B14F-4D97-AF65-F5344CB8AC3E}">
+        <p14:creationId xmlns:p14="http://schemas.microsoft.com/office/powerpoint/2010/main" val="1466437024"/>
+      </p:ext>
+    </p:extLst>
+  </p:cSld>
+  <p:clrMapOvr>
+    <a:masterClrMapping/>
+  </p:clrMapOvr>
+</p:sld>
+</file>
+
+<file path=ppt/slides/slide20.xml><?xml version="1.0" encoding="utf-8"?>
 <p:sld xmlns:a="http://schemas.openxmlformats.org/drawingml/2006/main" xmlns:r="http://schemas.openxmlformats.org/officeDocument/2006/relationships" xmlns:p="http://schemas.openxmlformats.org/presentationml/2006/main">
   <p:cSld>
     <p:spTree>
@@ -15096,7 +16563,7 @@
 </p:sld>
 </file>
 
-<file path=ppt/slides/slide19.xml><?xml version="1.0" encoding="utf-8"?>
+<file path=ppt/slides/slide21.xml><?xml version="1.0" encoding="utf-8"?>
 <p:sld xmlns:a="http://schemas.openxmlformats.org/drawingml/2006/main" xmlns:r="http://schemas.openxmlformats.org/officeDocument/2006/relationships" xmlns:p="http://schemas.openxmlformats.org/presentationml/2006/main">
   <p:cSld>
     <p:spTree>
@@ -17208,249 +18675,7 @@
 </p:sld>
 </file>
 
-<file path=ppt/slides/slide2.xml><?xml version="1.0" encoding="utf-8"?>
-<p:sld xmlns:a="http://schemas.openxmlformats.org/drawingml/2006/main" xmlns:r="http://schemas.openxmlformats.org/officeDocument/2006/relationships" xmlns:p="http://schemas.openxmlformats.org/presentationml/2006/main">
-  <p:cSld>
-    <p:spTree>
-      <p:nvGrpSpPr>
-        <p:cNvPr id="1" name=""/>
-        <p:cNvGrpSpPr/>
-        <p:nvPr/>
-      </p:nvGrpSpPr>
-      <p:grpSpPr>
-        <a:xfrm>
-          <a:off x="0" y="0"/>
-          <a:ext cx="0" cy="0"/>
-          <a:chOff x="0" y="0"/>
-          <a:chExt cx="0" cy="0"/>
-        </a:xfrm>
-      </p:grpSpPr>
-      <p:sp>
-        <p:nvSpPr>
-          <p:cNvPr id="2" name="タイトル 1">
-            <a:extLst>
-              <a:ext uri="{FF2B5EF4-FFF2-40B4-BE49-F238E27FC236}">
-                <a16:creationId xmlns:a16="http://schemas.microsoft.com/office/drawing/2014/main" id="{CAEE8ACE-9429-4287-BD97-21D83511B467}"/>
-              </a:ext>
-            </a:extLst>
-          </p:cNvPr>
-          <p:cNvSpPr>
-            <a:spLocks noGrp="1"/>
-          </p:cNvSpPr>
-          <p:nvPr>
-            <p:ph type="ctrTitle"/>
-          </p:nvPr>
-        </p:nvSpPr>
-        <p:spPr>
-          <a:xfrm>
-            <a:off x="529701" y="360123"/>
-            <a:ext cx="1876147" cy="998161"/>
-          </a:xfrm>
-        </p:spPr>
-        <p:txBody>
-          <a:bodyPr/>
-          <a:lstStyle/>
-          <a:p>
-            <a:r>
-              <a:rPr kumimoji="1" lang="ja-JP" altLang="en-US" b="1" dirty="0"/>
-              <a:t>目次</a:t>
-            </a:r>
-          </a:p>
-        </p:txBody>
-      </p:sp>
-      <p:sp>
-        <p:nvSpPr>
-          <p:cNvPr id="3" name="タイトル 1">
-            <a:extLst>
-              <a:ext uri="{FF2B5EF4-FFF2-40B4-BE49-F238E27FC236}">
-                <a16:creationId xmlns:a16="http://schemas.microsoft.com/office/drawing/2014/main" id="{FF633CD8-3612-4D90-91A8-F87361D36C87}"/>
-              </a:ext>
-            </a:extLst>
-          </p:cNvPr>
-          <p:cNvSpPr txBox="1">
-            <a:spLocks/>
-          </p:cNvSpPr>
-          <p:nvPr/>
-        </p:nvSpPr>
-        <p:spPr>
-          <a:xfrm>
-            <a:off x="-378781" y="1789428"/>
-            <a:ext cx="9687881" cy="1140203"/>
-          </a:xfrm>
-          <a:prstGeom prst="rect">
-            <a:avLst/>
-          </a:prstGeom>
-        </p:spPr>
-        <p:txBody>
-          <a:bodyPr vert="horz" lIns="91440" tIns="45720" rIns="91440" bIns="45720" rtlCol="0" anchor="b">
-            <a:normAutofit/>
-          </a:bodyPr>
-          <a:lstStyle>
-            <a:lvl1pPr algn="ctr" defTabSz="914400" rtl="0" eaLnBrk="1" latinLnBrk="0" hangingPunct="1">
-              <a:lnSpc>
-                <a:spcPct val="90000"/>
-              </a:lnSpc>
-              <a:spcBef>
-                <a:spcPct val="0"/>
-              </a:spcBef>
-              <a:buNone/>
-              <a:defRPr kumimoji="1" sz="6000" kern="1200">
-                <a:solidFill>
-                  <a:schemeClr val="tx1"/>
-                </a:solidFill>
-                <a:latin typeface="+mj-lt"/>
-                <a:ea typeface="+mj-ea"/>
-                <a:cs typeface="+mj-cs"/>
-              </a:defRPr>
-            </a:lvl1pPr>
-          </a:lstStyle>
-          <a:p>
-            <a:r>
-              <a:rPr lang="ja-JP" altLang="en-US" dirty="0"/>
-              <a:t>・</a:t>
-            </a:r>
-            <a:r>
-              <a:rPr lang="en-US" altLang="ja-JP" dirty="0"/>
-              <a:t>Git</a:t>
-            </a:r>
-            <a:r>
-              <a:rPr lang="ja-JP" altLang="en-US" dirty="0"/>
-              <a:t>の基本操作</a:t>
-            </a:r>
-            <a:r>
-              <a:rPr lang="en-US" altLang="ja-JP" dirty="0"/>
-              <a:t>1,2,3</a:t>
-            </a:r>
-          </a:p>
-        </p:txBody>
-      </p:sp>
-      <p:sp>
-        <p:nvSpPr>
-          <p:cNvPr id="4" name="タイトル 1">
-            <a:extLst>
-              <a:ext uri="{FF2B5EF4-FFF2-40B4-BE49-F238E27FC236}">
-                <a16:creationId xmlns:a16="http://schemas.microsoft.com/office/drawing/2014/main" id="{597F529B-FA97-4ACA-83C5-0032B3175EAA}"/>
-              </a:ext>
-            </a:extLst>
-          </p:cNvPr>
-          <p:cNvSpPr txBox="1">
-            <a:spLocks/>
-          </p:cNvSpPr>
-          <p:nvPr/>
-        </p:nvSpPr>
-        <p:spPr>
-          <a:xfrm>
-            <a:off x="840419" y="3360775"/>
-            <a:ext cx="4077810" cy="1140203"/>
-          </a:xfrm>
-          <a:prstGeom prst="rect">
-            <a:avLst/>
-          </a:prstGeom>
-        </p:spPr>
-        <p:txBody>
-          <a:bodyPr vert="horz" lIns="91440" tIns="45720" rIns="91440" bIns="45720" rtlCol="0" anchor="b">
-            <a:normAutofit/>
-          </a:bodyPr>
-          <a:lstStyle>
-            <a:lvl1pPr algn="ctr" defTabSz="914400" rtl="0" eaLnBrk="1" latinLnBrk="0" hangingPunct="1">
-              <a:lnSpc>
-                <a:spcPct val="90000"/>
-              </a:lnSpc>
-              <a:spcBef>
-                <a:spcPct val="0"/>
-              </a:spcBef>
-              <a:buNone/>
-              <a:defRPr kumimoji="1" sz="6000" kern="1200">
-                <a:solidFill>
-                  <a:schemeClr val="tx1"/>
-                </a:solidFill>
-                <a:latin typeface="+mj-lt"/>
-                <a:ea typeface="+mj-ea"/>
-                <a:cs typeface="+mj-cs"/>
-              </a:defRPr>
-            </a:lvl1pPr>
-          </a:lstStyle>
-          <a:p>
-            <a:r>
-              <a:rPr lang="ja-JP" altLang="en-US" dirty="0"/>
-              <a:t>・ブランチ</a:t>
-            </a:r>
-          </a:p>
-        </p:txBody>
-      </p:sp>
-      <p:sp>
-        <p:nvSpPr>
-          <p:cNvPr id="5" name="タイトル 1">
-            <a:extLst>
-              <a:ext uri="{FF2B5EF4-FFF2-40B4-BE49-F238E27FC236}">
-                <a16:creationId xmlns:a16="http://schemas.microsoft.com/office/drawing/2014/main" id="{72E39F60-9970-460B-BA2C-E521F5D15069}"/>
-              </a:ext>
-            </a:extLst>
-          </p:cNvPr>
-          <p:cNvSpPr txBox="1">
-            <a:spLocks/>
-          </p:cNvSpPr>
-          <p:nvPr/>
-        </p:nvSpPr>
-        <p:spPr>
-          <a:xfrm>
-            <a:off x="281126" y="4932122"/>
-            <a:ext cx="4077810" cy="1140203"/>
-          </a:xfrm>
-          <a:prstGeom prst="rect">
-            <a:avLst/>
-          </a:prstGeom>
-        </p:spPr>
-        <p:txBody>
-          <a:bodyPr vert="horz" lIns="91440" tIns="45720" rIns="91440" bIns="45720" rtlCol="0" anchor="b">
-            <a:normAutofit/>
-          </a:bodyPr>
-          <a:lstStyle>
-            <a:lvl1pPr algn="ctr" defTabSz="914400" rtl="0" eaLnBrk="1" latinLnBrk="0" hangingPunct="1">
-              <a:lnSpc>
-                <a:spcPct val="90000"/>
-              </a:lnSpc>
-              <a:spcBef>
-                <a:spcPct val="0"/>
-              </a:spcBef>
-              <a:buNone/>
-              <a:defRPr kumimoji="1" sz="6000" kern="1200">
-                <a:solidFill>
-                  <a:schemeClr val="tx1"/>
-                </a:solidFill>
-                <a:latin typeface="+mj-lt"/>
-                <a:ea typeface="+mj-ea"/>
-                <a:cs typeface="+mj-cs"/>
-              </a:defRPr>
-            </a:lvl1pPr>
-          </a:lstStyle>
-          <a:p>
-            <a:r>
-              <a:rPr lang="ja-JP" altLang="en-US" dirty="0"/>
-              <a:t>・</a:t>
-            </a:r>
-            <a:r>
-              <a:rPr lang="en-US" altLang="ja-JP" dirty="0" err="1"/>
-              <a:t>github</a:t>
-            </a:r>
-            <a:endParaRPr lang="ja-JP" altLang="en-US" dirty="0"/>
-          </a:p>
-        </p:txBody>
-      </p:sp>
-    </p:spTree>
-    <p:extLst>
-      <p:ext uri="{BB962C8B-B14F-4D97-AF65-F5344CB8AC3E}">
-        <p14:creationId xmlns:p14="http://schemas.microsoft.com/office/powerpoint/2010/main" val="1466437024"/>
-      </p:ext>
-    </p:extLst>
-  </p:cSld>
-  <p:clrMapOvr>
-    <a:masterClrMapping/>
-  </p:clrMapOvr>
-</p:sld>
-</file>
-
-<file path=ppt/slides/slide20.xml><?xml version="1.0" encoding="utf-8"?>
+<file path=ppt/slides/slide22.xml><?xml version="1.0" encoding="utf-8"?>
 <p:sld xmlns:a="http://schemas.openxmlformats.org/drawingml/2006/main" xmlns:r="http://schemas.openxmlformats.org/officeDocument/2006/relationships" xmlns:p="http://schemas.openxmlformats.org/presentationml/2006/main">
   <p:cSld>
     <p:spTree>
@@ -17839,7 +19064,7 @@
 </p:sld>
 </file>
 
-<file path=ppt/slides/slide21.xml><?xml version="1.0" encoding="utf-8"?>
+<file path=ppt/slides/slide23.xml><?xml version="1.0" encoding="utf-8"?>
 <p:sld xmlns:a="http://schemas.openxmlformats.org/drawingml/2006/main" xmlns:r="http://schemas.openxmlformats.org/officeDocument/2006/relationships" xmlns:p="http://schemas.openxmlformats.org/presentationml/2006/main">
   <p:cSld>
     <p:spTree>
@@ -18256,7 +19481,7 @@
 </p:sld>
 </file>
 
-<file path=ppt/slides/slide22.xml><?xml version="1.0" encoding="utf-8"?>
+<file path=ppt/slides/slide24.xml><?xml version="1.0" encoding="utf-8"?>
 <p:sld xmlns:a="http://schemas.openxmlformats.org/drawingml/2006/main" xmlns:r="http://schemas.openxmlformats.org/officeDocument/2006/relationships" xmlns:p="http://schemas.openxmlformats.org/presentationml/2006/main">
   <p:cSld>
     <p:spTree>
@@ -18347,7 +19572,7 @@
 </p:sld>
 </file>
 
-<file path=ppt/slides/slide23.xml><?xml version="1.0" encoding="utf-8"?>
+<file path=ppt/slides/slide25.xml><?xml version="1.0" encoding="utf-8"?>
 <p:sld xmlns:a="http://schemas.openxmlformats.org/drawingml/2006/main" xmlns:r="http://schemas.openxmlformats.org/officeDocument/2006/relationships" xmlns:p="http://schemas.openxmlformats.org/presentationml/2006/main">
   <p:cSld>
     <p:spTree>
@@ -19533,7 +20758,7 @@
 </p:sld>
 </file>
 
-<file path=ppt/slides/slide24.xml><?xml version="1.0" encoding="utf-8"?>
+<file path=ppt/slides/slide26.xml><?xml version="1.0" encoding="utf-8"?>
 <p:sld xmlns:a="http://schemas.openxmlformats.org/drawingml/2006/main" xmlns:r="http://schemas.openxmlformats.org/officeDocument/2006/relationships" xmlns:p="http://schemas.openxmlformats.org/presentationml/2006/main" show="0">
   <p:cSld>
     <p:spTree>
@@ -21758,7 +22983,7 @@
 </p:sld>
 </file>
 
-<file path=ppt/slides/slide25.xml><?xml version="1.0" encoding="utf-8"?>
+<file path=ppt/slides/slide27.xml><?xml version="1.0" encoding="utf-8"?>
 <p:sld xmlns:a="http://schemas.openxmlformats.org/drawingml/2006/main" xmlns:r="http://schemas.openxmlformats.org/officeDocument/2006/relationships" xmlns:p="http://schemas.openxmlformats.org/presentationml/2006/main">
   <p:cSld>
     <p:spTree>
@@ -21841,7 +23066,7 @@
 </p:sld>
 </file>
 
-<file path=ppt/slides/slide26.xml><?xml version="1.0" encoding="utf-8"?>
+<file path=ppt/slides/slide28.xml><?xml version="1.0" encoding="utf-8"?>
 <p:sld xmlns:a="http://schemas.openxmlformats.org/drawingml/2006/main" xmlns:r="http://schemas.openxmlformats.org/officeDocument/2006/relationships" xmlns:p="http://schemas.openxmlformats.org/presentationml/2006/main">
   <p:cSld>
     <p:spTree>
@@ -23095,7 +24320,7 @@
 </p:sld>
 </file>
 
-<file path=ppt/slides/slide27.xml><?xml version="1.0" encoding="utf-8"?>
+<file path=ppt/slides/slide29.xml><?xml version="1.0" encoding="utf-8"?>
 <p:sld xmlns:a="http://schemas.openxmlformats.org/drawingml/2006/main" xmlns:r="http://schemas.openxmlformats.org/officeDocument/2006/relationships" xmlns:p="http://schemas.openxmlformats.org/presentationml/2006/main">
   <p:cSld>
     <p:spTree>
@@ -24956,66 +26181,6 @@
 </p:sld>
 </file>
 
-<file path=ppt/slides/slide28.xml><?xml version="1.0" encoding="utf-8"?>
-<p:sld xmlns:a="http://schemas.openxmlformats.org/drawingml/2006/main" xmlns:r="http://schemas.openxmlformats.org/officeDocument/2006/relationships" xmlns:p="http://schemas.openxmlformats.org/presentationml/2006/main">
-  <p:cSld>
-    <p:spTree>
-      <p:nvGrpSpPr>
-        <p:cNvPr id="1" name=""/>
-        <p:cNvGrpSpPr/>
-        <p:nvPr/>
-      </p:nvGrpSpPr>
-      <p:grpSpPr>
-        <a:xfrm>
-          <a:off x="0" y="0"/>
-          <a:ext cx="0" cy="0"/>
-          <a:chOff x="0" y="0"/>
-          <a:chExt cx="0" cy="0"/>
-        </a:xfrm>
-      </p:grpSpPr>
-    </p:spTree>
-    <p:extLst>
-      <p:ext uri="{BB962C8B-B14F-4D97-AF65-F5344CB8AC3E}">
-        <p14:creationId xmlns:p14="http://schemas.microsoft.com/office/powerpoint/2010/main" val="1850120062"/>
-      </p:ext>
-    </p:extLst>
-  </p:cSld>
-  <p:clrMapOvr>
-    <a:masterClrMapping/>
-  </p:clrMapOvr>
-</p:sld>
-</file>
-
-<file path=ppt/slides/slide29.xml><?xml version="1.0" encoding="utf-8"?>
-<p:sld xmlns:a="http://schemas.openxmlformats.org/drawingml/2006/main" xmlns:r="http://schemas.openxmlformats.org/officeDocument/2006/relationships" xmlns:p="http://schemas.openxmlformats.org/presentationml/2006/main">
-  <p:cSld>
-    <p:spTree>
-      <p:nvGrpSpPr>
-        <p:cNvPr id="1" name=""/>
-        <p:cNvGrpSpPr/>
-        <p:nvPr/>
-      </p:nvGrpSpPr>
-      <p:grpSpPr>
-        <a:xfrm>
-          <a:off x="0" y="0"/>
-          <a:ext cx="0" cy="0"/>
-          <a:chOff x="0" y="0"/>
-          <a:chExt cx="0" cy="0"/>
-        </a:xfrm>
-      </p:grpSpPr>
-    </p:spTree>
-    <p:extLst>
-      <p:ext uri="{BB962C8B-B14F-4D97-AF65-F5344CB8AC3E}">
-        <p14:creationId xmlns:p14="http://schemas.microsoft.com/office/powerpoint/2010/main" val="1507002179"/>
-      </p:ext>
-    </p:extLst>
-  </p:cSld>
-  <p:clrMapOvr>
-    <a:masterClrMapping/>
-  </p:clrMapOvr>
-</p:sld>
-</file>
-
 <file path=ppt/slides/slide3.xml><?xml version="1.0" encoding="utf-8"?>
 <p:sld xmlns:a="http://schemas.openxmlformats.org/drawingml/2006/main" xmlns:r="http://schemas.openxmlformats.org/officeDocument/2006/relationships" xmlns:p="http://schemas.openxmlformats.org/presentationml/2006/main">
   <p:cSld>
@@ -25085,13 +26250,8 @@
             </a:r>
             <a:r>
               <a:rPr lang="ja-JP" altLang="en-US" dirty="0"/>
-              <a:t>の操作</a:t>
-            </a:r>
-            <a:r>
-              <a:rPr lang="en-US" altLang="ja-JP" dirty="0"/>
-              <a:t>1</a:t>
-            </a:r>
-            <a:endParaRPr lang="ja-JP" altLang="en-US" dirty="0"/>
+              <a:t>の概要</a:t>
+            </a:r>
           </a:p>
         </p:txBody>
       </p:sp>
@@ -25099,6 +26259,66 @@
     <p:extLst>
       <p:ext uri="{BB962C8B-B14F-4D97-AF65-F5344CB8AC3E}">
         <p14:creationId xmlns:p14="http://schemas.microsoft.com/office/powerpoint/2010/main" val="1748947351"/>
+      </p:ext>
+    </p:extLst>
+  </p:cSld>
+  <p:clrMapOvr>
+    <a:masterClrMapping/>
+  </p:clrMapOvr>
+</p:sld>
+</file>
+
+<file path=ppt/slides/slide30.xml><?xml version="1.0" encoding="utf-8"?>
+<p:sld xmlns:a="http://schemas.openxmlformats.org/drawingml/2006/main" xmlns:r="http://schemas.openxmlformats.org/officeDocument/2006/relationships" xmlns:p="http://schemas.openxmlformats.org/presentationml/2006/main">
+  <p:cSld>
+    <p:spTree>
+      <p:nvGrpSpPr>
+        <p:cNvPr id="1" name=""/>
+        <p:cNvGrpSpPr/>
+        <p:nvPr/>
+      </p:nvGrpSpPr>
+      <p:grpSpPr>
+        <a:xfrm>
+          <a:off x="0" y="0"/>
+          <a:ext cx="0" cy="0"/>
+          <a:chOff x="0" y="0"/>
+          <a:chExt cx="0" cy="0"/>
+        </a:xfrm>
+      </p:grpSpPr>
+    </p:spTree>
+    <p:extLst>
+      <p:ext uri="{BB962C8B-B14F-4D97-AF65-F5344CB8AC3E}">
+        <p14:creationId xmlns:p14="http://schemas.microsoft.com/office/powerpoint/2010/main" val="1850120062"/>
+      </p:ext>
+    </p:extLst>
+  </p:cSld>
+  <p:clrMapOvr>
+    <a:masterClrMapping/>
+  </p:clrMapOvr>
+</p:sld>
+</file>
+
+<file path=ppt/slides/slide31.xml><?xml version="1.0" encoding="utf-8"?>
+<p:sld xmlns:a="http://schemas.openxmlformats.org/drawingml/2006/main" xmlns:r="http://schemas.openxmlformats.org/officeDocument/2006/relationships" xmlns:p="http://schemas.openxmlformats.org/presentationml/2006/main">
+  <p:cSld>
+    <p:spTree>
+      <p:nvGrpSpPr>
+        <p:cNvPr id="1" name=""/>
+        <p:cNvGrpSpPr/>
+        <p:nvPr/>
+      </p:nvGrpSpPr>
+      <p:grpSpPr>
+        <a:xfrm>
+          <a:off x="0" y="0"/>
+          <a:ext cx="0" cy="0"/>
+          <a:chOff x="0" y="0"/>
+          <a:chExt cx="0" cy="0"/>
+        </a:xfrm>
+      </p:grpSpPr>
+    </p:spTree>
+    <p:extLst>
+      <p:ext uri="{BB962C8B-B14F-4D97-AF65-F5344CB8AC3E}">
+        <p14:creationId xmlns:p14="http://schemas.microsoft.com/office/powerpoint/2010/main" val="1507002179"/>
       </p:ext>
     </p:extLst>
   </p:cSld>
@@ -25125,324 +26345,6 @@
           <a:chExt cx="0" cy="0"/>
         </a:xfrm>
       </p:grpSpPr>
-      <p:pic>
-        <p:nvPicPr>
-          <p:cNvPr id="10" name="グラフィックス 9">
-            <a:extLst>
-              <a:ext uri="{FF2B5EF4-FFF2-40B4-BE49-F238E27FC236}">
-                <a16:creationId xmlns:a16="http://schemas.microsoft.com/office/drawing/2014/main" id="{C8E85283-BAD7-4C67-B599-B0F07C40C676}"/>
-              </a:ext>
-            </a:extLst>
-          </p:cNvPr>
-          <p:cNvPicPr>
-            <a:picLocks noChangeAspect="1"/>
-          </p:cNvPicPr>
-          <p:nvPr/>
-        </p:nvPicPr>
-        <p:blipFill>
-          <a:blip r:embed="rId2">
-            <a:extLst>
-              <a:ext uri="{28A0092B-C50C-407E-A947-70E740481C1C}">
-                <a14:useLocalDpi xmlns:a14="http://schemas.microsoft.com/office/drawing/2010/main" val="0"/>
-              </a:ext>
-              <a:ext uri="{96DAC541-7B7A-43D3-8B79-37D633B846F1}">
-                <asvg:svgBlip xmlns:asvg="http://schemas.microsoft.com/office/drawing/2016/SVG/main" r:embed="rId3"/>
-              </a:ext>
-              <a:ext uri="{837473B0-CC2E-450A-ABE3-18F120FF3D39}">
-                <a1611:picAttrSrcUrl xmlns:a1611="http://schemas.microsoft.com/office/drawing/2016/11/main" r:id="rId4"/>
-              </a:ext>
-            </a:extLst>
-          </a:blip>
-          <a:stretch>
-            <a:fillRect/>
-          </a:stretch>
-        </p:blipFill>
-        <p:spPr>
-          <a:xfrm>
-            <a:off x="202513" y="1226098"/>
-            <a:ext cx="5631902" cy="5631902"/>
-          </a:xfrm>
-          <a:prstGeom prst="rect">
-            <a:avLst/>
-          </a:prstGeom>
-        </p:spPr>
-      </p:pic>
-      <p:grpSp>
-        <p:nvGrpSpPr>
-          <p:cNvPr id="7" name="グループ化 6">
-            <a:extLst>
-              <a:ext uri="{FF2B5EF4-FFF2-40B4-BE49-F238E27FC236}">
-                <a16:creationId xmlns:a16="http://schemas.microsoft.com/office/drawing/2014/main" id="{FF63357C-66CE-407F-9B24-363A08657C8F}"/>
-              </a:ext>
-            </a:extLst>
-          </p:cNvPr>
-          <p:cNvGrpSpPr/>
-          <p:nvPr/>
-        </p:nvGrpSpPr>
-        <p:grpSpPr>
-          <a:xfrm>
-            <a:off x="2208551" y="3167472"/>
-            <a:ext cx="1619825" cy="1754326"/>
-            <a:chOff x="1114425" y="1885950"/>
-            <a:chExt cx="1981200" cy="2152650"/>
-          </a:xfrm>
-        </p:grpSpPr>
-        <p:sp>
-          <p:nvSpPr>
-            <p:cNvPr id="2" name="四角形: メモ 1">
-              <a:extLst>
-                <a:ext uri="{FF2B5EF4-FFF2-40B4-BE49-F238E27FC236}">
-                  <a16:creationId xmlns:a16="http://schemas.microsoft.com/office/drawing/2014/main" id="{04D823B3-EFBB-484A-866B-A66F52BB17C9}"/>
-                </a:ext>
-              </a:extLst>
-            </p:cNvPr>
-            <p:cNvSpPr/>
-            <p:nvPr/>
-          </p:nvSpPr>
-          <p:spPr>
-            <a:xfrm>
-              <a:off x="1114425" y="1885950"/>
-              <a:ext cx="1371600" cy="1543050"/>
-            </a:xfrm>
-            <a:prstGeom prst="foldedCorner">
-              <a:avLst/>
-            </a:prstGeom>
-          </p:spPr>
-          <p:style>
-            <a:lnRef idx="1">
-              <a:schemeClr val="accent3"/>
-            </a:lnRef>
-            <a:fillRef idx="2">
-              <a:schemeClr val="accent3"/>
-            </a:fillRef>
-            <a:effectRef idx="1">
-              <a:schemeClr val="accent3"/>
-            </a:effectRef>
-            <a:fontRef idx="minor">
-              <a:schemeClr val="dk1"/>
-            </a:fontRef>
-          </p:style>
-          <p:txBody>
-            <a:bodyPr rtlCol="0" anchor="ctr"/>
-            <a:lstStyle/>
-            <a:p>
-              <a:pPr algn="ctr"/>
-              <a:r>
-                <a:rPr kumimoji="1" lang="en-US" altLang="ja-JP" dirty="0"/>
-                <a:t>Data</a:t>
-              </a:r>
-              <a:r>
-                <a:rPr lang="en-US" altLang="ja-JP" dirty="0"/>
-                <a:t>1</a:t>
-              </a:r>
-              <a:endParaRPr kumimoji="1" lang="en-US" altLang="ja-JP" dirty="0"/>
-            </a:p>
-          </p:txBody>
-        </p:sp>
-        <p:sp>
-          <p:nvSpPr>
-            <p:cNvPr id="3" name="四角形: メモ 2">
-              <a:extLst>
-                <a:ext uri="{FF2B5EF4-FFF2-40B4-BE49-F238E27FC236}">
-                  <a16:creationId xmlns:a16="http://schemas.microsoft.com/office/drawing/2014/main" id="{63277EC5-E9BC-4D4C-99E1-4CAB50DFE435}"/>
-                </a:ext>
-              </a:extLst>
-            </p:cNvPr>
-            <p:cNvSpPr/>
-            <p:nvPr/>
-          </p:nvSpPr>
-          <p:spPr>
-            <a:xfrm>
-              <a:off x="1266825" y="2038350"/>
-              <a:ext cx="1371600" cy="1543050"/>
-            </a:xfrm>
-            <a:prstGeom prst="foldedCorner">
-              <a:avLst/>
-            </a:prstGeom>
-          </p:spPr>
-          <p:style>
-            <a:lnRef idx="1">
-              <a:schemeClr val="accent3"/>
-            </a:lnRef>
-            <a:fillRef idx="2">
-              <a:schemeClr val="accent3"/>
-            </a:fillRef>
-            <a:effectRef idx="1">
-              <a:schemeClr val="accent3"/>
-            </a:effectRef>
-            <a:fontRef idx="minor">
-              <a:schemeClr val="dk1"/>
-            </a:fontRef>
-          </p:style>
-          <p:txBody>
-            <a:bodyPr rtlCol="0" anchor="ctr"/>
-            <a:lstStyle/>
-            <a:p>
-              <a:pPr algn="ctr"/>
-              <a:r>
-                <a:rPr kumimoji="1" lang="en-US" altLang="ja-JP" dirty="0"/>
-                <a:t>Data</a:t>
-              </a:r>
-              <a:r>
-                <a:rPr lang="en-US" altLang="ja-JP" dirty="0"/>
-                <a:t>1</a:t>
-              </a:r>
-              <a:endParaRPr kumimoji="1" lang="en-US" altLang="ja-JP" dirty="0"/>
-            </a:p>
-          </p:txBody>
-        </p:sp>
-        <p:sp>
-          <p:nvSpPr>
-            <p:cNvPr id="4" name="四角形: メモ 3">
-              <a:extLst>
-                <a:ext uri="{FF2B5EF4-FFF2-40B4-BE49-F238E27FC236}">
-                  <a16:creationId xmlns:a16="http://schemas.microsoft.com/office/drawing/2014/main" id="{294E25E9-8CF0-4BBE-9F41-FEF6B6DEC690}"/>
-                </a:ext>
-              </a:extLst>
-            </p:cNvPr>
-            <p:cNvSpPr/>
-            <p:nvPr/>
-          </p:nvSpPr>
-          <p:spPr>
-            <a:xfrm>
-              <a:off x="1419225" y="2190750"/>
-              <a:ext cx="1371600" cy="1543050"/>
-            </a:xfrm>
-            <a:prstGeom prst="foldedCorner">
-              <a:avLst/>
-            </a:prstGeom>
-          </p:spPr>
-          <p:style>
-            <a:lnRef idx="1">
-              <a:schemeClr val="accent3"/>
-            </a:lnRef>
-            <a:fillRef idx="2">
-              <a:schemeClr val="accent3"/>
-            </a:fillRef>
-            <a:effectRef idx="1">
-              <a:schemeClr val="accent3"/>
-            </a:effectRef>
-            <a:fontRef idx="minor">
-              <a:schemeClr val="dk1"/>
-            </a:fontRef>
-          </p:style>
-          <p:txBody>
-            <a:bodyPr rtlCol="0" anchor="ctr"/>
-            <a:lstStyle/>
-            <a:p>
-              <a:pPr algn="ctr"/>
-              <a:r>
-                <a:rPr kumimoji="1" lang="en-US" altLang="ja-JP" dirty="0"/>
-                <a:t>Data</a:t>
-              </a:r>
-              <a:r>
-                <a:rPr lang="en-US" altLang="ja-JP" dirty="0"/>
-                <a:t>1</a:t>
-              </a:r>
-              <a:endParaRPr kumimoji="1" lang="en-US" altLang="ja-JP" dirty="0"/>
-            </a:p>
-          </p:txBody>
-        </p:sp>
-        <p:sp>
-          <p:nvSpPr>
-            <p:cNvPr id="5" name="四角形: メモ 4">
-              <a:extLst>
-                <a:ext uri="{FF2B5EF4-FFF2-40B4-BE49-F238E27FC236}">
-                  <a16:creationId xmlns:a16="http://schemas.microsoft.com/office/drawing/2014/main" id="{39AEE9D7-A829-42D9-8D0B-C5CEE3A5D226}"/>
-                </a:ext>
-              </a:extLst>
-            </p:cNvPr>
-            <p:cNvSpPr/>
-            <p:nvPr/>
-          </p:nvSpPr>
-          <p:spPr>
-            <a:xfrm>
-              <a:off x="1571625" y="2343150"/>
-              <a:ext cx="1371600" cy="1543050"/>
-            </a:xfrm>
-            <a:prstGeom prst="foldedCorner">
-              <a:avLst/>
-            </a:prstGeom>
-          </p:spPr>
-          <p:style>
-            <a:lnRef idx="1">
-              <a:schemeClr val="accent3"/>
-            </a:lnRef>
-            <a:fillRef idx="2">
-              <a:schemeClr val="accent3"/>
-            </a:fillRef>
-            <a:effectRef idx="1">
-              <a:schemeClr val="accent3"/>
-            </a:effectRef>
-            <a:fontRef idx="minor">
-              <a:schemeClr val="dk1"/>
-            </a:fontRef>
-          </p:style>
-          <p:txBody>
-            <a:bodyPr rtlCol="0" anchor="ctr"/>
-            <a:lstStyle/>
-            <a:p>
-              <a:pPr algn="ctr"/>
-              <a:r>
-                <a:rPr kumimoji="1" lang="en-US" altLang="ja-JP" dirty="0"/>
-                <a:t>Data</a:t>
-              </a:r>
-              <a:r>
-                <a:rPr lang="en-US" altLang="ja-JP" dirty="0"/>
-                <a:t>1</a:t>
-              </a:r>
-              <a:endParaRPr kumimoji="1" lang="en-US" altLang="ja-JP" dirty="0"/>
-            </a:p>
-          </p:txBody>
-        </p:sp>
-        <p:sp>
-          <p:nvSpPr>
-            <p:cNvPr id="6" name="四角形: メモ 5">
-              <a:extLst>
-                <a:ext uri="{FF2B5EF4-FFF2-40B4-BE49-F238E27FC236}">
-                  <a16:creationId xmlns:a16="http://schemas.microsoft.com/office/drawing/2014/main" id="{D541C089-98F1-4D95-A6E3-66CB40EC0F49}"/>
-                </a:ext>
-              </a:extLst>
-            </p:cNvPr>
-            <p:cNvSpPr/>
-            <p:nvPr/>
-          </p:nvSpPr>
-          <p:spPr>
-            <a:xfrm>
-              <a:off x="1724025" y="2495550"/>
-              <a:ext cx="1371600" cy="1543050"/>
-            </a:xfrm>
-            <a:prstGeom prst="foldedCorner">
-              <a:avLst/>
-            </a:prstGeom>
-          </p:spPr>
-          <p:style>
-            <a:lnRef idx="1">
-              <a:schemeClr val="accent3"/>
-            </a:lnRef>
-            <a:fillRef idx="2">
-              <a:schemeClr val="accent3"/>
-            </a:fillRef>
-            <a:effectRef idx="1">
-              <a:schemeClr val="accent3"/>
-            </a:effectRef>
-            <a:fontRef idx="minor">
-              <a:schemeClr val="dk1"/>
-            </a:fontRef>
-          </p:style>
-          <p:txBody>
-            <a:bodyPr rtlCol="0" anchor="ctr"/>
-            <a:lstStyle/>
-            <a:p>
-              <a:pPr algn="ctr"/>
-              <a:r>
-                <a:rPr kumimoji="1" lang="en-US" altLang="ja-JP" dirty="0"/>
-                <a:t>Data</a:t>
-              </a:r>
-            </a:p>
-          </p:txBody>
-        </p:sp>
-      </p:grpSp>
       <p:sp>
         <p:nvSpPr>
           <p:cNvPr id="11" name="正方形/長方形 10">
@@ -25458,7 +26360,7 @@
         <p:spPr>
           <a:xfrm>
             <a:off x="444771" y="414762"/>
-            <a:ext cx="8905002" cy="1508105"/>
+            <a:ext cx="11726287" cy="1508105"/>
           </a:xfrm>
           <a:prstGeom prst="rect">
             <a:avLst/>
@@ -25555,7 +26457,7 @@
                   </a:outerShdw>
                 </a:effectLst>
               </a:rPr>
-              <a:t>化して管理してくれる</a:t>
+              <a:t>化して変更履歴を管理してくれる</a:t>
             </a:r>
             <a:endParaRPr lang="ja-JP" altLang="en-US" sz="4400" b="0" cap="none" spc="0" dirty="0">
               <a:ln w="0"/>
@@ -25573,324 +26475,6 @@
           </a:p>
         </p:txBody>
       </p:sp>
-      <p:pic>
-        <p:nvPicPr>
-          <p:cNvPr id="13" name="グラフィックス 12">
-            <a:extLst>
-              <a:ext uri="{FF2B5EF4-FFF2-40B4-BE49-F238E27FC236}">
-                <a16:creationId xmlns:a16="http://schemas.microsoft.com/office/drawing/2014/main" id="{568AD760-B7ED-4C3A-977B-C2E71835CFDF}"/>
-              </a:ext>
-            </a:extLst>
-          </p:cNvPr>
-          <p:cNvPicPr>
-            <a:picLocks noChangeAspect="1"/>
-          </p:cNvPicPr>
-          <p:nvPr/>
-        </p:nvPicPr>
-        <p:blipFill>
-          <a:blip r:embed="rId2">
-            <a:extLst>
-              <a:ext uri="{28A0092B-C50C-407E-A947-70E740481C1C}">
-                <a14:useLocalDpi xmlns:a14="http://schemas.microsoft.com/office/drawing/2010/main" val="0"/>
-              </a:ext>
-              <a:ext uri="{96DAC541-7B7A-43D3-8B79-37D633B846F1}">
-                <asvg:svgBlip xmlns:asvg="http://schemas.microsoft.com/office/drawing/2016/SVG/main" r:embed="rId3"/>
-              </a:ext>
-              <a:ext uri="{837473B0-CC2E-450A-ABE3-18F120FF3D39}">
-                <a1611:picAttrSrcUrl xmlns:a1611="http://schemas.microsoft.com/office/drawing/2016/11/main" r:id="rId4"/>
-              </a:ext>
-            </a:extLst>
-          </a:blip>
-          <a:stretch>
-            <a:fillRect/>
-          </a:stretch>
-        </p:blipFill>
-        <p:spPr>
-          <a:xfrm>
-            <a:off x="5986815" y="1198445"/>
-            <a:ext cx="5631902" cy="5631902"/>
-          </a:xfrm>
-          <a:prstGeom prst="rect">
-            <a:avLst/>
-          </a:prstGeom>
-        </p:spPr>
-      </p:pic>
-      <p:grpSp>
-        <p:nvGrpSpPr>
-          <p:cNvPr id="20" name="グループ化 19">
-            <a:extLst>
-              <a:ext uri="{FF2B5EF4-FFF2-40B4-BE49-F238E27FC236}">
-                <a16:creationId xmlns:a16="http://schemas.microsoft.com/office/drawing/2014/main" id="{79716187-F930-47E5-84F7-F471CF4159FA}"/>
-              </a:ext>
-            </a:extLst>
-          </p:cNvPr>
-          <p:cNvGrpSpPr/>
-          <p:nvPr/>
-        </p:nvGrpSpPr>
-        <p:grpSpPr>
-          <a:xfrm>
-            <a:off x="6890281" y="3164886"/>
-            <a:ext cx="1619825" cy="1754326"/>
-            <a:chOff x="1114425" y="1885950"/>
-            <a:chExt cx="1981200" cy="2152650"/>
-          </a:xfrm>
-        </p:grpSpPr>
-        <p:sp>
-          <p:nvSpPr>
-            <p:cNvPr id="21" name="四角形: メモ 20">
-              <a:extLst>
-                <a:ext uri="{FF2B5EF4-FFF2-40B4-BE49-F238E27FC236}">
-                  <a16:creationId xmlns:a16="http://schemas.microsoft.com/office/drawing/2014/main" id="{8D6227BC-B01F-4525-A9AA-414AE7EC4188}"/>
-                </a:ext>
-              </a:extLst>
-            </p:cNvPr>
-            <p:cNvSpPr/>
-            <p:nvPr/>
-          </p:nvSpPr>
-          <p:spPr>
-            <a:xfrm>
-              <a:off x="1114425" y="1885950"/>
-              <a:ext cx="1371600" cy="1543050"/>
-            </a:xfrm>
-            <a:prstGeom prst="foldedCorner">
-              <a:avLst/>
-            </a:prstGeom>
-          </p:spPr>
-          <p:style>
-            <a:lnRef idx="1">
-              <a:schemeClr val="accent3"/>
-            </a:lnRef>
-            <a:fillRef idx="2">
-              <a:schemeClr val="accent3"/>
-            </a:fillRef>
-            <a:effectRef idx="1">
-              <a:schemeClr val="accent3"/>
-            </a:effectRef>
-            <a:fontRef idx="minor">
-              <a:schemeClr val="dk1"/>
-            </a:fontRef>
-          </p:style>
-          <p:txBody>
-            <a:bodyPr rtlCol="0" anchor="ctr"/>
-            <a:lstStyle/>
-            <a:p>
-              <a:pPr algn="ctr"/>
-              <a:r>
-                <a:rPr kumimoji="1" lang="en-US" altLang="ja-JP" dirty="0"/>
-                <a:t>Data</a:t>
-              </a:r>
-              <a:r>
-                <a:rPr lang="en-US" altLang="ja-JP" dirty="0"/>
-                <a:t>1</a:t>
-              </a:r>
-              <a:endParaRPr kumimoji="1" lang="en-US" altLang="ja-JP" dirty="0"/>
-            </a:p>
-          </p:txBody>
-        </p:sp>
-        <p:sp>
-          <p:nvSpPr>
-            <p:cNvPr id="22" name="四角形: メモ 21">
-              <a:extLst>
-                <a:ext uri="{FF2B5EF4-FFF2-40B4-BE49-F238E27FC236}">
-                  <a16:creationId xmlns:a16="http://schemas.microsoft.com/office/drawing/2014/main" id="{4ED77F93-7D43-4C79-B497-433F5938CBA8}"/>
-                </a:ext>
-              </a:extLst>
-            </p:cNvPr>
-            <p:cNvSpPr/>
-            <p:nvPr/>
-          </p:nvSpPr>
-          <p:spPr>
-            <a:xfrm>
-              <a:off x="1266825" y="2038350"/>
-              <a:ext cx="1371600" cy="1543050"/>
-            </a:xfrm>
-            <a:prstGeom prst="foldedCorner">
-              <a:avLst/>
-            </a:prstGeom>
-          </p:spPr>
-          <p:style>
-            <a:lnRef idx="1">
-              <a:schemeClr val="accent3"/>
-            </a:lnRef>
-            <a:fillRef idx="2">
-              <a:schemeClr val="accent3"/>
-            </a:fillRef>
-            <a:effectRef idx="1">
-              <a:schemeClr val="accent3"/>
-            </a:effectRef>
-            <a:fontRef idx="minor">
-              <a:schemeClr val="dk1"/>
-            </a:fontRef>
-          </p:style>
-          <p:txBody>
-            <a:bodyPr rtlCol="0" anchor="ctr"/>
-            <a:lstStyle/>
-            <a:p>
-              <a:pPr algn="ctr"/>
-              <a:r>
-                <a:rPr kumimoji="1" lang="en-US" altLang="ja-JP" dirty="0"/>
-                <a:t>Data</a:t>
-              </a:r>
-              <a:r>
-                <a:rPr lang="en-US" altLang="ja-JP" dirty="0"/>
-                <a:t>1</a:t>
-              </a:r>
-              <a:endParaRPr kumimoji="1" lang="en-US" altLang="ja-JP" dirty="0"/>
-            </a:p>
-          </p:txBody>
-        </p:sp>
-        <p:sp>
-          <p:nvSpPr>
-            <p:cNvPr id="23" name="四角形: メモ 22">
-              <a:extLst>
-                <a:ext uri="{FF2B5EF4-FFF2-40B4-BE49-F238E27FC236}">
-                  <a16:creationId xmlns:a16="http://schemas.microsoft.com/office/drawing/2014/main" id="{82655150-5CA6-4377-BCAE-F148E17421E6}"/>
-                </a:ext>
-              </a:extLst>
-            </p:cNvPr>
-            <p:cNvSpPr/>
-            <p:nvPr/>
-          </p:nvSpPr>
-          <p:spPr>
-            <a:xfrm>
-              <a:off x="1419225" y="2190750"/>
-              <a:ext cx="1371600" cy="1543050"/>
-            </a:xfrm>
-            <a:prstGeom prst="foldedCorner">
-              <a:avLst/>
-            </a:prstGeom>
-          </p:spPr>
-          <p:style>
-            <a:lnRef idx="1">
-              <a:schemeClr val="accent3"/>
-            </a:lnRef>
-            <a:fillRef idx="2">
-              <a:schemeClr val="accent3"/>
-            </a:fillRef>
-            <a:effectRef idx="1">
-              <a:schemeClr val="accent3"/>
-            </a:effectRef>
-            <a:fontRef idx="minor">
-              <a:schemeClr val="dk1"/>
-            </a:fontRef>
-          </p:style>
-          <p:txBody>
-            <a:bodyPr rtlCol="0" anchor="ctr"/>
-            <a:lstStyle/>
-            <a:p>
-              <a:pPr algn="ctr"/>
-              <a:r>
-                <a:rPr kumimoji="1" lang="en-US" altLang="ja-JP" dirty="0"/>
-                <a:t>Data</a:t>
-              </a:r>
-              <a:r>
-                <a:rPr lang="en-US" altLang="ja-JP" dirty="0"/>
-                <a:t>1</a:t>
-              </a:r>
-              <a:endParaRPr kumimoji="1" lang="en-US" altLang="ja-JP" dirty="0"/>
-            </a:p>
-          </p:txBody>
-        </p:sp>
-        <p:sp>
-          <p:nvSpPr>
-            <p:cNvPr id="24" name="四角形: メモ 23">
-              <a:extLst>
-                <a:ext uri="{FF2B5EF4-FFF2-40B4-BE49-F238E27FC236}">
-                  <a16:creationId xmlns:a16="http://schemas.microsoft.com/office/drawing/2014/main" id="{3C2ED1EF-8A00-45B5-9834-2807F4048290}"/>
-                </a:ext>
-              </a:extLst>
-            </p:cNvPr>
-            <p:cNvSpPr/>
-            <p:nvPr/>
-          </p:nvSpPr>
-          <p:spPr>
-            <a:xfrm>
-              <a:off x="1571625" y="2343150"/>
-              <a:ext cx="1371600" cy="1543050"/>
-            </a:xfrm>
-            <a:prstGeom prst="foldedCorner">
-              <a:avLst/>
-            </a:prstGeom>
-          </p:spPr>
-          <p:style>
-            <a:lnRef idx="1">
-              <a:schemeClr val="accent3"/>
-            </a:lnRef>
-            <a:fillRef idx="2">
-              <a:schemeClr val="accent3"/>
-            </a:fillRef>
-            <a:effectRef idx="1">
-              <a:schemeClr val="accent3"/>
-            </a:effectRef>
-            <a:fontRef idx="minor">
-              <a:schemeClr val="dk1"/>
-            </a:fontRef>
-          </p:style>
-          <p:txBody>
-            <a:bodyPr rtlCol="0" anchor="ctr"/>
-            <a:lstStyle/>
-            <a:p>
-              <a:pPr algn="ctr"/>
-              <a:r>
-                <a:rPr kumimoji="1" lang="en-US" altLang="ja-JP" dirty="0"/>
-                <a:t>Data</a:t>
-              </a:r>
-              <a:r>
-                <a:rPr lang="en-US" altLang="ja-JP" dirty="0"/>
-                <a:t>1</a:t>
-              </a:r>
-              <a:endParaRPr kumimoji="1" lang="en-US" altLang="ja-JP" dirty="0"/>
-            </a:p>
-          </p:txBody>
-        </p:sp>
-        <p:sp>
-          <p:nvSpPr>
-            <p:cNvPr id="25" name="四角形: メモ 24">
-              <a:extLst>
-                <a:ext uri="{FF2B5EF4-FFF2-40B4-BE49-F238E27FC236}">
-                  <a16:creationId xmlns:a16="http://schemas.microsoft.com/office/drawing/2014/main" id="{C1D19603-9396-4A55-9490-87E032C14D10}"/>
-                </a:ext>
-              </a:extLst>
-            </p:cNvPr>
-            <p:cNvSpPr/>
-            <p:nvPr/>
-          </p:nvSpPr>
-          <p:spPr>
-            <a:xfrm>
-              <a:off x="1724025" y="2495550"/>
-              <a:ext cx="1371600" cy="1543050"/>
-            </a:xfrm>
-            <a:prstGeom prst="foldedCorner">
-              <a:avLst/>
-            </a:prstGeom>
-          </p:spPr>
-          <p:style>
-            <a:lnRef idx="1">
-              <a:schemeClr val="accent3"/>
-            </a:lnRef>
-            <a:fillRef idx="2">
-              <a:schemeClr val="accent3"/>
-            </a:fillRef>
-            <a:effectRef idx="1">
-              <a:schemeClr val="accent3"/>
-            </a:effectRef>
-            <a:fontRef idx="minor">
-              <a:schemeClr val="dk1"/>
-            </a:fontRef>
-          </p:style>
-          <p:txBody>
-            <a:bodyPr rtlCol="0" anchor="ctr"/>
-            <a:lstStyle/>
-            <a:p>
-              <a:pPr algn="ctr"/>
-              <a:r>
-                <a:rPr kumimoji="1" lang="en-US" altLang="ja-JP" dirty="0"/>
-                <a:t>Data</a:t>
-              </a:r>
-            </a:p>
-          </p:txBody>
-        </p:sp>
-      </p:grpSp>
       <p:sp>
         <p:nvSpPr>
           <p:cNvPr id="33" name="矢印: ストライプ 32">
@@ -25937,83 +26521,858 @@
           </a:p>
         </p:txBody>
       </p:sp>
-      <p:sp>
-        <p:nvSpPr>
-          <p:cNvPr id="34" name="テキスト ボックス 33">
+      <p:grpSp>
+        <p:nvGrpSpPr>
+          <p:cNvPr id="8" name="グループ化 7">
             <a:extLst>
               <a:ext uri="{FF2B5EF4-FFF2-40B4-BE49-F238E27FC236}">
-                <a16:creationId xmlns:a16="http://schemas.microsoft.com/office/drawing/2014/main" id="{E9005904-4D1B-43C0-A98A-26DCBB6ACEB2}"/>
+                <a16:creationId xmlns:a16="http://schemas.microsoft.com/office/drawing/2014/main" id="{02DACC2B-864B-4A2F-BEC3-07F439B53AB5}"/>
               </a:ext>
             </a:extLst>
           </p:cNvPr>
-          <p:cNvSpPr txBox="1"/>
+          <p:cNvGrpSpPr/>
           <p:nvPr/>
-        </p:nvSpPr>
-        <p:spPr>
+        </p:nvGrpSpPr>
+        <p:grpSpPr>
           <a:xfrm>
-            <a:off x="976442" y="2446209"/>
-            <a:ext cx="1356711" cy="369332"/>
+            <a:off x="202513" y="1226098"/>
+            <a:ext cx="5631902" cy="5631902"/>
+            <a:chOff x="202513" y="1226098"/>
+            <a:chExt cx="5631902" cy="5631902"/>
           </a:xfrm>
-          <a:prstGeom prst="rect">
-            <a:avLst/>
-          </a:prstGeom>
-          <a:noFill/>
-        </p:spPr>
-        <p:txBody>
-          <a:bodyPr wrap="square" rtlCol="0">
-            <a:spAutoFit/>
-          </a:bodyPr>
-          <a:lstStyle/>
-          <a:p>
-            <a:r>
-              <a:rPr lang="ja-JP" altLang="en-US" dirty="0"/>
-              <a:t>フォルダ</a:t>
-            </a:r>
-            <a:endParaRPr kumimoji="1" lang="ja-JP" altLang="en-US" dirty="0"/>
-          </a:p>
-        </p:txBody>
-      </p:sp>
-      <p:sp>
-        <p:nvSpPr>
-          <p:cNvPr id="36" name="テキスト ボックス 35">
+        </p:grpSpPr>
+        <p:pic>
+          <p:nvPicPr>
+            <p:cNvPr id="10" name="グラフィックス 9">
+              <a:extLst>
+                <a:ext uri="{FF2B5EF4-FFF2-40B4-BE49-F238E27FC236}">
+                  <a16:creationId xmlns:a16="http://schemas.microsoft.com/office/drawing/2014/main" id="{C8E85283-BAD7-4C67-B599-B0F07C40C676}"/>
+                </a:ext>
+              </a:extLst>
+            </p:cNvPr>
+            <p:cNvPicPr>
+              <a:picLocks noChangeAspect="1"/>
+            </p:cNvPicPr>
+            <p:nvPr/>
+          </p:nvPicPr>
+          <p:blipFill>
+            <a:blip r:embed="rId3">
+              <a:extLst>
+                <a:ext uri="{28A0092B-C50C-407E-A947-70E740481C1C}">
+                  <a14:useLocalDpi xmlns:a14="http://schemas.microsoft.com/office/drawing/2010/main" val="0"/>
+                </a:ext>
+                <a:ext uri="{96DAC541-7B7A-43D3-8B79-37D633B846F1}">
+                  <asvg:svgBlip xmlns:asvg="http://schemas.microsoft.com/office/drawing/2016/SVG/main" r:embed="rId4"/>
+                </a:ext>
+                <a:ext uri="{837473B0-CC2E-450A-ABE3-18F120FF3D39}">
+                  <a1611:picAttrSrcUrl xmlns:a1611="http://schemas.microsoft.com/office/drawing/2016/11/main" r:id="rId5"/>
+                </a:ext>
+              </a:extLst>
+            </a:blip>
+            <a:stretch>
+              <a:fillRect/>
+            </a:stretch>
+          </p:blipFill>
+          <p:spPr>
+            <a:xfrm>
+              <a:off x="202513" y="1226098"/>
+              <a:ext cx="5631902" cy="5631902"/>
+            </a:xfrm>
+            <a:prstGeom prst="rect">
+              <a:avLst/>
+            </a:prstGeom>
+          </p:spPr>
+        </p:pic>
+        <p:grpSp>
+          <p:nvGrpSpPr>
+            <p:cNvPr id="7" name="グループ化 6">
+              <a:extLst>
+                <a:ext uri="{FF2B5EF4-FFF2-40B4-BE49-F238E27FC236}">
+                  <a16:creationId xmlns:a16="http://schemas.microsoft.com/office/drawing/2014/main" id="{FF63357C-66CE-407F-9B24-363A08657C8F}"/>
+                </a:ext>
+              </a:extLst>
+            </p:cNvPr>
+            <p:cNvGrpSpPr/>
+            <p:nvPr/>
+          </p:nvGrpSpPr>
+          <p:grpSpPr>
+            <a:xfrm>
+              <a:off x="2208551" y="3167472"/>
+              <a:ext cx="1619825" cy="1754326"/>
+              <a:chOff x="1114425" y="1885950"/>
+              <a:chExt cx="1981200" cy="2152650"/>
+            </a:xfrm>
+          </p:grpSpPr>
+          <p:sp>
+            <p:nvSpPr>
+              <p:cNvPr id="2" name="四角形: メモ 1">
+                <a:extLst>
+                  <a:ext uri="{FF2B5EF4-FFF2-40B4-BE49-F238E27FC236}">
+                    <a16:creationId xmlns:a16="http://schemas.microsoft.com/office/drawing/2014/main" id="{04D823B3-EFBB-484A-866B-A66F52BB17C9}"/>
+                  </a:ext>
+                </a:extLst>
+              </p:cNvPr>
+              <p:cNvSpPr/>
+              <p:nvPr/>
+            </p:nvSpPr>
+            <p:spPr>
+              <a:xfrm>
+                <a:off x="1114425" y="1885950"/>
+                <a:ext cx="1371600" cy="1543050"/>
+              </a:xfrm>
+              <a:prstGeom prst="foldedCorner">
+                <a:avLst/>
+              </a:prstGeom>
+            </p:spPr>
+            <p:style>
+              <a:lnRef idx="1">
+                <a:schemeClr val="accent3"/>
+              </a:lnRef>
+              <a:fillRef idx="2">
+                <a:schemeClr val="accent3"/>
+              </a:fillRef>
+              <a:effectRef idx="1">
+                <a:schemeClr val="accent3"/>
+              </a:effectRef>
+              <a:fontRef idx="minor">
+                <a:schemeClr val="dk1"/>
+              </a:fontRef>
+            </p:style>
+            <p:txBody>
+              <a:bodyPr rtlCol="0" anchor="ctr"/>
+              <a:lstStyle/>
+              <a:p>
+                <a:pPr algn="ctr"/>
+                <a:r>
+                  <a:rPr kumimoji="1" lang="en-US" altLang="ja-JP" dirty="0"/>
+                  <a:t>Data</a:t>
+                </a:r>
+                <a:r>
+                  <a:rPr lang="en-US" altLang="ja-JP" dirty="0"/>
+                  <a:t>1</a:t>
+                </a:r>
+                <a:endParaRPr kumimoji="1" lang="en-US" altLang="ja-JP" dirty="0"/>
+              </a:p>
+            </p:txBody>
+          </p:sp>
+          <p:sp>
+            <p:nvSpPr>
+              <p:cNvPr id="3" name="四角形: メモ 2">
+                <a:extLst>
+                  <a:ext uri="{FF2B5EF4-FFF2-40B4-BE49-F238E27FC236}">
+                    <a16:creationId xmlns:a16="http://schemas.microsoft.com/office/drawing/2014/main" id="{63277EC5-E9BC-4D4C-99E1-4CAB50DFE435}"/>
+                  </a:ext>
+                </a:extLst>
+              </p:cNvPr>
+              <p:cNvSpPr/>
+              <p:nvPr/>
+            </p:nvSpPr>
+            <p:spPr>
+              <a:xfrm>
+                <a:off x="1266825" y="2038350"/>
+                <a:ext cx="1371600" cy="1543050"/>
+              </a:xfrm>
+              <a:prstGeom prst="foldedCorner">
+                <a:avLst/>
+              </a:prstGeom>
+            </p:spPr>
+            <p:style>
+              <a:lnRef idx="1">
+                <a:schemeClr val="accent3"/>
+              </a:lnRef>
+              <a:fillRef idx="2">
+                <a:schemeClr val="accent3"/>
+              </a:fillRef>
+              <a:effectRef idx="1">
+                <a:schemeClr val="accent3"/>
+              </a:effectRef>
+              <a:fontRef idx="minor">
+                <a:schemeClr val="dk1"/>
+              </a:fontRef>
+            </p:style>
+            <p:txBody>
+              <a:bodyPr rtlCol="0" anchor="ctr"/>
+              <a:lstStyle/>
+              <a:p>
+                <a:pPr algn="ctr"/>
+                <a:r>
+                  <a:rPr kumimoji="1" lang="en-US" altLang="ja-JP" dirty="0"/>
+                  <a:t>Data</a:t>
+                </a:r>
+                <a:r>
+                  <a:rPr lang="en-US" altLang="ja-JP" dirty="0"/>
+                  <a:t>1</a:t>
+                </a:r>
+                <a:endParaRPr kumimoji="1" lang="en-US" altLang="ja-JP" dirty="0"/>
+              </a:p>
+            </p:txBody>
+          </p:sp>
+          <p:sp>
+            <p:nvSpPr>
+              <p:cNvPr id="4" name="四角形: メモ 3">
+                <a:extLst>
+                  <a:ext uri="{FF2B5EF4-FFF2-40B4-BE49-F238E27FC236}">
+                    <a16:creationId xmlns:a16="http://schemas.microsoft.com/office/drawing/2014/main" id="{294E25E9-8CF0-4BBE-9F41-FEF6B6DEC690}"/>
+                  </a:ext>
+                </a:extLst>
+              </p:cNvPr>
+              <p:cNvSpPr/>
+              <p:nvPr/>
+            </p:nvSpPr>
+            <p:spPr>
+              <a:xfrm>
+                <a:off x="1419225" y="2190750"/>
+                <a:ext cx="1371600" cy="1543050"/>
+              </a:xfrm>
+              <a:prstGeom prst="foldedCorner">
+                <a:avLst/>
+              </a:prstGeom>
+            </p:spPr>
+            <p:style>
+              <a:lnRef idx="1">
+                <a:schemeClr val="accent3"/>
+              </a:lnRef>
+              <a:fillRef idx="2">
+                <a:schemeClr val="accent3"/>
+              </a:fillRef>
+              <a:effectRef idx="1">
+                <a:schemeClr val="accent3"/>
+              </a:effectRef>
+              <a:fontRef idx="minor">
+                <a:schemeClr val="dk1"/>
+              </a:fontRef>
+            </p:style>
+            <p:txBody>
+              <a:bodyPr rtlCol="0" anchor="ctr"/>
+              <a:lstStyle/>
+              <a:p>
+                <a:pPr algn="ctr"/>
+                <a:r>
+                  <a:rPr kumimoji="1" lang="en-US" altLang="ja-JP" dirty="0"/>
+                  <a:t>Data</a:t>
+                </a:r>
+                <a:r>
+                  <a:rPr lang="en-US" altLang="ja-JP" dirty="0"/>
+                  <a:t>1</a:t>
+                </a:r>
+                <a:endParaRPr kumimoji="1" lang="en-US" altLang="ja-JP" dirty="0"/>
+              </a:p>
+            </p:txBody>
+          </p:sp>
+          <p:sp>
+            <p:nvSpPr>
+              <p:cNvPr id="5" name="四角形: メモ 4">
+                <a:extLst>
+                  <a:ext uri="{FF2B5EF4-FFF2-40B4-BE49-F238E27FC236}">
+                    <a16:creationId xmlns:a16="http://schemas.microsoft.com/office/drawing/2014/main" id="{39AEE9D7-A829-42D9-8D0B-C5CEE3A5D226}"/>
+                  </a:ext>
+                </a:extLst>
+              </p:cNvPr>
+              <p:cNvSpPr/>
+              <p:nvPr/>
+            </p:nvSpPr>
+            <p:spPr>
+              <a:xfrm>
+                <a:off x="1571625" y="2343150"/>
+                <a:ext cx="1371600" cy="1543050"/>
+              </a:xfrm>
+              <a:prstGeom prst="foldedCorner">
+                <a:avLst/>
+              </a:prstGeom>
+            </p:spPr>
+            <p:style>
+              <a:lnRef idx="1">
+                <a:schemeClr val="accent3"/>
+              </a:lnRef>
+              <a:fillRef idx="2">
+                <a:schemeClr val="accent3"/>
+              </a:fillRef>
+              <a:effectRef idx="1">
+                <a:schemeClr val="accent3"/>
+              </a:effectRef>
+              <a:fontRef idx="minor">
+                <a:schemeClr val="dk1"/>
+              </a:fontRef>
+            </p:style>
+            <p:txBody>
+              <a:bodyPr rtlCol="0" anchor="ctr"/>
+              <a:lstStyle/>
+              <a:p>
+                <a:pPr algn="ctr"/>
+                <a:r>
+                  <a:rPr kumimoji="1" lang="en-US" altLang="ja-JP" dirty="0"/>
+                  <a:t>Data</a:t>
+                </a:r>
+                <a:r>
+                  <a:rPr lang="en-US" altLang="ja-JP" dirty="0"/>
+                  <a:t>1</a:t>
+                </a:r>
+                <a:endParaRPr kumimoji="1" lang="en-US" altLang="ja-JP" dirty="0"/>
+              </a:p>
+            </p:txBody>
+          </p:sp>
+          <p:sp>
+            <p:nvSpPr>
+              <p:cNvPr id="6" name="四角形: メモ 5">
+                <a:extLst>
+                  <a:ext uri="{FF2B5EF4-FFF2-40B4-BE49-F238E27FC236}">
+                    <a16:creationId xmlns:a16="http://schemas.microsoft.com/office/drawing/2014/main" id="{D541C089-98F1-4D95-A6E3-66CB40EC0F49}"/>
+                  </a:ext>
+                </a:extLst>
+              </p:cNvPr>
+              <p:cNvSpPr/>
+              <p:nvPr/>
+            </p:nvSpPr>
+            <p:spPr>
+              <a:xfrm>
+                <a:off x="1724025" y="2495550"/>
+                <a:ext cx="1371600" cy="1543050"/>
+              </a:xfrm>
+              <a:prstGeom prst="foldedCorner">
+                <a:avLst/>
+              </a:prstGeom>
+            </p:spPr>
+            <p:style>
+              <a:lnRef idx="1">
+                <a:schemeClr val="accent3"/>
+              </a:lnRef>
+              <a:fillRef idx="2">
+                <a:schemeClr val="accent3"/>
+              </a:fillRef>
+              <a:effectRef idx="1">
+                <a:schemeClr val="accent3"/>
+              </a:effectRef>
+              <a:fontRef idx="minor">
+                <a:schemeClr val="dk1"/>
+              </a:fontRef>
+            </p:style>
+            <p:txBody>
+              <a:bodyPr rtlCol="0" anchor="ctr"/>
+              <a:lstStyle/>
+              <a:p>
+                <a:pPr algn="ctr"/>
+                <a:r>
+                  <a:rPr kumimoji="1" lang="en-US" altLang="ja-JP" dirty="0"/>
+                  <a:t>Data</a:t>
+                </a:r>
+              </a:p>
+            </p:txBody>
+          </p:sp>
+        </p:grpSp>
+        <p:sp>
+          <p:nvSpPr>
+            <p:cNvPr id="34" name="テキスト ボックス 33">
+              <a:extLst>
+                <a:ext uri="{FF2B5EF4-FFF2-40B4-BE49-F238E27FC236}">
+                  <a16:creationId xmlns:a16="http://schemas.microsoft.com/office/drawing/2014/main" id="{E9005904-4D1B-43C0-A98A-26DCBB6ACEB2}"/>
+                </a:ext>
+              </a:extLst>
+            </p:cNvPr>
+            <p:cNvSpPr txBox="1"/>
+            <p:nvPr/>
+          </p:nvSpPr>
+          <p:spPr>
+            <a:xfrm>
+              <a:off x="976442" y="2446209"/>
+              <a:ext cx="1356711" cy="369332"/>
+            </a:xfrm>
+            <a:prstGeom prst="rect">
+              <a:avLst/>
+            </a:prstGeom>
+            <a:noFill/>
+          </p:spPr>
+          <p:txBody>
+            <a:bodyPr wrap="square" rtlCol="0">
+              <a:spAutoFit/>
+            </a:bodyPr>
+            <a:lstStyle/>
+            <a:p>
+              <a:r>
+                <a:rPr lang="ja-JP" altLang="en-US" b="1" dirty="0"/>
+                <a:t>フォルダ</a:t>
+              </a:r>
+              <a:endParaRPr kumimoji="1" lang="ja-JP" altLang="en-US" b="1" dirty="0"/>
+            </a:p>
+          </p:txBody>
+        </p:sp>
+      </p:grpSp>
+      <p:grpSp>
+        <p:nvGrpSpPr>
+          <p:cNvPr id="26" name="グループ化 25">
             <a:extLst>
               <a:ext uri="{FF2B5EF4-FFF2-40B4-BE49-F238E27FC236}">
-                <a16:creationId xmlns:a16="http://schemas.microsoft.com/office/drawing/2014/main" id="{4FAC9AE2-5BCE-467D-AFB8-53AC3C9AD4E0}"/>
+                <a16:creationId xmlns:a16="http://schemas.microsoft.com/office/drawing/2014/main" id="{374B94E6-DB45-48A0-AF94-774EC93A0307}"/>
               </a:ext>
             </a:extLst>
           </p:cNvPr>
-          <p:cNvSpPr txBox="1"/>
+          <p:cNvGrpSpPr/>
           <p:nvPr/>
-        </p:nvSpPr>
-        <p:spPr>
+        </p:nvGrpSpPr>
+        <p:grpSpPr>
           <a:xfrm>
-            <a:off x="6654987" y="2422078"/>
-            <a:ext cx="1356711" cy="369332"/>
+            <a:off x="6234531" y="1350298"/>
+            <a:ext cx="5631902" cy="5631902"/>
+            <a:chOff x="5995693" y="1226098"/>
+            <a:chExt cx="5631902" cy="5631902"/>
           </a:xfrm>
-          <a:prstGeom prst="rect">
-            <a:avLst/>
-          </a:prstGeom>
-          <a:noFill/>
-        </p:spPr>
-        <p:txBody>
-          <a:bodyPr wrap="square" rtlCol="0">
-            <a:spAutoFit/>
-          </a:bodyPr>
-          <a:lstStyle/>
-          <a:p>
-            <a:r>
-              <a:rPr kumimoji="1" lang="ja-JP" altLang="en-US" dirty="0"/>
-              <a:t>リポジトリ</a:t>
-            </a:r>
-          </a:p>
-        </p:txBody>
-      </p:sp>
+        </p:grpSpPr>
+        <p:pic>
+          <p:nvPicPr>
+            <p:cNvPr id="27" name="グラフィックス 26">
+              <a:extLst>
+                <a:ext uri="{FF2B5EF4-FFF2-40B4-BE49-F238E27FC236}">
+                  <a16:creationId xmlns:a16="http://schemas.microsoft.com/office/drawing/2014/main" id="{853F2D55-1E1A-4A23-84F8-E69E20F55DDC}"/>
+                </a:ext>
+              </a:extLst>
+            </p:cNvPr>
+            <p:cNvPicPr>
+              <a:picLocks noChangeAspect="1"/>
+            </p:cNvPicPr>
+            <p:nvPr/>
+          </p:nvPicPr>
+          <p:blipFill>
+            <a:blip r:embed="rId3">
+              <a:extLst>
+                <a:ext uri="{28A0092B-C50C-407E-A947-70E740481C1C}">
+                  <a14:useLocalDpi xmlns:a14="http://schemas.microsoft.com/office/drawing/2010/main" val="0"/>
+                </a:ext>
+                <a:ext uri="{96DAC541-7B7A-43D3-8B79-37D633B846F1}">
+                  <asvg:svgBlip xmlns:asvg="http://schemas.microsoft.com/office/drawing/2016/SVG/main" r:embed="rId4"/>
+                </a:ext>
+                <a:ext uri="{837473B0-CC2E-450A-ABE3-18F120FF3D39}">
+                  <a1611:picAttrSrcUrl xmlns:a1611="http://schemas.microsoft.com/office/drawing/2016/11/main" r:id="rId5"/>
+                </a:ext>
+              </a:extLst>
+            </a:blip>
+            <a:stretch>
+              <a:fillRect/>
+            </a:stretch>
+          </p:blipFill>
+          <p:spPr>
+            <a:xfrm>
+              <a:off x="5995693" y="1226098"/>
+              <a:ext cx="5631902" cy="5631902"/>
+            </a:xfrm>
+            <a:prstGeom prst="rect">
+              <a:avLst/>
+            </a:prstGeom>
+          </p:spPr>
+        </p:pic>
+        <p:grpSp>
+          <p:nvGrpSpPr>
+            <p:cNvPr id="28" name="グループ化 27">
+              <a:extLst>
+                <a:ext uri="{FF2B5EF4-FFF2-40B4-BE49-F238E27FC236}">
+                  <a16:creationId xmlns:a16="http://schemas.microsoft.com/office/drawing/2014/main" id="{B6F92995-585D-4669-A334-F39C4716ABD3}"/>
+                </a:ext>
+              </a:extLst>
+            </p:cNvPr>
+            <p:cNvGrpSpPr/>
+            <p:nvPr/>
+          </p:nvGrpSpPr>
+          <p:grpSpPr>
+            <a:xfrm>
+              <a:off x="6890281" y="3164886"/>
+              <a:ext cx="1619825" cy="1754326"/>
+              <a:chOff x="1114425" y="1885950"/>
+              <a:chExt cx="1981200" cy="2152650"/>
+            </a:xfrm>
+          </p:grpSpPr>
+          <p:sp>
+            <p:nvSpPr>
+              <p:cNvPr id="31" name="四角形: メモ 30">
+                <a:extLst>
+                  <a:ext uri="{FF2B5EF4-FFF2-40B4-BE49-F238E27FC236}">
+                    <a16:creationId xmlns:a16="http://schemas.microsoft.com/office/drawing/2014/main" id="{24942F13-EFF7-4B66-B6D1-761ACD4DF901}"/>
+                  </a:ext>
+                </a:extLst>
+              </p:cNvPr>
+              <p:cNvSpPr/>
+              <p:nvPr/>
+            </p:nvSpPr>
+            <p:spPr>
+              <a:xfrm>
+                <a:off x="1114425" y="1885950"/>
+                <a:ext cx="1371600" cy="1543050"/>
+              </a:xfrm>
+              <a:prstGeom prst="foldedCorner">
+                <a:avLst/>
+              </a:prstGeom>
+            </p:spPr>
+            <p:style>
+              <a:lnRef idx="1">
+                <a:schemeClr val="accent3"/>
+              </a:lnRef>
+              <a:fillRef idx="2">
+                <a:schemeClr val="accent3"/>
+              </a:fillRef>
+              <a:effectRef idx="1">
+                <a:schemeClr val="accent3"/>
+              </a:effectRef>
+              <a:fontRef idx="minor">
+                <a:schemeClr val="dk1"/>
+              </a:fontRef>
+            </p:style>
+            <p:txBody>
+              <a:bodyPr rtlCol="0" anchor="ctr"/>
+              <a:lstStyle/>
+              <a:p>
+                <a:pPr algn="ctr"/>
+                <a:r>
+                  <a:rPr kumimoji="1" lang="en-US" altLang="ja-JP" dirty="0"/>
+                  <a:t>Data</a:t>
+                </a:r>
+                <a:r>
+                  <a:rPr lang="en-US" altLang="ja-JP" dirty="0"/>
+                  <a:t>1</a:t>
+                </a:r>
+                <a:endParaRPr kumimoji="1" lang="en-US" altLang="ja-JP" dirty="0"/>
+              </a:p>
+            </p:txBody>
+          </p:sp>
+          <p:sp>
+            <p:nvSpPr>
+              <p:cNvPr id="32" name="四角形: メモ 31">
+                <a:extLst>
+                  <a:ext uri="{FF2B5EF4-FFF2-40B4-BE49-F238E27FC236}">
+                    <a16:creationId xmlns:a16="http://schemas.microsoft.com/office/drawing/2014/main" id="{A2F5A194-C3CF-4267-91C4-BE0EC5C221F6}"/>
+                  </a:ext>
+                </a:extLst>
+              </p:cNvPr>
+              <p:cNvSpPr/>
+              <p:nvPr/>
+            </p:nvSpPr>
+            <p:spPr>
+              <a:xfrm>
+                <a:off x="1266825" y="2038350"/>
+                <a:ext cx="1371600" cy="1543050"/>
+              </a:xfrm>
+              <a:prstGeom prst="foldedCorner">
+                <a:avLst/>
+              </a:prstGeom>
+            </p:spPr>
+            <p:style>
+              <a:lnRef idx="1">
+                <a:schemeClr val="accent3"/>
+              </a:lnRef>
+              <a:fillRef idx="2">
+                <a:schemeClr val="accent3"/>
+              </a:fillRef>
+              <a:effectRef idx="1">
+                <a:schemeClr val="accent3"/>
+              </a:effectRef>
+              <a:fontRef idx="minor">
+                <a:schemeClr val="dk1"/>
+              </a:fontRef>
+            </p:style>
+            <p:txBody>
+              <a:bodyPr rtlCol="0" anchor="ctr"/>
+              <a:lstStyle/>
+              <a:p>
+                <a:pPr algn="ctr"/>
+                <a:r>
+                  <a:rPr kumimoji="1" lang="en-US" altLang="ja-JP" dirty="0"/>
+                  <a:t>Data</a:t>
+                </a:r>
+                <a:r>
+                  <a:rPr lang="en-US" altLang="ja-JP" dirty="0"/>
+                  <a:t>1</a:t>
+                </a:r>
+                <a:endParaRPr kumimoji="1" lang="en-US" altLang="ja-JP" dirty="0"/>
+              </a:p>
+            </p:txBody>
+          </p:sp>
+          <p:sp>
+            <p:nvSpPr>
+              <p:cNvPr id="35" name="四角形: メモ 34">
+                <a:extLst>
+                  <a:ext uri="{FF2B5EF4-FFF2-40B4-BE49-F238E27FC236}">
+                    <a16:creationId xmlns:a16="http://schemas.microsoft.com/office/drawing/2014/main" id="{D85606EA-1BEF-47D5-A127-8A27A1C50A04}"/>
+                  </a:ext>
+                </a:extLst>
+              </p:cNvPr>
+              <p:cNvSpPr/>
+              <p:nvPr/>
+            </p:nvSpPr>
+            <p:spPr>
+              <a:xfrm>
+                <a:off x="1419225" y="2190750"/>
+                <a:ext cx="1371600" cy="1543050"/>
+              </a:xfrm>
+              <a:prstGeom prst="foldedCorner">
+                <a:avLst/>
+              </a:prstGeom>
+            </p:spPr>
+            <p:style>
+              <a:lnRef idx="1">
+                <a:schemeClr val="accent3"/>
+              </a:lnRef>
+              <a:fillRef idx="2">
+                <a:schemeClr val="accent3"/>
+              </a:fillRef>
+              <a:effectRef idx="1">
+                <a:schemeClr val="accent3"/>
+              </a:effectRef>
+              <a:fontRef idx="minor">
+                <a:schemeClr val="dk1"/>
+              </a:fontRef>
+            </p:style>
+            <p:txBody>
+              <a:bodyPr rtlCol="0" anchor="ctr"/>
+              <a:lstStyle/>
+              <a:p>
+                <a:pPr algn="ctr"/>
+                <a:r>
+                  <a:rPr kumimoji="1" lang="en-US" altLang="ja-JP" dirty="0"/>
+                  <a:t>Data</a:t>
+                </a:r>
+                <a:r>
+                  <a:rPr lang="en-US" altLang="ja-JP" dirty="0"/>
+                  <a:t>1</a:t>
+                </a:r>
+                <a:endParaRPr kumimoji="1" lang="en-US" altLang="ja-JP" dirty="0"/>
+              </a:p>
+            </p:txBody>
+          </p:sp>
+          <p:sp>
+            <p:nvSpPr>
+              <p:cNvPr id="38" name="四角形: メモ 37">
+                <a:extLst>
+                  <a:ext uri="{FF2B5EF4-FFF2-40B4-BE49-F238E27FC236}">
+                    <a16:creationId xmlns:a16="http://schemas.microsoft.com/office/drawing/2014/main" id="{5BC0D051-7C4F-447F-8F01-3EA12645B6F3}"/>
+                  </a:ext>
+                </a:extLst>
+              </p:cNvPr>
+              <p:cNvSpPr/>
+              <p:nvPr/>
+            </p:nvSpPr>
+            <p:spPr>
+              <a:xfrm>
+                <a:off x="1571625" y="2343150"/>
+                <a:ext cx="1371600" cy="1543050"/>
+              </a:xfrm>
+              <a:prstGeom prst="foldedCorner">
+                <a:avLst/>
+              </a:prstGeom>
+            </p:spPr>
+            <p:style>
+              <a:lnRef idx="1">
+                <a:schemeClr val="accent3"/>
+              </a:lnRef>
+              <a:fillRef idx="2">
+                <a:schemeClr val="accent3"/>
+              </a:fillRef>
+              <a:effectRef idx="1">
+                <a:schemeClr val="accent3"/>
+              </a:effectRef>
+              <a:fontRef idx="minor">
+                <a:schemeClr val="dk1"/>
+              </a:fontRef>
+            </p:style>
+            <p:txBody>
+              <a:bodyPr rtlCol="0" anchor="ctr"/>
+              <a:lstStyle/>
+              <a:p>
+                <a:pPr algn="ctr"/>
+                <a:r>
+                  <a:rPr kumimoji="1" lang="en-US" altLang="ja-JP" dirty="0"/>
+                  <a:t>Data</a:t>
+                </a:r>
+                <a:r>
+                  <a:rPr lang="en-US" altLang="ja-JP" dirty="0"/>
+                  <a:t>1</a:t>
+                </a:r>
+                <a:endParaRPr kumimoji="1" lang="en-US" altLang="ja-JP" dirty="0"/>
+              </a:p>
+            </p:txBody>
+          </p:sp>
+          <p:sp>
+            <p:nvSpPr>
+              <p:cNvPr id="39" name="四角形: メモ 38">
+                <a:extLst>
+                  <a:ext uri="{FF2B5EF4-FFF2-40B4-BE49-F238E27FC236}">
+                    <a16:creationId xmlns:a16="http://schemas.microsoft.com/office/drawing/2014/main" id="{0FD227EF-3B71-4C2F-B9B3-8EC5DC73D1A6}"/>
+                  </a:ext>
+                </a:extLst>
+              </p:cNvPr>
+              <p:cNvSpPr/>
+              <p:nvPr/>
+            </p:nvSpPr>
+            <p:spPr>
+              <a:xfrm>
+                <a:off x="1724025" y="2495550"/>
+                <a:ext cx="1371600" cy="1543050"/>
+              </a:xfrm>
+              <a:prstGeom prst="foldedCorner">
+                <a:avLst/>
+              </a:prstGeom>
+            </p:spPr>
+            <p:style>
+              <a:lnRef idx="1">
+                <a:schemeClr val="accent3"/>
+              </a:lnRef>
+              <a:fillRef idx="2">
+                <a:schemeClr val="accent3"/>
+              </a:fillRef>
+              <a:effectRef idx="1">
+                <a:schemeClr val="accent3"/>
+              </a:effectRef>
+              <a:fontRef idx="minor">
+                <a:schemeClr val="dk1"/>
+              </a:fontRef>
+            </p:style>
+            <p:txBody>
+              <a:bodyPr rtlCol="0" anchor="ctr"/>
+              <a:lstStyle/>
+              <a:p>
+                <a:pPr algn="ctr"/>
+                <a:r>
+                  <a:rPr kumimoji="1" lang="en-US" altLang="ja-JP" dirty="0"/>
+                  <a:t>Data</a:t>
+                </a:r>
+              </a:p>
+            </p:txBody>
+          </p:sp>
+        </p:grpSp>
+        <p:sp>
+          <p:nvSpPr>
+            <p:cNvPr id="29" name="テキスト ボックス 28">
+              <a:extLst>
+                <a:ext uri="{FF2B5EF4-FFF2-40B4-BE49-F238E27FC236}">
+                  <a16:creationId xmlns:a16="http://schemas.microsoft.com/office/drawing/2014/main" id="{52990CC1-0DBF-4A89-8A31-2791A8340FB0}"/>
+                </a:ext>
+              </a:extLst>
+            </p:cNvPr>
+            <p:cNvSpPr txBox="1"/>
+            <p:nvPr/>
+          </p:nvSpPr>
+          <p:spPr>
+            <a:xfrm>
+              <a:off x="6654987" y="2422944"/>
+              <a:ext cx="1356711" cy="369332"/>
+            </a:xfrm>
+            <a:prstGeom prst="rect">
+              <a:avLst/>
+            </a:prstGeom>
+            <a:noFill/>
+          </p:spPr>
+          <p:txBody>
+            <a:bodyPr wrap="square" rtlCol="0">
+              <a:spAutoFit/>
+            </a:bodyPr>
+            <a:lstStyle/>
+            <a:p>
+              <a:r>
+                <a:rPr kumimoji="1" lang="ja-JP" altLang="en-US" b="1" dirty="0"/>
+                <a:t>リポジトリ</a:t>
+              </a:r>
+            </a:p>
+          </p:txBody>
+        </p:sp>
+        <p:sp>
+          <p:nvSpPr>
+            <p:cNvPr id="30" name="円柱 29">
+              <a:extLst>
+                <a:ext uri="{FF2B5EF4-FFF2-40B4-BE49-F238E27FC236}">
+                  <a16:creationId xmlns:a16="http://schemas.microsoft.com/office/drawing/2014/main" id="{9F4FD4D9-A767-4E8C-A4C5-F37FDA6ED6A1}"/>
+                </a:ext>
+              </a:extLst>
+            </p:cNvPr>
+            <p:cNvSpPr/>
+            <p:nvPr/>
+          </p:nvSpPr>
+          <p:spPr>
+            <a:xfrm>
+              <a:off x="8995752" y="3760038"/>
+              <a:ext cx="1888114" cy="1187076"/>
+            </a:xfrm>
+            <a:prstGeom prst="can">
+              <a:avLst>
+                <a:gd name="adj" fmla="val 22181"/>
+              </a:avLst>
+            </a:prstGeom>
+            <a:ln>
+              <a:solidFill>
+                <a:srgbClr val="5B9BD5"/>
+              </a:solidFill>
+            </a:ln>
+          </p:spPr>
+          <p:style>
+            <a:lnRef idx="2">
+              <a:schemeClr val="accent1"/>
+            </a:lnRef>
+            <a:fillRef idx="1">
+              <a:schemeClr val="lt1"/>
+            </a:fillRef>
+            <a:effectRef idx="0">
+              <a:schemeClr val="accent1"/>
+            </a:effectRef>
+            <a:fontRef idx="minor">
+              <a:schemeClr val="dk1"/>
+            </a:fontRef>
+          </p:style>
+          <p:txBody>
+            <a:bodyPr rtlCol="0" anchor="ctr"/>
+            <a:lstStyle/>
+            <a:p>
+              <a:pPr algn="ctr"/>
+              <a:r>
+                <a:rPr kumimoji="1" lang="en-US" altLang="ja-JP" sz="4400" b="1" dirty="0">
+                  <a:solidFill>
+                    <a:srgbClr val="FF0000"/>
+                  </a:solidFill>
+                  <a:latin typeface="ＭＳ Ｐ明朝" panose="02020600040205080304" pitchFamily="18" charset="-128"/>
+                  <a:ea typeface="ＭＳ Ｐ明朝" panose="02020600040205080304" pitchFamily="18" charset="-128"/>
+                </a:rPr>
+                <a:t>.git</a:t>
+              </a:r>
+              <a:endParaRPr kumimoji="1" lang="ja-JP" altLang="en-US" b="1" dirty="0">
+                <a:solidFill>
+                  <a:srgbClr val="FF0000"/>
+                </a:solidFill>
+                <a:latin typeface="ＭＳ Ｐ明朝" panose="02020600040205080304" pitchFamily="18" charset="-128"/>
+                <a:ea typeface="ＭＳ Ｐ明朝" panose="02020600040205080304" pitchFamily="18" charset="-128"/>
+              </a:endParaRPr>
+            </a:p>
+          </p:txBody>
+        </p:sp>
+      </p:grpSp>
+    </p:spTree>
+    <p:extLst>
+      <p:ext uri="{BB962C8B-B14F-4D97-AF65-F5344CB8AC3E}">
+        <p14:creationId xmlns:p14="http://schemas.microsoft.com/office/powerpoint/2010/main" val="2067389303"/>
+      </p:ext>
+    </p:extLst>
+  </p:cSld>
+  <p:clrMapOvr>
+    <a:masterClrMapping/>
+  </p:clrMapOvr>
+</p:sld>
+</file>
+
+<file path=ppt/slides/slide5.xml><?xml version="1.0" encoding="utf-8"?>
+<p:sld xmlns:a="http://schemas.openxmlformats.org/drawingml/2006/main" xmlns:r="http://schemas.openxmlformats.org/officeDocument/2006/relationships" xmlns:p="http://schemas.openxmlformats.org/presentationml/2006/main">
+  <p:cSld>
+    <p:spTree>
+      <p:nvGrpSpPr>
+        <p:cNvPr id="1" name=""/>
+        <p:cNvGrpSpPr/>
+        <p:nvPr/>
+      </p:nvGrpSpPr>
+      <p:grpSpPr>
+        <a:xfrm>
+          <a:off x="0" y="0"/>
+          <a:ext cx="0" cy="0"/>
+          <a:chOff x="0" y="0"/>
+          <a:chExt cx="0" cy="0"/>
+        </a:xfrm>
+      </p:grpSpPr>
       <p:sp>
         <p:nvSpPr>
-          <p:cNvPr id="37" name="円柱 36">
+          <p:cNvPr id="11" name="正方形/長方形 10">
             <a:extLst>
               <a:ext uri="{FF2B5EF4-FFF2-40B4-BE49-F238E27FC236}">
-                <a16:creationId xmlns:a16="http://schemas.microsoft.com/office/drawing/2014/main" id="{F698272B-A016-4872-A8F5-146887862F05}"/>
+                <a16:creationId xmlns:a16="http://schemas.microsoft.com/office/drawing/2014/main" id="{F680C336-9B31-44A7-9F56-D9D1FE63CD6E}"/>
               </a:ext>
             </a:extLst>
           </p:cNvPr>
@@ -26022,19 +27381,629 @@
         </p:nvSpPr>
         <p:spPr>
           <a:xfrm>
-            <a:off x="8995752" y="3760038"/>
-            <a:ext cx="1888114" cy="1187076"/>
+            <a:off x="444771" y="414762"/>
+            <a:ext cx="8648521" cy="1446550"/>
           </a:xfrm>
-          <a:prstGeom prst="can">
+          <a:prstGeom prst="rect">
+            <a:avLst/>
+          </a:prstGeom>
+          <a:noFill/>
+        </p:spPr>
+        <p:txBody>
+          <a:bodyPr wrap="none" lIns="91440" tIns="45720" rIns="91440" bIns="45720">
+            <a:spAutoFit/>
+          </a:bodyPr>
+          <a:lstStyle/>
+          <a:p>
+            <a:r>
+              <a:rPr lang="ja-JP" altLang="en-US" sz="4400" b="0" cap="none" spc="0" dirty="0">
+                <a:ln w="0"/>
+                <a:solidFill>
+                  <a:schemeClr val="tx1"/>
+                </a:solidFill>
+                <a:effectLst>
+                  <a:outerShdw blurRad="38100" dist="19050" dir="2700000" algn="tl" rotWithShape="0">
+                    <a:schemeClr val="dk1">
+                      <a:alpha val="40000"/>
+                    </a:schemeClr>
+                  </a:outerShdw>
+                </a:effectLst>
+              </a:rPr>
+              <a:t>リポジトリにはデータそのものや</a:t>
+            </a:r>
+            <a:endParaRPr lang="en-US" altLang="ja-JP" sz="4400" b="0" cap="none" spc="0" dirty="0">
+              <a:ln w="0"/>
+              <a:solidFill>
+                <a:schemeClr val="tx1"/>
+              </a:solidFill>
+              <a:effectLst>
+                <a:outerShdw blurRad="38100" dist="19050" dir="2700000" algn="tl" rotWithShape="0">
+                  <a:schemeClr val="dk1">
+                    <a:alpha val="40000"/>
+                  </a:schemeClr>
+                </a:outerShdw>
+              </a:effectLst>
+            </a:endParaRPr>
+          </a:p>
+          <a:p>
+            <a:r>
+              <a:rPr lang="ja-JP" altLang="en-US" sz="4400" dirty="0">
+                <a:ln w="0"/>
+                <a:effectLst>
+                  <a:outerShdw blurRad="38100" dist="19050" dir="2700000" algn="tl" rotWithShape="0">
+                    <a:schemeClr val="dk1">
+                      <a:alpha val="40000"/>
+                    </a:schemeClr>
+                  </a:outerShdw>
+                </a:effectLst>
+              </a:rPr>
+              <a:t>変更履歴</a:t>
+            </a:r>
+            <a:r>
+              <a:rPr lang="ja-JP" altLang="en-US" sz="4400" b="0" cap="none" spc="0" dirty="0">
+                <a:ln w="0"/>
+                <a:solidFill>
+                  <a:schemeClr val="tx1"/>
+                </a:solidFill>
+                <a:effectLst>
+                  <a:outerShdw blurRad="38100" dist="19050" dir="2700000" algn="tl" rotWithShape="0">
+                    <a:schemeClr val="dk1">
+                      <a:alpha val="40000"/>
+                    </a:schemeClr>
+                  </a:outerShdw>
+                </a:effectLst>
+              </a:rPr>
+              <a:t>の情報が保存される。</a:t>
+            </a:r>
+          </a:p>
+        </p:txBody>
+      </p:sp>
+      <p:grpSp>
+        <p:nvGrpSpPr>
+          <p:cNvPr id="8" name="グループ化 7">
+            <a:extLst>
+              <a:ext uri="{FF2B5EF4-FFF2-40B4-BE49-F238E27FC236}">
+                <a16:creationId xmlns:a16="http://schemas.microsoft.com/office/drawing/2014/main" id="{6DFBF3DC-396E-431B-95DA-9EEFADCFA6E1}"/>
+              </a:ext>
+            </a:extLst>
+          </p:cNvPr>
+          <p:cNvGrpSpPr/>
+          <p:nvPr/>
+        </p:nvGrpSpPr>
+        <p:grpSpPr>
+          <a:xfrm>
+            <a:off x="2950652" y="1184203"/>
+            <a:ext cx="5631902" cy="5631902"/>
+            <a:chOff x="5995693" y="1226098"/>
+            <a:chExt cx="5631902" cy="5631902"/>
+          </a:xfrm>
+        </p:grpSpPr>
+        <p:pic>
+          <p:nvPicPr>
+            <p:cNvPr id="13" name="グラフィックス 12">
+              <a:extLst>
+                <a:ext uri="{FF2B5EF4-FFF2-40B4-BE49-F238E27FC236}">
+                  <a16:creationId xmlns:a16="http://schemas.microsoft.com/office/drawing/2014/main" id="{568AD760-B7ED-4C3A-977B-C2E71835CFDF}"/>
+                </a:ext>
+              </a:extLst>
+            </p:cNvPr>
+            <p:cNvPicPr>
+              <a:picLocks noChangeAspect="1"/>
+            </p:cNvPicPr>
+            <p:nvPr/>
+          </p:nvPicPr>
+          <p:blipFill>
+            <a:blip r:embed="rId3">
+              <a:extLst>
+                <a:ext uri="{28A0092B-C50C-407E-A947-70E740481C1C}">
+                  <a14:useLocalDpi xmlns:a14="http://schemas.microsoft.com/office/drawing/2010/main" val="0"/>
+                </a:ext>
+                <a:ext uri="{96DAC541-7B7A-43D3-8B79-37D633B846F1}">
+                  <asvg:svgBlip xmlns:asvg="http://schemas.microsoft.com/office/drawing/2016/SVG/main" r:embed="rId4"/>
+                </a:ext>
+                <a:ext uri="{837473B0-CC2E-450A-ABE3-18F120FF3D39}">
+                  <a1611:picAttrSrcUrl xmlns:a1611="http://schemas.microsoft.com/office/drawing/2016/11/main" r:id="rId5"/>
+                </a:ext>
+              </a:extLst>
+            </a:blip>
+            <a:stretch>
+              <a:fillRect/>
+            </a:stretch>
+          </p:blipFill>
+          <p:spPr>
+            <a:xfrm>
+              <a:off x="5995693" y="1226098"/>
+              <a:ext cx="5631902" cy="5631902"/>
+            </a:xfrm>
+            <a:prstGeom prst="rect">
+              <a:avLst/>
+            </a:prstGeom>
+          </p:spPr>
+        </p:pic>
+        <p:grpSp>
+          <p:nvGrpSpPr>
+            <p:cNvPr id="20" name="グループ化 19">
+              <a:extLst>
+                <a:ext uri="{FF2B5EF4-FFF2-40B4-BE49-F238E27FC236}">
+                  <a16:creationId xmlns:a16="http://schemas.microsoft.com/office/drawing/2014/main" id="{79716187-F930-47E5-84F7-F471CF4159FA}"/>
+                </a:ext>
+              </a:extLst>
+            </p:cNvPr>
+            <p:cNvGrpSpPr/>
+            <p:nvPr/>
+          </p:nvGrpSpPr>
+          <p:grpSpPr>
+            <a:xfrm>
+              <a:off x="6890281" y="3164886"/>
+              <a:ext cx="1619825" cy="1754326"/>
+              <a:chOff x="1114425" y="1885950"/>
+              <a:chExt cx="1981200" cy="2152650"/>
+            </a:xfrm>
+          </p:grpSpPr>
+          <p:sp>
+            <p:nvSpPr>
+              <p:cNvPr id="21" name="四角形: メモ 20">
+                <a:extLst>
+                  <a:ext uri="{FF2B5EF4-FFF2-40B4-BE49-F238E27FC236}">
+                    <a16:creationId xmlns:a16="http://schemas.microsoft.com/office/drawing/2014/main" id="{8D6227BC-B01F-4525-A9AA-414AE7EC4188}"/>
+                  </a:ext>
+                </a:extLst>
+              </p:cNvPr>
+              <p:cNvSpPr/>
+              <p:nvPr/>
+            </p:nvSpPr>
+            <p:spPr>
+              <a:xfrm>
+                <a:off x="1114425" y="1885950"/>
+                <a:ext cx="1371600" cy="1543050"/>
+              </a:xfrm>
+              <a:prstGeom prst="foldedCorner">
+                <a:avLst/>
+              </a:prstGeom>
+            </p:spPr>
+            <p:style>
+              <a:lnRef idx="1">
+                <a:schemeClr val="accent3"/>
+              </a:lnRef>
+              <a:fillRef idx="2">
+                <a:schemeClr val="accent3"/>
+              </a:fillRef>
+              <a:effectRef idx="1">
+                <a:schemeClr val="accent3"/>
+              </a:effectRef>
+              <a:fontRef idx="minor">
+                <a:schemeClr val="dk1"/>
+              </a:fontRef>
+            </p:style>
+            <p:txBody>
+              <a:bodyPr rtlCol="0" anchor="ctr"/>
+              <a:lstStyle/>
+              <a:p>
+                <a:pPr algn="ctr"/>
+                <a:r>
+                  <a:rPr kumimoji="1" lang="en-US" altLang="ja-JP" dirty="0"/>
+                  <a:t>Data</a:t>
+                </a:r>
+                <a:r>
+                  <a:rPr lang="en-US" altLang="ja-JP" dirty="0"/>
+                  <a:t>1</a:t>
+                </a:r>
+                <a:endParaRPr kumimoji="1" lang="en-US" altLang="ja-JP" dirty="0"/>
+              </a:p>
+            </p:txBody>
+          </p:sp>
+          <p:sp>
+            <p:nvSpPr>
+              <p:cNvPr id="22" name="四角形: メモ 21">
+                <a:extLst>
+                  <a:ext uri="{FF2B5EF4-FFF2-40B4-BE49-F238E27FC236}">
+                    <a16:creationId xmlns:a16="http://schemas.microsoft.com/office/drawing/2014/main" id="{4ED77F93-7D43-4C79-B497-433F5938CBA8}"/>
+                  </a:ext>
+                </a:extLst>
+              </p:cNvPr>
+              <p:cNvSpPr/>
+              <p:nvPr/>
+            </p:nvSpPr>
+            <p:spPr>
+              <a:xfrm>
+                <a:off x="1266825" y="2038350"/>
+                <a:ext cx="1371600" cy="1543050"/>
+              </a:xfrm>
+              <a:prstGeom prst="foldedCorner">
+                <a:avLst/>
+              </a:prstGeom>
+            </p:spPr>
+            <p:style>
+              <a:lnRef idx="1">
+                <a:schemeClr val="accent3"/>
+              </a:lnRef>
+              <a:fillRef idx="2">
+                <a:schemeClr val="accent3"/>
+              </a:fillRef>
+              <a:effectRef idx="1">
+                <a:schemeClr val="accent3"/>
+              </a:effectRef>
+              <a:fontRef idx="minor">
+                <a:schemeClr val="dk1"/>
+              </a:fontRef>
+            </p:style>
+            <p:txBody>
+              <a:bodyPr rtlCol="0" anchor="ctr"/>
+              <a:lstStyle/>
+              <a:p>
+                <a:pPr algn="ctr"/>
+                <a:r>
+                  <a:rPr kumimoji="1" lang="en-US" altLang="ja-JP" dirty="0"/>
+                  <a:t>Data</a:t>
+                </a:r>
+                <a:r>
+                  <a:rPr lang="en-US" altLang="ja-JP" dirty="0"/>
+                  <a:t>1</a:t>
+                </a:r>
+                <a:endParaRPr kumimoji="1" lang="en-US" altLang="ja-JP" dirty="0"/>
+              </a:p>
+            </p:txBody>
+          </p:sp>
+          <p:sp>
+            <p:nvSpPr>
+              <p:cNvPr id="23" name="四角形: メモ 22">
+                <a:extLst>
+                  <a:ext uri="{FF2B5EF4-FFF2-40B4-BE49-F238E27FC236}">
+                    <a16:creationId xmlns:a16="http://schemas.microsoft.com/office/drawing/2014/main" id="{82655150-5CA6-4377-BCAE-F148E17421E6}"/>
+                  </a:ext>
+                </a:extLst>
+              </p:cNvPr>
+              <p:cNvSpPr/>
+              <p:nvPr/>
+            </p:nvSpPr>
+            <p:spPr>
+              <a:xfrm>
+                <a:off x="1419225" y="2190750"/>
+                <a:ext cx="1371600" cy="1543050"/>
+              </a:xfrm>
+              <a:prstGeom prst="foldedCorner">
+                <a:avLst/>
+              </a:prstGeom>
+            </p:spPr>
+            <p:style>
+              <a:lnRef idx="1">
+                <a:schemeClr val="accent3"/>
+              </a:lnRef>
+              <a:fillRef idx="2">
+                <a:schemeClr val="accent3"/>
+              </a:fillRef>
+              <a:effectRef idx="1">
+                <a:schemeClr val="accent3"/>
+              </a:effectRef>
+              <a:fontRef idx="minor">
+                <a:schemeClr val="dk1"/>
+              </a:fontRef>
+            </p:style>
+            <p:txBody>
+              <a:bodyPr rtlCol="0" anchor="ctr"/>
+              <a:lstStyle/>
+              <a:p>
+                <a:pPr algn="ctr"/>
+                <a:r>
+                  <a:rPr kumimoji="1" lang="en-US" altLang="ja-JP" dirty="0"/>
+                  <a:t>Data</a:t>
+                </a:r>
+                <a:r>
+                  <a:rPr lang="en-US" altLang="ja-JP" dirty="0"/>
+                  <a:t>1</a:t>
+                </a:r>
+                <a:endParaRPr kumimoji="1" lang="en-US" altLang="ja-JP" dirty="0"/>
+              </a:p>
+            </p:txBody>
+          </p:sp>
+          <p:sp>
+            <p:nvSpPr>
+              <p:cNvPr id="24" name="四角形: メモ 23">
+                <a:extLst>
+                  <a:ext uri="{FF2B5EF4-FFF2-40B4-BE49-F238E27FC236}">
+                    <a16:creationId xmlns:a16="http://schemas.microsoft.com/office/drawing/2014/main" id="{3C2ED1EF-8A00-45B5-9834-2807F4048290}"/>
+                  </a:ext>
+                </a:extLst>
+              </p:cNvPr>
+              <p:cNvSpPr/>
+              <p:nvPr/>
+            </p:nvSpPr>
+            <p:spPr>
+              <a:xfrm>
+                <a:off x="1571625" y="2343150"/>
+                <a:ext cx="1371600" cy="1543050"/>
+              </a:xfrm>
+              <a:prstGeom prst="foldedCorner">
+                <a:avLst/>
+              </a:prstGeom>
+            </p:spPr>
+            <p:style>
+              <a:lnRef idx="1">
+                <a:schemeClr val="accent3"/>
+              </a:lnRef>
+              <a:fillRef idx="2">
+                <a:schemeClr val="accent3"/>
+              </a:fillRef>
+              <a:effectRef idx="1">
+                <a:schemeClr val="accent3"/>
+              </a:effectRef>
+              <a:fontRef idx="minor">
+                <a:schemeClr val="dk1"/>
+              </a:fontRef>
+            </p:style>
+            <p:txBody>
+              <a:bodyPr rtlCol="0" anchor="ctr"/>
+              <a:lstStyle/>
+              <a:p>
+                <a:pPr algn="ctr"/>
+                <a:r>
+                  <a:rPr kumimoji="1" lang="en-US" altLang="ja-JP" dirty="0"/>
+                  <a:t>Data</a:t>
+                </a:r>
+                <a:r>
+                  <a:rPr lang="en-US" altLang="ja-JP" dirty="0"/>
+                  <a:t>1</a:t>
+                </a:r>
+                <a:endParaRPr kumimoji="1" lang="en-US" altLang="ja-JP" dirty="0"/>
+              </a:p>
+            </p:txBody>
+          </p:sp>
+          <p:sp>
+            <p:nvSpPr>
+              <p:cNvPr id="25" name="四角形: メモ 24">
+                <a:extLst>
+                  <a:ext uri="{FF2B5EF4-FFF2-40B4-BE49-F238E27FC236}">
+                    <a16:creationId xmlns:a16="http://schemas.microsoft.com/office/drawing/2014/main" id="{C1D19603-9396-4A55-9490-87E032C14D10}"/>
+                  </a:ext>
+                </a:extLst>
+              </p:cNvPr>
+              <p:cNvSpPr/>
+              <p:nvPr/>
+            </p:nvSpPr>
+            <p:spPr>
+              <a:xfrm>
+                <a:off x="1724025" y="2495550"/>
+                <a:ext cx="1371600" cy="1543050"/>
+              </a:xfrm>
+              <a:prstGeom prst="foldedCorner">
+                <a:avLst/>
+              </a:prstGeom>
+            </p:spPr>
+            <p:style>
+              <a:lnRef idx="1">
+                <a:schemeClr val="accent3"/>
+              </a:lnRef>
+              <a:fillRef idx="2">
+                <a:schemeClr val="accent3"/>
+              </a:fillRef>
+              <a:effectRef idx="1">
+                <a:schemeClr val="accent3"/>
+              </a:effectRef>
+              <a:fontRef idx="minor">
+                <a:schemeClr val="dk1"/>
+              </a:fontRef>
+            </p:style>
+            <p:txBody>
+              <a:bodyPr rtlCol="0" anchor="ctr"/>
+              <a:lstStyle/>
+              <a:p>
+                <a:pPr algn="ctr"/>
+                <a:r>
+                  <a:rPr kumimoji="1" lang="en-US" altLang="ja-JP" dirty="0"/>
+                  <a:t>Data</a:t>
+                </a:r>
+              </a:p>
+            </p:txBody>
+          </p:sp>
+        </p:grpSp>
+        <p:sp>
+          <p:nvSpPr>
+            <p:cNvPr id="36" name="テキスト ボックス 35">
+              <a:extLst>
+                <a:ext uri="{FF2B5EF4-FFF2-40B4-BE49-F238E27FC236}">
+                  <a16:creationId xmlns:a16="http://schemas.microsoft.com/office/drawing/2014/main" id="{4FAC9AE2-5BCE-467D-AFB8-53AC3C9AD4E0}"/>
+                </a:ext>
+              </a:extLst>
+            </p:cNvPr>
+            <p:cNvSpPr txBox="1"/>
+            <p:nvPr/>
+          </p:nvSpPr>
+          <p:spPr>
+            <a:xfrm>
+              <a:off x="6654987" y="2422944"/>
+              <a:ext cx="1356711" cy="369332"/>
+            </a:xfrm>
+            <a:prstGeom prst="rect">
+              <a:avLst/>
+            </a:prstGeom>
+            <a:noFill/>
+          </p:spPr>
+          <p:txBody>
+            <a:bodyPr wrap="square" rtlCol="0">
+              <a:spAutoFit/>
+            </a:bodyPr>
+            <a:lstStyle/>
+            <a:p>
+              <a:r>
+                <a:rPr kumimoji="1" lang="ja-JP" altLang="en-US" b="1" dirty="0"/>
+                <a:t>リポジトリ</a:t>
+              </a:r>
+            </a:p>
+          </p:txBody>
+        </p:sp>
+        <p:sp>
+          <p:nvSpPr>
+            <p:cNvPr id="37" name="円柱 36">
+              <a:extLst>
+                <a:ext uri="{FF2B5EF4-FFF2-40B4-BE49-F238E27FC236}">
+                  <a16:creationId xmlns:a16="http://schemas.microsoft.com/office/drawing/2014/main" id="{F698272B-A016-4872-A8F5-146887862F05}"/>
+                </a:ext>
+              </a:extLst>
+            </p:cNvPr>
+            <p:cNvSpPr/>
+            <p:nvPr/>
+          </p:nvSpPr>
+          <p:spPr>
+            <a:xfrm>
+              <a:off x="8995752" y="3760038"/>
+              <a:ext cx="1888114" cy="1187076"/>
+            </a:xfrm>
+            <a:prstGeom prst="can">
+              <a:avLst>
+                <a:gd name="adj" fmla="val 22181"/>
+              </a:avLst>
+            </a:prstGeom>
+            <a:ln>
+              <a:solidFill>
+                <a:srgbClr val="5B9BD5"/>
+              </a:solidFill>
+            </a:ln>
+          </p:spPr>
+          <p:style>
+            <a:lnRef idx="2">
+              <a:schemeClr val="accent1"/>
+            </a:lnRef>
+            <a:fillRef idx="1">
+              <a:schemeClr val="lt1"/>
+            </a:fillRef>
+            <a:effectRef idx="0">
+              <a:schemeClr val="accent1"/>
+            </a:effectRef>
+            <a:fontRef idx="minor">
+              <a:schemeClr val="dk1"/>
+            </a:fontRef>
+          </p:style>
+          <p:txBody>
+            <a:bodyPr rtlCol="0" anchor="ctr"/>
+            <a:lstStyle/>
+            <a:p>
+              <a:pPr algn="ctr"/>
+              <a:r>
+                <a:rPr kumimoji="1" lang="en-US" altLang="ja-JP" sz="4400" b="1" dirty="0">
+                  <a:solidFill>
+                    <a:srgbClr val="FF0000"/>
+                  </a:solidFill>
+                  <a:latin typeface="ＭＳ Ｐ明朝" panose="02020600040205080304" pitchFamily="18" charset="-128"/>
+                  <a:ea typeface="ＭＳ Ｐ明朝" panose="02020600040205080304" pitchFamily="18" charset="-128"/>
+                </a:rPr>
+                <a:t>.git</a:t>
+              </a:r>
+              <a:endParaRPr kumimoji="1" lang="ja-JP" altLang="en-US" b="1" dirty="0">
+                <a:solidFill>
+                  <a:srgbClr val="FF0000"/>
+                </a:solidFill>
+                <a:latin typeface="ＭＳ Ｐ明朝" panose="02020600040205080304" pitchFamily="18" charset="-128"/>
+                <a:ea typeface="ＭＳ Ｐ明朝" panose="02020600040205080304" pitchFamily="18" charset="-128"/>
+              </a:endParaRPr>
+            </a:p>
+          </p:txBody>
+        </p:sp>
+      </p:grpSp>
+      <p:sp>
+        <p:nvSpPr>
+          <p:cNvPr id="9" name="吹き出し: 角を丸めた四角形 8">
+            <a:extLst>
+              <a:ext uri="{FF2B5EF4-FFF2-40B4-BE49-F238E27FC236}">
+                <a16:creationId xmlns:a16="http://schemas.microsoft.com/office/drawing/2014/main" id="{40E5F26A-DA7F-4F45-9F2A-3AC576094163}"/>
+              </a:ext>
+            </a:extLst>
+          </p:cNvPr>
+          <p:cNvSpPr/>
+          <p:nvPr/>
+        </p:nvSpPr>
+        <p:spPr>
+          <a:xfrm>
+            <a:off x="8867847" y="1463652"/>
+            <a:ext cx="2879381" cy="1542881"/>
+          </a:xfrm>
+          <a:prstGeom prst="wedgeRoundRectCallout">
             <a:avLst>
-              <a:gd name="adj" fmla="val 22181"/>
+              <a:gd name="adj1" fmla="val -90161"/>
+              <a:gd name="adj2" fmla="val 121766"/>
+              <a:gd name="adj3" fmla="val 16667"/>
             </a:avLst>
           </a:prstGeom>
+          <a:solidFill>
+            <a:schemeClr val="bg1"/>
+          </a:solidFill>
           <a:ln>
             <a:solidFill>
-              <a:srgbClr val="5B9BD5"/>
+              <a:srgbClr val="FF0000"/>
             </a:solidFill>
           </a:ln>
+        </p:spPr>
+        <p:style>
+          <a:lnRef idx="2">
+            <a:schemeClr val="accent2"/>
+          </a:lnRef>
+          <a:fillRef idx="1">
+            <a:schemeClr val="lt1"/>
+          </a:fillRef>
+          <a:effectRef idx="0">
+            <a:schemeClr val="accent2"/>
+          </a:effectRef>
+          <a:fontRef idx="minor">
+            <a:schemeClr val="dk1"/>
+          </a:fontRef>
+        </p:style>
+        <p:txBody>
+          <a:bodyPr rtlCol="0" anchor="ctr"/>
+          <a:lstStyle/>
+          <a:p>
+            <a:pPr algn="ctr"/>
+            <a:r>
+              <a:rPr kumimoji="1" lang="en-US" altLang="ja-JP" dirty="0"/>
+              <a:t>7</a:t>
+            </a:r>
+            <a:r>
+              <a:rPr kumimoji="1" lang="ja-JP" altLang="en-US" dirty="0"/>
+              <a:t>月</a:t>
+            </a:r>
+            <a:r>
+              <a:rPr lang="en-US" altLang="ja-JP" dirty="0"/>
+              <a:t>7</a:t>
+            </a:r>
+            <a:r>
+              <a:rPr lang="ja-JP" altLang="en-US" dirty="0"/>
+              <a:t>日に彦星さんが</a:t>
+            </a:r>
+            <a:endParaRPr lang="en-US" altLang="ja-JP" dirty="0"/>
+          </a:p>
+          <a:p>
+            <a:pPr algn="ctr"/>
+            <a:r>
+              <a:rPr lang="ja-JP" altLang="en-US" dirty="0"/>
+              <a:t>ファイルを追加したよ</a:t>
+            </a:r>
+            <a:endParaRPr kumimoji="1" lang="ja-JP" altLang="en-US" dirty="0"/>
+          </a:p>
+        </p:txBody>
+      </p:sp>
+      <p:sp>
+        <p:nvSpPr>
+          <p:cNvPr id="26" name="吹き出し: 角を丸めた四角形 25">
+            <a:extLst>
+              <a:ext uri="{FF2B5EF4-FFF2-40B4-BE49-F238E27FC236}">
+                <a16:creationId xmlns:a16="http://schemas.microsoft.com/office/drawing/2014/main" id="{4C443CA4-862D-466F-AB8A-87289045A1E6}"/>
+              </a:ext>
+            </a:extLst>
+          </p:cNvPr>
+          <p:cNvSpPr/>
+          <p:nvPr/>
+        </p:nvSpPr>
+        <p:spPr>
+          <a:xfrm>
+            <a:off x="8643787" y="4753117"/>
+            <a:ext cx="2938826" cy="1542881"/>
+          </a:xfrm>
+          <a:prstGeom prst="wedgeRoundRectCallout">
+            <a:avLst>
+              <a:gd name="adj1" fmla="val -82828"/>
+              <a:gd name="adj2" fmla="val -51428"/>
+              <a:gd name="adj3" fmla="val 16667"/>
+            </a:avLst>
+          </a:prstGeom>
+          <a:ln/>
         </p:spPr>
         <p:style>
           <a:lnRef idx="2">
@@ -26056,29 +28025,37 @@
           <a:p>
             <a:pPr algn="ctr"/>
             <a:r>
-              <a:rPr kumimoji="1" lang="en-US" altLang="ja-JP" sz="4400" b="1" dirty="0">
-                <a:solidFill>
-                  <a:srgbClr val="FF0000"/>
-                </a:solidFill>
-                <a:latin typeface="ＭＳ Ｐ明朝" panose="02020600040205080304" pitchFamily="18" charset="-128"/>
-                <a:ea typeface="ＭＳ Ｐ明朝" panose="02020600040205080304" pitchFamily="18" charset="-128"/>
-              </a:rPr>
-              <a:t>.git</a:t>
-            </a:r>
-            <a:endParaRPr kumimoji="1" lang="ja-JP" altLang="en-US" b="1" dirty="0">
-              <a:solidFill>
-                <a:srgbClr val="FF0000"/>
-              </a:solidFill>
-              <a:latin typeface="ＭＳ Ｐ明朝" panose="02020600040205080304" pitchFamily="18" charset="-128"/>
-              <a:ea typeface="ＭＳ Ｐ明朝" panose="02020600040205080304" pitchFamily="18" charset="-128"/>
-            </a:endParaRPr>
+              <a:rPr kumimoji="1" lang="en-US" altLang="ja-JP" dirty="0"/>
+              <a:t>12</a:t>
+            </a:r>
+            <a:r>
+              <a:rPr kumimoji="1" lang="ja-JP" altLang="en-US" dirty="0"/>
+              <a:t>月</a:t>
+            </a:r>
+            <a:r>
+              <a:rPr lang="en-US" altLang="ja-JP" dirty="0"/>
+              <a:t>25</a:t>
+            </a:r>
+            <a:r>
+              <a:rPr lang="ja-JP" altLang="en-US" dirty="0"/>
+              <a:t>日にサンタさんが</a:t>
+            </a:r>
+            <a:endParaRPr lang="en-US" altLang="ja-JP" dirty="0"/>
+          </a:p>
+          <a:p>
+            <a:pPr algn="ctr"/>
+            <a:r>
+              <a:rPr lang="ja-JP" altLang="en-US" dirty="0"/>
+              <a:t>ファイルを変更したよ</a:t>
+            </a:r>
+            <a:endParaRPr kumimoji="1" lang="ja-JP" altLang="en-US" dirty="0"/>
           </a:p>
         </p:txBody>
       </p:sp>
     </p:spTree>
     <p:extLst>
       <p:ext uri="{BB962C8B-B14F-4D97-AF65-F5344CB8AC3E}">
-        <p14:creationId xmlns:p14="http://schemas.microsoft.com/office/powerpoint/2010/main" val="2067389303"/>
+        <p14:creationId xmlns:p14="http://schemas.microsoft.com/office/powerpoint/2010/main" val="226985038"/>
       </p:ext>
     </p:extLst>
   </p:cSld>
@@ -26088,7 +28065,7 @@
 </p:sld>
 </file>
 
-<file path=ppt/slides/slide5.xml><?xml version="1.0" encoding="utf-8"?>
+<file path=ppt/slides/slide6.xml><?xml version="1.0" encoding="utf-8"?>
 <p:sld xmlns:a="http://schemas.openxmlformats.org/drawingml/2006/main" xmlns:r="http://schemas.openxmlformats.org/officeDocument/2006/relationships" xmlns:p="http://schemas.openxmlformats.org/presentationml/2006/main">
   <p:cSld>
     <p:spTree>
@@ -26429,7 +28406,7 @@
         <p:spPr>
           <a:xfrm>
             <a:off x="456792" y="323841"/>
-            <a:ext cx="12066124" cy="2000548"/>
+            <a:ext cx="10527241" cy="1323439"/>
           </a:xfrm>
           <a:prstGeom prst="rect">
             <a:avLst/>
@@ -26507,7 +28484,7 @@
                   </a:outerShdw>
                 </a:effectLst>
               </a:rPr>
-              <a:t>されるのではなく管理対象を選ぶ必要</a:t>
+              <a:t>されるのではなく管理対象を選び管理する</a:t>
             </a:r>
             <a:r>
               <a:rPr lang="ja-JP" altLang="en-US" sz="4000" dirty="0">
@@ -26520,125 +28497,10 @@
                   </a:outerShdw>
                 </a:effectLst>
               </a:rPr>
-              <a:t>がある</a:t>
+              <a:t>。</a:t>
             </a:r>
             <a:endParaRPr lang="en-US" altLang="ja-JP" sz="4000" dirty="0">
               <a:ln w="0"/>
-              <a:effectLst>
-                <a:outerShdw blurRad="38100" dist="19050" dir="2700000" algn="tl" rotWithShape="0">
-                  <a:schemeClr val="dk1">
-                    <a:alpha val="40000"/>
-                  </a:schemeClr>
-                </a:outerShdw>
-              </a:effectLst>
-            </a:endParaRPr>
-          </a:p>
-          <a:p>
-            <a:r>
-              <a:rPr lang="ja-JP" altLang="en-US" sz="4000" b="0" cap="none" spc="0" dirty="0">
-                <a:ln w="0"/>
-                <a:solidFill>
-                  <a:schemeClr val="tx1"/>
-                </a:solidFill>
-                <a:effectLst>
-                  <a:outerShdw blurRad="38100" dist="19050" dir="2700000" algn="tl" rotWithShape="0">
-                    <a:schemeClr val="dk1">
-                      <a:alpha val="40000"/>
-                    </a:schemeClr>
-                  </a:outerShdw>
-                </a:effectLst>
-              </a:rPr>
-              <a:t>これを</a:t>
-            </a:r>
-            <a:r>
-              <a:rPr lang="ja-JP" altLang="en-US" sz="4400" b="1" cap="none" spc="0" dirty="0">
-                <a:ln w="0"/>
-                <a:solidFill>
-                  <a:srgbClr val="FF0000"/>
-                </a:solidFill>
-                <a:effectLst>
-                  <a:outerShdw blurRad="38100" dist="19050" dir="2700000" algn="tl" rotWithShape="0">
-                    <a:schemeClr val="dk1">
-                      <a:alpha val="40000"/>
-                    </a:schemeClr>
-                  </a:outerShdw>
-                </a:effectLst>
-              </a:rPr>
-              <a:t>ステージング</a:t>
-            </a:r>
-            <a:r>
-              <a:rPr lang="en-US" altLang="ja-JP" sz="4000" b="1" cap="none" spc="0" dirty="0">
-                <a:ln w="0"/>
-                <a:effectLst>
-                  <a:outerShdw blurRad="38100" dist="19050" dir="2700000" algn="tl" rotWithShape="0">
-                    <a:schemeClr val="dk1">
-                      <a:alpha val="40000"/>
-                    </a:schemeClr>
-                  </a:outerShdw>
-                </a:effectLst>
-              </a:rPr>
-              <a:t>(</a:t>
-            </a:r>
-            <a:r>
-              <a:rPr lang="ja-JP" altLang="en-US" sz="4000" cap="none" spc="0" dirty="0">
-                <a:ln w="0"/>
-                <a:effectLst>
-                  <a:outerShdw blurRad="38100" dist="19050" dir="2700000" algn="tl" rotWithShape="0">
-                    <a:schemeClr val="dk1">
-                      <a:alpha val="40000"/>
-                    </a:schemeClr>
-                  </a:outerShdw>
-                </a:effectLst>
-              </a:rPr>
-              <a:t>または</a:t>
-            </a:r>
-            <a:r>
-              <a:rPr lang="ja-JP" altLang="en-US" sz="4000" b="1" cap="none" spc="0" dirty="0">
-                <a:ln w="0"/>
-                <a:solidFill>
-                  <a:srgbClr val="FF0000"/>
-                </a:solidFill>
-                <a:effectLst>
-                  <a:outerShdw blurRad="38100" dist="19050" dir="2700000" algn="tl" rotWithShape="0">
-                    <a:schemeClr val="dk1">
-                      <a:alpha val="40000"/>
-                    </a:schemeClr>
-                  </a:outerShdw>
-                </a:effectLst>
-              </a:rPr>
-              <a:t>インデックス</a:t>
-            </a:r>
-            <a:r>
-              <a:rPr lang="en-US" altLang="ja-JP" sz="4000" b="1" cap="none" spc="0" dirty="0">
-                <a:ln w="0"/>
-                <a:effectLst>
-                  <a:outerShdw blurRad="38100" dist="19050" dir="2700000" algn="tl" rotWithShape="0">
-                    <a:schemeClr val="dk1">
-                      <a:alpha val="40000"/>
-                    </a:schemeClr>
-                  </a:outerShdw>
-                </a:effectLst>
-              </a:rPr>
-              <a:t>)</a:t>
-            </a:r>
-            <a:r>
-              <a:rPr lang="ja-JP" altLang="en-US" sz="4000" dirty="0">
-                <a:ln w="0"/>
-                <a:effectLst>
-                  <a:outerShdw blurRad="38100" dist="19050" dir="2700000" algn="tl" rotWithShape="0">
-                    <a:schemeClr val="dk1">
-                      <a:alpha val="40000"/>
-                    </a:schemeClr>
-                  </a:outerShdw>
-                </a:effectLst>
-              </a:rPr>
-              <a:t>という</a:t>
-            </a:r>
-            <a:endParaRPr lang="ja-JP" altLang="en-US" sz="4000" b="0" cap="none" spc="0" dirty="0">
-              <a:ln w="0"/>
-              <a:solidFill>
-                <a:schemeClr val="tx1"/>
-              </a:solidFill>
               <a:effectLst>
                 <a:outerShdw blurRad="38100" dist="19050" dir="2700000" algn="tl" rotWithShape="0">
                   <a:schemeClr val="dk1">
@@ -27152,7 +29014,7 @@
             <a:r>
               <a:rPr kumimoji="1" lang="en-US" altLang="ja-JP" sz="4400" b="1" dirty="0">
                 <a:solidFill>
-                  <a:srgbClr val="FF0000"/>
+                  <a:schemeClr val="tx1"/>
                 </a:solidFill>
                 <a:latin typeface="ＭＳ Ｐ明朝" panose="02020600040205080304" pitchFamily="18" charset="-128"/>
                 <a:ea typeface="ＭＳ Ｐ明朝" panose="02020600040205080304" pitchFamily="18" charset="-128"/>
@@ -27161,7 +29023,7 @@
             </a:r>
             <a:endParaRPr kumimoji="1" lang="ja-JP" altLang="en-US" b="1" dirty="0">
               <a:solidFill>
-                <a:srgbClr val="FF0000"/>
+                <a:schemeClr val="tx1"/>
               </a:solidFill>
               <a:latin typeface="ＭＳ Ｐ明朝" panose="02020600040205080304" pitchFamily="18" charset="-128"/>
               <a:ea typeface="ＭＳ Ｐ明朝" panose="02020600040205080304" pitchFamily="18" charset="-128"/>
@@ -27219,7 +29081,7 @@
             <a:r>
               <a:rPr kumimoji="1" lang="en-US" altLang="ja-JP" sz="4400" b="1" dirty="0">
                 <a:solidFill>
-                  <a:srgbClr val="FF0000"/>
+                  <a:schemeClr val="tx1"/>
                 </a:solidFill>
                 <a:latin typeface="ＭＳ Ｐ明朝" panose="02020600040205080304" pitchFamily="18" charset="-128"/>
                 <a:ea typeface="ＭＳ Ｐ明朝" panose="02020600040205080304" pitchFamily="18" charset="-128"/>
@@ -27228,7 +29090,7 @@
             </a:r>
             <a:endParaRPr kumimoji="1" lang="ja-JP" altLang="en-US" b="1" dirty="0">
               <a:solidFill>
-                <a:srgbClr val="FF0000"/>
+                <a:schemeClr val="tx1"/>
               </a:solidFill>
               <a:latin typeface="ＭＳ Ｐ明朝" panose="02020600040205080304" pitchFamily="18" charset="-128"/>
               <a:ea typeface="ＭＳ Ｐ明朝" panose="02020600040205080304" pitchFamily="18" charset="-128"/>
@@ -27434,6 +29296,1318 @@
           </a:p>
         </p:txBody>
       </p:sp>
+    </p:spTree>
+    <p:extLst>
+      <p:ext uri="{BB962C8B-B14F-4D97-AF65-F5344CB8AC3E}">
+        <p14:creationId xmlns:p14="http://schemas.microsoft.com/office/powerpoint/2010/main" val="480651831"/>
+      </p:ext>
+    </p:extLst>
+  </p:cSld>
+  <p:clrMapOvr>
+    <a:masterClrMapping/>
+  </p:clrMapOvr>
+</p:sld>
+</file>
+
+<file path=ppt/slides/slide7.xml><?xml version="1.0" encoding="utf-8"?>
+<p:sld xmlns:a="http://schemas.openxmlformats.org/drawingml/2006/main" xmlns:r="http://schemas.openxmlformats.org/officeDocument/2006/relationships" xmlns:p="http://schemas.openxmlformats.org/presentationml/2006/main">
+  <p:cSld>
+    <p:spTree>
+      <p:nvGrpSpPr>
+        <p:cNvPr id="1" name=""/>
+        <p:cNvGrpSpPr/>
+        <p:nvPr/>
+      </p:nvGrpSpPr>
+      <p:grpSpPr>
+        <a:xfrm>
+          <a:off x="0" y="0"/>
+          <a:ext cx="0" cy="0"/>
+          <a:chOff x="0" y="0"/>
+          <a:chExt cx="0" cy="0"/>
+        </a:xfrm>
+      </p:grpSpPr>
+      <p:pic>
+        <p:nvPicPr>
+          <p:cNvPr id="10" name="グラフィックス 9">
+            <a:extLst>
+              <a:ext uri="{FF2B5EF4-FFF2-40B4-BE49-F238E27FC236}">
+                <a16:creationId xmlns:a16="http://schemas.microsoft.com/office/drawing/2014/main" id="{C8E85283-BAD7-4C67-B599-B0F07C40C676}"/>
+              </a:ext>
+            </a:extLst>
+          </p:cNvPr>
+          <p:cNvPicPr>
+            <a:picLocks noChangeAspect="1"/>
+          </p:cNvPicPr>
+          <p:nvPr/>
+        </p:nvPicPr>
+        <p:blipFill>
+          <a:blip r:embed="rId3">
+            <a:extLst>
+              <a:ext uri="{28A0092B-C50C-407E-A947-70E740481C1C}">
+                <a14:useLocalDpi xmlns:a14="http://schemas.microsoft.com/office/drawing/2010/main" val="0"/>
+              </a:ext>
+              <a:ext uri="{96DAC541-7B7A-43D3-8B79-37D633B846F1}">
+                <asvg:svgBlip xmlns:asvg="http://schemas.microsoft.com/office/drawing/2016/SVG/main" r:embed="rId4"/>
+              </a:ext>
+              <a:ext uri="{837473B0-CC2E-450A-ABE3-18F120FF3D39}">
+                <a1611:picAttrSrcUrl xmlns:a1611="http://schemas.microsoft.com/office/drawing/2016/11/main" r:id="rId5"/>
+              </a:ext>
+            </a:extLst>
+          </a:blip>
+          <a:stretch>
+            <a:fillRect/>
+          </a:stretch>
+        </p:blipFill>
+        <p:spPr>
+          <a:xfrm>
+            <a:off x="2805948" y="1340528"/>
+            <a:ext cx="2594606" cy="5393272"/>
+          </a:xfrm>
+          <a:prstGeom prst="rect">
+            <a:avLst/>
+          </a:prstGeom>
+        </p:spPr>
+      </p:pic>
+      <p:grpSp>
+        <p:nvGrpSpPr>
+          <p:cNvPr id="7" name="グループ化 6">
+            <a:extLst>
+              <a:ext uri="{FF2B5EF4-FFF2-40B4-BE49-F238E27FC236}">
+                <a16:creationId xmlns:a16="http://schemas.microsoft.com/office/drawing/2014/main" id="{FF63357C-66CE-407F-9B24-363A08657C8F}"/>
+              </a:ext>
+            </a:extLst>
+          </p:cNvPr>
+          <p:cNvGrpSpPr/>
+          <p:nvPr/>
+        </p:nvGrpSpPr>
+        <p:grpSpPr>
+          <a:xfrm>
+            <a:off x="1041583" y="3164886"/>
+            <a:ext cx="1619825" cy="1754326"/>
+            <a:chOff x="1114425" y="1885950"/>
+            <a:chExt cx="1981200" cy="2152650"/>
+          </a:xfrm>
+          <a:solidFill>
+            <a:schemeClr val="bg2"/>
+          </a:solidFill>
+        </p:grpSpPr>
+        <p:sp>
+          <p:nvSpPr>
+            <p:cNvPr id="2" name="四角形: メモ 1">
+              <a:extLst>
+                <a:ext uri="{FF2B5EF4-FFF2-40B4-BE49-F238E27FC236}">
+                  <a16:creationId xmlns:a16="http://schemas.microsoft.com/office/drawing/2014/main" id="{04D823B3-EFBB-484A-866B-A66F52BB17C9}"/>
+                </a:ext>
+              </a:extLst>
+            </p:cNvPr>
+            <p:cNvSpPr/>
+            <p:nvPr/>
+          </p:nvSpPr>
+          <p:spPr>
+            <a:xfrm>
+              <a:off x="1114425" y="1885950"/>
+              <a:ext cx="1371600" cy="1543050"/>
+            </a:xfrm>
+            <a:prstGeom prst="foldedCorner">
+              <a:avLst/>
+            </a:prstGeom>
+            <a:grpFill/>
+            <a:ln w="28575">
+              <a:prstDash val="sysDash"/>
+            </a:ln>
+          </p:spPr>
+          <p:style>
+            <a:lnRef idx="2">
+              <a:schemeClr val="dk1"/>
+            </a:lnRef>
+            <a:fillRef idx="1">
+              <a:schemeClr val="lt1"/>
+            </a:fillRef>
+            <a:effectRef idx="0">
+              <a:schemeClr val="dk1"/>
+            </a:effectRef>
+            <a:fontRef idx="minor">
+              <a:schemeClr val="dk1"/>
+            </a:fontRef>
+          </p:style>
+          <p:txBody>
+            <a:bodyPr rtlCol="0" anchor="ctr"/>
+            <a:lstStyle/>
+            <a:p>
+              <a:pPr algn="ctr"/>
+              <a:endParaRPr kumimoji="1" lang="en-US" altLang="ja-JP" dirty="0"/>
+            </a:p>
+          </p:txBody>
+        </p:sp>
+        <p:sp>
+          <p:nvSpPr>
+            <p:cNvPr id="3" name="四角形: メモ 2">
+              <a:extLst>
+                <a:ext uri="{FF2B5EF4-FFF2-40B4-BE49-F238E27FC236}">
+                  <a16:creationId xmlns:a16="http://schemas.microsoft.com/office/drawing/2014/main" id="{63277EC5-E9BC-4D4C-99E1-4CAB50DFE435}"/>
+                </a:ext>
+              </a:extLst>
+            </p:cNvPr>
+            <p:cNvSpPr/>
+            <p:nvPr/>
+          </p:nvSpPr>
+          <p:spPr>
+            <a:xfrm>
+              <a:off x="1266825" y="2038350"/>
+              <a:ext cx="1371600" cy="1543050"/>
+            </a:xfrm>
+            <a:prstGeom prst="foldedCorner">
+              <a:avLst/>
+            </a:prstGeom>
+            <a:grpFill/>
+            <a:ln w="28575">
+              <a:prstDash val="sysDash"/>
+            </a:ln>
+          </p:spPr>
+          <p:style>
+            <a:lnRef idx="2">
+              <a:schemeClr val="dk1"/>
+            </a:lnRef>
+            <a:fillRef idx="1">
+              <a:schemeClr val="lt1"/>
+            </a:fillRef>
+            <a:effectRef idx="0">
+              <a:schemeClr val="dk1"/>
+            </a:effectRef>
+            <a:fontRef idx="minor">
+              <a:schemeClr val="dk1"/>
+            </a:fontRef>
+          </p:style>
+          <p:txBody>
+            <a:bodyPr rtlCol="0" anchor="ctr"/>
+            <a:lstStyle/>
+            <a:p>
+              <a:pPr algn="ctr"/>
+              <a:endParaRPr kumimoji="1" lang="en-US" altLang="ja-JP" dirty="0"/>
+            </a:p>
+          </p:txBody>
+        </p:sp>
+        <p:sp>
+          <p:nvSpPr>
+            <p:cNvPr id="4" name="四角形: メモ 3">
+              <a:extLst>
+                <a:ext uri="{FF2B5EF4-FFF2-40B4-BE49-F238E27FC236}">
+                  <a16:creationId xmlns:a16="http://schemas.microsoft.com/office/drawing/2014/main" id="{294E25E9-8CF0-4BBE-9F41-FEF6B6DEC690}"/>
+                </a:ext>
+              </a:extLst>
+            </p:cNvPr>
+            <p:cNvSpPr/>
+            <p:nvPr/>
+          </p:nvSpPr>
+          <p:spPr>
+            <a:xfrm>
+              <a:off x="1419225" y="2190750"/>
+              <a:ext cx="1371600" cy="1543050"/>
+            </a:xfrm>
+            <a:prstGeom prst="foldedCorner">
+              <a:avLst/>
+            </a:prstGeom>
+            <a:grpFill/>
+            <a:ln w="28575">
+              <a:prstDash val="sysDash"/>
+            </a:ln>
+          </p:spPr>
+          <p:style>
+            <a:lnRef idx="2">
+              <a:schemeClr val="dk1"/>
+            </a:lnRef>
+            <a:fillRef idx="1">
+              <a:schemeClr val="lt1"/>
+            </a:fillRef>
+            <a:effectRef idx="0">
+              <a:schemeClr val="dk1"/>
+            </a:effectRef>
+            <a:fontRef idx="minor">
+              <a:schemeClr val="dk1"/>
+            </a:fontRef>
+          </p:style>
+          <p:txBody>
+            <a:bodyPr rtlCol="0" anchor="ctr"/>
+            <a:lstStyle/>
+            <a:p>
+              <a:pPr algn="ctr"/>
+              <a:endParaRPr kumimoji="1" lang="en-US" altLang="ja-JP" dirty="0"/>
+            </a:p>
+          </p:txBody>
+        </p:sp>
+        <p:sp>
+          <p:nvSpPr>
+            <p:cNvPr id="5" name="四角形: メモ 4">
+              <a:extLst>
+                <a:ext uri="{FF2B5EF4-FFF2-40B4-BE49-F238E27FC236}">
+                  <a16:creationId xmlns:a16="http://schemas.microsoft.com/office/drawing/2014/main" id="{39AEE9D7-A829-42D9-8D0B-C5CEE3A5D226}"/>
+                </a:ext>
+              </a:extLst>
+            </p:cNvPr>
+            <p:cNvSpPr/>
+            <p:nvPr/>
+          </p:nvSpPr>
+          <p:spPr>
+            <a:xfrm>
+              <a:off x="1571625" y="2343150"/>
+              <a:ext cx="1371600" cy="1543050"/>
+            </a:xfrm>
+            <a:prstGeom prst="foldedCorner">
+              <a:avLst/>
+            </a:prstGeom>
+            <a:grpFill/>
+            <a:ln w="28575">
+              <a:prstDash val="sysDash"/>
+            </a:ln>
+          </p:spPr>
+          <p:style>
+            <a:lnRef idx="2">
+              <a:schemeClr val="dk1"/>
+            </a:lnRef>
+            <a:fillRef idx="1">
+              <a:schemeClr val="lt1"/>
+            </a:fillRef>
+            <a:effectRef idx="0">
+              <a:schemeClr val="dk1"/>
+            </a:effectRef>
+            <a:fontRef idx="minor">
+              <a:schemeClr val="dk1"/>
+            </a:fontRef>
+          </p:style>
+          <p:txBody>
+            <a:bodyPr rtlCol="0" anchor="ctr"/>
+            <a:lstStyle/>
+            <a:p>
+              <a:pPr algn="ctr"/>
+              <a:endParaRPr kumimoji="1" lang="en-US" altLang="ja-JP" dirty="0"/>
+            </a:p>
+          </p:txBody>
+        </p:sp>
+        <p:sp>
+          <p:nvSpPr>
+            <p:cNvPr id="6" name="四角形: メモ 5">
+              <a:extLst>
+                <a:ext uri="{FF2B5EF4-FFF2-40B4-BE49-F238E27FC236}">
+                  <a16:creationId xmlns:a16="http://schemas.microsoft.com/office/drawing/2014/main" id="{D541C089-98F1-4D95-A6E3-66CB40EC0F49}"/>
+                </a:ext>
+              </a:extLst>
+            </p:cNvPr>
+            <p:cNvSpPr/>
+            <p:nvPr/>
+          </p:nvSpPr>
+          <p:spPr>
+            <a:xfrm>
+              <a:off x="1724025" y="2495550"/>
+              <a:ext cx="1371600" cy="1543050"/>
+            </a:xfrm>
+            <a:prstGeom prst="foldedCorner">
+              <a:avLst/>
+            </a:prstGeom>
+            <a:grpFill/>
+            <a:ln w="28575">
+              <a:prstDash val="sysDash"/>
+            </a:ln>
+          </p:spPr>
+          <p:style>
+            <a:lnRef idx="2">
+              <a:schemeClr val="dk1"/>
+            </a:lnRef>
+            <a:fillRef idx="1">
+              <a:schemeClr val="lt1"/>
+            </a:fillRef>
+            <a:effectRef idx="0">
+              <a:schemeClr val="dk1"/>
+            </a:effectRef>
+            <a:fontRef idx="minor">
+              <a:schemeClr val="dk1"/>
+            </a:fontRef>
+          </p:style>
+          <p:txBody>
+            <a:bodyPr rtlCol="0" anchor="ctr"/>
+            <a:lstStyle/>
+            <a:p>
+              <a:pPr algn="ctr"/>
+              <a:r>
+                <a:rPr kumimoji="1" lang="en-US" altLang="ja-JP" dirty="0"/>
+                <a:t>Data</a:t>
+              </a:r>
+            </a:p>
+          </p:txBody>
+        </p:sp>
+      </p:grpSp>
+      <p:sp>
+        <p:nvSpPr>
+          <p:cNvPr id="11" name="正方形/長方形 10">
+            <a:extLst>
+              <a:ext uri="{FF2B5EF4-FFF2-40B4-BE49-F238E27FC236}">
+                <a16:creationId xmlns:a16="http://schemas.microsoft.com/office/drawing/2014/main" id="{F680C336-9B31-44A7-9F56-D9D1FE63CD6E}"/>
+              </a:ext>
+            </a:extLst>
+          </p:cNvPr>
+          <p:cNvSpPr/>
+          <p:nvPr/>
+        </p:nvSpPr>
+        <p:spPr>
+          <a:xfrm>
+            <a:off x="617577" y="263572"/>
+            <a:ext cx="11354390" cy="1323439"/>
+          </a:xfrm>
+          <a:prstGeom prst="rect">
+            <a:avLst/>
+          </a:prstGeom>
+          <a:noFill/>
+        </p:spPr>
+        <p:txBody>
+          <a:bodyPr wrap="none" lIns="91440" tIns="45720" rIns="91440" bIns="45720">
+            <a:spAutoFit/>
+          </a:bodyPr>
+          <a:lstStyle/>
+          <a:p>
+            <a:r>
+              <a:rPr lang="ja-JP" altLang="en-US" sz="4000" dirty="0">
+                <a:ln w="0"/>
+                <a:effectLst>
+                  <a:outerShdw blurRad="38100" dist="19050" dir="2700000" algn="tl" rotWithShape="0">
+                    <a:schemeClr val="dk1">
+                      <a:alpha val="40000"/>
+                    </a:schemeClr>
+                  </a:outerShdw>
+                </a:effectLst>
+              </a:rPr>
+              <a:t>ファイルを</a:t>
+            </a:r>
+            <a:r>
+              <a:rPr lang="en-US" altLang="ja-JP" sz="4000" dirty="0">
+                <a:ln w="0"/>
+                <a:effectLst>
+                  <a:outerShdw blurRad="38100" dist="19050" dir="2700000" algn="tl" rotWithShape="0">
+                    <a:schemeClr val="dk1">
+                      <a:alpha val="40000"/>
+                    </a:schemeClr>
+                  </a:outerShdw>
+                </a:effectLst>
+              </a:rPr>
+              <a:t>Git</a:t>
+            </a:r>
+            <a:r>
+              <a:rPr lang="ja-JP" altLang="en-US" sz="4000" dirty="0">
+                <a:ln w="0"/>
+                <a:effectLst>
+                  <a:outerShdw blurRad="38100" dist="19050" dir="2700000" algn="tl" rotWithShape="0">
+                    <a:schemeClr val="dk1">
+                      <a:alpha val="40000"/>
+                    </a:schemeClr>
+                  </a:outerShdw>
+                </a:effectLst>
+              </a:rPr>
+              <a:t>に管理させることを</a:t>
+            </a:r>
+            <a:endParaRPr lang="en-US" altLang="ja-JP" sz="4000" dirty="0">
+              <a:ln w="0"/>
+              <a:effectLst>
+                <a:outerShdw blurRad="38100" dist="19050" dir="2700000" algn="tl" rotWithShape="0">
+                  <a:schemeClr val="dk1">
+                    <a:alpha val="40000"/>
+                  </a:schemeClr>
+                </a:outerShdw>
+              </a:effectLst>
+            </a:endParaRPr>
+          </a:p>
+          <a:p>
+            <a:r>
+              <a:rPr lang="ja-JP" altLang="en-US" sz="4000" b="1" dirty="0">
+                <a:ln w="0"/>
+                <a:solidFill>
+                  <a:srgbClr val="FF0000"/>
+                </a:solidFill>
+                <a:effectLst>
+                  <a:outerShdw blurRad="38100" dist="19050" dir="2700000" algn="tl" rotWithShape="0">
+                    <a:schemeClr val="dk1">
+                      <a:alpha val="40000"/>
+                    </a:schemeClr>
+                  </a:outerShdw>
+                </a:effectLst>
+              </a:rPr>
+              <a:t>ステージング</a:t>
+            </a:r>
+            <a:r>
+              <a:rPr lang="en-US" altLang="ja-JP" sz="4000" dirty="0">
+                <a:ln w="0"/>
+                <a:effectLst>
+                  <a:outerShdw blurRad="38100" dist="19050" dir="2700000" algn="tl" rotWithShape="0">
+                    <a:schemeClr val="dk1">
+                      <a:alpha val="40000"/>
+                    </a:schemeClr>
+                  </a:outerShdw>
+                </a:effectLst>
+              </a:rPr>
+              <a:t>(</a:t>
+            </a:r>
+            <a:r>
+              <a:rPr lang="ja-JP" altLang="en-US" sz="4000" dirty="0">
+                <a:ln w="0"/>
+                <a:effectLst>
+                  <a:outerShdw blurRad="38100" dist="19050" dir="2700000" algn="tl" rotWithShape="0">
+                    <a:schemeClr val="dk1">
+                      <a:alpha val="40000"/>
+                    </a:schemeClr>
+                  </a:outerShdw>
+                </a:effectLst>
+              </a:rPr>
+              <a:t>または</a:t>
+            </a:r>
+            <a:r>
+              <a:rPr lang="ja-JP" altLang="en-US" sz="4000" b="1" dirty="0">
+                <a:ln w="0"/>
+                <a:solidFill>
+                  <a:srgbClr val="FF0000"/>
+                </a:solidFill>
+                <a:effectLst>
+                  <a:outerShdw blurRad="38100" dist="19050" dir="2700000" algn="tl" rotWithShape="0">
+                    <a:schemeClr val="dk1">
+                      <a:alpha val="40000"/>
+                    </a:schemeClr>
+                  </a:outerShdw>
+                </a:effectLst>
+              </a:rPr>
+              <a:t>インデックス</a:t>
+            </a:r>
+            <a:r>
+              <a:rPr lang="ja-JP" altLang="en-US" sz="4000" dirty="0">
+                <a:ln w="0"/>
+                <a:effectLst>
+                  <a:outerShdw blurRad="38100" dist="19050" dir="2700000" algn="tl" rotWithShape="0">
+                    <a:schemeClr val="dk1">
+                      <a:alpha val="40000"/>
+                    </a:schemeClr>
+                  </a:outerShdw>
+                </a:effectLst>
+              </a:rPr>
+              <a:t>に置く</a:t>
+            </a:r>
+            <a:r>
+              <a:rPr lang="en-US" altLang="ja-JP" sz="4000" dirty="0">
+                <a:ln w="0"/>
+                <a:effectLst>
+                  <a:outerShdw blurRad="38100" dist="19050" dir="2700000" algn="tl" rotWithShape="0">
+                    <a:schemeClr val="dk1">
+                      <a:alpha val="40000"/>
+                    </a:schemeClr>
+                  </a:outerShdw>
+                </a:effectLst>
+              </a:rPr>
+              <a:t>)</a:t>
+            </a:r>
+            <a:r>
+              <a:rPr lang="ja-JP" altLang="en-US" sz="4000" dirty="0">
+                <a:ln w="0"/>
+                <a:effectLst>
+                  <a:outerShdw blurRad="38100" dist="19050" dir="2700000" algn="tl" rotWithShape="0">
+                    <a:schemeClr val="dk1">
+                      <a:alpha val="40000"/>
+                    </a:schemeClr>
+                  </a:outerShdw>
+                </a:effectLst>
+              </a:rPr>
+              <a:t>と言う</a:t>
+            </a:r>
+            <a:endParaRPr lang="en-US" altLang="ja-JP" sz="4000" dirty="0">
+              <a:ln w="0"/>
+              <a:effectLst>
+                <a:outerShdw blurRad="38100" dist="19050" dir="2700000" algn="tl" rotWithShape="0">
+                  <a:schemeClr val="dk1">
+                    <a:alpha val="40000"/>
+                  </a:schemeClr>
+                </a:outerShdw>
+              </a:effectLst>
+            </a:endParaRPr>
+          </a:p>
+        </p:txBody>
+      </p:sp>
+      <p:pic>
+        <p:nvPicPr>
+          <p:cNvPr id="13" name="グラフィックス 12">
+            <a:extLst>
+              <a:ext uri="{FF2B5EF4-FFF2-40B4-BE49-F238E27FC236}">
+                <a16:creationId xmlns:a16="http://schemas.microsoft.com/office/drawing/2014/main" id="{568AD760-B7ED-4C3A-977B-C2E71835CFDF}"/>
+              </a:ext>
+            </a:extLst>
+          </p:cNvPr>
+          <p:cNvPicPr>
+            <a:picLocks noChangeAspect="1"/>
+          </p:cNvPicPr>
+          <p:nvPr/>
+        </p:nvPicPr>
+        <p:blipFill>
+          <a:blip r:embed="rId3">
+            <a:extLst>
+              <a:ext uri="{28A0092B-C50C-407E-A947-70E740481C1C}">
+                <a14:useLocalDpi xmlns:a14="http://schemas.microsoft.com/office/drawing/2010/main" val="0"/>
+              </a:ext>
+              <a:ext uri="{96DAC541-7B7A-43D3-8B79-37D633B846F1}">
+                <asvg:svgBlip xmlns:asvg="http://schemas.microsoft.com/office/drawing/2016/SVG/main" r:embed="rId4"/>
+              </a:ext>
+              <a:ext uri="{837473B0-CC2E-450A-ABE3-18F120FF3D39}">
+                <a1611:picAttrSrcUrl xmlns:a1611="http://schemas.microsoft.com/office/drawing/2016/11/main" r:id="rId5"/>
+              </a:ext>
+            </a:extLst>
+          </a:blip>
+          <a:stretch>
+            <a:fillRect/>
+          </a:stretch>
+        </p:blipFill>
+        <p:spPr>
+          <a:xfrm>
+            <a:off x="6011095" y="1220516"/>
+            <a:ext cx="5631902" cy="5631902"/>
+          </a:xfrm>
+          <a:prstGeom prst="rect">
+            <a:avLst/>
+          </a:prstGeom>
+        </p:spPr>
+      </p:pic>
+      <p:grpSp>
+        <p:nvGrpSpPr>
+          <p:cNvPr id="20" name="グループ化 19">
+            <a:extLst>
+              <a:ext uri="{FF2B5EF4-FFF2-40B4-BE49-F238E27FC236}">
+                <a16:creationId xmlns:a16="http://schemas.microsoft.com/office/drawing/2014/main" id="{79716187-F930-47E5-84F7-F471CF4159FA}"/>
+              </a:ext>
+            </a:extLst>
+          </p:cNvPr>
+          <p:cNvGrpSpPr/>
+          <p:nvPr/>
+        </p:nvGrpSpPr>
+        <p:grpSpPr>
+          <a:xfrm>
+            <a:off x="6890281" y="3164886"/>
+            <a:ext cx="1619825" cy="1754326"/>
+            <a:chOff x="1114425" y="1885950"/>
+            <a:chExt cx="1981200" cy="2152650"/>
+          </a:xfrm>
+        </p:grpSpPr>
+        <p:sp>
+          <p:nvSpPr>
+            <p:cNvPr id="21" name="四角形: メモ 20">
+              <a:extLst>
+                <a:ext uri="{FF2B5EF4-FFF2-40B4-BE49-F238E27FC236}">
+                  <a16:creationId xmlns:a16="http://schemas.microsoft.com/office/drawing/2014/main" id="{8D6227BC-B01F-4525-A9AA-414AE7EC4188}"/>
+                </a:ext>
+              </a:extLst>
+            </p:cNvPr>
+            <p:cNvSpPr/>
+            <p:nvPr/>
+          </p:nvSpPr>
+          <p:spPr>
+            <a:xfrm>
+              <a:off x="1114425" y="1885950"/>
+              <a:ext cx="1371600" cy="1543050"/>
+            </a:xfrm>
+            <a:prstGeom prst="foldedCorner">
+              <a:avLst/>
+            </a:prstGeom>
+          </p:spPr>
+          <p:style>
+            <a:lnRef idx="1">
+              <a:schemeClr val="accent3"/>
+            </a:lnRef>
+            <a:fillRef idx="2">
+              <a:schemeClr val="accent3"/>
+            </a:fillRef>
+            <a:effectRef idx="1">
+              <a:schemeClr val="accent3"/>
+            </a:effectRef>
+            <a:fontRef idx="minor">
+              <a:schemeClr val="dk1"/>
+            </a:fontRef>
+          </p:style>
+          <p:txBody>
+            <a:bodyPr rtlCol="0" anchor="ctr"/>
+            <a:lstStyle/>
+            <a:p>
+              <a:pPr algn="ctr"/>
+              <a:r>
+                <a:rPr kumimoji="1" lang="en-US" altLang="ja-JP" dirty="0"/>
+                <a:t>Data</a:t>
+              </a:r>
+              <a:r>
+                <a:rPr lang="en-US" altLang="ja-JP" dirty="0"/>
+                <a:t>1</a:t>
+              </a:r>
+              <a:endParaRPr kumimoji="1" lang="en-US" altLang="ja-JP" dirty="0"/>
+            </a:p>
+          </p:txBody>
+        </p:sp>
+        <p:sp>
+          <p:nvSpPr>
+            <p:cNvPr id="22" name="四角形: メモ 21">
+              <a:extLst>
+                <a:ext uri="{FF2B5EF4-FFF2-40B4-BE49-F238E27FC236}">
+                  <a16:creationId xmlns:a16="http://schemas.microsoft.com/office/drawing/2014/main" id="{4ED77F93-7D43-4C79-B497-433F5938CBA8}"/>
+                </a:ext>
+              </a:extLst>
+            </p:cNvPr>
+            <p:cNvSpPr/>
+            <p:nvPr/>
+          </p:nvSpPr>
+          <p:spPr>
+            <a:xfrm>
+              <a:off x="1266825" y="2038350"/>
+              <a:ext cx="1371600" cy="1543050"/>
+            </a:xfrm>
+            <a:prstGeom prst="foldedCorner">
+              <a:avLst/>
+            </a:prstGeom>
+          </p:spPr>
+          <p:style>
+            <a:lnRef idx="1">
+              <a:schemeClr val="accent3"/>
+            </a:lnRef>
+            <a:fillRef idx="2">
+              <a:schemeClr val="accent3"/>
+            </a:fillRef>
+            <a:effectRef idx="1">
+              <a:schemeClr val="accent3"/>
+            </a:effectRef>
+            <a:fontRef idx="minor">
+              <a:schemeClr val="dk1"/>
+            </a:fontRef>
+          </p:style>
+          <p:txBody>
+            <a:bodyPr rtlCol="0" anchor="ctr"/>
+            <a:lstStyle/>
+            <a:p>
+              <a:pPr algn="ctr"/>
+              <a:r>
+                <a:rPr kumimoji="1" lang="en-US" altLang="ja-JP" dirty="0"/>
+                <a:t>Data</a:t>
+              </a:r>
+              <a:r>
+                <a:rPr lang="en-US" altLang="ja-JP" dirty="0"/>
+                <a:t>1</a:t>
+              </a:r>
+              <a:endParaRPr kumimoji="1" lang="en-US" altLang="ja-JP" dirty="0"/>
+            </a:p>
+          </p:txBody>
+        </p:sp>
+        <p:sp>
+          <p:nvSpPr>
+            <p:cNvPr id="23" name="四角形: メモ 22">
+              <a:extLst>
+                <a:ext uri="{FF2B5EF4-FFF2-40B4-BE49-F238E27FC236}">
+                  <a16:creationId xmlns:a16="http://schemas.microsoft.com/office/drawing/2014/main" id="{82655150-5CA6-4377-BCAE-F148E17421E6}"/>
+                </a:ext>
+              </a:extLst>
+            </p:cNvPr>
+            <p:cNvSpPr/>
+            <p:nvPr/>
+          </p:nvSpPr>
+          <p:spPr>
+            <a:xfrm>
+              <a:off x="1419225" y="2190750"/>
+              <a:ext cx="1371600" cy="1543050"/>
+            </a:xfrm>
+            <a:prstGeom prst="foldedCorner">
+              <a:avLst/>
+            </a:prstGeom>
+          </p:spPr>
+          <p:style>
+            <a:lnRef idx="1">
+              <a:schemeClr val="accent3"/>
+            </a:lnRef>
+            <a:fillRef idx="2">
+              <a:schemeClr val="accent3"/>
+            </a:fillRef>
+            <a:effectRef idx="1">
+              <a:schemeClr val="accent3"/>
+            </a:effectRef>
+            <a:fontRef idx="minor">
+              <a:schemeClr val="dk1"/>
+            </a:fontRef>
+          </p:style>
+          <p:txBody>
+            <a:bodyPr rtlCol="0" anchor="ctr"/>
+            <a:lstStyle/>
+            <a:p>
+              <a:pPr algn="ctr"/>
+              <a:r>
+                <a:rPr kumimoji="1" lang="en-US" altLang="ja-JP" dirty="0"/>
+                <a:t>Data</a:t>
+              </a:r>
+              <a:r>
+                <a:rPr lang="en-US" altLang="ja-JP" dirty="0"/>
+                <a:t>1</a:t>
+              </a:r>
+              <a:endParaRPr kumimoji="1" lang="en-US" altLang="ja-JP" dirty="0"/>
+            </a:p>
+          </p:txBody>
+        </p:sp>
+        <p:sp>
+          <p:nvSpPr>
+            <p:cNvPr id="24" name="四角形: メモ 23">
+              <a:extLst>
+                <a:ext uri="{FF2B5EF4-FFF2-40B4-BE49-F238E27FC236}">
+                  <a16:creationId xmlns:a16="http://schemas.microsoft.com/office/drawing/2014/main" id="{3C2ED1EF-8A00-45B5-9834-2807F4048290}"/>
+                </a:ext>
+              </a:extLst>
+            </p:cNvPr>
+            <p:cNvSpPr/>
+            <p:nvPr/>
+          </p:nvSpPr>
+          <p:spPr>
+            <a:xfrm>
+              <a:off x="1571625" y="2343150"/>
+              <a:ext cx="1371600" cy="1543050"/>
+            </a:xfrm>
+            <a:prstGeom prst="foldedCorner">
+              <a:avLst/>
+            </a:prstGeom>
+          </p:spPr>
+          <p:style>
+            <a:lnRef idx="1">
+              <a:schemeClr val="accent3"/>
+            </a:lnRef>
+            <a:fillRef idx="2">
+              <a:schemeClr val="accent3"/>
+            </a:fillRef>
+            <a:effectRef idx="1">
+              <a:schemeClr val="accent3"/>
+            </a:effectRef>
+            <a:fontRef idx="minor">
+              <a:schemeClr val="dk1"/>
+            </a:fontRef>
+          </p:style>
+          <p:txBody>
+            <a:bodyPr rtlCol="0" anchor="ctr"/>
+            <a:lstStyle/>
+            <a:p>
+              <a:pPr algn="ctr"/>
+              <a:r>
+                <a:rPr kumimoji="1" lang="en-US" altLang="ja-JP" dirty="0"/>
+                <a:t>Data</a:t>
+              </a:r>
+              <a:r>
+                <a:rPr lang="en-US" altLang="ja-JP" dirty="0"/>
+                <a:t>1</a:t>
+              </a:r>
+              <a:endParaRPr kumimoji="1" lang="en-US" altLang="ja-JP" dirty="0"/>
+            </a:p>
+          </p:txBody>
+        </p:sp>
+        <p:sp>
+          <p:nvSpPr>
+            <p:cNvPr id="25" name="四角形: メモ 24">
+              <a:extLst>
+                <a:ext uri="{FF2B5EF4-FFF2-40B4-BE49-F238E27FC236}">
+                  <a16:creationId xmlns:a16="http://schemas.microsoft.com/office/drawing/2014/main" id="{C1D19603-9396-4A55-9490-87E032C14D10}"/>
+                </a:ext>
+              </a:extLst>
+            </p:cNvPr>
+            <p:cNvSpPr/>
+            <p:nvPr/>
+          </p:nvSpPr>
+          <p:spPr>
+            <a:xfrm>
+              <a:off x="1724025" y="2495550"/>
+              <a:ext cx="1371600" cy="1543050"/>
+            </a:xfrm>
+            <a:prstGeom prst="foldedCorner">
+              <a:avLst/>
+            </a:prstGeom>
+          </p:spPr>
+          <p:style>
+            <a:lnRef idx="1">
+              <a:schemeClr val="accent3"/>
+            </a:lnRef>
+            <a:fillRef idx="2">
+              <a:schemeClr val="accent3"/>
+            </a:fillRef>
+            <a:effectRef idx="1">
+              <a:schemeClr val="accent3"/>
+            </a:effectRef>
+            <a:fontRef idx="minor">
+              <a:schemeClr val="dk1"/>
+            </a:fontRef>
+          </p:style>
+          <p:txBody>
+            <a:bodyPr rtlCol="0" anchor="ctr"/>
+            <a:lstStyle/>
+            <a:p>
+              <a:pPr algn="ctr"/>
+              <a:r>
+                <a:rPr kumimoji="1" lang="en-US" altLang="ja-JP" dirty="0"/>
+                <a:t>Data</a:t>
+              </a:r>
+            </a:p>
+          </p:txBody>
+        </p:sp>
+      </p:grpSp>
+      <p:sp>
+        <p:nvSpPr>
+          <p:cNvPr id="33" name="矢印: ストライプ 32">
+            <a:extLst>
+              <a:ext uri="{FF2B5EF4-FFF2-40B4-BE49-F238E27FC236}">
+                <a16:creationId xmlns:a16="http://schemas.microsoft.com/office/drawing/2014/main" id="{3EDD3C45-CA0D-458C-9C7A-8766B2DA013E}"/>
+              </a:ext>
+            </a:extLst>
+          </p:cNvPr>
+          <p:cNvSpPr/>
+          <p:nvPr/>
+        </p:nvSpPr>
+        <p:spPr>
+          <a:xfrm>
+            <a:off x="5435958" y="3845755"/>
+            <a:ext cx="859933" cy="640988"/>
+          </a:xfrm>
+          <a:prstGeom prst="stripedRightArrow">
+            <a:avLst/>
+          </a:prstGeom>
+        </p:spPr>
+        <p:style>
+          <a:lnRef idx="2">
+            <a:schemeClr val="accent1">
+              <a:shade val="50000"/>
+            </a:schemeClr>
+          </a:lnRef>
+          <a:fillRef idx="1">
+            <a:schemeClr val="accent1"/>
+          </a:fillRef>
+          <a:effectRef idx="0">
+            <a:schemeClr val="accent1"/>
+          </a:effectRef>
+          <a:fontRef idx="minor">
+            <a:schemeClr val="lt1"/>
+          </a:fontRef>
+        </p:style>
+        <p:txBody>
+          <a:bodyPr rtlCol="0" anchor="ctr"/>
+          <a:lstStyle/>
+          <a:p>
+            <a:pPr algn="ctr"/>
+            <a:endParaRPr kumimoji="1" lang="ja-JP" altLang="en-US"/>
+          </a:p>
+        </p:txBody>
+      </p:sp>
+      <p:sp>
+        <p:nvSpPr>
+          <p:cNvPr id="34" name="テキスト ボックス 33">
+            <a:extLst>
+              <a:ext uri="{FF2B5EF4-FFF2-40B4-BE49-F238E27FC236}">
+                <a16:creationId xmlns:a16="http://schemas.microsoft.com/office/drawing/2014/main" id="{E9005904-4D1B-43C0-A98A-26DCBB6ACEB2}"/>
+              </a:ext>
+            </a:extLst>
+          </p:cNvPr>
+          <p:cNvSpPr txBox="1"/>
+          <p:nvPr/>
+        </p:nvSpPr>
+        <p:spPr>
+          <a:xfrm>
+            <a:off x="378489" y="2421472"/>
+            <a:ext cx="2503503" cy="646331"/>
+          </a:xfrm>
+          <a:prstGeom prst="rect">
+            <a:avLst/>
+          </a:prstGeom>
+          <a:noFill/>
+          <a:ln>
+            <a:solidFill>
+              <a:schemeClr val="tx1"/>
+            </a:solidFill>
+          </a:ln>
+        </p:spPr>
+        <p:txBody>
+          <a:bodyPr wrap="square" rtlCol="0">
+            <a:spAutoFit/>
+          </a:bodyPr>
+          <a:lstStyle/>
+          <a:p>
+            <a:r>
+              <a:rPr lang="ja-JP" altLang="en-US" dirty="0"/>
+              <a:t>ワーキングツリー</a:t>
+            </a:r>
+            <a:r>
+              <a:rPr lang="en-US" altLang="ja-JP" dirty="0"/>
+              <a:t>(</a:t>
+            </a:r>
+            <a:r>
+              <a:rPr lang="ja-JP" altLang="en-US" dirty="0"/>
+              <a:t>ワーキングスペース</a:t>
+            </a:r>
+            <a:r>
+              <a:rPr lang="en-US" altLang="ja-JP" dirty="0"/>
+              <a:t>)</a:t>
+            </a:r>
+            <a:endParaRPr kumimoji="1" lang="ja-JP" altLang="en-US" dirty="0"/>
+          </a:p>
+        </p:txBody>
+      </p:sp>
+      <p:sp>
+        <p:nvSpPr>
+          <p:cNvPr id="36" name="テキスト ボックス 35">
+            <a:extLst>
+              <a:ext uri="{FF2B5EF4-FFF2-40B4-BE49-F238E27FC236}">
+                <a16:creationId xmlns:a16="http://schemas.microsoft.com/office/drawing/2014/main" id="{4FAC9AE2-5BCE-467D-AFB8-53AC3C9AD4E0}"/>
+              </a:ext>
+            </a:extLst>
+          </p:cNvPr>
+          <p:cNvSpPr txBox="1"/>
+          <p:nvPr/>
+        </p:nvSpPr>
+        <p:spPr>
+          <a:xfrm>
+            <a:off x="6654987" y="2422078"/>
+            <a:ext cx="1356711" cy="369332"/>
+          </a:xfrm>
+          <a:prstGeom prst="rect">
+            <a:avLst/>
+          </a:prstGeom>
+          <a:noFill/>
+        </p:spPr>
+        <p:txBody>
+          <a:bodyPr wrap="square" rtlCol="0">
+            <a:spAutoFit/>
+          </a:bodyPr>
+          <a:lstStyle/>
+          <a:p>
+            <a:r>
+              <a:rPr kumimoji="1" lang="ja-JP" altLang="en-US" dirty="0"/>
+              <a:t>リポジトリ</a:t>
+            </a:r>
+          </a:p>
+        </p:txBody>
+      </p:sp>
+      <p:sp>
+        <p:nvSpPr>
+          <p:cNvPr id="37" name="円柱 36">
+            <a:extLst>
+              <a:ext uri="{FF2B5EF4-FFF2-40B4-BE49-F238E27FC236}">
+                <a16:creationId xmlns:a16="http://schemas.microsoft.com/office/drawing/2014/main" id="{F698272B-A016-4872-A8F5-146887862F05}"/>
+              </a:ext>
+            </a:extLst>
+          </p:cNvPr>
+          <p:cNvSpPr/>
+          <p:nvPr/>
+        </p:nvSpPr>
+        <p:spPr>
+          <a:xfrm>
+            <a:off x="8995752" y="3760038"/>
+            <a:ext cx="1888114" cy="1187076"/>
+          </a:xfrm>
+          <a:prstGeom prst="can">
+            <a:avLst>
+              <a:gd name="adj" fmla="val 22181"/>
+            </a:avLst>
+          </a:prstGeom>
+          <a:ln>
+            <a:solidFill>
+              <a:srgbClr val="5B9BD5"/>
+            </a:solidFill>
+          </a:ln>
+        </p:spPr>
+        <p:style>
+          <a:lnRef idx="2">
+            <a:schemeClr val="accent1"/>
+          </a:lnRef>
+          <a:fillRef idx="1">
+            <a:schemeClr val="lt1"/>
+          </a:fillRef>
+          <a:effectRef idx="0">
+            <a:schemeClr val="accent1"/>
+          </a:effectRef>
+          <a:fontRef idx="minor">
+            <a:schemeClr val="dk1"/>
+          </a:fontRef>
+        </p:style>
+        <p:txBody>
+          <a:bodyPr rtlCol="0" anchor="ctr"/>
+          <a:lstStyle/>
+          <a:p>
+            <a:pPr algn="ctr"/>
+            <a:r>
+              <a:rPr kumimoji="1" lang="en-US" altLang="ja-JP" sz="4400" b="1" dirty="0">
+                <a:solidFill>
+                  <a:schemeClr val="tx1"/>
+                </a:solidFill>
+                <a:latin typeface="ＭＳ Ｐ明朝" panose="02020600040205080304" pitchFamily="18" charset="-128"/>
+                <a:ea typeface="ＭＳ Ｐ明朝" panose="02020600040205080304" pitchFamily="18" charset="-128"/>
+              </a:rPr>
+              <a:t>.git</a:t>
+            </a:r>
+            <a:endParaRPr kumimoji="1" lang="ja-JP" altLang="en-US" b="1" dirty="0">
+              <a:solidFill>
+                <a:schemeClr val="tx1"/>
+              </a:solidFill>
+              <a:latin typeface="ＭＳ Ｐ明朝" panose="02020600040205080304" pitchFamily="18" charset="-128"/>
+              <a:ea typeface="ＭＳ Ｐ明朝" panose="02020600040205080304" pitchFamily="18" charset="-128"/>
+            </a:endParaRPr>
+          </a:p>
+        </p:txBody>
+      </p:sp>
+      <p:sp>
+        <p:nvSpPr>
+          <p:cNvPr id="26" name="円柱 25">
+            <a:extLst>
+              <a:ext uri="{FF2B5EF4-FFF2-40B4-BE49-F238E27FC236}">
+                <a16:creationId xmlns:a16="http://schemas.microsoft.com/office/drawing/2014/main" id="{06F59F00-D4A4-4C2F-BD6A-C381D52B4A53}"/>
+              </a:ext>
+            </a:extLst>
+          </p:cNvPr>
+          <p:cNvSpPr/>
+          <p:nvPr/>
+        </p:nvSpPr>
+        <p:spPr>
+          <a:xfrm>
+            <a:off x="3176896" y="3796982"/>
+            <a:ext cx="1888114" cy="1187076"/>
+          </a:xfrm>
+          <a:prstGeom prst="can">
+            <a:avLst>
+              <a:gd name="adj" fmla="val 22181"/>
+            </a:avLst>
+          </a:prstGeom>
+          <a:ln>
+            <a:solidFill>
+              <a:srgbClr val="5B9BD5"/>
+            </a:solidFill>
+          </a:ln>
+        </p:spPr>
+        <p:style>
+          <a:lnRef idx="2">
+            <a:schemeClr val="accent1"/>
+          </a:lnRef>
+          <a:fillRef idx="1">
+            <a:schemeClr val="lt1"/>
+          </a:fillRef>
+          <a:effectRef idx="0">
+            <a:schemeClr val="accent1"/>
+          </a:effectRef>
+          <a:fontRef idx="minor">
+            <a:schemeClr val="dk1"/>
+          </a:fontRef>
+        </p:style>
+        <p:txBody>
+          <a:bodyPr rtlCol="0" anchor="ctr"/>
+          <a:lstStyle/>
+          <a:p>
+            <a:pPr algn="ctr"/>
+            <a:r>
+              <a:rPr kumimoji="1" lang="en-US" altLang="ja-JP" sz="4400" b="1" dirty="0">
+                <a:solidFill>
+                  <a:schemeClr val="tx1"/>
+                </a:solidFill>
+                <a:latin typeface="ＭＳ Ｐ明朝" panose="02020600040205080304" pitchFamily="18" charset="-128"/>
+                <a:ea typeface="ＭＳ Ｐ明朝" panose="02020600040205080304" pitchFamily="18" charset="-128"/>
+              </a:rPr>
+              <a:t>.git</a:t>
+            </a:r>
+            <a:endParaRPr kumimoji="1" lang="ja-JP" altLang="en-US" b="1" dirty="0">
+              <a:solidFill>
+                <a:schemeClr val="tx1"/>
+              </a:solidFill>
+              <a:latin typeface="ＭＳ Ｐ明朝" panose="02020600040205080304" pitchFamily="18" charset="-128"/>
+              <a:ea typeface="ＭＳ Ｐ明朝" panose="02020600040205080304" pitchFamily="18" charset="-128"/>
+            </a:endParaRPr>
+          </a:p>
+        </p:txBody>
+      </p:sp>
+      <p:sp>
+        <p:nvSpPr>
+          <p:cNvPr id="8" name="吹き出し: 円形 7">
+            <a:extLst>
+              <a:ext uri="{FF2B5EF4-FFF2-40B4-BE49-F238E27FC236}">
+                <a16:creationId xmlns:a16="http://schemas.microsoft.com/office/drawing/2014/main" id="{B69EA6E9-3114-485A-8FF8-02339F76854D}"/>
+              </a:ext>
+            </a:extLst>
+          </p:cNvPr>
+          <p:cNvSpPr/>
+          <p:nvPr/>
+        </p:nvSpPr>
+        <p:spPr>
+          <a:xfrm>
+            <a:off x="2972292" y="2412747"/>
+            <a:ext cx="1888113" cy="985104"/>
+          </a:xfrm>
+          <a:prstGeom prst="wedgeEllipseCallout">
+            <a:avLst>
+              <a:gd name="adj1" fmla="val -51324"/>
+              <a:gd name="adj2" fmla="val 50420"/>
+            </a:avLst>
+          </a:prstGeom>
+        </p:spPr>
+        <p:style>
+          <a:lnRef idx="2">
+            <a:schemeClr val="accent2"/>
+          </a:lnRef>
+          <a:fillRef idx="1">
+            <a:schemeClr val="lt1"/>
+          </a:fillRef>
+          <a:effectRef idx="0">
+            <a:schemeClr val="accent2"/>
+          </a:effectRef>
+          <a:fontRef idx="minor">
+            <a:schemeClr val="dk1"/>
+          </a:fontRef>
+        </p:style>
+        <p:txBody>
+          <a:bodyPr rtlCol="0" anchor="ctr"/>
+          <a:lstStyle/>
+          <a:p>
+            <a:pPr algn="ctr"/>
+            <a:r>
+              <a:rPr lang="ja-JP" altLang="en-US" dirty="0"/>
+              <a:t>管理対象外</a:t>
+            </a:r>
+            <a:endParaRPr kumimoji="1" lang="ja-JP" altLang="en-US" dirty="0"/>
+          </a:p>
+        </p:txBody>
+      </p:sp>
+      <p:sp>
+        <p:nvSpPr>
+          <p:cNvPr id="27" name="吹き出し: 円形 26">
+            <a:extLst>
+              <a:ext uri="{FF2B5EF4-FFF2-40B4-BE49-F238E27FC236}">
+                <a16:creationId xmlns:a16="http://schemas.microsoft.com/office/drawing/2014/main" id="{19420DC3-60B4-47D2-B3C3-192227427A1B}"/>
+              </a:ext>
+            </a:extLst>
+          </p:cNvPr>
+          <p:cNvSpPr/>
+          <p:nvPr/>
+        </p:nvSpPr>
+        <p:spPr>
+          <a:xfrm>
+            <a:off x="8385504" y="2284741"/>
+            <a:ext cx="1888113" cy="985104"/>
+          </a:xfrm>
+          <a:prstGeom prst="wedgeEllipseCallout">
+            <a:avLst>
+              <a:gd name="adj1" fmla="val -44271"/>
+              <a:gd name="adj2" fmla="val 53124"/>
+            </a:avLst>
+          </a:prstGeom>
+        </p:spPr>
+        <p:style>
+          <a:lnRef idx="2">
+            <a:schemeClr val="accent1"/>
+          </a:lnRef>
+          <a:fillRef idx="1">
+            <a:schemeClr val="lt1"/>
+          </a:fillRef>
+          <a:effectRef idx="0">
+            <a:schemeClr val="accent1"/>
+          </a:effectRef>
+          <a:fontRef idx="minor">
+            <a:schemeClr val="dk1"/>
+          </a:fontRef>
+        </p:style>
+        <p:txBody>
+          <a:bodyPr rtlCol="0" anchor="ctr"/>
+          <a:lstStyle/>
+          <a:p>
+            <a:pPr algn="ctr"/>
+            <a:r>
+              <a:rPr lang="ja-JP" altLang="en-US" dirty="0"/>
+              <a:t>管理対象</a:t>
+            </a:r>
+            <a:endParaRPr kumimoji="1" lang="ja-JP" altLang="en-US" dirty="0"/>
+          </a:p>
+        </p:txBody>
+      </p:sp>
+      <p:sp>
+        <p:nvSpPr>
+          <p:cNvPr id="9" name="テキスト ボックス 8">
+            <a:extLst>
+              <a:ext uri="{FF2B5EF4-FFF2-40B4-BE49-F238E27FC236}">
+                <a16:creationId xmlns:a16="http://schemas.microsoft.com/office/drawing/2014/main" id="{3CBA15BC-62BC-4BDC-B63F-4E8F2784D3CF}"/>
+              </a:ext>
+            </a:extLst>
+          </p:cNvPr>
+          <p:cNvSpPr txBox="1"/>
+          <p:nvPr/>
+        </p:nvSpPr>
+        <p:spPr>
+          <a:xfrm>
+            <a:off x="706893" y="5800622"/>
+            <a:ext cx="4623141" cy="369332"/>
+          </a:xfrm>
+          <a:prstGeom prst="rect">
+            <a:avLst/>
+          </a:prstGeom>
+          <a:noFill/>
+        </p:spPr>
+        <p:txBody>
+          <a:bodyPr wrap="square" rtlCol="0">
+            <a:spAutoFit/>
+          </a:bodyPr>
+          <a:lstStyle/>
+          <a:p>
+            <a:r>
+              <a:rPr kumimoji="1" lang="ja-JP" altLang="en-US" dirty="0"/>
+              <a:t>ファイルを変更</a:t>
+            </a:r>
+            <a:r>
+              <a:rPr lang="ja-JP" altLang="en-US" dirty="0"/>
+              <a:t>しても</a:t>
+            </a:r>
+            <a:r>
+              <a:rPr lang="en-US" altLang="ja-JP" dirty="0"/>
+              <a:t>.git</a:t>
+            </a:r>
+            <a:r>
+              <a:rPr lang="ja-JP" altLang="en-US" dirty="0"/>
+              <a:t>には記録されない</a:t>
+            </a:r>
+            <a:endParaRPr kumimoji="1" lang="ja-JP" altLang="en-US" dirty="0"/>
+          </a:p>
+        </p:txBody>
+      </p:sp>
+      <p:sp>
+        <p:nvSpPr>
+          <p:cNvPr id="28" name="テキスト ボックス 27">
+            <a:extLst>
+              <a:ext uri="{FF2B5EF4-FFF2-40B4-BE49-F238E27FC236}">
+                <a16:creationId xmlns:a16="http://schemas.microsoft.com/office/drawing/2014/main" id="{942A3E85-C1A0-4F38-95B4-D2009D8AC92C}"/>
+              </a:ext>
+            </a:extLst>
+          </p:cNvPr>
+          <p:cNvSpPr txBox="1"/>
+          <p:nvPr/>
+        </p:nvSpPr>
+        <p:spPr>
+          <a:xfrm>
+            <a:off x="6753318" y="5800622"/>
+            <a:ext cx="4623141" cy="369332"/>
+          </a:xfrm>
+          <a:prstGeom prst="rect">
+            <a:avLst/>
+          </a:prstGeom>
+          <a:noFill/>
+        </p:spPr>
+        <p:txBody>
+          <a:bodyPr wrap="square" rtlCol="0">
+            <a:spAutoFit/>
+          </a:bodyPr>
+          <a:lstStyle/>
+          <a:p>
+            <a:r>
+              <a:rPr kumimoji="1" lang="ja-JP" altLang="en-US" dirty="0"/>
+              <a:t>ファイルを変更</a:t>
+            </a:r>
+            <a:r>
+              <a:rPr lang="ja-JP" altLang="en-US" dirty="0"/>
+              <a:t>したら</a:t>
+            </a:r>
+            <a:r>
+              <a:rPr lang="en-US" altLang="ja-JP" dirty="0"/>
+              <a:t>.git</a:t>
+            </a:r>
+            <a:r>
+              <a:rPr lang="ja-JP" altLang="en-US" dirty="0"/>
+              <a:t>に記録される</a:t>
+            </a:r>
+            <a:endParaRPr kumimoji="1" lang="ja-JP" altLang="en-US" dirty="0"/>
+          </a:p>
+        </p:txBody>
+      </p:sp>
       <p:sp>
         <p:nvSpPr>
           <p:cNvPr id="29" name="テキスト ボックス 28">
@@ -27463,7 +30637,11 @@
           <a:lstStyle/>
           <a:p>
             <a:r>
-              <a:rPr kumimoji="1" lang="ja-JP" altLang="en-US" sz="1400" b="1" dirty="0"/>
+              <a:rPr kumimoji="1" lang="ja-JP" altLang="en-US" sz="1400" b="1" dirty="0">
+                <a:solidFill>
+                  <a:srgbClr val="FF0000"/>
+                </a:solidFill>
+              </a:rPr>
               <a:t>ステージング</a:t>
             </a:r>
           </a:p>
@@ -27472,7 +30650,7 @@
     </p:spTree>
     <p:extLst>
       <p:ext uri="{BB962C8B-B14F-4D97-AF65-F5344CB8AC3E}">
-        <p14:creationId xmlns:p14="http://schemas.microsoft.com/office/powerpoint/2010/main" val="480651831"/>
+        <p14:creationId xmlns:p14="http://schemas.microsoft.com/office/powerpoint/2010/main" val="1676981845"/>
       </p:ext>
     </p:extLst>
   </p:cSld>
@@ -27482,7 +30660,7 @@
 </p:sld>
 </file>
 
-<file path=ppt/slides/slide6.xml><?xml version="1.0" encoding="utf-8"?>
+<file path=ppt/slides/slide8.xml><?xml version="1.0" encoding="utf-8"?>
 <p:sld xmlns:a="http://schemas.openxmlformats.org/drawingml/2006/main" xmlns:r="http://schemas.openxmlformats.org/officeDocument/2006/relationships" xmlns:p="http://schemas.openxmlformats.org/presentationml/2006/main">
   <p:cSld>
     <p:spTree>
@@ -27533,7 +30711,7 @@
         </p:blipFill>
         <p:spPr>
           <a:xfrm>
-            <a:off x="5997640" y="1198445"/>
+            <a:off x="6021135" y="1193297"/>
             <a:ext cx="5631902" cy="5631902"/>
           </a:xfrm>
           <a:prstGeom prst="rect">
@@ -28640,13 +31818,13 @@
         </p:nvSpPr>
         <p:spPr>
           <a:xfrm>
-            <a:off x="9730603" y="1976308"/>
-            <a:ext cx="1888114" cy="891540"/>
+            <a:off x="9216248" y="2114531"/>
+            <a:ext cx="2949672" cy="891540"/>
           </a:xfrm>
           <a:prstGeom prst="wedgeRoundRectCallout">
             <a:avLst>
-              <a:gd name="adj1" fmla="val -34958"/>
-              <a:gd name="adj2" fmla="val 93269"/>
+              <a:gd name="adj1" fmla="val -16599"/>
+              <a:gd name="adj2" fmla="val 125134"/>
               <a:gd name="adj3" fmla="val 16667"/>
             </a:avLst>
           </a:prstGeom>
@@ -28671,9 +31849,14 @@
           <a:p>
             <a:pPr algn="ctr"/>
             <a:r>
-              <a:rPr kumimoji="1" lang="ja-JP" altLang="en-US" dirty="0"/>
-              <a:t>更新内容を記録</a:t>
-            </a:r>
+              <a:rPr lang="en-US" altLang="ja-JP" dirty="0"/>
+              <a:t>Data</a:t>
+            </a:r>
+            <a:r>
+              <a:rPr lang="ja-JP" altLang="en-US" dirty="0"/>
+              <a:t>が更新されたよ</a:t>
+            </a:r>
+            <a:endParaRPr kumimoji="1" lang="ja-JP" altLang="en-US" dirty="0"/>
           </a:p>
         </p:txBody>
       </p:sp>
@@ -28726,7 +31909,7 @@
 </p:sld>
 </file>
 
-<file path=ppt/slides/slide7.xml><?xml version="1.0" encoding="utf-8"?>
+<file path=ppt/slides/slide9.xml><?xml version="1.0" encoding="utf-8"?>
 <p:sld xmlns:a="http://schemas.openxmlformats.org/drawingml/2006/main" xmlns:r="http://schemas.openxmlformats.org/officeDocument/2006/relationships" xmlns:p="http://schemas.openxmlformats.org/presentationml/2006/main">
   <p:cSld>
     <p:spTree>
@@ -28804,8 +31987,8 @@
         </p:nvSpPr>
         <p:spPr>
           <a:xfrm>
-            <a:off x="305267" y="630085"/>
-            <a:ext cx="12040476" cy="707886"/>
+            <a:off x="190477" y="359313"/>
+            <a:ext cx="12040476" cy="1323439"/>
           </a:xfrm>
           <a:prstGeom prst="rect">
             <a:avLst/>
@@ -28855,7 +32038,58 @@
                   </a:outerShdw>
                 </a:effectLst>
               </a:rPr>
-              <a:t>文字のハッシュ値が生成される</a:t>
+              <a:t>文字のハッシュ値が生成され、</a:t>
+            </a:r>
+            <a:endParaRPr lang="en-US" altLang="ja-JP" sz="4000" dirty="0">
+              <a:ln w="0"/>
+              <a:effectLst>
+                <a:outerShdw blurRad="38100" dist="19050" dir="2700000" algn="tl" rotWithShape="0">
+                  <a:schemeClr val="dk1">
+                    <a:alpha val="40000"/>
+                  </a:schemeClr>
+                </a:outerShdw>
+              </a:effectLst>
+            </a:endParaRPr>
+          </a:p>
+          <a:p>
+            <a:r>
+              <a:rPr lang="ja-JP" altLang="en-US" sz="4000" dirty="0">
+                <a:ln w="0"/>
+                <a:effectLst>
+                  <a:outerShdw blurRad="38100" dist="19050" dir="2700000" algn="tl" rotWithShape="0">
+                    <a:schemeClr val="dk1">
+                      <a:alpha val="40000"/>
+                    </a:schemeClr>
+                  </a:outerShdw>
+                </a:effectLst>
+              </a:rPr>
+              <a:t>この</a:t>
+            </a:r>
+            <a:r>
+              <a:rPr lang="en-US" altLang="ja-JP" sz="4000" dirty="0">
+                <a:ln w="0"/>
+                <a:effectLst>
+                  <a:outerShdw blurRad="38100" dist="19050" dir="2700000" algn="tl" rotWithShape="0">
+                    <a:schemeClr val="dk1">
+                      <a:alpha val="40000"/>
+                    </a:schemeClr>
+                  </a:outerShdw>
+                </a:effectLst>
+              </a:rPr>
+              <a:t>40</a:t>
+            </a:r>
+            <a:r>
+              <a:rPr lang="ja-JP" altLang="en-US" sz="4000" dirty="0">
+                <a:ln w="0"/>
+                <a:effectLst>
+                  <a:outerShdw blurRad="38100" dist="19050" dir="2700000" algn="tl" rotWithShape="0">
+                    <a:schemeClr val="dk1">
+                      <a:alpha val="40000"/>
+                    </a:schemeClr>
+                  </a:outerShdw>
+                </a:effectLst>
+              </a:rPr>
+              <a:t>文字のハッシュが各更新状態を表している。</a:t>
             </a:r>
             <a:endParaRPr lang="en-US" altLang="ja-JP" sz="4000" dirty="0">
               <a:ln w="0"/>
@@ -29783,992 +33017,6 @@
     <p:extLst>
       <p:ext uri="{BB962C8B-B14F-4D97-AF65-F5344CB8AC3E}">
         <p14:creationId xmlns:p14="http://schemas.microsoft.com/office/powerpoint/2010/main" val="3803137114"/>
-      </p:ext>
-    </p:extLst>
-  </p:cSld>
-  <p:clrMapOvr>
-    <a:masterClrMapping/>
-  </p:clrMapOvr>
-</p:sld>
-</file>
-
-<file path=ppt/slides/slide8.xml><?xml version="1.0" encoding="utf-8"?>
-<p:sld xmlns:a="http://schemas.openxmlformats.org/drawingml/2006/main" xmlns:r="http://schemas.openxmlformats.org/officeDocument/2006/relationships" xmlns:p="http://schemas.openxmlformats.org/presentationml/2006/main">
-  <p:cSld>
-    <p:spTree>
-      <p:nvGrpSpPr>
-        <p:cNvPr id="1" name=""/>
-        <p:cNvGrpSpPr/>
-        <p:nvPr/>
-      </p:nvGrpSpPr>
-      <p:grpSpPr>
-        <a:xfrm>
-          <a:off x="0" y="0"/>
-          <a:ext cx="0" cy="0"/>
-          <a:chOff x="0" y="0"/>
-          <a:chExt cx="0" cy="0"/>
-        </a:xfrm>
-      </p:grpSpPr>
-      <p:sp>
-        <p:nvSpPr>
-          <p:cNvPr id="2" name="正方形/長方形 1">
-            <a:extLst>
-              <a:ext uri="{FF2B5EF4-FFF2-40B4-BE49-F238E27FC236}">
-                <a16:creationId xmlns:a16="http://schemas.microsoft.com/office/drawing/2014/main" id="{32E9DF22-5DF5-4060-A956-2F267BA259B9}"/>
-              </a:ext>
-            </a:extLst>
-          </p:cNvPr>
-          <p:cNvSpPr/>
-          <p:nvPr/>
-        </p:nvSpPr>
-        <p:spPr>
-          <a:xfrm>
-            <a:off x="594394" y="568216"/>
-            <a:ext cx="11561178" cy="1446550"/>
-          </a:xfrm>
-          <a:prstGeom prst="rect">
-            <a:avLst/>
-          </a:prstGeom>
-          <a:noFill/>
-        </p:spPr>
-        <p:txBody>
-          <a:bodyPr wrap="none" lIns="91440" tIns="45720" rIns="91440" bIns="45720">
-            <a:spAutoFit/>
-          </a:bodyPr>
-          <a:lstStyle/>
-          <a:p>
-            <a:r>
-              <a:rPr lang="ja-JP" altLang="en-US" sz="4400" b="1" dirty="0">
-                <a:ln w="0"/>
-                <a:effectLst>
-                  <a:outerShdw blurRad="38100" dist="19050" dir="2700000" algn="tl" rotWithShape="0">
-                    <a:schemeClr val="dk1">
-                      <a:alpha val="40000"/>
-                    </a:schemeClr>
-                  </a:outerShdw>
-                </a:effectLst>
-              </a:rPr>
-              <a:t>リポジトリ </a:t>
-            </a:r>
-          </a:p>
-          <a:p>
-            <a:r>
-              <a:rPr lang="ja-JP" altLang="en-US" sz="4400" dirty="0">
-                <a:ln w="0"/>
-                <a:effectLst>
-                  <a:outerShdw blurRad="38100" dist="19050" dir="2700000" algn="tl" rotWithShape="0">
-                    <a:schemeClr val="dk1">
-                      <a:alpha val="40000"/>
-                    </a:schemeClr>
-                  </a:outerShdw>
-                </a:effectLst>
-              </a:rPr>
-              <a:t>保管庫のことで</a:t>
-            </a:r>
-            <a:r>
-              <a:rPr lang="en-US" altLang="ja-JP" sz="4400" dirty="0">
-                <a:ln w="0"/>
-                <a:effectLst>
-                  <a:outerShdw blurRad="38100" dist="19050" dir="2700000" algn="tl" rotWithShape="0">
-                    <a:schemeClr val="dk1">
-                      <a:alpha val="40000"/>
-                    </a:schemeClr>
-                  </a:outerShdw>
-                </a:effectLst>
-              </a:rPr>
-              <a:t>git</a:t>
-            </a:r>
-            <a:r>
-              <a:rPr lang="ja-JP" altLang="en-US" sz="4400" dirty="0">
-                <a:ln w="0"/>
-                <a:effectLst>
-                  <a:outerShdw blurRad="38100" dist="19050" dir="2700000" algn="tl" rotWithShape="0">
-                    <a:schemeClr val="dk1">
-                      <a:alpha val="40000"/>
-                    </a:schemeClr>
-                  </a:outerShdw>
-                </a:effectLst>
-              </a:rPr>
-              <a:t>が管理するフォルダのこと</a:t>
-            </a:r>
-            <a:endParaRPr lang="ja-JP" altLang="en-US" sz="4400" b="0" cap="none" spc="0" dirty="0">
-              <a:ln w="0"/>
-              <a:solidFill>
-                <a:schemeClr val="tx1"/>
-              </a:solidFill>
-              <a:effectLst>
-                <a:outerShdw blurRad="38100" dist="19050" dir="2700000" algn="tl" rotWithShape="0">
-                  <a:schemeClr val="dk1">
-                    <a:alpha val="40000"/>
-                  </a:schemeClr>
-                </a:outerShdw>
-              </a:effectLst>
-            </a:endParaRPr>
-          </a:p>
-        </p:txBody>
-      </p:sp>
-      <p:sp>
-        <p:nvSpPr>
-          <p:cNvPr id="3" name="正方形/長方形 2">
-            <a:extLst>
-              <a:ext uri="{FF2B5EF4-FFF2-40B4-BE49-F238E27FC236}">
-                <a16:creationId xmlns:a16="http://schemas.microsoft.com/office/drawing/2014/main" id="{5E826779-4B70-46BA-9387-681D57476301}"/>
-              </a:ext>
-            </a:extLst>
-          </p:cNvPr>
-          <p:cNvSpPr/>
-          <p:nvPr/>
-        </p:nvSpPr>
-        <p:spPr>
-          <a:xfrm>
-            <a:off x="594394" y="2014766"/>
-            <a:ext cx="10905550" cy="1446550"/>
-          </a:xfrm>
-          <a:prstGeom prst="rect">
-            <a:avLst/>
-          </a:prstGeom>
-          <a:noFill/>
-        </p:spPr>
-        <p:txBody>
-          <a:bodyPr wrap="none" lIns="91440" tIns="45720" rIns="91440" bIns="45720">
-            <a:spAutoFit/>
-          </a:bodyPr>
-          <a:lstStyle/>
-          <a:p>
-            <a:r>
-              <a:rPr lang="en-US" altLang="ja-JP" sz="4400" b="1" dirty="0">
-                <a:ln w="0"/>
-                <a:effectLst>
-                  <a:outerShdw blurRad="38100" dist="19050" dir="2700000" algn="tl" rotWithShape="0">
-                    <a:schemeClr val="dk1">
-                      <a:alpha val="40000"/>
-                    </a:schemeClr>
-                  </a:outerShdw>
-                </a:effectLst>
-              </a:rPr>
-              <a:t>.git</a:t>
-            </a:r>
-          </a:p>
-          <a:p>
-            <a:r>
-              <a:rPr lang="ja-JP" altLang="en-US" sz="4400" dirty="0">
-                <a:ln w="0"/>
-                <a:effectLst>
-                  <a:outerShdw blurRad="38100" dist="19050" dir="2700000" algn="tl" rotWithShape="0">
-                    <a:schemeClr val="dk1">
-                      <a:alpha val="40000"/>
-                    </a:schemeClr>
-                  </a:outerShdw>
-                </a:effectLst>
-              </a:rPr>
-              <a:t>この中で管理対象の更新情報が記録される</a:t>
-            </a:r>
-            <a:endParaRPr lang="ja-JP" altLang="en-US" sz="4400" b="0" cap="none" spc="0" dirty="0">
-              <a:ln w="0"/>
-              <a:solidFill>
-                <a:schemeClr val="tx1"/>
-              </a:solidFill>
-              <a:effectLst>
-                <a:outerShdw blurRad="38100" dist="19050" dir="2700000" algn="tl" rotWithShape="0">
-                  <a:schemeClr val="dk1">
-                    <a:alpha val="40000"/>
-                  </a:schemeClr>
-                </a:outerShdw>
-              </a:effectLst>
-            </a:endParaRPr>
-          </a:p>
-        </p:txBody>
-      </p:sp>
-      <p:sp>
-        <p:nvSpPr>
-          <p:cNvPr id="4" name="正方形/長方形 3">
-            <a:extLst>
-              <a:ext uri="{FF2B5EF4-FFF2-40B4-BE49-F238E27FC236}">
-                <a16:creationId xmlns:a16="http://schemas.microsoft.com/office/drawing/2014/main" id="{75E3BEC2-EFFC-4759-85B8-18B65375CDBC}"/>
-              </a:ext>
-            </a:extLst>
-          </p:cNvPr>
-          <p:cNvSpPr/>
-          <p:nvPr/>
-        </p:nvSpPr>
-        <p:spPr>
-          <a:xfrm>
-            <a:off x="10348710" y="215811"/>
-            <a:ext cx="1563377" cy="653775"/>
-          </a:xfrm>
-          <a:prstGeom prst="rect">
-            <a:avLst/>
-          </a:prstGeom>
-          <a:solidFill>
-            <a:schemeClr val="accent1">
-              <a:alpha val="50000"/>
-            </a:schemeClr>
-          </a:solidFill>
-          <a:ln>
-            <a:noFill/>
-          </a:ln>
-        </p:spPr>
-        <p:style>
-          <a:lnRef idx="0">
-            <a:scrgbClr r="0" g="0" b="0"/>
-          </a:lnRef>
-          <a:fillRef idx="0">
-            <a:scrgbClr r="0" g="0" b="0"/>
-          </a:fillRef>
-          <a:effectRef idx="0">
-            <a:scrgbClr r="0" g="0" b="0"/>
-          </a:effectRef>
-          <a:fontRef idx="minor">
-            <a:schemeClr val="lt1"/>
-          </a:fontRef>
-        </p:style>
-        <p:txBody>
-          <a:bodyPr rtlCol="0" anchor="ctr"/>
-          <a:lstStyle/>
-          <a:p>
-            <a:pPr algn="ctr"/>
-            <a:r>
-              <a:rPr kumimoji="1" lang="ja-JP" altLang="en-US" sz="3200" b="1" dirty="0">
-                <a:latin typeface="ＭＳ Ｐ明朝" panose="02020600040205080304" pitchFamily="18" charset="-128"/>
-                <a:ea typeface="ＭＳ Ｐ明朝" panose="02020600040205080304" pitchFamily="18" charset="-128"/>
-              </a:rPr>
-              <a:t>単語集</a:t>
-            </a:r>
-          </a:p>
-        </p:txBody>
-      </p:sp>
-      <p:sp>
-        <p:nvSpPr>
-          <p:cNvPr id="5" name="正方形/長方形 4">
-            <a:extLst>
-              <a:ext uri="{FF2B5EF4-FFF2-40B4-BE49-F238E27FC236}">
-                <a16:creationId xmlns:a16="http://schemas.microsoft.com/office/drawing/2014/main" id="{8009B3BA-38F1-430D-AE1D-21EE16A026DD}"/>
-              </a:ext>
-            </a:extLst>
-          </p:cNvPr>
-          <p:cNvSpPr/>
-          <p:nvPr/>
-        </p:nvSpPr>
-        <p:spPr>
-          <a:xfrm>
-            <a:off x="594393" y="3584951"/>
-            <a:ext cx="9212778" cy="1446550"/>
-          </a:xfrm>
-          <a:prstGeom prst="rect">
-            <a:avLst/>
-          </a:prstGeom>
-          <a:noFill/>
-        </p:spPr>
-        <p:txBody>
-          <a:bodyPr wrap="none" lIns="91440" tIns="45720" rIns="91440" bIns="45720">
-            <a:spAutoFit/>
-          </a:bodyPr>
-          <a:lstStyle/>
-          <a:p>
-            <a:r>
-              <a:rPr lang="ja-JP" altLang="en-US" sz="4400" b="1" dirty="0">
-                <a:ln w="0"/>
-                <a:effectLst>
-                  <a:outerShdw blurRad="38100" dist="19050" dir="2700000" algn="tl" rotWithShape="0">
-                    <a:schemeClr val="dk1">
-                      <a:alpha val="40000"/>
-                    </a:schemeClr>
-                  </a:outerShdw>
-                </a:effectLst>
-              </a:rPr>
-              <a:t>ステージング</a:t>
-            </a:r>
-            <a:endParaRPr lang="en-US" altLang="ja-JP" sz="4400" b="1" dirty="0">
-              <a:ln w="0"/>
-              <a:effectLst>
-                <a:outerShdw blurRad="38100" dist="19050" dir="2700000" algn="tl" rotWithShape="0">
-                  <a:schemeClr val="dk1">
-                    <a:alpha val="40000"/>
-                  </a:schemeClr>
-                </a:outerShdw>
-              </a:effectLst>
-            </a:endParaRPr>
-          </a:p>
-          <a:p>
-            <a:r>
-              <a:rPr lang="ja-JP" altLang="en-US" sz="4400" dirty="0">
-                <a:ln w="0"/>
-                <a:effectLst>
-                  <a:outerShdw blurRad="38100" dist="19050" dir="2700000" algn="tl" rotWithShape="0">
-                    <a:schemeClr val="dk1">
-                      <a:alpha val="40000"/>
-                    </a:schemeClr>
-                  </a:outerShdw>
-                </a:effectLst>
-              </a:rPr>
-              <a:t>ファイルをコミット対象にする操作</a:t>
-            </a:r>
-            <a:endParaRPr lang="ja-JP" altLang="en-US" sz="4400" b="0" cap="none" spc="0" dirty="0">
-              <a:ln w="0"/>
-              <a:solidFill>
-                <a:schemeClr val="tx1"/>
-              </a:solidFill>
-              <a:effectLst>
-                <a:outerShdw blurRad="38100" dist="19050" dir="2700000" algn="tl" rotWithShape="0">
-                  <a:schemeClr val="dk1">
-                    <a:alpha val="40000"/>
-                  </a:schemeClr>
-                </a:outerShdw>
-              </a:effectLst>
-            </a:endParaRPr>
-          </a:p>
-        </p:txBody>
-      </p:sp>
-      <p:sp>
-        <p:nvSpPr>
-          <p:cNvPr id="6" name="正方形/長方形 5">
-            <a:extLst>
-              <a:ext uri="{FF2B5EF4-FFF2-40B4-BE49-F238E27FC236}">
-                <a16:creationId xmlns:a16="http://schemas.microsoft.com/office/drawing/2014/main" id="{B0AAD3CD-17B9-4063-954D-B2C20D8172D9}"/>
-              </a:ext>
-            </a:extLst>
-          </p:cNvPr>
-          <p:cNvSpPr/>
-          <p:nvPr/>
-        </p:nvSpPr>
-        <p:spPr>
-          <a:xfrm>
-            <a:off x="594394" y="5155137"/>
-            <a:ext cx="7520007" cy="1446550"/>
-          </a:xfrm>
-          <a:prstGeom prst="rect">
-            <a:avLst/>
-          </a:prstGeom>
-          <a:noFill/>
-        </p:spPr>
-        <p:txBody>
-          <a:bodyPr wrap="none" lIns="91440" tIns="45720" rIns="91440" bIns="45720">
-            <a:spAutoFit/>
-          </a:bodyPr>
-          <a:lstStyle/>
-          <a:p>
-            <a:r>
-              <a:rPr lang="ja-JP" altLang="en-US" sz="4400" b="1" dirty="0">
-                <a:ln w="0"/>
-                <a:effectLst>
-                  <a:outerShdw blurRad="38100" dist="19050" dir="2700000" algn="tl" rotWithShape="0">
-                    <a:schemeClr val="dk1">
-                      <a:alpha val="40000"/>
-                    </a:schemeClr>
-                  </a:outerShdw>
-                </a:effectLst>
-              </a:rPr>
-              <a:t>コミット</a:t>
-            </a:r>
-            <a:endParaRPr lang="en-US" altLang="ja-JP" sz="4400" b="1" dirty="0">
-              <a:ln w="0"/>
-              <a:effectLst>
-                <a:outerShdw blurRad="38100" dist="19050" dir="2700000" algn="tl" rotWithShape="0">
-                  <a:schemeClr val="dk1">
-                    <a:alpha val="40000"/>
-                  </a:schemeClr>
-                </a:outerShdw>
-              </a:effectLst>
-            </a:endParaRPr>
-          </a:p>
-          <a:p>
-            <a:r>
-              <a:rPr lang="ja-JP" altLang="en-US" sz="4400" b="0" cap="none" spc="0" dirty="0">
-                <a:ln w="0"/>
-                <a:solidFill>
-                  <a:schemeClr val="tx1"/>
-                </a:solidFill>
-                <a:effectLst>
-                  <a:outerShdw blurRad="38100" dist="19050" dir="2700000" algn="tl" rotWithShape="0">
-                    <a:schemeClr val="dk1">
-                      <a:alpha val="40000"/>
-                    </a:schemeClr>
-                  </a:outerShdw>
-                </a:effectLst>
-              </a:rPr>
-              <a:t>更新したものを記録する</a:t>
-            </a:r>
-            <a:r>
-              <a:rPr lang="ja-JP" altLang="en-US" sz="4400" dirty="0">
-                <a:ln w="0"/>
-                <a:effectLst>
-                  <a:outerShdw blurRad="38100" dist="19050" dir="2700000" algn="tl" rotWithShape="0">
-                    <a:schemeClr val="dk1">
-                      <a:alpha val="40000"/>
-                    </a:schemeClr>
-                  </a:outerShdw>
-                </a:effectLst>
-              </a:rPr>
-              <a:t>操作</a:t>
-            </a:r>
-            <a:endParaRPr lang="ja-JP" altLang="en-US" sz="4400" b="0" cap="none" spc="0" dirty="0">
-              <a:ln w="0"/>
-              <a:solidFill>
-                <a:schemeClr val="tx1"/>
-              </a:solidFill>
-              <a:effectLst>
-                <a:outerShdw blurRad="38100" dist="19050" dir="2700000" algn="tl" rotWithShape="0">
-                  <a:schemeClr val="dk1">
-                    <a:alpha val="40000"/>
-                  </a:schemeClr>
-                </a:outerShdw>
-              </a:effectLst>
-            </a:endParaRPr>
-          </a:p>
-        </p:txBody>
-      </p:sp>
-    </p:spTree>
-    <p:extLst>
-      <p:ext uri="{BB962C8B-B14F-4D97-AF65-F5344CB8AC3E}">
-        <p14:creationId xmlns:p14="http://schemas.microsoft.com/office/powerpoint/2010/main" val="1160569585"/>
-      </p:ext>
-    </p:extLst>
-  </p:cSld>
-  <p:clrMapOvr>
-    <a:masterClrMapping/>
-  </p:clrMapOvr>
-</p:sld>
-</file>
-
-<file path=ppt/slides/slide9.xml><?xml version="1.0" encoding="utf-8"?>
-<p:sld xmlns:a="http://schemas.openxmlformats.org/drawingml/2006/main" xmlns:r="http://schemas.openxmlformats.org/officeDocument/2006/relationships" xmlns:p="http://schemas.openxmlformats.org/presentationml/2006/main">
-  <p:cSld>
-    <p:spTree>
-      <p:nvGrpSpPr>
-        <p:cNvPr id="1" name=""/>
-        <p:cNvGrpSpPr/>
-        <p:nvPr/>
-      </p:nvGrpSpPr>
-      <p:grpSpPr>
-        <a:xfrm>
-          <a:off x="0" y="0"/>
-          <a:ext cx="0" cy="0"/>
-          <a:chOff x="0" y="0"/>
-          <a:chExt cx="0" cy="0"/>
-        </a:xfrm>
-      </p:grpSpPr>
-      <p:sp>
-        <p:nvSpPr>
-          <p:cNvPr id="2" name="正方形/長方形 1">
-            <a:extLst>
-              <a:ext uri="{FF2B5EF4-FFF2-40B4-BE49-F238E27FC236}">
-                <a16:creationId xmlns:a16="http://schemas.microsoft.com/office/drawing/2014/main" id="{BCB341EC-3E4A-42F3-AFFE-E86454C0D177}"/>
-              </a:ext>
-            </a:extLst>
-          </p:cNvPr>
-          <p:cNvSpPr/>
-          <p:nvPr/>
-        </p:nvSpPr>
-        <p:spPr>
-          <a:xfrm>
-            <a:off x="558884" y="346273"/>
-            <a:ext cx="11707051" cy="4154984"/>
-          </a:xfrm>
-          <a:prstGeom prst="rect">
-            <a:avLst/>
-          </a:prstGeom>
-          <a:noFill/>
-        </p:spPr>
-        <p:txBody>
-          <a:bodyPr wrap="none" lIns="91440" tIns="45720" rIns="91440" bIns="45720">
-            <a:spAutoFit/>
-          </a:bodyPr>
-          <a:lstStyle/>
-          <a:p>
-            <a:r>
-              <a:rPr lang="ja-JP" altLang="en-US" sz="4400" b="1" dirty="0">
-                <a:ln w="0"/>
-                <a:effectLst>
-                  <a:outerShdw blurRad="38100" dist="19050" dir="2700000" algn="tl" rotWithShape="0">
-                    <a:schemeClr val="dk1">
-                      <a:alpha val="40000"/>
-                    </a:schemeClr>
-                  </a:outerShdw>
-                </a:effectLst>
-              </a:rPr>
-              <a:t>リポジトリ</a:t>
-            </a:r>
-            <a:r>
-              <a:rPr lang="en-US" altLang="ja-JP" sz="4400" b="1" dirty="0">
-                <a:ln w="0"/>
-                <a:effectLst>
-                  <a:outerShdw blurRad="38100" dist="19050" dir="2700000" algn="tl" rotWithShape="0">
-                    <a:schemeClr val="dk1">
-                      <a:alpha val="40000"/>
-                    </a:schemeClr>
-                  </a:outerShdw>
-                </a:effectLst>
-              </a:rPr>
-              <a:t>(.git)</a:t>
-            </a:r>
-            <a:r>
-              <a:rPr lang="ja-JP" altLang="en-US" sz="4400" b="1" dirty="0">
-                <a:ln w="0"/>
-                <a:effectLst>
-                  <a:outerShdw blurRad="38100" dist="19050" dir="2700000" algn="tl" rotWithShape="0">
-                    <a:schemeClr val="dk1">
-                      <a:alpha val="40000"/>
-                    </a:schemeClr>
-                  </a:outerShdw>
-                </a:effectLst>
-              </a:rPr>
-              <a:t>の作り方</a:t>
-            </a:r>
-          </a:p>
-          <a:p>
-            <a:r>
-              <a:rPr lang="en-US" altLang="ja-JP" sz="4400" b="0" cap="none" spc="0" dirty="0">
-                <a:ln w="0"/>
-                <a:solidFill>
-                  <a:schemeClr val="tx1"/>
-                </a:solidFill>
-                <a:effectLst>
-                  <a:outerShdw blurRad="38100" dist="19050" dir="2700000" algn="tl" rotWithShape="0">
-                    <a:schemeClr val="dk1">
-                      <a:alpha val="40000"/>
-                    </a:schemeClr>
-                  </a:outerShdw>
-                </a:effectLst>
-              </a:rPr>
-              <a:t>Git</a:t>
-            </a:r>
-            <a:r>
-              <a:rPr lang="ja-JP" altLang="en-US" sz="4400" b="0" cap="none" spc="0" dirty="0">
-                <a:ln w="0"/>
-                <a:solidFill>
-                  <a:schemeClr val="tx1"/>
-                </a:solidFill>
-                <a:effectLst>
-                  <a:outerShdw blurRad="38100" dist="19050" dir="2700000" algn="tl" rotWithShape="0">
-                    <a:schemeClr val="dk1">
-                      <a:alpha val="40000"/>
-                    </a:schemeClr>
-                  </a:outerShdw>
-                </a:effectLst>
-              </a:rPr>
-              <a:t>をインストール後</a:t>
-            </a:r>
-            <a:endParaRPr lang="en-US" altLang="ja-JP" sz="4400" b="0" cap="none" spc="0" dirty="0">
-              <a:ln w="0"/>
-              <a:solidFill>
-                <a:schemeClr val="tx1"/>
-              </a:solidFill>
-              <a:effectLst>
-                <a:outerShdw blurRad="38100" dist="19050" dir="2700000" algn="tl" rotWithShape="0">
-                  <a:schemeClr val="dk1">
-                    <a:alpha val="40000"/>
-                  </a:schemeClr>
-                </a:outerShdw>
-              </a:effectLst>
-            </a:endParaRPr>
-          </a:p>
-          <a:p>
-            <a:r>
-              <a:rPr lang="ja-JP" altLang="en-US" sz="4400" dirty="0">
-                <a:ln w="0"/>
-                <a:effectLst>
-                  <a:outerShdw blurRad="38100" dist="19050" dir="2700000" algn="tl" rotWithShape="0">
-                    <a:schemeClr val="dk1">
-                      <a:alpha val="40000"/>
-                    </a:schemeClr>
-                  </a:outerShdw>
-                </a:effectLst>
-              </a:rPr>
-              <a:t>リポジトリにするフォルダ内を右クリックし</a:t>
-            </a:r>
-            <a:endParaRPr lang="en-US" altLang="ja-JP" sz="4400" dirty="0">
-              <a:ln w="0"/>
-              <a:effectLst>
-                <a:outerShdw blurRad="38100" dist="19050" dir="2700000" algn="tl" rotWithShape="0">
-                  <a:schemeClr val="dk1">
-                    <a:alpha val="40000"/>
-                  </a:schemeClr>
-                </a:outerShdw>
-              </a:effectLst>
-            </a:endParaRPr>
-          </a:p>
-          <a:p>
-            <a:r>
-              <a:rPr lang="en-US" altLang="ja-JP" sz="4400" dirty="0">
-                <a:ln w="0"/>
-                <a:effectLst>
-                  <a:outerShdw blurRad="38100" dist="19050" dir="2700000" algn="tl" rotWithShape="0">
-                    <a:schemeClr val="dk1">
-                      <a:alpha val="40000"/>
-                    </a:schemeClr>
-                  </a:outerShdw>
-                </a:effectLst>
-              </a:rPr>
-              <a:t>Git Bash  here(</a:t>
-            </a:r>
-            <a:r>
-              <a:rPr lang="ja-JP" altLang="en-US" sz="4400" dirty="0">
-                <a:ln w="0"/>
-                <a:effectLst>
-                  <a:outerShdw blurRad="38100" dist="19050" dir="2700000" algn="tl" rotWithShape="0">
-                    <a:schemeClr val="dk1">
-                      <a:alpha val="40000"/>
-                    </a:schemeClr>
-                  </a:outerShdw>
-                </a:effectLst>
-              </a:rPr>
-              <a:t>もしくはコマンドライン</a:t>
-            </a:r>
-            <a:r>
-              <a:rPr lang="en-US" altLang="ja-JP" sz="4400" dirty="0">
-                <a:ln w="0"/>
-                <a:effectLst>
-                  <a:outerShdw blurRad="38100" dist="19050" dir="2700000" algn="tl" rotWithShape="0">
-                    <a:schemeClr val="dk1">
-                      <a:alpha val="40000"/>
-                    </a:schemeClr>
-                  </a:outerShdw>
-                </a:effectLst>
-              </a:rPr>
-              <a:t>)</a:t>
-            </a:r>
-            <a:r>
-              <a:rPr lang="ja-JP" altLang="en-US" sz="4400" dirty="0">
-                <a:ln w="0"/>
-                <a:effectLst>
-                  <a:outerShdw blurRad="38100" dist="19050" dir="2700000" algn="tl" rotWithShape="0">
-                    <a:schemeClr val="dk1">
-                      <a:alpha val="40000"/>
-                    </a:schemeClr>
-                  </a:outerShdw>
-                </a:effectLst>
-              </a:rPr>
-              <a:t>から</a:t>
-            </a:r>
-            <a:endParaRPr lang="en-US" altLang="ja-JP" sz="4400" dirty="0">
-              <a:ln w="0"/>
-              <a:effectLst>
-                <a:outerShdw blurRad="38100" dist="19050" dir="2700000" algn="tl" rotWithShape="0">
-                  <a:schemeClr val="dk1">
-                    <a:alpha val="40000"/>
-                  </a:schemeClr>
-                </a:outerShdw>
-              </a:effectLst>
-            </a:endParaRPr>
-          </a:p>
-          <a:p>
-            <a:pPr algn="ctr"/>
-            <a:r>
-              <a:rPr lang="ja-JP" altLang="en-US" sz="4400" dirty="0">
-                <a:ln w="0"/>
-                <a:effectLst>
-                  <a:outerShdw blurRad="38100" dist="19050" dir="2700000" algn="tl" rotWithShape="0">
-                    <a:schemeClr val="dk1">
-                      <a:alpha val="40000"/>
-                    </a:schemeClr>
-                  </a:outerShdw>
-                </a:effectLst>
-              </a:rPr>
-              <a:t>  </a:t>
-            </a:r>
-            <a:r>
-              <a:rPr lang="en-US" altLang="ja-JP" sz="4400" dirty="0">
-                <a:ln w="0"/>
-                <a:solidFill>
-                  <a:schemeClr val="bg1"/>
-                </a:solidFill>
-                <a:effectLst>
-                  <a:outerShdw blurRad="38100" dist="19050" dir="2700000" algn="tl" rotWithShape="0">
-                    <a:schemeClr val="dk1">
-                      <a:alpha val="40000"/>
-                    </a:schemeClr>
-                  </a:outerShdw>
-                </a:effectLst>
-                <a:highlight>
-                  <a:srgbClr val="000000"/>
-                </a:highlight>
-              </a:rPr>
-              <a:t>$ git </a:t>
-            </a:r>
-            <a:r>
-              <a:rPr lang="en-US" altLang="ja-JP" sz="4400" b="0" cap="none" spc="0" dirty="0" err="1">
-                <a:ln w="0"/>
-                <a:solidFill>
-                  <a:schemeClr val="bg1"/>
-                </a:solidFill>
-                <a:effectLst>
-                  <a:outerShdw blurRad="38100" dist="19050" dir="2700000" algn="tl" rotWithShape="0">
-                    <a:schemeClr val="dk1">
-                      <a:alpha val="40000"/>
-                    </a:schemeClr>
-                  </a:outerShdw>
-                </a:effectLst>
-                <a:highlight>
-                  <a:srgbClr val="000000"/>
-                </a:highlight>
-              </a:rPr>
-              <a:t>in</a:t>
-            </a:r>
-            <a:r>
-              <a:rPr lang="en-US" altLang="ja-JP" sz="4400" dirty="0" err="1">
-                <a:ln w="0"/>
-                <a:solidFill>
-                  <a:schemeClr val="bg1"/>
-                </a:solidFill>
-                <a:effectLst>
-                  <a:outerShdw blurRad="38100" dist="19050" dir="2700000" algn="tl" rotWithShape="0">
-                    <a:schemeClr val="dk1">
-                      <a:alpha val="40000"/>
-                    </a:schemeClr>
-                  </a:outerShdw>
-                </a:effectLst>
-                <a:highlight>
-                  <a:srgbClr val="000000"/>
-                </a:highlight>
-              </a:rPr>
-              <a:t>it</a:t>
-            </a:r>
-            <a:r>
-              <a:rPr lang="ja-JP" altLang="en-US" sz="4400" dirty="0">
-                <a:ln w="0"/>
-                <a:solidFill>
-                  <a:schemeClr val="bg1"/>
-                </a:solidFill>
-                <a:effectLst>
-                  <a:outerShdw blurRad="38100" dist="19050" dir="2700000" algn="tl" rotWithShape="0">
-                    <a:schemeClr val="dk1">
-                      <a:alpha val="40000"/>
-                    </a:schemeClr>
-                  </a:outerShdw>
-                </a:effectLst>
-              </a:rPr>
-              <a:t>　</a:t>
-            </a:r>
-            <a:r>
-              <a:rPr lang="en-US" altLang="ja-JP" sz="4400" dirty="0">
-                <a:ln w="0"/>
-                <a:solidFill>
-                  <a:schemeClr val="bg1"/>
-                </a:solidFill>
-                <a:effectLst>
-                  <a:outerShdw blurRad="38100" dist="19050" dir="2700000" algn="tl" rotWithShape="0">
-                    <a:schemeClr val="dk1">
-                      <a:alpha val="40000"/>
-                    </a:schemeClr>
-                  </a:outerShdw>
-                </a:effectLst>
-              </a:rPr>
-              <a:t> </a:t>
-            </a:r>
-            <a:r>
-              <a:rPr lang="en-US" altLang="ja-JP" sz="4400" dirty="0">
-                <a:ln w="0"/>
-                <a:solidFill>
-                  <a:schemeClr val="bg1"/>
-                </a:solidFill>
-                <a:effectLst>
-                  <a:outerShdw blurRad="38100" dist="19050" dir="2700000" algn="tl" rotWithShape="0">
-                    <a:schemeClr val="dk1">
-                      <a:alpha val="40000"/>
-                    </a:schemeClr>
-                  </a:outerShdw>
-                </a:effectLst>
-                <a:highlight>
-                  <a:srgbClr val="000000"/>
-                </a:highlight>
-              </a:rPr>
-              <a:t> </a:t>
-            </a:r>
-          </a:p>
-          <a:p>
-            <a:r>
-              <a:rPr lang="ja-JP" altLang="en-US" sz="4400" dirty="0">
-                <a:ln w="0"/>
-                <a:effectLst>
-                  <a:outerShdw blurRad="38100" dist="19050" dir="2700000" algn="tl" rotWithShape="0">
-                    <a:schemeClr val="dk1">
-                      <a:alpha val="40000"/>
-                    </a:schemeClr>
-                  </a:outerShdw>
-                </a:effectLst>
-              </a:rPr>
-              <a:t>と打ち込めば</a:t>
-            </a:r>
-            <a:r>
-              <a:rPr lang="en-US" altLang="ja-JP" sz="4400" dirty="0">
-                <a:ln w="0"/>
-                <a:effectLst>
-                  <a:outerShdw blurRad="38100" dist="19050" dir="2700000" algn="tl" rotWithShape="0">
-                    <a:schemeClr val="dk1">
-                      <a:alpha val="40000"/>
-                    </a:schemeClr>
-                  </a:outerShdw>
-                </a:effectLst>
-              </a:rPr>
-              <a:t>.git</a:t>
-            </a:r>
-            <a:r>
-              <a:rPr lang="ja-JP" altLang="en-US" sz="4400" dirty="0">
-                <a:ln w="0"/>
-                <a:effectLst>
-                  <a:outerShdw blurRad="38100" dist="19050" dir="2700000" algn="tl" rotWithShape="0">
-                    <a:schemeClr val="dk1">
-                      <a:alpha val="40000"/>
-                    </a:schemeClr>
-                  </a:outerShdw>
-                </a:effectLst>
-              </a:rPr>
-              <a:t>が作られリポジトリとなる。</a:t>
-            </a:r>
-            <a:endParaRPr lang="ja-JP" altLang="en-US" sz="4400" b="0" cap="none" spc="0" dirty="0">
-              <a:ln w="0"/>
-              <a:solidFill>
-                <a:schemeClr val="tx1"/>
-              </a:solidFill>
-              <a:effectLst>
-                <a:outerShdw blurRad="38100" dist="19050" dir="2700000" algn="tl" rotWithShape="0">
-                  <a:schemeClr val="dk1">
-                    <a:alpha val="40000"/>
-                  </a:schemeClr>
-                </a:outerShdw>
-              </a:effectLst>
-            </a:endParaRPr>
-          </a:p>
-        </p:txBody>
-      </p:sp>
-      <p:grpSp>
-        <p:nvGrpSpPr>
-          <p:cNvPr id="12" name="グループ化 11">
-            <a:extLst>
-              <a:ext uri="{FF2B5EF4-FFF2-40B4-BE49-F238E27FC236}">
-                <a16:creationId xmlns:a16="http://schemas.microsoft.com/office/drawing/2014/main" id="{848679D3-5D4E-460A-8D9F-BE87AAB0B5D8}"/>
-              </a:ext>
-            </a:extLst>
-          </p:cNvPr>
-          <p:cNvGrpSpPr/>
-          <p:nvPr/>
-        </p:nvGrpSpPr>
-        <p:grpSpPr>
-          <a:xfrm>
-            <a:off x="896236" y="4844487"/>
-            <a:ext cx="3937656" cy="1479136"/>
-            <a:chOff x="896236" y="4844487"/>
-            <a:chExt cx="3937656" cy="1479136"/>
-          </a:xfrm>
-        </p:grpSpPr>
-        <p:pic>
-          <p:nvPicPr>
-            <p:cNvPr id="6" name="図 5">
-              <a:extLst>
-                <a:ext uri="{FF2B5EF4-FFF2-40B4-BE49-F238E27FC236}">
-                  <a16:creationId xmlns:a16="http://schemas.microsoft.com/office/drawing/2014/main" id="{4E209F37-1C04-470B-935D-091A25E775DE}"/>
-                </a:ext>
-              </a:extLst>
-            </p:cNvPr>
-            <p:cNvPicPr>
-              <a:picLocks noChangeAspect="1"/>
-            </p:cNvPicPr>
-            <p:nvPr/>
-          </p:nvPicPr>
-          <p:blipFill rotWithShape="1">
-            <a:blip r:embed="rId2"/>
-            <a:srcRect r="54080"/>
-            <a:stretch/>
-          </p:blipFill>
-          <p:spPr>
-            <a:xfrm>
-              <a:off x="896236" y="4844487"/>
-              <a:ext cx="3409434" cy="1479136"/>
-            </a:xfrm>
-            <a:prstGeom prst="rect">
-              <a:avLst/>
-            </a:prstGeom>
-          </p:spPr>
-        </p:pic>
-        <p:sp>
-          <p:nvSpPr>
-            <p:cNvPr id="9" name="矢印: 左 8">
-              <a:extLst>
-                <a:ext uri="{FF2B5EF4-FFF2-40B4-BE49-F238E27FC236}">
-                  <a16:creationId xmlns:a16="http://schemas.microsoft.com/office/drawing/2014/main" id="{87BD4F7B-89F7-4EE6-A997-DE8E5559C546}"/>
-                </a:ext>
-              </a:extLst>
-            </p:cNvPr>
-            <p:cNvSpPr/>
-            <p:nvPr/>
-          </p:nvSpPr>
-          <p:spPr>
-            <a:xfrm>
-              <a:off x="4043779" y="5708342"/>
-              <a:ext cx="790113" cy="381740"/>
-            </a:xfrm>
-            <a:prstGeom prst="leftArrow">
-              <a:avLst/>
-            </a:prstGeom>
-            <a:solidFill>
-              <a:srgbClr val="FFC000"/>
-            </a:solidFill>
-            <a:ln>
-              <a:solidFill>
-                <a:srgbClr val="FF0000"/>
-              </a:solidFill>
-            </a:ln>
-          </p:spPr>
-          <p:style>
-            <a:lnRef idx="2">
-              <a:schemeClr val="accent2">
-                <a:shade val="50000"/>
-              </a:schemeClr>
-            </a:lnRef>
-            <a:fillRef idx="1">
-              <a:schemeClr val="accent2"/>
-            </a:fillRef>
-            <a:effectRef idx="0">
-              <a:schemeClr val="accent2"/>
-            </a:effectRef>
-            <a:fontRef idx="minor">
-              <a:schemeClr val="lt1"/>
-            </a:fontRef>
-          </p:style>
-          <p:txBody>
-            <a:bodyPr rtlCol="0" anchor="ctr"/>
-            <a:lstStyle/>
-            <a:p>
-              <a:pPr algn="ctr"/>
-              <a:endParaRPr kumimoji="1" lang="ja-JP" altLang="en-US"/>
-            </a:p>
-          </p:txBody>
-        </p:sp>
-      </p:grpSp>
-      <p:pic>
-        <p:nvPicPr>
-          <p:cNvPr id="14" name="図 13">
-            <a:extLst>
-              <a:ext uri="{FF2B5EF4-FFF2-40B4-BE49-F238E27FC236}">
-                <a16:creationId xmlns:a16="http://schemas.microsoft.com/office/drawing/2014/main" id="{A4267821-9CCA-47CF-ACB4-820D2D445059}"/>
-              </a:ext>
-            </a:extLst>
-          </p:cNvPr>
-          <p:cNvPicPr>
-            <a:picLocks noChangeAspect="1"/>
-          </p:cNvPicPr>
-          <p:nvPr/>
-        </p:nvPicPr>
-        <p:blipFill>
-          <a:blip r:embed="rId3"/>
-          <a:stretch>
-            <a:fillRect/>
-          </a:stretch>
-        </p:blipFill>
-        <p:spPr>
-          <a:xfrm>
-            <a:off x="5199767" y="4844487"/>
-            <a:ext cx="6651387" cy="597525"/>
-          </a:xfrm>
-          <a:prstGeom prst="rect">
-            <a:avLst/>
-          </a:prstGeom>
-        </p:spPr>
-      </p:pic>
-    </p:spTree>
-    <p:extLst>
-      <p:ext uri="{BB962C8B-B14F-4D97-AF65-F5344CB8AC3E}">
-        <p14:creationId xmlns:p14="http://schemas.microsoft.com/office/powerpoint/2010/main" val="2945140515"/>
       </p:ext>
     </p:extLst>
   </p:cSld>
